--- a/永续地牢Ouroboros 设计方案.pptx
+++ b/永续地牢Ouroboros 设计方案.pptx
@@ -3,16 +3,21 @@
 <p:presentation xmlns:a="http://schemas.openxmlformats.org/drawingml/2006/main" xmlns:r="http://schemas.openxmlformats.org/officeDocument/2006/relationships" xmlns:p="http://schemas.openxmlformats.org/presentationml/2006/main">
   <p:sldMasterIdLst>
     <p:sldMasterId id="2147483648" r:id="rId1"/>
-    <p:sldMasterId id="2147483660" r:id="rId3"/>
+    <p:sldMasterId id="2147483660" r:id="rId2"/>
   </p:sldMasterIdLst>
   <p:sldIdLst>
-    <p:sldId id="256" r:id="rId4"/>
-    <p:sldId id="257" r:id="rId5"/>
-    <p:sldId id="259" r:id="rId6"/>
+    <p:sldId id="256" r:id="rId3"/>
+    <p:sldId id="257" r:id="rId4"/>
+    <p:sldId id="259" r:id="rId5"/>
+    <p:sldId id="264" r:id="rId6"/>
     <p:sldId id="262" r:id="rId7"/>
-    <p:sldId id="258" r:id="rId8"/>
-    <p:sldId id="263" r:id="rId9"/>
-    <p:sldId id="260" r:id="rId10"/>
+    <p:sldId id="265" r:id="rId8"/>
+    <p:sldId id="266" r:id="rId9"/>
+    <p:sldId id="267" r:id="rId10"/>
+    <p:sldId id="258" r:id="rId11"/>
+    <p:sldId id="269" r:id="rId12"/>
+    <p:sldId id="263" r:id="rId13"/>
+    <p:sldId id="268" r:id="rId14"/>
   </p:sldIdLst>
   <p:sldSz cx="12192000" cy="6858000"/>
   <p:notesSz cx="6858000" cy="9144000"/>
@@ -111,6 +116,22 @@
       </a:defRPr>
     </a:lvl9pPr>
   </p:defaultTextStyle>
+  <p:extLst>
+    <p:ext uri="{EFAFB233-063F-42B5-8137-9DF3F51BA10A}">
+      <p15:sldGuideLst xmlns:p15="http://schemas.microsoft.com/office/powerpoint/2012/main">
+        <p15:guide id="1" orient="horz" pos="2160">
+          <p15:clr>
+            <a:srgbClr val="A4A3A4"/>
+          </p15:clr>
+        </p15:guide>
+        <p15:guide id="2" pos="3840">
+          <p15:clr>
+            <a:srgbClr val="A4A3A4"/>
+          </p15:clr>
+        </p15:guide>
+      </p15:sldGuideLst>
+    </p:ext>
+  </p:extLst>
 </p:presentation>
 </file>
 
@@ -159,7 +180,6 @@
               <a:rPr lang="zh-CN" altLang="en-US"/>
               <a:t>单击此处编辑母版标题样式</a:t>
             </a:r>
-            <a:endParaRPr lang="zh-CN" altLang="en-US"/>
           </a:p>
         </p:txBody>
       </p:sp>
@@ -224,7 +244,6 @@
               <a:rPr lang="zh-CN" altLang="en-US"/>
               <a:t>单击此处编辑母版副标题样式</a:t>
             </a:r>
-            <a:endParaRPr lang="zh-CN" altLang="en-US"/>
           </a:p>
         </p:txBody>
       </p:sp>
@@ -245,6 +264,7 @@
           <a:p>
             <a:fld id="{68DBBCA6-A449-4480-82EA-F3D557971EAF}" type="datetimeFigureOut">
               <a:rPr lang="zh-CN" altLang="en-US" smtClean="0"/>
+              <a:t>2023/4/24</a:t>
             </a:fld>
             <a:endParaRPr lang="zh-CN" altLang="en-US"/>
           </a:p>
@@ -286,6 +306,7 @@
           <a:p>
             <a:fld id="{B461F030-2286-4C30-8CEE-BE0B56EF53B9}" type="slidenum">
               <a:rPr lang="zh-CN" altLang="en-US" smtClean="0"/>
+              <a:t>‹#›</a:t>
             </a:fld>
             <a:endParaRPr lang="zh-CN" altLang="en-US"/>
           </a:p>
@@ -296,13 +317,13 @@
   <p:clrMapOvr>
     <a:masterClrMapping/>
   </p:clrMapOvr>
-  <mc:AlternateContent xmlns:mc="http://schemas.openxmlformats.org/markup-compatibility/2006">
-    <mc:Choice xmlns:p15="http://schemas.microsoft.com/office/powerpoint/2012/main" Requires="p15">
-      <p:transition xmlns:p14="http://schemas.microsoft.com/office/powerpoint/2010/main" spd="slow" Requires="p14" p14:dur="1250">
+  <mc:AlternateContent xmlns:mc="http://schemas.openxmlformats.org/markup-compatibility/2006" xmlns:p15="http://schemas.microsoft.com/office/powerpoint/2012/main">
+    <mc:Choice Requires="p15">
+      <p:transition xmlns:p14="http://schemas.microsoft.com/office/powerpoint/2010/main" spd="slow" p14:dur="1250">
         <p15:prstTrans prst="pageCurlDouble"/>
       </p:transition>
     </mc:Choice>
-    <mc:Fallback>
+    <mc:Fallback xmlns="">
       <p:transition spd="slow">
         <p:fade/>
       </p:transition>
@@ -347,7 +368,6 @@
               <a:rPr lang="zh-CN" altLang="en-US"/>
               <a:t>单击此处编辑母版标题样式</a:t>
             </a:r>
-            <a:endParaRPr lang="zh-CN" altLang="en-US"/>
           </a:p>
         </p:txBody>
       </p:sp>
@@ -371,7 +391,6 @@
               <a:rPr lang="zh-CN" altLang="en-US"/>
               <a:t>单击此处编辑母版文本样式</a:t>
             </a:r>
-            <a:endParaRPr lang="zh-CN" altLang="en-US"/>
           </a:p>
           <a:p>
             <a:pPr lvl="1"/>
@@ -379,7 +398,6 @@
               <a:rPr lang="zh-CN" altLang="en-US"/>
               <a:t>二级</a:t>
             </a:r>
-            <a:endParaRPr lang="zh-CN" altLang="en-US"/>
           </a:p>
           <a:p>
             <a:pPr lvl="2"/>
@@ -387,7 +405,6 @@
               <a:rPr lang="zh-CN" altLang="en-US"/>
               <a:t>三级</a:t>
             </a:r>
-            <a:endParaRPr lang="zh-CN" altLang="en-US"/>
           </a:p>
           <a:p>
             <a:pPr lvl="3"/>
@@ -395,7 +412,6 @@
               <a:rPr lang="zh-CN" altLang="en-US"/>
               <a:t>四级</a:t>
             </a:r>
-            <a:endParaRPr lang="zh-CN" altLang="en-US"/>
           </a:p>
           <a:p>
             <a:pPr lvl="4"/>
@@ -403,7 +419,6 @@
               <a:rPr lang="zh-CN" altLang="en-US"/>
               <a:t>五级</a:t>
             </a:r>
-            <a:endParaRPr lang="zh-CN" altLang="en-US"/>
           </a:p>
         </p:txBody>
       </p:sp>
@@ -424,6 +439,7 @@
           <a:p>
             <a:fld id="{68DBBCA6-A449-4480-82EA-F3D557971EAF}" type="datetimeFigureOut">
               <a:rPr lang="zh-CN" altLang="en-US" smtClean="0"/>
+              <a:t>2023/4/24</a:t>
             </a:fld>
             <a:endParaRPr lang="zh-CN" altLang="en-US"/>
           </a:p>
@@ -465,6 +481,7 @@
           <a:p>
             <a:fld id="{B461F030-2286-4C30-8CEE-BE0B56EF53B9}" type="slidenum">
               <a:rPr lang="zh-CN" altLang="en-US" smtClean="0"/>
+              <a:t>‹#›</a:t>
             </a:fld>
             <a:endParaRPr lang="zh-CN" altLang="en-US"/>
           </a:p>
@@ -475,13 +492,13 @@
   <p:clrMapOvr>
     <a:masterClrMapping/>
   </p:clrMapOvr>
-  <mc:AlternateContent xmlns:mc="http://schemas.openxmlformats.org/markup-compatibility/2006">
-    <mc:Choice xmlns:p15="http://schemas.microsoft.com/office/powerpoint/2012/main" Requires="p15">
-      <p:transition xmlns:p14="http://schemas.microsoft.com/office/powerpoint/2010/main" spd="slow" Requires="p14" p14:dur="1250">
+  <mc:AlternateContent xmlns:mc="http://schemas.openxmlformats.org/markup-compatibility/2006" xmlns:p15="http://schemas.microsoft.com/office/powerpoint/2012/main">
+    <mc:Choice Requires="p15">
+      <p:transition xmlns:p14="http://schemas.microsoft.com/office/powerpoint/2010/main" spd="slow" p14:dur="1250">
         <p15:prstTrans prst="pageCurlDouble"/>
       </p:transition>
     </mc:Choice>
-    <mc:Fallback>
+    <mc:Fallback xmlns="">
       <p:transition spd="slow">
         <p:fade/>
       </p:transition>
@@ -531,7 +548,6 @@
               <a:rPr lang="zh-CN" altLang="en-US"/>
               <a:t>单击此处编辑母版标题样式</a:t>
             </a:r>
-            <a:endParaRPr lang="zh-CN" altLang="en-US"/>
           </a:p>
         </p:txBody>
       </p:sp>
@@ -560,7 +576,6 @@
               <a:rPr lang="zh-CN" altLang="en-US"/>
               <a:t>单击此处编辑母版文本样式</a:t>
             </a:r>
-            <a:endParaRPr lang="zh-CN" altLang="en-US"/>
           </a:p>
           <a:p>
             <a:pPr lvl="1"/>
@@ -568,7 +583,6 @@
               <a:rPr lang="zh-CN" altLang="en-US"/>
               <a:t>二级</a:t>
             </a:r>
-            <a:endParaRPr lang="zh-CN" altLang="en-US"/>
           </a:p>
           <a:p>
             <a:pPr lvl="2"/>
@@ -576,7 +590,6 @@
               <a:rPr lang="zh-CN" altLang="en-US"/>
               <a:t>三级</a:t>
             </a:r>
-            <a:endParaRPr lang="zh-CN" altLang="en-US"/>
           </a:p>
           <a:p>
             <a:pPr lvl="3"/>
@@ -584,7 +597,6 @@
               <a:rPr lang="zh-CN" altLang="en-US"/>
               <a:t>四级</a:t>
             </a:r>
-            <a:endParaRPr lang="zh-CN" altLang="en-US"/>
           </a:p>
           <a:p>
             <a:pPr lvl="4"/>
@@ -592,7 +604,6 @@
               <a:rPr lang="zh-CN" altLang="en-US"/>
               <a:t>五级</a:t>
             </a:r>
-            <a:endParaRPr lang="zh-CN" altLang="en-US"/>
           </a:p>
         </p:txBody>
       </p:sp>
@@ -613,6 +624,7 @@
           <a:p>
             <a:fld id="{68DBBCA6-A449-4480-82EA-F3D557971EAF}" type="datetimeFigureOut">
               <a:rPr lang="zh-CN" altLang="en-US" smtClean="0"/>
+              <a:t>2023/4/24</a:t>
             </a:fld>
             <a:endParaRPr lang="zh-CN" altLang="en-US"/>
           </a:p>
@@ -654,6 +666,7 @@
           <a:p>
             <a:fld id="{B461F030-2286-4C30-8CEE-BE0B56EF53B9}" type="slidenum">
               <a:rPr lang="zh-CN" altLang="en-US" smtClean="0"/>
+              <a:t>‹#›</a:t>
             </a:fld>
             <a:endParaRPr lang="zh-CN" altLang="en-US"/>
           </a:p>
@@ -664,13 +677,13 @@
   <p:clrMapOvr>
     <a:masterClrMapping/>
   </p:clrMapOvr>
-  <mc:AlternateContent xmlns:mc="http://schemas.openxmlformats.org/markup-compatibility/2006">
-    <mc:Choice xmlns:p15="http://schemas.microsoft.com/office/powerpoint/2012/main" Requires="p15">
-      <p:transition xmlns:p14="http://schemas.microsoft.com/office/powerpoint/2010/main" spd="slow" Requires="p14" p14:dur="1250">
+  <mc:AlternateContent xmlns:mc="http://schemas.openxmlformats.org/markup-compatibility/2006" xmlns:p15="http://schemas.microsoft.com/office/powerpoint/2012/main">
+    <mc:Choice Requires="p15">
+      <p:transition xmlns:p14="http://schemas.microsoft.com/office/powerpoint/2010/main" spd="slow" p14:dur="1250">
         <p15:prstTrans prst="pageCurlDouble"/>
       </p:transition>
     </mc:Choice>
-    <mc:Fallback>
+    <mc:Fallback xmlns="">
       <p:transition spd="slow">
         <p:fade/>
       </p:transition>
@@ -724,7 +737,6 @@
               <a:rPr lang="zh-CN" altLang="en-US"/>
               <a:t>单击此处编辑母版标题样式</a:t>
             </a:r>
-            <a:endParaRPr lang="zh-CN" altLang="en-US"/>
           </a:p>
         </p:txBody>
       </p:sp>
@@ -789,7 +801,6 @@
               <a:rPr lang="zh-CN" altLang="en-US"/>
               <a:t>单击此处编辑母版副标题样式</a:t>
             </a:r>
-            <a:endParaRPr lang="zh-CN" altLang="en-US"/>
           </a:p>
         </p:txBody>
       </p:sp>
@@ -810,6 +821,7 @@
           <a:p>
             <a:fld id="{68DBBCA6-A449-4480-82EA-F3D557971EAF}" type="datetimeFigureOut">
               <a:rPr lang="zh-CN" altLang="en-US" smtClean="0"/>
+              <a:t>2023/4/24</a:t>
             </a:fld>
             <a:endParaRPr lang="zh-CN" altLang="en-US"/>
           </a:p>
@@ -851,6 +863,7 @@
           <a:p>
             <a:fld id="{B461F030-2286-4C30-8CEE-BE0B56EF53B9}" type="slidenum">
               <a:rPr lang="zh-CN" altLang="en-US" smtClean="0"/>
+              <a:t>‹#›</a:t>
             </a:fld>
             <a:endParaRPr lang="zh-CN" altLang="en-US"/>
           </a:p>
@@ -861,13 +874,13 @@
   <p:clrMapOvr>
     <a:masterClrMapping/>
   </p:clrMapOvr>
-  <mc:AlternateContent xmlns:mc="http://schemas.openxmlformats.org/markup-compatibility/2006">
-    <mc:Choice xmlns:p15="http://schemas.microsoft.com/office/powerpoint/2012/main" Requires="p15">
-      <p:transition xmlns:p14="http://schemas.microsoft.com/office/powerpoint/2010/main" spd="slow" Requires="p14" p14:dur="1250">
+  <mc:AlternateContent xmlns:mc="http://schemas.openxmlformats.org/markup-compatibility/2006" xmlns:p15="http://schemas.microsoft.com/office/powerpoint/2012/main">
+    <mc:Choice Requires="p15">
+      <p:transition xmlns:p14="http://schemas.microsoft.com/office/powerpoint/2010/main" spd="slow" p14:dur="1250">
         <p15:prstTrans prst="pageCurlDouble"/>
       </p:transition>
     </mc:Choice>
-    <mc:Fallback>
+    <mc:Fallback xmlns="">
       <p:transition spd="slow">
         <p:fade/>
       </p:transition>
@@ -912,7 +925,6 @@
               <a:rPr lang="zh-CN" altLang="en-US"/>
               <a:t>单击此处编辑母版标题样式</a:t>
             </a:r>
-            <a:endParaRPr lang="zh-CN" altLang="en-US"/>
           </a:p>
         </p:txBody>
       </p:sp>
@@ -936,7 +948,6 @@
               <a:rPr lang="zh-CN" altLang="en-US"/>
               <a:t>单击此处编辑母版文本样式</a:t>
             </a:r>
-            <a:endParaRPr lang="zh-CN" altLang="en-US"/>
           </a:p>
           <a:p>
             <a:pPr lvl="1"/>
@@ -944,7 +955,6 @@
               <a:rPr lang="zh-CN" altLang="en-US"/>
               <a:t>二级</a:t>
             </a:r>
-            <a:endParaRPr lang="zh-CN" altLang="en-US"/>
           </a:p>
           <a:p>
             <a:pPr lvl="2"/>
@@ -952,7 +962,6 @@
               <a:rPr lang="zh-CN" altLang="en-US"/>
               <a:t>三级</a:t>
             </a:r>
-            <a:endParaRPr lang="zh-CN" altLang="en-US"/>
           </a:p>
           <a:p>
             <a:pPr lvl="3"/>
@@ -960,7 +969,6 @@
               <a:rPr lang="zh-CN" altLang="en-US"/>
               <a:t>四级</a:t>
             </a:r>
-            <a:endParaRPr lang="zh-CN" altLang="en-US"/>
           </a:p>
           <a:p>
             <a:pPr lvl="4"/>
@@ -968,7 +976,6 @@
               <a:rPr lang="zh-CN" altLang="en-US"/>
               <a:t>五级</a:t>
             </a:r>
-            <a:endParaRPr lang="zh-CN" altLang="en-US"/>
           </a:p>
         </p:txBody>
       </p:sp>
@@ -989,6 +996,7 @@
           <a:p>
             <a:fld id="{68DBBCA6-A449-4480-82EA-F3D557971EAF}" type="datetimeFigureOut">
               <a:rPr lang="zh-CN" altLang="en-US" smtClean="0"/>
+              <a:t>2023/4/24</a:t>
             </a:fld>
             <a:endParaRPr lang="zh-CN" altLang="en-US"/>
           </a:p>
@@ -1030,6 +1038,7 @@
           <a:p>
             <a:fld id="{B461F030-2286-4C30-8CEE-BE0B56EF53B9}" type="slidenum">
               <a:rPr lang="zh-CN" altLang="en-US" smtClean="0"/>
+              <a:t>‹#›</a:t>
             </a:fld>
             <a:endParaRPr lang="zh-CN" altLang="en-US"/>
           </a:p>
@@ -1040,13 +1049,13 @@
   <p:clrMapOvr>
     <a:masterClrMapping/>
   </p:clrMapOvr>
-  <mc:AlternateContent xmlns:mc="http://schemas.openxmlformats.org/markup-compatibility/2006">
-    <mc:Choice xmlns:p15="http://schemas.microsoft.com/office/powerpoint/2012/main" Requires="p15">
-      <p:transition xmlns:p14="http://schemas.microsoft.com/office/powerpoint/2010/main" spd="slow" Requires="p14" p14:dur="1250">
+  <mc:AlternateContent xmlns:mc="http://schemas.openxmlformats.org/markup-compatibility/2006" xmlns:p15="http://schemas.microsoft.com/office/powerpoint/2012/main">
+    <mc:Choice Requires="p15">
+      <p:transition xmlns:p14="http://schemas.microsoft.com/office/powerpoint/2010/main" spd="slow" p14:dur="1250">
         <p15:prstTrans prst="pageCurlDouble"/>
       </p:transition>
     </mc:Choice>
-    <mc:Fallback>
+    <mc:Fallback xmlns="">
       <p:transition spd="slow">
         <p:fade/>
       </p:transition>
@@ -1100,7 +1109,6 @@
               <a:rPr lang="zh-CN" altLang="en-US"/>
               <a:t>单击此处编辑母版标题样式</a:t>
             </a:r>
-            <a:endParaRPr lang="zh-CN" altLang="en-US"/>
           </a:p>
         </p:txBody>
       </p:sp>
@@ -1220,7 +1228,6 @@
               <a:rPr lang="zh-CN" altLang="en-US"/>
               <a:t>单击此处编辑母版文本样式</a:t>
             </a:r>
-            <a:endParaRPr lang="zh-CN" altLang="en-US"/>
           </a:p>
         </p:txBody>
       </p:sp>
@@ -1241,6 +1248,7 @@
           <a:p>
             <a:fld id="{68DBBCA6-A449-4480-82EA-F3D557971EAF}" type="datetimeFigureOut">
               <a:rPr lang="zh-CN" altLang="en-US" smtClean="0"/>
+              <a:t>2023/4/24</a:t>
             </a:fld>
             <a:endParaRPr lang="zh-CN" altLang="en-US"/>
           </a:p>
@@ -1282,6 +1290,7 @@
           <a:p>
             <a:fld id="{B461F030-2286-4C30-8CEE-BE0B56EF53B9}" type="slidenum">
               <a:rPr lang="zh-CN" altLang="en-US" smtClean="0"/>
+              <a:t>‹#›</a:t>
             </a:fld>
             <a:endParaRPr lang="zh-CN" altLang="en-US"/>
           </a:p>
@@ -1292,13 +1301,13 @@
   <p:clrMapOvr>
     <a:masterClrMapping/>
   </p:clrMapOvr>
-  <mc:AlternateContent xmlns:mc="http://schemas.openxmlformats.org/markup-compatibility/2006">
-    <mc:Choice xmlns:p15="http://schemas.microsoft.com/office/powerpoint/2012/main" Requires="p15">
-      <p:transition xmlns:p14="http://schemas.microsoft.com/office/powerpoint/2010/main" spd="slow" Requires="p14" p14:dur="1250">
+  <mc:AlternateContent xmlns:mc="http://schemas.openxmlformats.org/markup-compatibility/2006" xmlns:p15="http://schemas.microsoft.com/office/powerpoint/2012/main">
+    <mc:Choice Requires="p15">
+      <p:transition xmlns:p14="http://schemas.microsoft.com/office/powerpoint/2010/main" spd="slow" p14:dur="1250">
         <p15:prstTrans prst="pageCurlDouble"/>
       </p:transition>
     </mc:Choice>
-    <mc:Fallback>
+    <mc:Fallback xmlns="">
       <p:transition spd="slow">
         <p:fade/>
       </p:transition>
@@ -1343,7 +1352,6 @@
               <a:rPr lang="zh-CN" altLang="en-US"/>
               <a:t>单击此处编辑母版标题样式</a:t>
             </a:r>
-            <a:endParaRPr lang="zh-CN" altLang="en-US"/>
           </a:p>
         </p:txBody>
       </p:sp>
@@ -1372,7 +1380,6 @@
               <a:rPr lang="zh-CN" altLang="en-US"/>
               <a:t>单击此处编辑母版文本样式</a:t>
             </a:r>
-            <a:endParaRPr lang="zh-CN" altLang="en-US"/>
           </a:p>
           <a:p>
             <a:pPr lvl="1"/>
@@ -1380,7 +1387,6 @@
               <a:rPr lang="zh-CN" altLang="en-US"/>
               <a:t>二级</a:t>
             </a:r>
-            <a:endParaRPr lang="zh-CN" altLang="en-US"/>
           </a:p>
           <a:p>
             <a:pPr lvl="2"/>
@@ -1388,7 +1394,6 @@
               <a:rPr lang="zh-CN" altLang="en-US"/>
               <a:t>三级</a:t>
             </a:r>
-            <a:endParaRPr lang="zh-CN" altLang="en-US"/>
           </a:p>
           <a:p>
             <a:pPr lvl="3"/>
@@ -1396,7 +1401,6 @@
               <a:rPr lang="zh-CN" altLang="en-US"/>
               <a:t>四级</a:t>
             </a:r>
-            <a:endParaRPr lang="zh-CN" altLang="en-US"/>
           </a:p>
           <a:p>
             <a:pPr lvl="4"/>
@@ -1404,7 +1408,6 @@
               <a:rPr lang="zh-CN" altLang="en-US"/>
               <a:t>五级</a:t>
             </a:r>
-            <a:endParaRPr lang="zh-CN" altLang="en-US"/>
           </a:p>
         </p:txBody>
       </p:sp>
@@ -1433,7 +1436,6 @@
               <a:rPr lang="zh-CN" altLang="en-US"/>
               <a:t>单击此处编辑母版文本样式</a:t>
             </a:r>
-            <a:endParaRPr lang="zh-CN" altLang="en-US"/>
           </a:p>
           <a:p>
             <a:pPr lvl="1"/>
@@ -1441,7 +1443,6 @@
               <a:rPr lang="zh-CN" altLang="en-US"/>
               <a:t>二级</a:t>
             </a:r>
-            <a:endParaRPr lang="zh-CN" altLang="en-US"/>
           </a:p>
           <a:p>
             <a:pPr lvl="2"/>
@@ -1449,7 +1450,6 @@
               <a:rPr lang="zh-CN" altLang="en-US"/>
               <a:t>三级</a:t>
             </a:r>
-            <a:endParaRPr lang="zh-CN" altLang="en-US"/>
           </a:p>
           <a:p>
             <a:pPr lvl="3"/>
@@ -1457,7 +1457,6 @@
               <a:rPr lang="zh-CN" altLang="en-US"/>
               <a:t>四级</a:t>
             </a:r>
-            <a:endParaRPr lang="zh-CN" altLang="en-US"/>
           </a:p>
           <a:p>
             <a:pPr lvl="4"/>
@@ -1465,7 +1464,6 @@
               <a:rPr lang="zh-CN" altLang="en-US"/>
               <a:t>五级</a:t>
             </a:r>
-            <a:endParaRPr lang="zh-CN" altLang="en-US"/>
           </a:p>
         </p:txBody>
       </p:sp>
@@ -1486,6 +1484,7 @@
           <a:p>
             <a:fld id="{68DBBCA6-A449-4480-82EA-F3D557971EAF}" type="datetimeFigureOut">
               <a:rPr lang="zh-CN" altLang="en-US" smtClean="0"/>
+              <a:t>2023/4/24</a:t>
             </a:fld>
             <a:endParaRPr lang="zh-CN" altLang="en-US"/>
           </a:p>
@@ -1527,6 +1526,7 @@
           <a:p>
             <a:fld id="{B461F030-2286-4C30-8CEE-BE0B56EF53B9}" type="slidenum">
               <a:rPr lang="zh-CN" altLang="en-US" smtClean="0"/>
+              <a:t>‹#›</a:t>
             </a:fld>
             <a:endParaRPr lang="zh-CN" altLang="en-US"/>
           </a:p>
@@ -1537,13 +1537,13 @@
   <p:clrMapOvr>
     <a:masterClrMapping/>
   </p:clrMapOvr>
-  <mc:AlternateContent xmlns:mc="http://schemas.openxmlformats.org/markup-compatibility/2006">
-    <mc:Choice xmlns:p15="http://schemas.microsoft.com/office/powerpoint/2012/main" Requires="p15">
-      <p:transition xmlns:p14="http://schemas.microsoft.com/office/powerpoint/2010/main" spd="slow" Requires="p14" p14:dur="1250">
+  <mc:AlternateContent xmlns:mc="http://schemas.openxmlformats.org/markup-compatibility/2006" xmlns:p15="http://schemas.microsoft.com/office/powerpoint/2012/main">
+    <mc:Choice Requires="p15">
+      <p:transition xmlns:p14="http://schemas.microsoft.com/office/powerpoint/2010/main" spd="slow" p14:dur="1250">
         <p15:prstTrans prst="pageCurlDouble"/>
       </p:transition>
     </mc:Choice>
-    <mc:Fallback>
+    <mc:Fallback xmlns="">
       <p:transition spd="slow">
         <p:fade/>
       </p:transition>
@@ -1593,7 +1593,6 @@
               <a:rPr lang="zh-CN" altLang="en-US"/>
               <a:t>单击此处编辑母版标题样式</a:t>
             </a:r>
-            <a:endParaRPr lang="zh-CN" altLang="en-US"/>
           </a:p>
         </p:txBody>
       </p:sp>
@@ -1659,7 +1658,6 @@
               <a:rPr lang="zh-CN" altLang="en-US"/>
               <a:t>单击此处编辑母版文本样式</a:t>
             </a:r>
-            <a:endParaRPr lang="zh-CN" altLang="en-US"/>
           </a:p>
         </p:txBody>
       </p:sp>
@@ -1688,7 +1686,6 @@
               <a:rPr lang="zh-CN" altLang="en-US"/>
               <a:t>单击此处编辑母版文本样式</a:t>
             </a:r>
-            <a:endParaRPr lang="zh-CN" altLang="en-US"/>
           </a:p>
           <a:p>
             <a:pPr lvl="1"/>
@@ -1696,7 +1693,6 @@
               <a:rPr lang="zh-CN" altLang="en-US"/>
               <a:t>二级</a:t>
             </a:r>
-            <a:endParaRPr lang="zh-CN" altLang="en-US"/>
           </a:p>
           <a:p>
             <a:pPr lvl="2"/>
@@ -1704,7 +1700,6 @@
               <a:rPr lang="zh-CN" altLang="en-US"/>
               <a:t>三级</a:t>
             </a:r>
-            <a:endParaRPr lang="zh-CN" altLang="en-US"/>
           </a:p>
           <a:p>
             <a:pPr lvl="3"/>
@@ -1712,7 +1707,6 @@
               <a:rPr lang="zh-CN" altLang="en-US"/>
               <a:t>四级</a:t>
             </a:r>
-            <a:endParaRPr lang="zh-CN" altLang="en-US"/>
           </a:p>
           <a:p>
             <a:pPr lvl="4"/>
@@ -1720,7 +1714,6 @@
               <a:rPr lang="zh-CN" altLang="en-US"/>
               <a:t>五级</a:t>
             </a:r>
-            <a:endParaRPr lang="zh-CN" altLang="en-US"/>
           </a:p>
         </p:txBody>
       </p:sp>
@@ -1786,7 +1779,6 @@
               <a:rPr lang="zh-CN" altLang="en-US"/>
               <a:t>单击此处编辑母版文本样式</a:t>
             </a:r>
-            <a:endParaRPr lang="zh-CN" altLang="en-US"/>
           </a:p>
         </p:txBody>
       </p:sp>
@@ -1815,7 +1807,6 @@
               <a:rPr lang="zh-CN" altLang="en-US"/>
               <a:t>单击此处编辑母版文本样式</a:t>
             </a:r>
-            <a:endParaRPr lang="zh-CN" altLang="en-US"/>
           </a:p>
           <a:p>
             <a:pPr lvl="1"/>
@@ -1823,7 +1814,6 @@
               <a:rPr lang="zh-CN" altLang="en-US"/>
               <a:t>二级</a:t>
             </a:r>
-            <a:endParaRPr lang="zh-CN" altLang="en-US"/>
           </a:p>
           <a:p>
             <a:pPr lvl="2"/>
@@ -1831,7 +1821,6 @@
               <a:rPr lang="zh-CN" altLang="en-US"/>
               <a:t>三级</a:t>
             </a:r>
-            <a:endParaRPr lang="zh-CN" altLang="en-US"/>
           </a:p>
           <a:p>
             <a:pPr lvl="3"/>
@@ -1839,7 +1828,6 @@
               <a:rPr lang="zh-CN" altLang="en-US"/>
               <a:t>四级</a:t>
             </a:r>
-            <a:endParaRPr lang="zh-CN" altLang="en-US"/>
           </a:p>
           <a:p>
             <a:pPr lvl="4"/>
@@ -1847,7 +1835,6 @@
               <a:rPr lang="zh-CN" altLang="en-US"/>
               <a:t>五级</a:t>
             </a:r>
-            <a:endParaRPr lang="zh-CN" altLang="en-US"/>
           </a:p>
         </p:txBody>
       </p:sp>
@@ -1868,6 +1855,7 @@
           <a:p>
             <a:fld id="{68DBBCA6-A449-4480-82EA-F3D557971EAF}" type="datetimeFigureOut">
               <a:rPr lang="zh-CN" altLang="en-US" smtClean="0"/>
+              <a:t>2023/4/24</a:t>
             </a:fld>
             <a:endParaRPr lang="zh-CN" altLang="en-US"/>
           </a:p>
@@ -1909,6 +1897,7 @@
           <a:p>
             <a:fld id="{B461F030-2286-4C30-8CEE-BE0B56EF53B9}" type="slidenum">
               <a:rPr lang="zh-CN" altLang="en-US" smtClean="0"/>
+              <a:t>‹#›</a:t>
             </a:fld>
             <a:endParaRPr lang="zh-CN" altLang="en-US"/>
           </a:p>
@@ -1919,13 +1908,13 @@
   <p:clrMapOvr>
     <a:masterClrMapping/>
   </p:clrMapOvr>
-  <mc:AlternateContent xmlns:mc="http://schemas.openxmlformats.org/markup-compatibility/2006">
-    <mc:Choice xmlns:p15="http://schemas.microsoft.com/office/powerpoint/2012/main" Requires="p15">
-      <p:transition xmlns:p14="http://schemas.microsoft.com/office/powerpoint/2010/main" spd="slow" Requires="p14" p14:dur="1250">
+  <mc:AlternateContent xmlns:mc="http://schemas.openxmlformats.org/markup-compatibility/2006" xmlns:p15="http://schemas.microsoft.com/office/powerpoint/2012/main">
+    <mc:Choice Requires="p15">
+      <p:transition xmlns:p14="http://schemas.microsoft.com/office/powerpoint/2010/main" spd="slow" p14:dur="1250">
         <p15:prstTrans prst="pageCurlDouble"/>
       </p:transition>
     </mc:Choice>
-    <mc:Fallback>
+    <mc:Fallback xmlns="">
       <p:transition spd="slow">
         <p:fade/>
       </p:transition>
@@ -1970,7 +1959,6 @@
               <a:rPr lang="zh-CN" altLang="en-US"/>
               <a:t>单击此处编辑母版标题样式</a:t>
             </a:r>
-            <a:endParaRPr lang="zh-CN" altLang="en-US"/>
           </a:p>
         </p:txBody>
       </p:sp>
@@ -1991,6 +1979,7 @@
           <a:p>
             <a:fld id="{68DBBCA6-A449-4480-82EA-F3D557971EAF}" type="datetimeFigureOut">
               <a:rPr lang="zh-CN" altLang="en-US" smtClean="0"/>
+              <a:t>2023/4/24</a:t>
             </a:fld>
             <a:endParaRPr lang="zh-CN" altLang="en-US"/>
           </a:p>
@@ -2032,6 +2021,7 @@
           <a:p>
             <a:fld id="{B461F030-2286-4C30-8CEE-BE0B56EF53B9}" type="slidenum">
               <a:rPr lang="zh-CN" altLang="en-US" smtClean="0"/>
+              <a:t>‹#›</a:t>
             </a:fld>
             <a:endParaRPr lang="zh-CN" altLang="en-US"/>
           </a:p>
@@ -2042,13 +2032,13 @@
   <p:clrMapOvr>
     <a:masterClrMapping/>
   </p:clrMapOvr>
-  <mc:AlternateContent xmlns:mc="http://schemas.openxmlformats.org/markup-compatibility/2006">
-    <mc:Choice xmlns:p15="http://schemas.microsoft.com/office/powerpoint/2012/main" Requires="p15">
-      <p:transition xmlns:p14="http://schemas.microsoft.com/office/powerpoint/2010/main" spd="slow" Requires="p14" p14:dur="1250">
+  <mc:AlternateContent xmlns:mc="http://schemas.openxmlformats.org/markup-compatibility/2006" xmlns:p15="http://schemas.microsoft.com/office/powerpoint/2012/main">
+    <mc:Choice Requires="p15">
+      <p:transition xmlns:p14="http://schemas.microsoft.com/office/powerpoint/2010/main" spd="slow" p14:dur="1250">
         <p15:prstTrans prst="pageCurlDouble"/>
       </p:transition>
     </mc:Choice>
-    <mc:Fallback>
+    <mc:Fallback xmlns="">
       <p:transition spd="slow">
         <p:fade/>
       </p:transition>
@@ -2091,6 +2081,7 @@
           <a:p>
             <a:fld id="{68DBBCA6-A449-4480-82EA-F3D557971EAF}" type="datetimeFigureOut">
               <a:rPr lang="zh-CN" altLang="en-US" smtClean="0"/>
+              <a:t>2023/4/24</a:t>
             </a:fld>
             <a:endParaRPr lang="zh-CN" altLang="en-US"/>
           </a:p>
@@ -2132,6 +2123,7 @@
           <a:p>
             <a:fld id="{B461F030-2286-4C30-8CEE-BE0B56EF53B9}" type="slidenum">
               <a:rPr lang="zh-CN" altLang="en-US" smtClean="0"/>
+              <a:t>‹#›</a:t>
             </a:fld>
             <a:endParaRPr lang="zh-CN" altLang="en-US"/>
           </a:p>
@@ -2142,13 +2134,13 @@
   <p:clrMapOvr>
     <a:masterClrMapping/>
   </p:clrMapOvr>
-  <mc:AlternateContent xmlns:mc="http://schemas.openxmlformats.org/markup-compatibility/2006">
-    <mc:Choice xmlns:p15="http://schemas.microsoft.com/office/powerpoint/2012/main" Requires="p15">
-      <p:transition xmlns:p14="http://schemas.microsoft.com/office/powerpoint/2010/main" spd="slow" Requires="p14" p14:dur="1250">
+  <mc:AlternateContent xmlns:mc="http://schemas.openxmlformats.org/markup-compatibility/2006" xmlns:p15="http://schemas.microsoft.com/office/powerpoint/2012/main">
+    <mc:Choice Requires="p15">
+      <p:transition xmlns:p14="http://schemas.microsoft.com/office/powerpoint/2010/main" spd="slow" p14:dur="1250">
         <p15:prstTrans prst="pageCurlDouble"/>
       </p:transition>
     </mc:Choice>
-    <mc:Fallback>
+    <mc:Fallback xmlns="">
       <p:transition spd="slow">
         <p:fade/>
       </p:transition>
@@ -2202,7 +2194,6 @@
               <a:rPr lang="zh-CN" altLang="en-US"/>
               <a:t>单击此处编辑母版标题样式</a:t>
             </a:r>
-            <a:endParaRPr lang="zh-CN" altLang="en-US"/>
           </a:p>
         </p:txBody>
       </p:sp>
@@ -2259,7 +2250,6 @@
               <a:rPr lang="zh-CN" altLang="en-US"/>
               <a:t>单击此处编辑母版文本样式</a:t>
             </a:r>
-            <a:endParaRPr lang="zh-CN" altLang="en-US"/>
           </a:p>
           <a:p>
             <a:pPr lvl="1"/>
@@ -2267,7 +2257,6 @@
               <a:rPr lang="zh-CN" altLang="en-US"/>
               <a:t>二级</a:t>
             </a:r>
-            <a:endParaRPr lang="zh-CN" altLang="en-US"/>
           </a:p>
           <a:p>
             <a:pPr lvl="2"/>
@@ -2275,7 +2264,6 @@
               <a:rPr lang="zh-CN" altLang="en-US"/>
               <a:t>三级</a:t>
             </a:r>
-            <a:endParaRPr lang="zh-CN" altLang="en-US"/>
           </a:p>
           <a:p>
             <a:pPr lvl="3"/>
@@ -2283,7 +2271,6 @@
               <a:rPr lang="zh-CN" altLang="en-US"/>
               <a:t>四级</a:t>
             </a:r>
-            <a:endParaRPr lang="zh-CN" altLang="en-US"/>
           </a:p>
           <a:p>
             <a:pPr lvl="4"/>
@@ -2291,7 +2278,6 @@
               <a:rPr lang="zh-CN" altLang="en-US"/>
               <a:t>五级</a:t>
             </a:r>
-            <a:endParaRPr lang="zh-CN" altLang="en-US"/>
           </a:p>
         </p:txBody>
       </p:sp>
@@ -2357,7 +2343,6 @@
               <a:rPr lang="zh-CN" altLang="en-US"/>
               <a:t>单击此处编辑母版文本样式</a:t>
             </a:r>
-            <a:endParaRPr lang="zh-CN" altLang="en-US"/>
           </a:p>
         </p:txBody>
       </p:sp>
@@ -2378,6 +2363,7 @@
           <a:p>
             <a:fld id="{68DBBCA6-A449-4480-82EA-F3D557971EAF}" type="datetimeFigureOut">
               <a:rPr lang="zh-CN" altLang="en-US" smtClean="0"/>
+              <a:t>2023/4/24</a:t>
             </a:fld>
             <a:endParaRPr lang="zh-CN" altLang="en-US"/>
           </a:p>
@@ -2419,6 +2405,7 @@
           <a:p>
             <a:fld id="{B461F030-2286-4C30-8CEE-BE0B56EF53B9}" type="slidenum">
               <a:rPr lang="zh-CN" altLang="en-US" smtClean="0"/>
+              <a:t>‹#›</a:t>
             </a:fld>
             <a:endParaRPr lang="zh-CN" altLang="en-US"/>
           </a:p>
@@ -2429,13 +2416,13 @@
   <p:clrMapOvr>
     <a:masterClrMapping/>
   </p:clrMapOvr>
-  <mc:AlternateContent xmlns:mc="http://schemas.openxmlformats.org/markup-compatibility/2006">
-    <mc:Choice xmlns:p15="http://schemas.microsoft.com/office/powerpoint/2012/main" Requires="p15">
-      <p:transition xmlns:p14="http://schemas.microsoft.com/office/powerpoint/2010/main" spd="slow" Requires="p14" p14:dur="1250">
+  <mc:AlternateContent xmlns:mc="http://schemas.openxmlformats.org/markup-compatibility/2006" xmlns:p15="http://schemas.microsoft.com/office/powerpoint/2012/main">
+    <mc:Choice Requires="p15">
+      <p:transition xmlns:p14="http://schemas.microsoft.com/office/powerpoint/2010/main" spd="slow" p14:dur="1250">
         <p15:prstTrans prst="pageCurlDouble"/>
       </p:transition>
     </mc:Choice>
-    <mc:Fallback>
+    <mc:Fallback xmlns="">
       <p:transition spd="slow">
         <p:fade/>
       </p:transition>
@@ -2480,7 +2467,6 @@
               <a:rPr lang="zh-CN" altLang="en-US"/>
               <a:t>单击此处编辑母版标题样式</a:t>
             </a:r>
-            <a:endParaRPr lang="zh-CN" altLang="en-US"/>
           </a:p>
         </p:txBody>
       </p:sp>
@@ -2504,7 +2490,6 @@
               <a:rPr lang="zh-CN" altLang="en-US"/>
               <a:t>单击此处编辑母版文本样式</a:t>
             </a:r>
-            <a:endParaRPr lang="zh-CN" altLang="en-US"/>
           </a:p>
           <a:p>
             <a:pPr lvl="1"/>
@@ -2512,7 +2497,6 @@
               <a:rPr lang="zh-CN" altLang="en-US"/>
               <a:t>二级</a:t>
             </a:r>
-            <a:endParaRPr lang="zh-CN" altLang="en-US"/>
           </a:p>
           <a:p>
             <a:pPr lvl="2"/>
@@ -2520,7 +2504,6 @@
               <a:rPr lang="zh-CN" altLang="en-US"/>
               <a:t>三级</a:t>
             </a:r>
-            <a:endParaRPr lang="zh-CN" altLang="en-US"/>
           </a:p>
           <a:p>
             <a:pPr lvl="3"/>
@@ -2528,7 +2511,6 @@
               <a:rPr lang="zh-CN" altLang="en-US"/>
               <a:t>四级</a:t>
             </a:r>
-            <a:endParaRPr lang="zh-CN" altLang="en-US"/>
           </a:p>
           <a:p>
             <a:pPr lvl="4"/>
@@ -2536,7 +2518,6 @@
               <a:rPr lang="zh-CN" altLang="en-US"/>
               <a:t>五级</a:t>
             </a:r>
-            <a:endParaRPr lang="zh-CN" altLang="en-US"/>
           </a:p>
         </p:txBody>
       </p:sp>
@@ -2557,6 +2538,7 @@
           <a:p>
             <a:fld id="{68DBBCA6-A449-4480-82EA-F3D557971EAF}" type="datetimeFigureOut">
               <a:rPr lang="zh-CN" altLang="en-US" smtClean="0"/>
+              <a:t>2023/4/24</a:t>
             </a:fld>
             <a:endParaRPr lang="zh-CN" altLang="en-US"/>
           </a:p>
@@ -2598,6 +2580,7 @@
           <a:p>
             <a:fld id="{B461F030-2286-4C30-8CEE-BE0B56EF53B9}" type="slidenum">
               <a:rPr lang="zh-CN" altLang="en-US" smtClean="0"/>
+              <a:t>‹#›</a:t>
             </a:fld>
             <a:endParaRPr lang="zh-CN" altLang="en-US"/>
           </a:p>
@@ -2608,13 +2591,13 @@
   <p:clrMapOvr>
     <a:masterClrMapping/>
   </p:clrMapOvr>
-  <mc:AlternateContent xmlns:mc="http://schemas.openxmlformats.org/markup-compatibility/2006">
-    <mc:Choice xmlns:p15="http://schemas.microsoft.com/office/powerpoint/2012/main" Requires="p15">
-      <p:transition xmlns:p14="http://schemas.microsoft.com/office/powerpoint/2010/main" spd="slow" Requires="p14" p14:dur="1250">
+  <mc:AlternateContent xmlns:mc="http://schemas.openxmlformats.org/markup-compatibility/2006" xmlns:p15="http://schemas.microsoft.com/office/powerpoint/2012/main">
+    <mc:Choice Requires="p15">
+      <p:transition xmlns:p14="http://schemas.microsoft.com/office/powerpoint/2010/main" spd="slow" p14:dur="1250">
         <p15:prstTrans prst="pageCurlDouble"/>
       </p:transition>
     </mc:Choice>
-    <mc:Fallback>
+    <mc:Fallback xmlns="">
       <p:transition spd="slow">
         <p:fade/>
       </p:transition>
@@ -2668,7 +2651,6 @@
               <a:rPr lang="zh-CN" altLang="en-US"/>
               <a:t>单击此处编辑母版标题样式</a:t>
             </a:r>
-            <a:endParaRPr lang="zh-CN" altLang="en-US"/>
           </a:p>
         </p:txBody>
       </p:sp>
@@ -2795,7 +2777,6 @@
               <a:rPr lang="zh-CN" altLang="en-US"/>
               <a:t>单击此处编辑母版文本样式</a:t>
             </a:r>
-            <a:endParaRPr lang="zh-CN" altLang="en-US"/>
           </a:p>
         </p:txBody>
       </p:sp>
@@ -2816,6 +2797,7 @@
           <a:p>
             <a:fld id="{68DBBCA6-A449-4480-82EA-F3D557971EAF}" type="datetimeFigureOut">
               <a:rPr lang="zh-CN" altLang="en-US" smtClean="0"/>
+              <a:t>2023/4/24</a:t>
             </a:fld>
             <a:endParaRPr lang="zh-CN" altLang="en-US"/>
           </a:p>
@@ -2857,6 +2839,7 @@
           <a:p>
             <a:fld id="{B461F030-2286-4C30-8CEE-BE0B56EF53B9}" type="slidenum">
               <a:rPr lang="zh-CN" altLang="en-US" smtClean="0"/>
+              <a:t>‹#›</a:t>
             </a:fld>
             <a:endParaRPr lang="zh-CN" altLang="en-US"/>
           </a:p>
@@ -2867,13 +2850,13 @@
   <p:clrMapOvr>
     <a:masterClrMapping/>
   </p:clrMapOvr>
-  <mc:AlternateContent xmlns:mc="http://schemas.openxmlformats.org/markup-compatibility/2006">
-    <mc:Choice xmlns:p15="http://schemas.microsoft.com/office/powerpoint/2012/main" Requires="p15">
-      <p:transition xmlns:p14="http://schemas.microsoft.com/office/powerpoint/2010/main" spd="slow" Requires="p14" p14:dur="1250">
+  <mc:AlternateContent xmlns:mc="http://schemas.openxmlformats.org/markup-compatibility/2006" xmlns:p15="http://schemas.microsoft.com/office/powerpoint/2012/main">
+    <mc:Choice Requires="p15">
+      <p:transition xmlns:p14="http://schemas.microsoft.com/office/powerpoint/2010/main" spd="slow" p14:dur="1250">
         <p15:prstTrans prst="pageCurlDouble"/>
       </p:transition>
     </mc:Choice>
-    <mc:Fallback>
+    <mc:Fallback xmlns="">
       <p:transition spd="slow">
         <p:fade/>
       </p:transition>
@@ -2918,7 +2901,6 @@
               <a:rPr lang="zh-CN" altLang="en-US"/>
               <a:t>单击此处编辑母版标题样式</a:t>
             </a:r>
-            <a:endParaRPr lang="zh-CN" altLang="en-US"/>
           </a:p>
         </p:txBody>
       </p:sp>
@@ -2942,7 +2924,6 @@
               <a:rPr lang="zh-CN" altLang="en-US"/>
               <a:t>单击此处编辑母版文本样式</a:t>
             </a:r>
-            <a:endParaRPr lang="zh-CN" altLang="en-US"/>
           </a:p>
           <a:p>
             <a:pPr lvl="1"/>
@@ -2950,7 +2931,6 @@
               <a:rPr lang="zh-CN" altLang="en-US"/>
               <a:t>二级</a:t>
             </a:r>
-            <a:endParaRPr lang="zh-CN" altLang="en-US"/>
           </a:p>
           <a:p>
             <a:pPr lvl="2"/>
@@ -2958,7 +2938,6 @@
               <a:rPr lang="zh-CN" altLang="en-US"/>
               <a:t>三级</a:t>
             </a:r>
-            <a:endParaRPr lang="zh-CN" altLang="en-US"/>
           </a:p>
           <a:p>
             <a:pPr lvl="3"/>
@@ -2966,7 +2945,6 @@
               <a:rPr lang="zh-CN" altLang="en-US"/>
               <a:t>四级</a:t>
             </a:r>
-            <a:endParaRPr lang="zh-CN" altLang="en-US"/>
           </a:p>
           <a:p>
             <a:pPr lvl="4"/>
@@ -2974,7 +2952,6 @@
               <a:rPr lang="zh-CN" altLang="en-US"/>
               <a:t>五级</a:t>
             </a:r>
-            <a:endParaRPr lang="zh-CN" altLang="en-US"/>
           </a:p>
         </p:txBody>
       </p:sp>
@@ -2995,6 +2972,7 @@
           <a:p>
             <a:fld id="{68DBBCA6-A449-4480-82EA-F3D557971EAF}" type="datetimeFigureOut">
               <a:rPr lang="zh-CN" altLang="en-US" smtClean="0"/>
+              <a:t>2023/4/24</a:t>
             </a:fld>
             <a:endParaRPr lang="zh-CN" altLang="en-US"/>
           </a:p>
@@ -3036,6 +3014,7 @@
           <a:p>
             <a:fld id="{B461F030-2286-4C30-8CEE-BE0B56EF53B9}" type="slidenum">
               <a:rPr lang="zh-CN" altLang="en-US" smtClean="0"/>
+              <a:t>‹#›</a:t>
             </a:fld>
             <a:endParaRPr lang="zh-CN" altLang="en-US"/>
           </a:p>
@@ -3046,13 +3025,13 @@
   <p:clrMapOvr>
     <a:masterClrMapping/>
   </p:clrMapOvr>
-  <mc:AlternateContent xmlns:mc="http://schemas.openxmlformats.org/markup-compatibility/2006">
-    <mc:Choice xmlns:p15="http://schemas.microsoft.com/office/powerpoint/2012/main" Requires="p15">
-      <p:transition xmlns:p14="http://schemas.microsoft.com/office/powerpoint/2010/main" spd="slow" Requires="p14" p14:dur="1250">
+  <mc:AlternateContent xmlns:mc="http://schemas.openxmlformats.org/markup-compatibility/2006" xmlns:p15="http://schemas.microsoft.com/office/powerpoint/2012/main">
+    <mc:Choice Requires="p15">
+      <p:transition xmlns:p14="http://schemas.microsoft.com/office/powerpoint/2010/main" spd="slow" p14:dur="1250">
         <p15:prstTrans prst="pageCurlDouble"/>
       </p:transition>
     </mc:Choice>
-    <mc:Fallback>
+    <mc:Fallback xmlns="">
       <p:transition spd="slow">
         <p:fade/>
       </p:transition>
@@ -3102,7 +3081,6 @@
               <a:rPr lang="zh-CN" altLang="en-US"/>
               <a:t>单击此处编辑母版标题样式</a:t>
             </a:r>
-            <a:endParaRPr lang="zh-CN" altLang="en-US"/>
           </a:p>
         </p:txBody>
       </p:sp>
@@ -3131,7 +3109,6 @@
               <a:rPr lang="zh-CN" altLang="en-US"/>
               <a:t>单击此处编辑母版文本样式</a:t>
             </a:r>
-            <a:endParaRPr lang="zh-CN" altLang="en-US"/>
           </a:p>
           <a:p>
             <a:pPr lvl="1"/>
@@ -3139,7 +3116,6 @@
               <a:rPr lang="zh-CN" altLang="en-US"/>
               <a:t>二级</a:t>
             </a:r>
-            <a:endParaRPr lang="zh-CN" altLang="en-US"/>
           </a:p>
           <a:p>
             <a:pPr lvl="2"/>
@@ -3147,7 +3123,6 @@
               <a:rPr lang="zh-CN" altLang="en-US"/>
               <a:t>三级</a:t>
             </a:r>
-            <a:endParaRPr lang="zh-CN" altLang="en-US"/>
           </a:p>
           <a:p>
             <a:pPr lvl="3"/>
@@ -3155,7 +3130,6 @@
               <a:rPr lang="zh-CN" altLang="en-US"/>
               <a:t>四级</a:t>
             </a:r>
-            <a:endParaRPr lang="zh-CN" altLang="en-US"/>
           </a:p>
           <a:p>
             <a:pPr lvl="4"/>
@@ -3163,7 +3137,6 @@
               <a:rPr lang="zh-CN" altLang="en-US"/>
               <a:t>五级</a:t>
             </a:r>
-            <a:endParaRPr lang="zh-CN" altLang="en-US"/>
           </a:p>
         </p:txBody>
       </p:sp>
@@ -3184,6 +3157,7 @@
           <a:p>
             <a:fld id="{68DBBCA6-A449-4480-82EA-F3D557971EAF}" type="datetimeFigureOut">
               <a:rPr lang="zh-CN" altLang="en-US" smtClean="0"/>
+              <a:t>2023/4/24</a:t>
             </a:fld>
             <a:endParaRPr lang="zh-CN" altLang="en-US"/>
           </a:p>
@@ -3225,6 +3199,7 @@
           <a:p>
             <a:fld id="{B461F030-2286-4C30-8CEE-BE0B56EF53B9}" type="slidenum">
               <a:rPr lang="zh-CN" altLang="en-US" smtClean="0"/>
+              <a:t>‹#›</a:t>
             </a:fld>
             <a:endParaRPr lang="zh-CN" altLang="en-US"/>
           </a:p>
@@ -3235,13 +3210,13 @@
   <p:clrMapOvr>
     <a:masterClrMapping/>
   </p:clrMapOvr>
-  <mc:AlternateContent xmlns:mc="http://schemas.openxmlformats.org/markup-compatibility/2006">
-    <mc:Choice xmlns:p15="http://schemas.microsoft.com/office/powerpoint/2012/main" Requires="p15">
-      <p:transition xmlns:p14="http://schemas.microsoft.com/office/powerpoint/2010/main" spd="slow" Requires="p14" p14:dur="1250">
+  <mc:AlternateContent xmlns:mc="http://schemas.openxmlformats.org/markup-compatibility/2006" xmlns:p15="http://schemas.microsoft.com/office/powerpoint/2012/main">
+    <mc:Choice Requires="p15">
+      <p:transition xmlns:p14="http://schemas.microsoft.com/office/powerpoint/2010/main" spd="slow" p14:dur="1250">
         <p15:prstTrans prst="pageCurlDouble"/>
       </p:transition>
     </mc:Choice>
-    <mc:Fallback>
+    <mc:Fallback xmlns="">
       <p:transition spd="slow">
         <p:fade/>
       </p:transition>
@@ -3295,7 +3270,6 @@
               <a:rPr lang="zh-CN" altLang="en-US"/>
               <a:t>单击此处编辑母版标题样式</a:t>
             </a:r>
-            <a:endParaRPr lang="zh-CN" altLang="en-US"/>
           </a:p>
         </p:txBody>
       </p:sp>
@@ -3415,7 +3389,6 @@
               <a:rPr lang="zh-CN" altLang="en-US"/>
               <a:t>单击此处编辑母版文本样式</a:t>
             </a:r>
-            <a:endParaRPr lang="zh-CN" altLang="en-US"/>
           </a:p>
         </p:txBody>
       </p:sp>
@@ -3436,6 +3409,7 @@
           <a:p>
             <a:fld id="{68DBBCA6-A449-4480-82EA-F3D557971EAF}" type="datetimeFigureOut">
               <a:rPr lang="zh-CN" altLang="en-US" smtClean="0"/>
+              <a:t>2023/4/24</a:t>
             </a:fld>
             <a:endParaRPr lang="zh-CN" altLang="en-US"/>
           </a:p>
@@ -3477,6 +3451,7 @@
           <a:p>
             <a:fld id="{B461F030-2286-4C30-8CEE-BE0B56EF53B9}" type="slidenum">
               <a:rPr lang="zh-CN" altLang="en-US" smtClean="0"/>
+              <a:t>‹#›</a:t>
             </a:fld>
             <a:endParaRPr lang="zh-CN" altLang="en-US"/>
           </a:p>
@@ -3487,13 +3462,13 @@
   <p:clrMapOvr>
     <a:masterClrMapping/>
   </p:clrMapOvr>
-  <mc:AlternateContent xmlns:mc="http://schemas.openxmlformats.org/markup-compatibility/2006">
-    <mc:Choice xmlns:p15="http://schemas.microsoft.com/office/powerpoint/2012/main" Requires="p15">
-      <p:transition xmlns:p14="http://schemas.microsoft.com/office/powerpoint/2010/main" spd="slow" Requires="p14" p14:dur="1250">
+  <mc:AlternateContent xmlns:mc="http://schemas.openxmlformats.org/markup-compatibility/2006" xmlns:p15="http://schemas.microsoft.com/office/powerpoint/2012/main">
+    <mc:Choice Requires="p15">
+      <p:transition xmlns:p14="http://schemas.microsoft.com/office/powerpoint/2010/main" spd="slow" p14:dur="1250">
         <p15:prstTrans prst="pageCurlDouble"/>
       </p:transition>
     </mc:Choice>
-    <mc:Fallback>
+    <mc:Fallback xmlns="">
       <p:transition spd="slow">
         <p:fade/>
       </p:transition>
@@ -3538,7 +3513,6 @@
               <a:rPr lang="zh-CN" altLang="en-US"/>
               <a:t>单击此处编辑母版标题样式</a:t>
             </a:r>
-            <a:endParaRPr lang="zh-CN" altLang="en-US"/>
           </a:p>
         </p:txBody>
       </p:sp>
@@ -3567,7 +3541,6 @@
               <a:rPr lang="zh-CN" altLang="en-US"/>
               <a:t>单击此处编辑母版文本样式</a:t>
             </a:r>
-            <a:endParaRPr lang="zh-CN" altLang="en-US"/>
           </a:p>
           <a:p>
             <a:pPr lvl="1"/>
@@ -3575,7 +3548,6 @@
               <a:rPr lang="zh-CN" altLang="en-US"/>
               <a:t>二级</a:t>
             </a:r>
-            <a:endParaRPr lang="zh-CN" altLang="en-US"/>
           </a:p>
           <a:p>
             <a:pPr lvl="2"/>
@@ -3583,7 +3555,6 @@
               <a:rPr lang="zh-CN" altLang="en-US"/>
               <a:t>三级</a:t>
             </a:r>
-            <a:endParaRPr lang="zh-CN" altLang="en-US"/>
           </a:p>
           <a:p>
             <a:pPr lvl="3"/>
@@ -3591,7 +3562,6 @@
               <a:rPr lang="zh-CN" altLang="en-US"/>
               <a:t>四级</a:t>
             </a:r>
-            <a:endParaRPr lang="zh-CN" altLang="en-US"/>
           </a:p>
           <a:p>
             <a:pPr lvl="4"/>
@@ -3599,7 +3569,6 @@
               <a:rPr lang="zh-CN" altLang="en-US"/>
               <a:t>五级</a:t>
             </a:r>
-            <a:endParaRPr lang="zh-CN" altLang="en-US"/>
           </a:p>
         </p:txBody>
       </p:sp>
@@ -3628,7 +3597,6 @@
               <a:rPr lang="zh-CN" altLang="en-US"/>
               <a:t>单击此处编辑母版文本样式</a:t>
             </a:r>
-            <a:endParaRPr lang="zh-CN" altLang="en-US"/>
           </a:p>
           <a:p>
             <a:pPr lvl="1"/>
@@ -3636,7 +3604,6 @@
               <a:rPr lang="zh-CN" altLang="en-US"/>
               <a:t>二级</a:t>
             </a:r>
-            <a:endParaRPr lang="zh-CN" altLang="en-US"/>
           </a:p>
           <a:p>
             <a:pPr lvl="2"/>
@@ -3644,7 +3611,6 @@
               <a:rPr lang="zh-CN" altLang="en-US"/>
               <a:t>三级</a:t>
             </a:r>
-            <a:endParaRPr lang="zh-CN" altLang="en-US"/>
           </a:p>
           <a:p>
             <a:pPr lvl="3"/>
@@ -3652,7 +3618,6 @@
               <a:rPr lang="zh-CN" altLang="en-US"/>
               <a:t>四级</a:t>
             </a:r>
-            <a:endParaRPr lang="zh-CN" altLang="en-US"/>
           </a:p>
           <a:p>
             <a:pPr lvl="4"/>
@@ -3660,7 +3625,6 @@
               <a:rPr lang="zh-CN" altLang="en-US"/>
               <a:t>五级</a:t>
             </a:r>
-            <a:endParaRPr lang="zh-CN" altLang="en-US"/>
           </a:p>
         </p:txBody>
       </p:sp>
@@ -3681,6 +3645,7 @@
           <a:p>
             <a:fld id="{68DBBCA6-A449-4480-82EA-F3D557971EAF}" type="datetimeFigureOut">
               <a:rPr lang="zh-CN" altLang="en-US" smtClean="0"/>
+              <a:t>2023/4/24</a:t>
             </a:fld>
             <a:endParaRPr lang="zh-CN" altLang="en-US"/>
           </a:p>
@@ -3722,6 +3687,7 @@
           <a:p>
             <a:fld id="{B461F030-2286-4C30-8CEE-BE0B56EF53B9}" type="slidenum">
               <a:rPr lang="zh-CN" altLang="en-US" smtClean="0"/>
+              <a:t>‹#›</a:t>
             </a:fld>
             <a:endParaRPr lang="zh-CN" altLang="en-US"/>
           </a:p>
@@ -3732,13 +3698,13 @@
   <p:clrMapOvr>
     <a:masterClrMapping/>
   </p:clrMapOvr>
-  <mc:AlternateContent xmlns:mc="http://schemas.openxmlformats.org/markup-compatibility/2006">
-    <mc:Choice xmlns:p15="http://schemas.microsoft.com/office/powerpoint/2012/main" Requires="p15">
-      <p:transition xmlns:p14="http://schemas.microsoft.com/office/powerpoint/2010/main" spd="slow" Requires="p14" p14:dur="1250">
+  <mc:AlternateContent xmlns:mc="http://schemas.openxmlformats.org/markup-compatibility/2006" xmlns:p15="http://schemas.microsoft.com/office/powerpoint/2012/main">
+    <mc:Choice Requires="p15">
+      <p:transition xmlns:p14="http://schemas.microsoft.com/office/powerpoint/2010/main" spd="slow" p14:dur="1250">
         <p15:prstTrans prst="pageCurlDouble"/>
       </p:transition>
     </mc:Choice>
-    <mc:Fallback>
+    <mc:Fallback xmlns="">
       <p:transition spd="slow">
         <p:fade/>
       </p:transition>
@@ -3788,7 +3754,6 @@
               <a:rPr lang="zh-CN" altLang="en-US"/>
               <a:t>单击此处编辑母版标题样式</a:t>
             </a:r>
-            <a:endParaRPr lang="zh-CN" altLang="en-US"/>
           </a:p>
         </p:txBody>
       </p:sp>
@@ -3854,7 +3819,6 @@
               <a:rPr lang="zh-CN" altLang="en-US"/>
               <a:t>单击此处编辑母版文本样式</a:t>
             </a:r>
-            <a:endParaRPr lang="zh-CN" altLang="en-US"/>
           </a:p>
         </p:txBody>
       </p:sp>
@@ -3883,7 +3847,6 @@
               <a:rPr lang="zh-CN" altLang="en-US"/>
               <a:t>单击此处编辑母版文本样式</a:t>
             </a:r>
-            <a:endParaRPr lang="zh-CN" altLang="en-US"/>
           </a:p>
           <a:p>
             <a:pPr lvl="1"/>
@@ -3891,7 +3854,6 @@
               <a:rPr lang="zh-CN" altLang="en-US"/>
               <a:t>二级</a:t>
             </a:r>
-            <a:endParaRPr lang="zh-CN" altLang="en-US"/>
           </a:p>
           <a:p>
             <a:pPr lvl="2"/>
@@ -3899,7 +3861,6 @@
               <a:rPr lang="zh-CN" altLang="en-US"/>
               <a:t>三级</a:t>
             </a:r>
-            <a:endParaRPr lang="zh-CN" altLang="en-US"/>
           </a:p>
           <a:p>
             <a:pPr lvl="3"/>
@@ -3907,7 +3868,6 @@
               <a:rPr lang="zh-CN" altLang="en-US"/>
               <a:t>四级</a:t>
             </a:r>
-            <a:endParaRPr lang="zh-CN" altLang="en-US"/>
           </a:p>
           <a:p>
             <a:pPr lvl="4"/>
@@ -3915,7 +3875,6 @@
               <a:rPr lang="zh-CN" altLang="en-US"/>
               <a:t>五级</a:t>
             </a:r>
-            <a:endParaRPr lang="zh-CN" altLang="en-US"/>
           </a:p>
         </p:txBody>
       </p:sp>
@@ -3981,7 +3940,6 @@
               <a:rPr lang="zh-CN" altLang="en-US"/>
               <a:t>单击此处编辑母版文本样式</a:t>
             </a:r>
-            <a:endParaRPr lang="zh-CN" altLang="en-US"/>
           </a:p>
         </p:txBody>
       </p:sp>
@@ -4010,7 +3968,6 @@
               <a:rPr lang="zh-CN" altLang="en-US"/>
               <a:t>单击此处编辑母版文本样式</a:t>
             </a:r>
-            <a:endParaRPr lang="zh-CN" altLang="en-US"/>
           </a:p>
           <a:p>
             <a:pPr lvl="1"/>
@@ -4018,7 +3975,6 @@
               <a:rPr lang="zh-CN" altLang="en-US"/>
               <a:t>二级</a:t>
             </a:r>
-            <a:endParaRPr lang="zh-CN" altLang="en-US"/>
           </a:p>
           <a:p>
             <a:pPr lvl="2"/>
@@ -4026,7 +3982,6 @@
               <a:rPr lang="zh-CN" altLang="en-US"/>
               <a:t>三级</a:t>
             </a:r>
-            <a:endParaRPr lang="zh-CN" altLang="en-US"/>
           </a:p>
           <a:p>
             <a:pPr lvl="3"/>
@@ -4034,7 +3989,6 @@
               <a:rPr lang="zh-CN" altLang="en-US"/>
               <a:t>四级</a:t>
             </a:r>
-            <a:endParaRPr lang="zh-CN" altLang="en-US"/>
           </a:p>
           <a:p>
             <a:pPr lvl="4"/>
@@ -4042,7 +3996,6 @@
               <a:rPr lang="zh-CN" altLang="en-US"/>
               <a:t>五级</a:t>
             </a:r>
-            <a:endParaRPr lang="zh-CN" altLang="en-US"/>
           </a:p>
         </p:txBody>
       </p:sp>
@@ -4063,6 +4016,7 @@
           <a:p>
             <a:fld id="{68DBBCA6-A449-4480-82EA-F3D557971EAF}" type="datetimeFigureOut">
               <a:rPr lang="zh-CN" altLang="en-US" smtClean="0"/>
+              <a:t>2023/4/24</a:t>
             </a:fld>
             <a:endParaRPr lang="zh-CN" altLang="en-US"/>
           </a:p>
@@ -4104,6 +4058,7 @@
           <a:p>
             <a:fld id="{B461F030-2286-4C30-8CEE-BE0B56EF53B9}" type="slidenum">
               <a:rPr lang="zh-CN" altLang="en-US" smtClean="0"/>
+              <a:t>‹#›</a:t>
             </a:fld>
             <a:endParaRPr lang="zh-CN" altLang="en-US"/>
           </a:p>
@@ -4114,13 +4069,13 @@
   <p:clrMapOvr>
     <a:masterClrMapping/>
   </p:clrMapOvr>
-  <mc:AlternateContent xmlns:mc="http://schemas.openxmlformats.org/markup-compatibility/2006">
-    <mc:Choice xmlns:p15="http://schemas.microsoft.com/office/powerpoint/2012/main" Requires="p15">
-      <p:transition xmlns:p14="http://schemas.microsoft.com/office/powerpoint/2010/main" spd="slow" Requires="p14" p14:dur="1250">
+  <mc:AlternateContent xmlns:mc="http://schemas.openxmlformats.org/markup-compatibility/2006" xmlns:p15="http://schemas.microsoft.com/office/powerpoint/2012/main">
+    <mc:Choice Requires="p15">
+      <p:transition xmlns:p14="http://schemas.microsoft.com/office/powerpoint/2010/main" spd="slow" p14:dur="1250">
         <p15:prstTrans prst="pageCurlDouble"/>
       </p:transition>
     </mc:Choice>
-    <mc:Fallback>
+    <mc:Fallback xmlns="">
       <p:transition spd="slow">
         <p:fade/>
       </p:transition>
@@ -4165,7 +4120,6 @@
               <a:rPr lang="zh-CN" altLang="en-US"/>
               <a:t>单击此处编辑母版标题样式</a:t>
             </a:r>
-            <a:endParaRPr lang="zh-CN" altLang="en-US"/>
           </a:p>
         </p:txBody>
       </p:sp>
@@ -4186,6 +4140,7 @@
           <a:p>
             <a:fld id="{68DBBCA6-A449-4480-82EA-F3D557971EAF}" type="datetimeFigureOut">
               <a:rPr lang="zh-CN" altLang="en-US" smtClean="0"/>
+              <a:t>2023/4/24</a:t>
             </a:fld>
             <a:endParaRPr lang="zh-CN" altLang="en-US"/>
           </a:p>
@@ -4227,6 +4182,7 @@
           <a:p>
             <a:fld id="{B461F030-2286-4C30-8CEE-BE0B56EF53B9}" type="slidenum">
               <a:rPr lang="zh-CN" altLang="en-US" smtClean="0"/>
+              <a:t>‹#›</a:t>
             </a:fld>
             <a:endParaRPr lang="zh-CN" altLang="en-US"/>
           </a:p>
@@ -4237,13 +4193,13 @@
   <p:clrMapOvr>
     <a:masterClrMapping/>
   </p:clrMapOvr>
-  <mc:AlternateContent xmlns:mc="http://schemas.openxmlformats.org/markup-compatibility/2006">
-    <mc:Choice xmlns:p15="http://schemas.microsoft.com/office/powerpoint/2012/main" Requires="p15">
-      <p:transition xmlns:p14="http://schemas.microsoft.com/office/powerpoint/2010/main" spd="slow" Requires="p14" p14:dur="1250">
+  <mc:AlternateContent xmlns:mc="http://schemas.openxmlformats.org/markup-compatibility/2006" xmlns:p15="http://schemas.microsoft.com/office/powerpoint/2012/main">
+    <mc:Choice Requires="p15">
+      <p:transition xmlns:p14="http://schemas.microsoft.com/office/powerpoint/2010/main" spd="slow" p14:dur="1250">
         <p15:prstTrans prst="pageCurlDouble"/>
       </p:transition>
     </mc:Choice>
-    <mc:Fallback>
+    <mc:Fallback xmlns="">
       <p:transition spd="slow">
         <p:fade/>
       </p:transition>
@@ -4286,6 +4242,7 @@
           <a:p>
             <a:fld id="{68DBBCA6-A449-4480-82EA-F3D557971EAF}" type="datetimeFigureOut">
               <a:rPr lang="zh-CN" altLang="en-US" smtClean="0"/>
+              <a:t>2023/4/24</a:t>
             </a:fld>
             <a:endParaRPr lang="zh-CN" altLang="en-US"/>
           </a:p>
@@ -4327,6 +4284,7 @@
           <a:p>
             <a:fld id="{B461F030-2286-4C30-8CEE-BE0B56EF53B9}" type="slidenum">
               <a:rPr lang="zh-CN" altLang="en-US" smtClean="0"/>
+              <a:t>‹#›</a:t>
             </a:fld>
             <a:endParaRPr lang="zh-CN" altLang="en-US"/>
           </a:p>
@@ -4337,13 +4295,13 @@
   <p:clrMapOvr>
     <a:masterClrMapping/>
   </p:clrMapOvr>
-  <mc:AlternateContent xmlns:mc="http://schemas.openxmlformats.org/markup-compatibility/2006">
-    <mc:Choice xmlns:p15="http://schemas.microsoft.com/office/powerpoint/2012/main" Requires="p15">
-      <p:transition xmlns:p14="http://schemas.microsoft.com/office/powerpoint/2010/main" spd="slow" Requires="p14" p14:dur="1250">
+  <mc:AlternateContent xmlns:mc="http://schemas.openxmlformats.org/markup-compatibility/2006" xmlns:p15="http://schemas.microsoft.com/office/powerpoint/2012/main">
+    <mc:Choice Requires="p15">
+      <p:transition xmlns:p14="http://schemas.microsoft.com/office/powerpoint/2010/main" spd="slow" p14:dur="1250">
         <p15:prstTrans prst="pageCurlDouble"/>
       </p:transition>
     </mc:Choice>
-    <mc:Fallback>
+    <mc:Fallback xmlns="">
       <p:transition spd="slow">
         <p:fade/>
       </p:transition>
@@ -4397,7 +4355,6 @@
               <a:rPr lang="zh-CN" altLang="en-US"/>
               <a:t>单击此处编辑母版标题样式</a:t>
             </a:r>
-            <a:endParaRPr lang="zh-CN" altLang="en-US"/>
           </a:p>
         </p:txBody>
       </p:sp>
@@ -4454,7 +4411,6 @@
               <a:rPr lang="zh-CN" altLang="en-US"/>
               <a:t>单击此处编辑母版文本样式</a:t>
             </a:r>
-            <a:endParaRPr lang="zh-CN" altLang="en-US"/>
           </a:p>
           <a:p>
             <a:pPr lvl="1"/>
@@ -4462,7 +4418,6 @@
               <a:rPr lang="zh-CN" altLang="en-US"/>
               <a:t>二级</a:t>
             </a:r>
-            <a:endParaRPr lang="zh-CN" altLang="en-US"/>
           </a:p>
           <a:p>
             <a:pPr lvl="2"/>
@@ -4470,7 +4425,6 @@
               <a:rPr lang="zh-CN" altLang="en-US"/>
               <a:t>三级</a:t>
             </a:r>
-            <a:endParaRPr lang="zh-CN" altLang="en-US"/>
           </a:p>
           <a:p>
             <a:pPr lvl="3"/>
@@ -4478,7 +4432,6 @@
               <a:rPr lang="zh-CN" altLang="en-US"/>
               <a:t>四级</a:t>
             </a:r>
-            <a:endParaRPr lang="zh-CN" altLang="en-US"/>
           </a:p>
           <a:p>
             <a:pPr lvl="4"/>
@@ -4486,7 +4439,6 @@
               <a:rPr lang="zh-CN" altLang="en-US"/>
               <a:t>五级</a:t>
             </a:r>
-            <a:endParaRPr lang="zh-CN" altLang="en-US"/>
           </a:p>
         </p:txBody>
       </p:sp>
@@ -4552,7 +4504,6 @@
               <a:rPr lang="zh-CN" altLang="en-US"/>
               <a:t>单击此处编辑母版文本样式</a:t>
             </a:r>
-            <a:endParaRPr lang="zh-CN" altLang="en-US"/>
           </a:p>
         </p:txBody>
       </p:sp>
@@ -4573,6 +4524,7 @@
           <a:p>
             <a:fld id="{68DBBCA6-A449-4480-82EA-F3D557971EAF}" type="datetimeFigureOut">
               <a:rPr lang="zh-CN" altLang="en-US" smtClean="0"/>
+              <a:t>2023/4/24</a:t>
             </a:fld>
             <a:endParaRPr lang="zh-CN" altLang="en-US"/>
           </a:p>
@@ -4614,6 +4566,7 @@
           <a:p>
             <a:fld id="{B461F030-2286-4C30-8CEE-BE0B56EF53B9}" type="slidenum">
               <a:rPr lang="zh-CN" altLang="en-US" smtClean="0"/>
+              <a:t>‹#›</a:t>
             </a:fld>
             <a:endParaRPr lang="zh-CN" altLang="en-US"/>
           </a:p>
@@ -4624,13 +4577,13 @@
   <p:clrMapOvr>
     <a:masterClrMapping/>
   </p:clrMapOvr>
-  <mc:AlternateContent xmlns:mc="http://schemas.openxmlformats.org/markup-compatibility/2006">
-    <mc:Choice xmlns:p15="http://schemas.microsoft.com/office/powerpoint/2012/main" Requires="p15">
-      <p:transition xmlns:p14="http://schemas.microsoft.com/office/powerpoint/2010/main" spd="slow" Requires="p14" p14:dur="1250">
+  <mc:AlternateContent xmlns:mc="http://schemas.openxmlformats.org/markup-compatibility/2006" xmlns:p15="http://schemas.microsoft.com/office/powerpoint/2012/main">
+    <mc:Choice Requires="p15">
+      <p:transition xmlns:p14="http://schemas.microsoft.com/office/powerpoint/2010/main" spd="slow" p14:dur="1250">
         <p15:prstTrans prst="pageCurlDouble"/>
       </p:transition>
     </mc:Choice>
-    <mc:Fallback>
+    <mc:Fallback xmlns="">
       <p:transition spd="slow">
         <p:fade/>
       </p:transition>
@@ -4684,7 +4637,6 @@
               <a:rPr lang="zh-CN" altLang="en-US"/>
               <a:t>单击此处编辑母版标题样式</a:t>
             </a:r>
-            <a:endParaRPr lang="zh-CN" altLang="en-US"/>
           </a:p>
         </p:txBody>
       </p:sp>
@@ -4811,7 +4763,6 @@
               <a:rPr lang="zh-CN" altLang="en-US"/>
               <a:t>单击此处编辑母版文本样式</a:t>
             </a:r>
-            <a:endParaRPr lang="zh-CN" altLang="en-US"/>
           </a:p>
         </p:txBody>
       </p:sp>
@@ -4832,6 +4783,7 @@
           <a:p>
             <a:fld id="{68DBBCA6-A449-4480-82EA-F3D557971EAF}" type="datetimeFigureOut">
               <a:rPr lang="zh-CN" altLang="en-US" smtClean="0"/>
+              <a:t>2023/4/24</a:t>
             </a:fld>
             <a:endParaRPr lang="zh-CN" altLang="en-US"/>
           </a:p>
@@ -4873,6 +4825,7 @@
           <a:p>
             <a:fld id="{B461F030-2286-4C30-8CEE-BE0B56EF53B9}" type="slidenum">
               <a:rPr lang="zh-CN" altLang="en-US" smtClean="0"/>
+              <a:t>‹#›</a:t>
             </a:fld>
             <a:endParaRPr lang="zh-CN" altLang="en-US"/>
           </a:p>
@@ -4883,13 +4836,13 @@
   <p:clrMapOvr>
     <a:masterClrMapping/>
   </p:clrMapOvr>
-  <mc:AlternateContent xmlns:mc="http://schemas.openxmlformats.org/markup-compatibility/2006">
-    <mc:Choice xmlns:p15="http://schemas.microsoft.com/office/powerpoint/2012/main" Requires="p15">
-      <p:transition xmlns:p14="http://schemas.microsoft.com/office/powerpoint/2010/main" spd="slow" Requires="p14" p14:dur="1250">
+  <mc:AlternateContent xmlns:mc="http://schemas.openxmlformats.org/markup-compatibility/2006" xmlns:p15="http://schemas.microsoft.com/office/powerpoint/2012/main">
+    <mc:Choice Requires="p15">
+      <p:transition xmlns:p14="http://schemas.microsoft.com/office/powerpoint/2010/main" spd="slow" p14:dur="1250">
         <p15:prstTrans prst="pageCurlDouble"/>
       </p:transition>
     </mc:Choice>
-    <mc:Fallback>
+    <mc:Fallback xmlns="">
       <p:transition spd="slow">
         <p:fade/>
       </p:transition>
@@ -4949,7 +4902,6 @@
               <a:rPr lang="zh-CN" altLang="en-US"/>
               <a:t>单击此处编辑母版标题样式</a:t>
             </a:r>
-            <a:endParaRPr lang="zh-CN" altLang="en-US"/>
           </a:p>
         </p:txBody>
       </p:sp>
@@ -4983,7 +4935,6 @@
               <a:rPr lang="zh-CN" altLang="en-US"/>
               <a:t>单击此处编辑母版文本样式</a:t>
             </a:r>
-            <a:endParaRPr lang="zh-CN" altLang="en-US"/>
           </a:p>
           <a:p>
             <a:pPr lvl="1"/>
@@ -4991,7 +4942,6 @@
               <a:rPr lang="zh-CN" altLang="en-US"/>
               <a:t>二级</a:t>
             </a:r>
-            <a:endParaRPr lang="zh-CN" altLang="en-US"/>
           </a:p>
           <a:p>
             <a:pPr lvl="2"/>
@@ -4999,7 +4949,6 @@
               <a:rPr lang="zh-CN" altLang="en-US"/>
               <a:t>三级</a:t>
             </a:r>
-            <a:endParaRPr lang="zh-CN" altLang="en-US"/>
           </a:p>
           <a:p>
             <a:pPr lvl="3"/>
@@ -5007,7 +4956,6 @@
               <a:rPr lang="zh-CN" altLang="en-US"/>
               <a:t>四级</a:t>
             </a:r>
-            <a:endParaRPr lang="zh-CN" altLang="en-US"/>
           </a:p>
           <a:p>
             <a:pPr lvl="4"/>
@@ -5015,7 +4963,6 @@
               <a:rPr lang="zh-CN" altLang="en-US"/>
               <a:t>五级</a:t>
             </a:r>
-            <a:endParaRPr lang="zh-CN" altLang="en-US"/>
           </a:p>
         </p:txBody>
       </p:sp>
@@ -5054,6 +5001,7 @@
           <a:p>
             <a:fld id="{68DBBCA6-A449-4480-82EA-F3D557971EAF}" type="datetimeFigureOut">
               <a:rPr lang="zh-CN" altLang="en-US" smtClean="0"/>
+              <a:t>2023/4/24</a:t>
             </a:fld>
             <a:endParaRPr lang="zh-CN" altLang="en-US"/>
           </a:p>
@@ -5131,6 +5079,7 @@
           <a:p>
             <a:fld id="{B461F030-2286-4C30-8CEE-BE0B56EF53B9}" type="slidenum">
               <a:rPr lang="zh-CN" altLang="en-US" smtClean="0"/>
+              <a:t>‹#›</a:t>
             </a:fld>
             <a:endParaRPr lang="zh-CN" altLang="en-US"/>
           </a:p>
@@ -5152,13 +5101,13 @@
     <p:sldLayoutId id="2147483658" r:id="rId10"/>
     <p:sldLayoutId id="2147483659" r:id="rId11"/>
   </p:sldLayoutIdLst>
-  <mc:AlternateContent xmlns:mc="http://schemas.openxmlformats.org/markup-compatibility/2006">
-    <mc:Choice xmlns:p15="http://schemas.microsoft.com/office/powerpoint/2012/main" Requires="p15">
-      <p:transition xmlns:p14="http://schemas.microsoft.com/office/powerpoint/2010/main" spd="slow" Requires="p14" p14:dur="1250">
+  <mc:AlternateContent xmlns:mc="http://schemas.openxmlformats.org/markup-compatibility/2006" xmlns:p15="http://schemas.microsoft.com/office/powerpoint/2012/main">
+    <mc:Choice Requires="p15">
+      <p:transition xmlns:p14="http://schemas.microsoft.com/office/powerpoint/2010/main" spd="slow" p14:dur="1250">
         <p15:prstTrans prst="pageCurlDouble"/>
       </p:transition>
     </mc:Choice>
-    <mc:Fallback>
+    <mc:Fallback xmlns="">
       <p:transition spd="slow">
         <p:fade/>
       </p:transition>
@@ -5498,7 +5447,6 @@
               <a:rPr lang="zh-CN" altLang="en-US"/>
               <a:t>单击此处编辑母版标题样式</a:t>
             </a:r>
-            <a:endParaRPr lang="zh-CN" altLang="en-US"/>
           </a:p>
         </p:txBody>
       </p:sp>
@@ -5532,7 +5480,6 @@
               <a:rPr lang="zh-CN" altLang="en-US"/>
               <a:t>单击此处编辑母版文本样式</a:t>
             </a:r>
-            <a:endParaRPr lang="zh-CN" altLang="en-US"/>
           </a:p>
           <a:p>
             <a:pPr lvl="1"/>
@@ -5540,7 +5487,6 @@
               <a:rPr lang="zh-CN" altLang="en-US"/>
               <a:t>二级</a:t>
             </a:r>
-            <a:endParaRPr lang="zh-CN" altLang="en-US"/>
           </a:p>
           <a:p>
             <a:pPr lvl="2"/>
@@ -5548,7 +5494,6 @@
               <a:rPr lang="zh-CN" altLang="en-US"/>
               <a:t>三级</a:t>
             </a:r>
-            <a:endParaRPr lang="zh-CN" altLang="en-US"/>
           </a:p>
           <a:p>
             <a:pPr lvl="3"/>
@@ -5556,7 +5501,6 @@
               <a:rPr lang="zh-CN" altLang="en-US"/>
               <a:t>四级</a:t>
             </a:r>
-            <a:endParaRPr lang="zh-CN" altLang="en-US"/>
           </a:p>
           <a:p>
             <a:pPr lvl="4"/>
@@ -5564,7 +5508,6 @@
               <a:rPr lang="zh-CN" altLang="en-US"/>
               <a:t>五级</a:t>
             </a:r>
-            <a:endParaRPr lang="zh-CN" altLang="en-US"/>
           </a:p>
         </p:txBody>
       </p:sp>
@@ -5603,6 +5546,7 @@
           <a:p>
             <a:fld id="{68DBBCA6-A449-4480-82EA-F3D557971EAF}" type="datetimeFigureOut">
               <a:rPr lang="zh-CN" altLang="en-US" smtClean="0"/>
+              <a:t>2023/4/24</a:t>
             </a:fld>
             <a:endParaRPr lang="zh-CN" altLang="en-US"/>
           </a:p>
@@ -5680,6 +5624,7 @@
           <a:p>
             <a:fld id="{B461F030-2286-4C30-8CEE-BE0B56EF53B9}" type="slidenum">
               <a:rPr lang="zh-CN" altLang="en-US" smtClean="0"/>
+              <a:t>‹#›</a:t>
             </a:fld>
             <a:endParaRPr lang="zh-CN" altLang="en-US"/>
           </a:p>
@@ -5701,13 +5646,13 @@
     <p:sldLayoutId id="2147483670" r:id="rId10"/>
     <p:sldLayoutId id="2147483671" r:id="rId11"/>
   </p:sldLayoutIdLst>
-  <mc:AlternateContent xmlns:mc="http://schemas.openxmlformats.org/markup-compatibility/2006">
-    <mc:Choice xmlns:p15="http://schemas.microsoft.com/office/powerpoint/2012/main" Requires="p15">
-      <p:transition xmlns:p14="http://schemas.microsoft.com/office/powerpoint/2010/main" spd="slow" Requires="p14" p14:dur="1250">
+  <mc:AlternateContent xmlns:mc="http://schemas.openxmlformats.org/markup-compatibility/2006" xmlns:p15="http://schemas.microsoft.com/office/powerpoint/2012/main">
+    <mc:Choice Requires="p15">
+      <p:transition xmlns:p14="http://schemas.microsoft.com/office/powerpoint/2010/main" spd="slow" p14:dur="1250">
         <p15:prstTrans prst="pageCurlDouble"/>
       </p:transition>
     </mc:Choice>
-    <mc:Fallback>
+    <mc:Fallback xmlns="">
       <p:transition spd="slow">
         <p:fade/>
       </p:transition>
@@ -6022,7 +5967,7 @@
           <p:nvPr/>
         </p:nvPicPr>
         <p:blipFill>
-          <a:blip r:embed="rId1"/>
+          <a:blip r:embed="rId2"/>
           <a:stretch>
             <a:fillRect/>
           </a:stretch>
@@ -6057,6 +6002,7 @@
           <a:bodyPr wrap="square" rtlCol="0">
             <a:spAutoFit/>
           </a:bodyPr>
+          <a:lstStyle/>
           <a:p>
             <a:pPr algn="ctr">
               <a:lnSpc>
@@ -6067,7 +6013,6 @@
               <a:rPr lang="zh-CN" altLang="en-US" b="1"/>
               <a:t>永续地牢设计书</a:t>
             </a:r>
-            <a:endParaRPr lang="zh-CN" altLang="en-US" b="1"/>
           </a:p>
           <a:p>
             <a:pPr algn="ctr">
@@ -6079,7 +6024,6 @@
               <a:rPr lang="en-US" altLang="zh-CN" b="1"/>
               <a:t>Ouroboros</a:t>
             </a:r>
-            <a:endParaRPr lang="en-US" altLang="zh-CN" b="1"/>
           </a:p>
         </p:txBody>
       </p:sp>
@@ -6088,13 +6032,13 @@
   <p:clrMapOvr>
     <a:masterClrMapping/>
   </p:clrMapOvr>
-  <mc:AlternateContent xmlns:mc="http://schemas.openxmlformats.org/markup-compatibility/2006">
-    <mc:Choice xmlns:p15="http://schemas.microsoft.com/office/powerpoint/2012/main" Requires="p15">
-      <p:transition xmlns:p14="http://schemas.microsoft.com/office/powerpoint/2010/main" spd="slow" Requires="p14" p14:dur="1250">
+  <mc:AlternateContent xmlns:mc="http://schemas.openxmlformats.org/markup-compatibility/2006" xmlns:p15="http://schemas.microsoft.com/office/powerpoint/2012/main">
+    <mc:Choice Requires="p15">
+      <p:transition xmlns:p14="http://schemas.microsoft.com/office/powerpoint/2010/main" spd="slow" p14:dur="1250">
         <p15:prstTrans prst="pageCurlDouble"/>
       </p:transition>
     </mc:Choice>
-    <mc:Fallback>
+    <mc:Fallback xmlns="">
       <p:transition spd="slow">
         <p:fade/>
       </p:transition>
@@ -6103,7 +6047,7 @@
 </p:sld>
 </file>
 
-<file path=ppt/slides/slide2.xml><?xml version="1.0" encoding="utf-8"?>
+<file path=ppt/slides/slide10.xml><?xml version="1.0" encoding="utf-8"?>
 <p:sld xmlns:a="http://schemas.openxmlformats.org/drawingml/2006/main" xmlns:r="http://schemas.openxmlformats.org/officeDocument/2006/relationships" xmlns:p="http://schemas.openxmlformats.org/presentationml/2006/main">
   <p:cSld>
     <p:spTree>
@@ -6120,190 +6064,6 @@
           <a:chExt cx="0" cy="0"/>
         </a:xfrm>
       </p:grpSpPr>
-      <p:pic>
-        <p:nvPicPr>
-          <p:cNvPr id="3" name="图片 2" descr="/private/var/folders/_t/2js4ndgs7kx98tmph2vjhl6r0000gn/T/com.kingsoft.wpsoffice.mac/photoedit2/20230423100900/temp.pngtemp"/>
-          <p:cNvPicPr>
-            <a:picLocks noChangeAspect="1"/>
-          </p:cNvPicPr>
-          <p:nvPr/>
-        </p:nvPicPr>
-        <p:blipFill>
-          <a:blip r:embed="rId1"/>
-          <a:stretch>
-            <a:fillRect/>
-          </a:stretch>
-        </p:blipFill>
-        <p:spPr>
-          <a:xfrm>
-            <a:off x="5916538" y="-330200"/>
-            <a:ext cx="6731000" cy="7505700"/>
-          </a:xfrm>
-          <a:prstGeom prst="rect">
-            <a:avLst/>
-          </a:prstGeom>
-        </p:spPr>
-      </p:pic>
-      <p:sp>
-        <p:nvSpPr>
-          <p:cNvPr id="2" name="文本框 1"/>
-          <p:cNvSpPr txBox="1"/>
-          <p:nvPr/>
-        </p:nvSpPr>
-        <p:spPr>
-          <a:xfrm>
-            <a:off x="7493635" y="2329815"/>
-            <a:ext cx="3576320" cy="922020"/>
-          </a:xfrm>
-          <a:prstGeom prst="rect">
-            <a:avLst/>
-          </a:prstGeom>
-          <a:noFill/>
-        </p:spPr>
-        <p:txBody>
-          <a:bodyPr wrap="square" rtlCol="0">
-            <a:spAutoFit/>
-          </a:bodyPr>
-          <a:p>
-            <a:pPr algn="ctr">
-              <a:lnSpc>
-                <a:spcPct val="150000"/>
-              </a:lnSpc>
-            </a:pPr>
-            <a:r>
-              <a:rPr lang="zh-CN" altLang="en-US" b="1"/>
-              <a:t>永续地牢设计书</a:t>
-            </a:r>
-            <a:endParaRPr lang="zh-CN" altLang="en-US" b="1"/>
-          </a:p>
-          <a:p>
-            <a:pPr algn="ctr">
-              <a:lnSpc>
-                <a:spcPct val="150000"/>
-              </a:lnSpc>
-            </a:pPr>
-            <a:r>
-              <a:rPr lang="en-US" altLang="zh-CN" b="1"/>
-              <a:t>Ouroboros</a:t>
-            </a:r>
-            <a:endParaRPr lang="en-US" altLang="zh-CN" b="1"/>
-          </a:p>
-        </p:txBody>
-      </p:sp>
-    </p:spTree>
-  </p:cSld>
-  <p:clrMapOvr>
-    <a:masterClrMapping/>
-  </p:clrMapOvr>
-  <mc:AlternateContent xmlns:mc="http://schemas.openxmlformats.org/markup-compatibility/2006">
-    <mc:Choice xmlns:p15="http://schemas.microsoft.com/office/powerpoint/2012/main" Requires="p15">
-      <p:transition xmlns:p14="http://schemas.microsoft.com/office/powerpoint/2010/main" spd="slow" Requires="p14" p14:dur="1250">
-        <p15:prstTrans prst="pageCurlDouble"/>
-      </p:transition>
-    </mc:Choice>
-    <mc:Fallback>
-      <p:transition spd="slow">
-        <p:fade/>
-      </p:transition>
-    </mc:Fallback>
-  </mc:AlternateContent>
-</p:sld>
-</file>
-
-<file path=ppt/slides/slide3.xml><?xml version="1.0" encoding="utf-8"?>
-<p:sld xmlns:a="http://schemas.openxmlformats.org/drawingml/2006/main" xmlns:r="http://schemas.openxmlformats.org/officeDocument/2006/relationships" xmlns:p="http://schemas.openxmlformats.org/presentationml/2006/main">
-  <p:cSld>
-    <p:spTree>
-      <p:nvGrpSpPr>
-        <p:cNvPr id="1" name=""/>
-        <p:cNvGrpSpPr/>
-        <p:nvPr/>
-      </p:nvGrpSpPr>
-      <p:grpSpPr>
-        <a:xfrm>
-          <a:off x="0" y="0"/>
-          <a:ext cx="0" cy="0"/>
-          <a:chOff x="0" y="0"/>
-          <a:chExt cx="0" cy="0"/>
-        </a:xfrm>
-      </p:grpSpPr>
-      <p:sp>
-        <p:nvSpPr>
-          <p:cNvPr id="4" name="矩形 3"/>
-          <p:cNvSpPr/>
-          <p:nvPr/>
-        </p:nvSpPr>
-        <p:spPr>
-          <a:xfrm>
-            <a:off x="6096000" y="0"/>
-            <a:ext cx="6096000" cy="6858000"/>
-          </a:xfrm>
-          <a:prstGeom prst="rect">
-            <a:avLst/>
-          </a:prstGeom>
-          <a:solidFill>
-            <a:schemeClr val="bg1">
-              <a:lumMod val="95000"/>
-            </a:schemeClr>
-          </a:solidFill>
-          <a:ln>
-            <a:noFill/>
-          </a:ln>
-          <a:effectLst/>
-        </p:spPr>
-        <p:style>
-          <a:lnRef idx="2">
-            <a:schemeClr val="accent1">
-              <a:shade val="50000"/>
-            </a:schemeClr>
-          </a:lnRef>
-          <a:fillRef idx="1">
-            <a:schemeClr val="accent1"/>
-          </a:fillRef>
-          <a:effectRef idx="0">
-            <a:schemeClr val="accent1"/>
-          </a:effectRef>
-          <a:fontRef idx="minor">
-            <a:schemeClr val="lt1"/>
-          </a:fontRef>
-        </p:style>
-        <p:txBody>
-          <a:bodyPr rtlCol="0" anchor="ctr"/>
-          <a:lstStyle/>
-          <a:p>
-            <a:pPr marL="0" marR="0" lvl="0" indent="0" algn="ctr" defTabSz="914400" rtl="0" eaLnBrk="1" fontAlgn="auto" latinLnBrk="0" hangingPunct="1">
-              <a:lnSpc>
-                <a:spcPct val="100000"/>
-              </a:lnSpc>
-              <a:spcBef>
-                <a:spcPts val="0"/>
-              </a:spcBef>
-              <a:spcAft>
-                <a:spcPts val="0"/>
-              </a:spcAft>
-              <a:buClrTx/>
-              <a:buSzTx/>
-              <a:buFontTx/>
-              <a:buNone/>
-              <a:defRPr/>
-            </a:pPr>
-            <a:endParaRPr kumimoji="0" lang="zh-CN" altLang="en-US" sz="1800" b="0" i="0" u="none" strike="noStrike" kern="1200" cap="none" spc="0" normalizeH="0" baseline="0" noProof="0">
-              <a:ln>
-                <a:noFill/>
-              </a:ln>
-              <a:solidFill>
-                <a:prstClr val="white"/>
-              </a:solidFill>
-              <a:effectLst/>
-              <a:uLnTx/>
-              <a:uFillTx/>
-              <a:latin typeface="等线" panose="020F0502020204030204"/>
-              <a:ea typeface="等线" panose="02010600030101010101" pitchFamily="2" charset="-122"/>
-              <a:cs typeface="+mn-cs"/>
-            </a:endParaRPr>
-          </a:p>
-        </p:txBody>
-      </p:sp>
       <p:sp>
         <p:nvSpPr>
           <p:cNvPr id="2" name="矩形 1"/>
@@ -6437,36 +6197,8 @@
           <a:bodyPr rtlCol="0" anchor="ctr"/>
           <a:lstStyle/>
           <a:p>
-            <a:pPr marL="0" marR="0" lvl="0" indent="0" algn="ctr" defTabSz="914400" rtl="0" eaLnBrk="1" fontAlgn="auto" latinLnBrk="0" hangingPunct="1">
-              <a:lnSpc>
-                <a:spcPct val="100000"/>
-              </a:lnSpc>
-              <a:spcBef>
-                <a:spcPts val="0"/>
-              </a:spcBef>
-              <a:spcAft>
-                <a:spcPts val="0"/>
-              </a:spcAft>
-              <a:buClrTx/>
-              <a:buSzTx/>
-              <a:buFontTx/>
-              <a:buNone/>
-              <a:defRPr/>
-            </a:pPr>
-            <a:endParaRPr kumimoji="0" lang="zh-CN" altLang="en-US" sz="1800" b="0" i="0" u="none" strike="noStrike" kern="1200" cap="none" spc="0" normalizeH="0" baseline="0" noProof="0">
-              <a:ln>
-                <a:noFill/>
-              </a:ln>
-              <a:solidFill>
-                <a:prstClr val="white"/>
-              </a:solidFill>
-              <a:effectLst/>
-              <a:uLnTx/>
-              <a:uFillTx/>
-              <a:latin typeface="等线" panose="020F0502020204030204"/>
-              <a:ea typeface="等线" panose="02010600030101010101" pitchFamily="2" charset="-122"/>
-              <a:cs typeface="+mn-cs"/>
-            </a:endParaRPr>
+            <a:pPr algn="ctr"/>
+            <a:endParaRPr lang="zh-CN" altLang="en-US"/>
           </a:p>
         </p:txBody>
       </p:sp>
@@ -6526,57 +6258,28 @@
           <a:bodyPr rtlCol="0" anchor="ctr"/>
           <a:lstStyle/>
           <a:p>
-            <a:pPr marL="0" marR="0" lvl="0" indent="0" algn="ctr" defTabSz="914400" rtl="0" eaLnBrk="1" fontAlgn="auto" latinLnBrk="0" hangingPunct="1">
-              <a:lnSpc>
-                <a:spcPct val="100000"/>
-              </a:lnSpc>
-              <a:spcBef>
-                <a:spcPts val="0"/>
-              </a:spcBef>
-              <a:spcAft>
-                <a:spcPts val="0"/>
-              </a:spcAft>
-              <a:buClrTx/>
-              <a:buSzTx/>
-              <a:buFontTx/>
-              <a:buNone/>
-              <a:defRPr/>
-            </a:pPr>
-            <a:endParaRPr kumimoji="0" lang="zh-CN" altLang="en-US" sz="1800" b="0" i="0" u="none" strike="noStrike" kern="1200" cap="none" spc="0" normalizeH="0" baseline="0" noProof="0">
-              <a:ln>
-                <a:noFill/>
-              </a:ln>
-              <a:solidFill>
-                <a:prstClr val="white"/>
-              </a:solidFill>
-              <a:effectLst/>
-              <a:uLnTx/>
-              <a:uFillTx/>
-              <a:latin typeface="等线" panose="020F0502020204030204"/>
-              <a:ea typeface="等线" panose="02010600030101010101" pitchFamily="2" charset="-122"/>
-              <a:cs typeface="+mn-cs"/>
-            </a:endParaRPr>
-          </a:p>
-        </p:txBody>
-      </p:sp>
-      <p:sp>
-        <p:nvSpPr>
-          <p:cNvPr id="40" name="Oval 9"/>
+            <a:pPr algn="ctr"/>
+            <a:endParaRPr lang="zh-CN" altLang="en-US"/>
+          </a:p>
+        </p:txBody>
+      </p:sp>
+      <p:sp>
+        <p:nvSpPr>
+          <p:cNvPr id="5" name="Rectangle 54"/>
           <p:cNvSpPr/>
           <p:nvPr/>
         </p:nvSpPr>
         <p:spPr>
           <a:xfrm>
-            <a:off x="7244556" y="1785702"/>
-            <a:ext cx="500063" cy="500062"/>
+            <a:off x="7322343" y="1212851"/>
+            <a:ext cx="4869657" cy="1430337"/>
           </a:xfrm>
-          <a:prstGeom prst="ellipse">
+          <a:prstGeom prst="rect">
             <a:avLst/>
           </a:prstGeom>
           <a:solidFill>
-            <a:schemeClr val="tx1">
-              <a:lumMod val="50000"/>
-              <a:lumOff val="50000"/>
+            <a:schemeClr val="bg1">
+              <a:lumMod val="85000"/>
             </a:schemeClr>
           </a:solidFill>
           <a:ln>
@@ -6604,9 +6307,9 @@
           <a:lstStyle/>
           <a:p>
             <a:pPr algn="ctr" eaLnBrk="1" hangingPunct="1"/>
-            <a:endParaRPr lang="en-US" altLang="zh-CN" dirty="0">
+            <a:endParaRPr lang="zh-CN" altLang="zh-CN">
               <a:solidFill>
-                <a:srgbClr val="F2F2F2"/>
+                <a:srgbClr val="FFFFFF"/>
               </a:solidFill>
             </a:endParaRPr>
           </a:p>
@@ -6614,40 +6317,229 @@
       </p:sp>
       <p:sp>
         <p:nvSpPr>
-          <p:cNvPr id="41" name="TextBox 10"/>
-          <p:cNvSpPr txBox="1"/>
+          <p:cNvPr id="6" name="TextBox 55"/>
+          <p:cNvSpPr txBox="1">
+            <a:spLocks noChangeArrowheads="1"/>
+          </p:cNvSpPr>
           <p:nvPr/>
         </p:nvSpPr>
-        <p:spPr>
+        <p:spPr bwMode="auto">
           <a:xfrm>
-            <a:off x="7866856" y="1872062"/>
-            <a:ext cx="3549650" cy="414020"/>
+            <a:off x="7726521" y="1543298"/>
+            <a:ext cx="3462337" cy="706755"/>
           </a:xfrm>
           <a:prstGeom prst="rect">
             <a:avLst/>
           </a:prstGeom>
           <a:noFill/>
+          <a:ln>
+            <a:noFill/>
+          </a:ln>
+          <a:extLst>
+            <a:ext uri="{909E8E84-426E-40DD-AFC4-6F175D3DCCD1}">
+              <a14:hiddenFill xmlns:a14="http://schemas.microsoft.com/office/drawing/2010/main">
+                <a:solidFill>
+                  <a:srgbClr val="FFFFFF"/>
+                </a:solidFill>
+              </a14:hiddenFill>
+            </a:ext>
+            <a:ext uri="{91240B29-F687-4F45-9708-019B960494DF}">
+              <a14:hiddenLine xmlns:a14="http://schemas.microsoft.com/office/drawing/2010/main" w="9525">
+                <a:solidFill>
+                  <a:srgbClr val="000000"/>
+                </a:solidFill>
+                <a:miter lim="800000"/>
+                <a:headEnd/>
+                <a:tailEnd/>
+              </a14:hiddenLine>
+            </a:ext>
+          </a:extLst>
         </p:spPr>
         <p:txBody>
-          <a:bodyPr>
+          <a:bodyPr wrap="square">
             <a:spAutoFit/>
           </a:bodyPr>
+          <a:lstStyle>
+            <a:lvl1pPr>
+              <a:defRPr>
+                <a:solidFill>
+                  <a:schemeClr val="tx1"/>
+                </a:solidFill>
+                <a:latin typeface="Calibri" pitchFamily="34" charset="0"/>
+              </a:defRPr>
+            </a:lvl1pPr>
+            <a:lvl2pPr marL="742950" indent="-285750">
+              <a:defRPr>
+                <a:solidFill>
+                  <a:schemeClr val="tx1"/>
+                </a:solidFill>
+                <a:latin typeface="Calibri" pitchFamily="34" charset="0"/>
+              </a:defRPr>
+            </a:lvl2pPr>
+            <a:lvl3pPr marL="1143000" indent="-228600">
+              <a:defRPr>
+                <a:solidFill>
+                  <a:schemeClr val="tx1"/>
+                </a:solidFill>
+                <a:latin typeface="Calibri" pitchFamily="34" charset="0"/>
+              </a:defRPr>
+            </a:lvl3pPr>
+            <a:lvl4pPr marL="1600200" indent="-228600">
+              <a:defRPr>
+                <a:solidFill>
+                  <a:schemeClr val="tx1"/>
+                </a:solidFill>
+                <a:latin typeface="Calibri" pitchFamily="34" charset="0"/>
+              </a:defRPr>
+            </a:lvl4pPr>
+            <a:lvl5pPr marL="2057400" indent="-228600">
+              <a:defRPr>
+                <a:solidFill>
+                  <a:schemeClr val="tx1"/>
+                </a:solidFill>
+                <a:latin typeface="Calibri" pitchFamily="34" charset="0"/>
+              </a:defRPr>
+            </a:lvl5pPr>
+            <a:lvl6pPr marL="2514600" indent="-228600" fontAlgn="base">
+              <a:spcBef>
+                <a:spcPct val="0"/>
+              </a:spcBef>
+              <a:spcAft>
+                <a:spcPct val="0"/>
+              </a:spcAft>
+              <a:defRPr>
+                <a:solidFill>
+                  <a:schemeClr val="tx1"/>
+                </a:solidFill>
+                <a:latin typeface="Calibri" pitchFamily="34" charset="0"/>
+              </a:defRPr>
+            </a:lvl6pPr>
+            <a:lvl7pPr marL="2971800" indent="-228600" fontAlgn="base">
+              <a:spcBef>
+                <a:spcPct val="0"/>
+              </a:spcBef>
+              <a:spcAft>
+                <a:spcPct val="0"/>
+              </a:spcAft>
+              <a:defRPr>
+                <a:solidFill>
+                  <a:schemeClr val="tx1"/>
+                </a:solidFill>
+                <a:latin typeface="Calibri" pitchFamily="34" charset="0"/>
+              </a:defRPr>
+            </a:lvl7pPr>
+            <a:lvl8pPr marL="3429000" indent="-228600" fontAlgn="base">
+              <a:spcBef>
+                <a:spcPct val="0"/>
+              </a:spcBef>
+              <a:spcAft>
+                <a:spcPct val="0"/>
+              </a:spcAft>
+              <a:defRPr>
+                <a:solidFill>
+                  <a:schemeClr val="tx1"/>
+                </a:solidFill>
+                <a:latin typeface="Calibri" pitchFamily="34" charset="0"/>
+              </a:defRPr>
+            </a:lvl8pPr>
+            <a:lvl9pPr marL="3886200" indent="-228600" fontAlgn="base">
+              <a:spcBef>
+                <a:spcPct val="0"/>
+              </a:spcBef>
+              <a:spcAft>
+                <a:spcPct val="0"/>
+              </a:spcAft>
+              <a:defRPr>
+                <a:solidFill>
+                  <a:schemeClr val="tx1"/>
+                </a:solidFill>
+                <a:latin typeface="Calibri" pitchFamily="34" charset="0"/>
+              </a:defRPr>
+            </a:lvl9pPr>
+          </a:lstStyle>
+          <a:p>
+            <a:pPr eaLnBrk="1" hangingPunct="1"/>
+            <a:r>
+              <a:rPr lang="zh-CN" altLang="en-US" sz="4000" dirty="0">
+                <a:solidFill>
+                  <a:schemeClr val="bg1"/>
+                </a:solidFill>
+                <a:latin typeface="Open Sans" panose="020B0606030504020204" pitchFamily="34" charset="0"/>
+              </a:rPr>
+              <a:t>重生流程设计</a:t>
+            </a:r>
+          </a:p>
+        </p:txBody>
+      </p:sp>
+      <p:pic>
+        <p:nvPicPr>
+          <p:cNvPr id="1073742852" name="图片 7"/>
+          <p:cNvPicPr>
+            <a:picLocks noChangeAspect="1"/>
+          </p:cNvPicPr>
+          <p:nvPr/>
+        </p:nvPicPr>
+        <p:blipFill>
+          <a:blip r:embed="rId3"/>
+          <a:stretch>
+            <a:fillRect/>
+          </a:stretch>
+        </p:blipFill>
+        <p:spPr>
+          <a:xfrm>
+            <a:off x="258445" y="551180"/>
+            <a:ext cx="5579110" cy="2409825"/>
+          </a:xfrm>
+          <a:prstGeom prst="rect">
+            <a:avLst/>
+          </a:prstGeom>
+          <a:noFill/>
+          <a:ln w="9525">
+            <a:noFill/>
+          </a:ln>
+        </p:spPr>
+      </p:pic>
+      <p:sp>
+        <p:nvSpPr>
+          <p:cNvPr id="4" name="Rectangle 7">
+            <a:extLst>
+              <a:ext uri="{FF2B5EF4-FFF2-40B4-BE49-F238E27FC236}">
+                <a16:creationId xmlns:a16="http://schemas.microsoft.com/office/drawing/2014/main" id="{50CCBEF1-8F67-C169-3782-0EED2DA83B84}"/>
+              </a:ext>
+            </a:extLst>
+          </p:cNvPr>
+          <p:cNvSpPr/>
+          <p:nvPr/>
+        </p:nvSpPr>
+        <p:spPr>
+          <a:xfrm>
+            <a:off x="6981190" y="3143250"/>
+            <a:ext cx="5183505" cy="3346814"/>
+          </a:xfrm>
+          <a:prstGeom prst="rect">
+            <a:avLst/>
+          </a:prstGeom>
+        </p:spPr>
+        <p:txBody>
+          <a:bodyPr wrap="square">
+            <a:spAutoFit/>
+          </a:bodyPr>
           <a:lstStyle/>
           <a:p>
             <a:pPr eaLnBrk="1" fontAlgn="auto" hangingPunct="1">
               <a:lnSpc>
-                <a:spcPct val="150000"/>
+                <a:spcPct val="107000"/>
               </a:lnSpc>
               <a:spcBef>
                 <a:spcPts val="0"/>
               </a:spcBef>
               <a:spcAft>
-                <a:spcPts val="0"/>
+                <a:spcPts val="800"/>
               </a:spcAft>
               <a:defRPr/>
             </a:pPr>
             <a:r>
-              <a:rPr lang="en-US" sz="1400" dirty="0">
+              <a:rPr lang="zh-CN" altLang="en-US" sz="2000" dirty="0">
                 <a:solidFill>
                   <a:schemeClr val="tx1">
                     <a:lumMod val="50000"/>
@@ -6658,9 +6550,9 @@
                 <a:ea typeface="Open Sans" panose="020B0606030504020204" pitchFamily="34" charset="0"/>
                 <a:cs typeface="Open Sans" panose="020B0606030504020204" pitchFamily="34" charset="0"/>
               </a:rPr>
-              <a:t>Unity 2021 稳定支持版本 (LTS) </a:t>
-            </a:r>
-            <a:endParaRPr lang="en-US" sz="1400" dirty="0">
+              <a:t>当某位玩家生命值归零时，他的阵营将随之改变。他将丢弃所有手牌，再重新抽取三张牌。</a:t>
+            </a:r>
+            <a:endParaRPr lang="en-US" altLang="zh-CN" sz="2000" dirty="0">
               <a:solidFill>
                 <a:schemeClr val="tx1">
                   <a:lumMod val="50000"/>
@@ -6672,157 +6564,201 @@
               <a:cs typeface="Open Sans" panose="020B0606030504020204" pitchFamily="34" charset="0"/>
             </a:endParaRPr>
           </a:p>
-        </p:txBody>
-      </p:sp>
-      <p:sp>
-        <p:nvSpPr>
-          <p:cNvPr id="44" name="TextBox 1"/>
-          <p:cNvSpPr txBox="1"/>
+          <a:p>
+            <a:pPr eaLnBrk="1" fontAlgn="auto" hangingPunct="1">
+              <a:lnSpc>
+                <a:spcPct val="107000"/>
+              </a:lnSpc>
+              <a:spcBef>
+                <a:spcPts val="0"/>
+              </a:spcBef>
+              <a:spcAft>
+                <a:spcPts val="800"/>
+              </a:spcAft>
+              <a:defRPr/>
+            </a:pPr>
+            <a:r>
+              <a:rPr lang="zh-CN" altLang="en-US" sz="2000" dirty="0">
+                <a:solidFill>
+                  <a:schemeClr val="tx1">
+                    <a:lumMod val="50000"/>
+                    <a:lumOff val="50000"/>
+                  </a:schemeClr>
+                </a:solidFill>
+                <a:latin typeface="Open Sans" panose="020B0606030504020204" pitchFamily="34" charset="0"/>
+                <a:ea typeface="Open Sans" panose="020B0606030504020204" pitchFamily="34" charset="0"/>
+                <a:cs typeface="Open Sans" panose="020B0606030504020204" pitchFamily="34" charset="0"/>
+              </a:rPr>
+              <a:t>随后抽取一张怪物牌作为自己变化为的怪物，本回合不再行动。</a:t>
+            </a:r>
+            <a:endParaRPr lang="en-US" altLang="zh-CN" sz="2000" dirty="0">
+              <a:solidFill>
+                <a:schemeClr val="tx1">
+                  <a:lumMod val="50000"/>
+                  <a:lumOff val="50000"/>
+                </a:schemeClr>
+              </a:solidFill>
+              <a:latin typeface="Open Sans" panose="020B0606030504020204" pitchFamily="34" charset="0"/>
+              <a:ea typeface="Open Sans" panose="020B0606030504020204" pitchFamily="34" charset="0"/>
+              <a:cs typeface="Open Sans" panose="020B0606030504020204" pitchFamily="34" charset="0"/>
+            </a:endParaRPr>
+          </a:p>
+          <a:p>
+            <a:pPr eaLnBrk="1" fontAlgn="auto" hangingPunct="1">
+              <a:lnSpc>
+                <a:spcPct val="107000"/>
+              </a:lnSpc>
+              <a:spcBef>
+                <a:spcPts val="0"/>
+              </a:spcBef>
+              <a:spcAft>
+                <a:spcPts val="800"/>
+              </a:spcAft>
+              <a:defRPr/>
+            </a:pPr>
+            <a:r>
+              <a:rPr lang="zh-CN" altLang="en-US" sz="2000" dirty="0">
+                <a:solidFill>
+                  <a:schemeClr val="tx1">
+                    <a:lumMod val="50000"/>
+                    <a:lumOff val="50000"/>
+                  </a:schemeClr>
+                </a:solidFill>
+                <a:latin typeface="Open Sans" panose="020B0606030504020204" pitchFamily="34" charset="0"/>
+                <a:ea typeface="Open Sans" panose="020B0606030504020204" pitchFamily="34" charset="0"/>
+                <a:cs typeface="Open Sans" panose="020B0606030504020204" pitchFamily="34" charset="0"/>
+              </a:rPr>
+              <a:t>当轮到该玩家行动时，抽取一张行动卡牌，随后出牌，将牌放置在怪物牌上以发动攻击。</a:t>
+            </a:r>
+            <a:endParaRPr lang="en-US" altLang="zh-CN" sz="2000" dirty="0">
+              <a:solidFill>
+                <a:schemeClr val="tx1">
+                  <a:lumMod val="50000"/>
+                  <a:lumOff val="50000"/>
+                </a:schemeClr>
+              </a:solidFill>
+              <a:latin typeface="Open Sans" panose="020B0606030504020204" pitchFamily="34" charset="0"/>
+              <a:ea typeface="Open Sans" panose="020B0606030504020204" pitchFamily="34" charset="0"/>
+              <a:cs typeface="Open Sans" panose="020B0606030504020204" pitchFamily="34" charset="0"/>
+            </a:endParaRPr>
+          </a:p>
+          <a:p>
+            <a:pPr eaLnBrk="1" fontAlgn="auto" hangingPunct="1">
+              <a:lnSpc>
+                <a:spcPct val="107000"/>
+              </a:lnSpc>
+              <a:spcBef>
+                <a:spcPts val="0"/>
+              </a:spcBef>
+              <a:spcAft>
+                <a:spcPts val="800"/>
+              </a:spcAft>
+              <a:defRPr/>
+            </a:pPr>
+            <a:r>
+              <a:rPr lang="zh-CN" altLang="en-US" sz="2000" dirty="0">
+                <a:solidFill>
+                  <a:schemeClr val="tx1">
+                    <a:lumMod val="50000"/>
+                    <a:lumOff val="50000"/>
+                  </a:schemeClr>
+                </a:solidFill>
+                <a:latin typeface="Open Sans" panose="020B0606030504020204" pitchFamily="34" charset="0"/>
+                <a:ea typeface="Open Sans" panose="020B0606030504020204" pitchFamily="34" charset="0"/>
+                <a:cs typeface="Open Sans" panose="020B0606030504020204" pitchFamily="34" charset="0"/>
+              </a:rPr>
+              <a:t>当该玩家生命值再次归零，这个过程将重复一遍，只是从怪物阵营变回玩家阵营。</a:t>
+            </a:r>
+            <a:endParaRPr lang="en-US" altLang="zh-CN" sz="2000" dirty="0">
+              <a:solidFill>
+                <a:schemeClr val="tx1">
+                  <a:lumMod val="50000"/>
+                  <a:lumOff val="50000"/>
+                </a:schemeClr>
+              </a:solidFill>
+              <a:latin typeface="Open Sans" panose="020B0606030504020204" pitchFamily="34" charset="0"/>
+              <a:ea typeface="Open Sans" panose="020B0606030504020204" pitchFamily="34" charset="0"/>
+              <a:cs typeface="Open Sans" panose="020B0606030504020204" pitchFamily="34" charset="0"/>
+            </a:endParaRPr>
+          </a:p>
+        </p:txBody>
+      </p:sp>
+      <p:pic>
+        <p:nvPicPr>
+          <p:cNvPr id="6146" name="Picture 2">
+            <a:extLst>
+              <a:ext uri="{FF2B5EF4-FFF2-40B4-BE49-F238E27FC236}">
+                <a16:creationId xmlns:a16="http://schemas.microsoft.com/office/drawing/2014/main" id="{503BAE73-76B0-FA79-1244-986A7F8DB72E}"/>
+              </a:ext>
+            </a:extLst>
+          </p:cNvPr>
+          <p:cNvPicPr>
+            <a:picLocks noChangeAspect="1" noChangeArrowheads="1"/>
+          </p:cNvPicPr>
           <p:nvPr/>
-        </p:nvSpPr>
-        <p:spPr>
+        </p:nvPicPr>
+        <p:blipFill>
+          <a:blip r:embed="rId4" cstate="print">
+            <a:extLst>
+              <a:ext uri="{28A0092B-C50C-407E-A947-70E740481C1C}">
+                <a14:useLocalDpi xmlns:a14="http://schemas.microsoft.com/office/drawing/2010/main" val="0"/>
+              </a:ext>
+            </a:extLst>
+          </a:blip>
+          <a:srcRect/>
+          <a:stretch>
+            <a:fillRect/>
+          </a:stretch>
+        </p:blipFill>
+        <p:spPr bwMode="auto">
           <a:xfrm>
-            <a:off x="7280275" y="1003522"/>
-            <a:ext cx="3549650" cy="583565"/>
+            <a:off x="692010" y="3043710"/>
+            <a:ext cx="4594726" cy="3446353"/>
           </a:xfrm>
           <a:prstGeom prst="rect">
             <a:avLst/>
           </a:prstGeom>
           <a:noFill/>
-        </p:spPr>
-        <p:txBody>
-          <a:bodyPr wrap="square">
-            <a:spAutoFit/>
-          </a:bodyPr>
-          <a:lstStyle/>
-          <a:p>
-            <a:pPr algn="ctr" eaLnBrk="1" fontAlgn="auto" hangingPunct="1">
-              <a:spcBef>
-                <a:spcPts val="0"/>
-              </a:spcBef>
-              <a:spcAft>
-                <a:spcPts val="0"/>
-              </a:spcAft>
-              <a:defRPr/>
-            </a:pPr>
-            <a:r>
-              <a:rPr lang="zh-CN" altLang="en-US" sz="3200" dirty="0">
-                <a:solidFill>
-                  <a:schemeClr val="tx1">
-                    <a:lumMod val="65000"/>
-                    <a:lumOff val="35000"/>
-                  </a:schemeClr>
-                </a:solidFill>
-                <a:latin typeface="GeosansLight" panose="02000603020000020003" pitchFamily="2" charset="0"/>
-              </a:rPr>
-              <a:t>编程</a:t>
-            </a:r>
-            <a:r>
-              <a:rPr lang="zh-CN" altLang="en-US" sz="3200" dirty="0">
-                <a:solidFill>
-                  <a:schemeClr val="tx1">
-                    <a:lumMod val="65000"/>
-                    <a:lumOff val="35000"/>
-                  </a:schemeClr>
-                </a:solidFill>
-                <a:latin typeface="GeosansLight" panose="02000603020000020003" pitchFamily="2" charset="0"/>
-              </a:rPr>
-              <a:t>平台</a:t>
-            </a:r>
-            <a:endParaRPr lang="zh-CN" altLang="en-US" sz="3200" dirty="0">
-              <a:solidFill>
-                <a:schemeClr val="tx1">
-                  <a:lumMod val="65000"/>
-                  <a:lumOff val="35000"/>
-                </a:schemeClr>
-              </a:solidFill>
-              <a:latin typeface="GeosansLight" panose="02000603020000020003" pitchFamily="2" charset="0"/>
-            </a:endParaRPr>
-          </a:p>
-        </p:txBody>
-      </p:sp>
-      <p:pic>
-        <p:nvPicPr>
-          <p:cNvPr id="5" name="图片 4" descr="901681440551_.pic"/>
-          <p:cNvPicPr>
-            <a:picLocks noChangeAspect="1"/>
-          </p:cNvPicPr>
-          <p:nvPr/>
-        </p:nvPicPr>
-        <p:blipFill>
-          <a:blip r:embed="rId1"/>
-          <a:srcRect l="11398" r="15131" b="5747"/>
-          <a:stretch>
-            <a:fillRect/>
-          </a:stretch>
-        </p:blipFill>
-        <p:spPr>
-          <a:xfrm>
-            <a:off x="861695" y="594360"/>
-            <a:ext cx="4095115" cy="5668645"/>
-          </a:xfrm>
-          <a:prstGeom prst="rect">
-            <a:avLst/>
-          </a:prstGeom>
+          <a:ln>
+            <a:noFill/>
+          </a:ln>
+          <a:extLst>
+            <a:ext uri="{909E8E84-426E-40DD-AFC4-6F175D3DCCD1}">
+              <a14:hiddenFill xmlns:a14="http://schemas.microsoft.com/office/drawing/2010/main">
+                <a:solidFill>
+                  <a:srgbClr val="FFFFFF"/>
+                </a:solidFill>
+              </a14:hiddenFill>
+            </a:ext>
+            <a:ext uri="{91240B29-F687-4F45-9708-019B960494DF}">
+              <a14:hiddenLine xmlns:a14="http://schemas.microsoft.com/office/drawing/2010/main" w="9525">
+                <a:solidFill>
+                  <a:srgbClr val="000000"/>
+                </a:solidFill>
+                <a:miter lim="800000"/>
+                <a:headEnd/>
+                <a:tailEnd/>
+              </a14:hiddenLine>
+            </a:ext>
+          </a:extLst>
         </p:spPr>
       </p:pic>
-      <p:sp>
-        <p:nvSpPr>
-          <p:cNvPr id="7" name="文本框 6"/>
-          <p:cNvSpPr txBox="1"/>
-          <p:nvPr/>
-        </p:nvSpPr>
-        <p:spPr>
-          <a:xfrm>
-            <a:off x="7132955" y="2571115"/>
-            <a:ext cx="4095115" cy="3415030"/>
-          </a:xfrm>
-          <a:prstGeom prst="rect">
-            <a:avLst/>
-          </a:prstGeom>
-          <a:noFill/>
-        </p:spPr>
-        <p:txBody>
-          <a:bodyPr wrap="square" rtlCol="0">
-            <a:spAutoFit/>
-          </a:bodyPr>
-          <a:p>
-            <a:pPr>
-              <a:lnSpc>
-                <a:spcPct val="200000"/>
-              </a:lnSpc>
-            </a:pPr>
-            <a:r>
-              <a:rPr lang="zh-CN" altLang="en-US"/>
-              <a:t>Unity的图形引擎使开发者能够通过逼真的动画、粒子效果和灯光来创建视觉上吸引人的纸牌游戏</a:t>
-            </a:r>
-            <a:endParaRPr lang="zh-CN" altLang="en-US"/>
-          </a:p>
-          <a:p>
-            <a:pPr>
-              <a:lnSpc>
-                <a:spcPct val="200000"/>
-              </a:lnSpc>
-            </a:pPr>
-            <a:r>
-              <a:rPr lang="zh-CN" altLang="en-US"/>
-              <a:t>Unity的图形引擎使开发者能够通过逼真的动画、粒子效果和灯光来创建视觉上吸引人的纸牌游戏</a:t>
-            </a:r>
-            <a:endParaRPr lang="zh-CN" altLang="en-US"/>
-          </a:p>
-        </p:txBody>
-      </p:sp>
     </p:spTree>
     <p:custDataLst>
-      <p:tags r:id="rId2"/>
+      <p:tags r:id="rId1"/>
     </p:custDataLst>
+    <p:extLst>
+      <p:ext uri="{BB962C8B-B14F-4D97-AF65-F5344CB8AC3E}">
+        <p14:creationId xmlns:p14="http://schemas.microsoft.com/office/powerpoint/2010/main" val="3505061148"/>
+      </p:ext>
+    </p:extLst>
   </p:cSld>
   <p:clrMapOvr>
     <a:masterClrMapping/>
   </p:clrMapOvr>
   <mc:AlternateContent xmlns:mc="http://schemas.openxmlformats.org/markup-compatibility/2006">
     <mc:Choice xmlns:p15="http://schemas.microsoft.com/office/powerpoint/2012/main" Requires="p15">
-      <p:transition xmlns:p14="http://schemas.microsoft.com/office/powerpoint/2010/main" spd="slow" Requires="p14" p14:dur="1250">
+      <p:transition xmlns:p14="http://schemas.microsoft.com/office/powerpoint/2010/main" spd="slow" p14:dur="1250">
         <p15:prstTrans prst="pageCurlDouble"/>
       </p:transition>
     </mc:Choice>
@@ -6835,7 +6771,7 @@
 </p:sld>
 </file>
 
-<file path=ppt/slides/slide4.xml><?xml version="1.0" encoding="utf-8"?>
+<file path=ppt/slides/slide11.xml><?xml version="1.0" encoding="utf-8"?>
 <p:sld xmlns:a="http://schemas.openxmlformats.org/drawingml/2006/main" xmlns:r="http://schemas.openxmlformats.org/officeDocument/2006/relationships" xmlns:p="http://schemas.openxmlformats.org/presentationml/2006/main">
   <p:cSld>
     <p:spTree>
@@ -6852,6 +6788,160 @@
           <a:chExt cx="0" cy="0"/>
         </a:xfrm>
       </p:grpSpPr>
+      <p:sp>
+        <p:nvSpPr>
+          <p:cNvPr id="4" name="矩形 3"/>
+          <p:cNvSpPr/>
+          <p:nvPr/>
+        </p:nvSpPr>
+        <p:spPr>
+          <a:xfrm>
+            <a:off x="6096000" y="0"/>
+            <a:ext cx="6096000" cy="6858000"/>
+          </a:xfrm>
+          <a:prstGeom prst="rect">
+            <a:avLst/>
+          </a:prstGeom>
+          <a:solidFill>
+            <a:schemeClr val="bg1">
+              <a:lumMod val="95000"/>
+            </a:schemeClr>
+          </a:solidFill>
+          <a:ln>
+            <a:noFill/>
+          </a:ln>
+          <a:effectLst/>
+        </p:spPr>
+        <p:style>
+          <a:lnRef idx="2">
+            <a:schemeClr val="accent1">
+              <a:shade val="50000"/>
+            </a:schemeClr>
+          </a:lnRef>
+          <a:fillRef idx="1">
+            <a:schemeClr val="accent1"/>
+          </a:fillRef>
+          <a:effectRef idx="0">
+            <a:schemeClr val="accent1"/>
+          </a:effectRef>
+          <a:fontRef idx="minor">
+            <a:schemeClr val="lt1"/>
+          </a:fontRef>
+        </p:style>
+        <p:txBody>
+          <a:bodyPr rtlCol="0" anchor="ctr"/>
+          <a:lstStyle/>
+          <a:p>
+            <a:pPr marL="0" marR="0" lvl="0" indent="0" algn="ctr" defTabSz="914400" rtl="0" eaLnBrk="1" fontAlgn="auto" latinLnBrk="0" hangingPunct="1">
+              <a:lnSpc>
+                <a:spcPct val="100000"/>
+              </a:lnSpc>
+              <a:spcBef>
+                <a:spcPts val="0"/>
+              </a:spcBef>
+              <a:spcAft>
+                <a:spcPts val="0"/>
+              </a:spcAft>
+              <a:buClrTx/>
+              <a:buSzTx/>
+              <a:buFontTx/>
+              <a:buNone/>
+              <a:defRPr/>
+            </a:pPr>
+            <a:endParaRPr kumimoji="0" lang="zh-CN" altLang="en-US" sz="1800" b="0" i="0" u="none" strike="noStrike" kern="1200" cap="none" spc="0" normalizeH="0" baseline="0" noProof="0">
+              <a:ln>
+                <a:noFill/>
+              </a:ln>
+              <a:solidFill>
+                <a:prstClr val="white"/>
+              </a:solidFill>
+              <a:effectLst/>
+              <a:uLnTx/>
+              <a:uFillTx/>
+              <a:latin typeface="等线" panose="020F0502020204030204"/>
+              <a:ea typeface="等线" panose="02010600030101010101" pitchFamily="2" charset="-122"/>
+              <a:cs typeface="+mn-cs"/>
+            </a:endParaRPr>
+          </a:p>
+        </p:txBody>
+      </p:sp>
+      <p:sp>
+        <p:nvSpPr>
+          <p:cNvPr id="2" name="矩形 1"/>
+          <p:cNvSpPr/>
+          <p:nvPr/>
+        </p:nvSpPr>
+        <p:spPr>
+          <a:xfrm>
+            <a:off x="0" y="0"/>
+            <a:ext cx="6096000" cy="6858000"/>
+          </a:xfrm>
+          <a:prstGeom prst="rect">
+            <a:avLst/>
+          </a:prstGeom>
+          <a:solidFill>
+            <a:schemeClr val="bg1">
+              <a:lumMod val="95000"/>
+            </a:schemeClr>
+          </a:solidFill>
+          <a:ln>
+            <a:noFill/>
+          </a:ln>
+          <a:effectLst/>
+        </p:spPr>
+        <p:style>
+          <a:lnRef idx="2">
+            <a:schemeClr val="accent1">
+              <a:shade val="50000"/>
+            </a:schemeClr>
+          </a:lnRef>
+          <a:fillRef idx="1">
+            <a:schemeClr val="accent1"/>
+          </a:fillRef>
+          <a:effectRef idx="0">
+            <a:schemeClr val="accent1"/>
+          </a:effectRef>
+          <a:fontRef idx="minor">
+            <a:schemeClr val="lt1"/>
+          </a:fontRef>
+        </p:style>
+        <p:txBody>
+          <a:bodyPr rtlCol="0" anchor="ctr"/>
+          <a:lstStyle/>
+          <a:p>
+            <a:pPr marL="0" marR="0" lvl="0" indent="0" algn="ctr" defTabSz="914400" rtl="0" eaLnBrk="1" fontAlgn="auto" latinLnBrk="0" hangingPunct="1">
+              <a:lnSpc>
+                <a:spcPct val="100000"/>
+              </a:lnSpc>
+              <a:spcBef>
+                <a:spcPts val="0"/>
+              </a:spcBef>
+              <a:spcAft>
+                <a:spcPts val="0"/>
+              </a:spcAft>
+              <a:buClrTx/>
+              <a:buSzTx/>
+              <a:buFontTx/>
+              <a:buNone/>
+              <a:defRPr/>
+            </a:pPr>
+            <a:endParaRPr kumimoji="0" lang="zh-CN" altLang="en-US" sz="1800" b="0" i="0" u="none" strike="noStrike" kern="1200" cap="none" spc="0" normalizeH="0" baseline="0" noProof="0">
+              <a:ln>
+                <a:noFill/>
+              </a:ln>
+              <a:solidFill>
+                <a:prstClr val="white"/>
+              </a:solidFill>
+              <a:effectLst/>
+              <a:uLnTx/>
+              <a:uFillTx/>
+              <a:latin typeface="等线" panose="020F0502020204030204"/>
+              <a:ea typeface="等线" panose="02010600030101010101" pitchFamily="2" charset="-122"/>
+              <a:cs typeface="+mn-cs"/>
+            </a:endParaRPr>
+          </a:p>
+        </p:txBody>
+      </p:sp>
       <p:sp>
         <p:nvSpPr>
           <p:cNvPr id="3" name="矩形 2"/>
@@ -6908,8 +6998,36 @@
           <a:bodyPr rtlCol="0" anchor="ctr"/>
           <a:lstStyle/>
           <a:p>
-            <a:pPr algn="ctr"/>
-            <a:endParaRPr lang="zh-CN" altLang="en-US"/>
+            <a:pPr marL="0" marR="0" lvl="0" indent="0" algn="ctr" defTabSz="914400" rtl="0" eaLnBrk="1" fontAlgn="auto" latinLnBrk="0" hangingPunct="1">
+              <a:lnSpc>
+                <a:spcPct val="100000"/>
+              </a:lnSpc>
+              <a:spcBef>
+                <a:spcPts val="0"/>
+              </a:spcBef>
+              <a:spcAft>
+                <a:spcPts val="0"/>
+              </a:spcAft>
+              <a:buClrTx/>
+              <a:buSzTx/>
+              <a:buFontTx/>
+              <a:buNone/>
+              <a:defRPr/>
+            </a:pPr>
+            <a:endParaRPr kumimoji="0" lang="zh-CN" altLang="en-US" sz="1800" b="0" i="0" u="none" strike="noStrike" kern="1200" cap="none" spc="0" normalizeH="0" baseline="0" noProof="0">
+              <a:ln>
+                <a:noFill/>
+              </a:ln>
+              <a:solidFill>
+                <a:prstClr val="white"/>
+              </a:solidFill>
+              <a:effectLst/>
+              <a:uLnTx/>
+              <a:uFillTx/>
+              <a:latin typeface="等线" panose="020F0502020204030204"/>
+              <a:ea typeface="等线" panose="02010600030101010101" pitchFamily="2" charset="-122"/>
+              <a:cs typeface="+mn-cs"/>
+            </a:endParaRPr>
           </a:p>
         </p:txBody>
       </p:sp>
@@ -6969,21 +7087,49 @@
           <a:bodyPr rtlCol="0" anchor="ctr"/>
           <a:lstStyle/>
           <a:p>
-            <a:pPr algn="ctr"/>
-            <a:endParaRPr lang="zh-CN" altLang="en-US"/>
-          </a:p>
-        </p:txBody>
-      </p:sp>
-      <p:sp>
-        <p:nvSpPr>
-          <p:cNvPr id="25" name="Rectangle 7"/>
+            <a:pPr marL="0" marR="0" lvl="0" indent="0" algn="ctr" defTabSz="914400" rtl="0" eaLnBrk="1" fontAlgn="auto" latinLnBrk="0" hangingPunct="1">
+              <a:lnSpc>
+                <a:spcPct val="100000"/>
+              </a:lnSpc>
+              <a:spcBef>
+                <a:spcPts val="0"/>
+              </a:spcBef>
+              <a:spcAft>
+                <a:spcPts val="0"/>
+              </a:spcAft>
+              <a:buClrTx/>
+              <a:buSzTx/>
+              <a:buFontTx/>
+              <a:buNone/>
+              <a:defRPr/>
+            </a:pPr>
+            <a:endParaRPr kumimoji="0" lang="zh-CN" altLang="en-US" sz="1800" b="0" i="0" u="none" strike="noStrike" kern="1200" cap="none" spc="0" normalizeH="0" baseline="0" noProof="0">
+              <a:ln>
+                <a:noFill/>
+              </a:ln>
+              <a:solidFill>
+                <a:prstClr val="white"/>
+              </a:solidFill>
+              <a:effectLst/>
+              <a:uLnTx/>
+              <a:uFillTx/>
+              <a:latin typeface="等线" panose="020F0502020204030204"/>
+              <a:ea typeface="等线" panose="02010600030101010101" pitchFamily="2" charset="-122"/>
+              <a:cs typeface="+mn-cs"/>
+            </a:endParaRPr>
+          </a:p>
+        </p:txBody>
+      </p:sp>
+      <p:sp>
+        <p:nvSpPr>
+          <p:cNvPr id="7" name="矩形 6"/>
           <p:cNvSpPr/>
           <p:nvPr/>
         </p:nvSpPr>
         <p:spPr>
           <a:xfrm>
-            <a:off x="6981190" y="3143250"/>
-            <a:ext cx="5183505" cy="1407160"/>
+            <a:off x="8049895" y="755650"/>
+            <a:ext cx="1160145" cy="352425"/>
           </a:xfrm>
           <a:prstGeom prst="rect">
             <a:avLst/>
@@ -6995,58 +7141,44 @@
           </a:bodyPr>
           <a:lstStyle/>
           <a:p>
-            <a:pPr eaLnBrk="1" fontAlgn="auto" hangingPunct="1">
-              <a:lnSpc>
-                <a:spcPct val="107000"/>
-              </a:lnSpc>
-              <a:spcBef>
-                <a:spcPts val="0"/>
-              </a:spcBef>
-              <a:spcAft>
-                <a:spcPts val="800"/>
-              </a:spcAft>
-              <a:defRPr/>
-            </a:pPr>
-            <a:r>
-              <a:rPr lang="en-US" sz="2000" dirty="0">
+            <a:r>
+              <a:rPr lang="zh-CN" altLang="en-US" sz="1700" dirty="0">
                 <a:solidFill>
                   <a:schemeClr val="tx1">
-                    <a:lumMod val="50000"/>
-                    <a:lumOff val="50000"/>
+                    <a:lumMod val="75000"/>
+                    <a:lumOff val="25000"/>
                   </a:schemeClr>
                 </a:solidFill>
-                <a:latin typeface="Open Sans" panose="020B0606030504020204" pitchFamily="34" charset="0"/>
-                <a:ea typeface="Open Sans" panose="020B0606030504020204" pitchFamily="34" charset="0"/>
-                <a:cs typeface="Open Sans" panose="020B0606030504020204" pitchFamily="34" charset="0"/>
+                <a:cs typeface="+mn-ea"/>
+                <a:sym typeface="+mn-lt"/>
               </a:rPr>
-              <a:t>在场景设计方面，我们会先用黑暗压抑风格的横版构图的像素画作为背景，加上魔法元素。玩家可以操作卡牌进行对战，并且会有一个时钟标识来提醒出牌剩余时间。</a:t>
-            </a:r>
-            <a:endParaRPr lang="en-US" sz="2000" dirty="0">
+              <a:t>武器设定</a:t>
+            </a:r>
+            <a:endParaRPr lang="en-US" altLang="zh-CN" sz="1700" dirty="0">
               <a:solidFill>
                 <a:schemeClr val="tx1">
-                  <a:lumMod val="50000"/>
-                  <a:lumOff val="50000"/>
+                  <a:lumMod val="75000"/>
+                  <a:lumOff val="25000"/>
                 </a:schemeClr>
               </a:solidFill>
-              <a:latin typeface="Open Sans" panose="020B0606030504020204" pitchFamily="34" charset="0"/>
-              <a:ea typeface="Open Sans" panose="020B0606030504020204" pitchFamily="34" charset="0"/>
-              <a:cs typeface="Open Sans" panose="020B0606030504020204" pitchFamily="34" charset="0"/>
+              <a:cs typeface="+mn-ea"/>
+              <a:sym typeface="+mn-lt"/>
             </a:endParaRPr>
           </a:p>
         </p:txBody>
       </p:sp>
       <p:sp>
         <p:nvSpPr>
-          <p:cNvPr id="5" name="Rectangle 54"/>
+          <p:cNvPr id="11" name="菱形 10"/>
           <p:cNvSpPr/>
           <p:nvPr/>
         </p:nvSpPr>
         <p:spPr>
           <a:xfrm>
-            <a:off x="7322343" y="1212851"/>
-            <a:ext cx="4869657" cy="1430337"/>
+            <a:off x="7131685" y="624205"/>
+            <a:ext cx="628015" cy="615315"/>
           </a:xfrm>
-          <a:prstGeom prst="rect">
+          <a:prstGeom prst="diamond">
             <a:avLst/>
           </a:prstGeom>
           <a:solidFill>
@@ -7057,6 +7189,7 @@
           <a:ln>
             <a:noFill/>
           </a:ln>
+          <a:effectLst/>
         </p:spPr>
         <p:style>
           <a:lnRef idx="2">
@@ -7075,198 +7208,222 @@
           </a:fontRef>
         </p:style>
         <p:txBody>
-          <a:bodyPr anchor="ctr"/>
-          <a:lstStyle/>
-          <a:p>
-            <a:pPr algn="ctr" eaLnBrk="1" hangingPunct="1"/>
-            <a:endParaRPr lang="zh-CN" altLang="zh-CN">
-              <a:solidFill>
-                <a:srgbClr val="FFFFFF"/>
-              </a:solidFill>
-            </a:endParaRPr>
-          </a:p>
-        </p:txBody>
-      </p:sp>
-      <p:sp>
-        <p:nvSpPr>
-          <p:cNvPr id="6" name="TextBox 55"/>
-          <p:cNvSpPr txBox="1">
-            <a:spLocks noChangeArrowheads="1"/>
-          </p:cNvSpPr>
+          <a:bodyPr rtlCol="0" anchor="ctr"/>
+          <a:lstStyle/>
+          <a:p>
+            <a:pPr algn="ctr"/>
+            <a:endParaRPr lang="zh-CN" altLang="en-US" dirty="0"/>
+          </a:p>
+        </p:txBody>
+      </p:sp>
+      <p:pic>
+        <p:nvPicPr>
+          <p:cNvPr id="6" name="图片 2" descr="4451681438996_.pic"/>
+          <p:cNvPicPr>
+            <a:picLocks noChangeAspect="1"/>
+          </p:cNvPicPr>
           <p:nvPr/>
-        </p:nvSpPr>
-        <p:spPr bwMode="auto">
+        </p:nvPicPr>
+        <p:blipFill>
+          <a:blip r:embed="rId3"/>
+          <a:stretch>
+            <a:fillRect/>
+          </a:stretch>
+        </p:blipFill>
+        <p:spPr>
           <a:xfrm>
-            <a:off x="7726521" y="1543298"/>
-            <a:ext cx="3462337" cy="706755"/>
+            <a:off x="3385185" y="1109980"/>
+            <a:ext cx="1555750" cy="1477010"/>
           </a:xfrm>
           <a:prstGeom prst="rect">
             <a:avLst/>
           </a:prstGeom>
           <a:noFill/>
-          <a:ln>
+          <a:ln w="9525">
             <a:noFill/>
           </a:ln>
-          <a:extLst>
-            <a:ext uri="{909E8E84-426E-40DD-AFC4-6F175D3DCCD1}">
-              <a14:hiddenFill xmlns:a14="http://schemas.microsoft.com/office/drawing/2010/main">
-                <a:solidFill>
-                  <a:srgbClr val="FFFFFF"/>
-                </a:solidFill>
-              </a14:hiddenFill>
-            </a:ext>
-            <a:ext uri="{91240B29-F687-4F45-9708-019B960494DF}">
-              <a14:hiddenLine xmlns:a14="http://schemas.microsoft.com/office/drawing/2010/main" w="9525">
-                <a:solidFill>
-                  <a:srgbClr val="000000"/>
-                </a:solidFill>
-                <a:miter lim="800000"/>
-                <a:headEnd/>
-                <a:tailEnd/>
-              </a14:hiddenLine>
-            </a:ext>
-          </a:extLst>
         </p:spPr>
-        <p:txBody>
-          <a:bodyPr wrap="square">
+      </p:pic>
+      <p:pic>
+        <p:nvPicPr>
+          <p:cNvPr id="8" name="图片 9" descr="4441681438995_.pic"/>
+          <p:cNvPicPr>
+            <a:picLocks noChangeAspect="1"/>
+          </p:cNvPicPr>
+          <p:nvPr/>
+        </p:nvPicPr>
+        <p:blipFill>
+          <a:blip r:embed="rId4"/>
+          <a:stretch>
+            <a:fillRect/>
+          </a:stretch>
+        </p:blipFill>
+        <p:spPr>
+          <a:xfrm>
+            <a:off x="1069023" y="1108075"/>
+            <a:ext cx="1604645" cy="1480820"/>
+          </a:xfrm>
+          <a:prstGeom prst="rect">
+            <a:avLst/>
+          </a:prstGeom>
+          <a:noFill/>
+          <a:ln w="9525">
+            <a:noFill/>
+          </a:ln>
+        </p:spPr>
+      </p:pic>
+      <p:pic>
+        <p:nvPicPr>
+          <p:cNvPr id="9" name="图片 8" descr="4431681438994_.pic"/>
+          <p:cNvPicPr>
+            <a:picLocks noChangeAspect="1"/>
+          </p:cNvPicPr>
+          <p:nvPr/>
+        </p:nvPicPr>
+        <p:blipFill>
+          <a:blip r:embed="rId5"/>
+          <a:stretch>
+            <a:fillRect/>
+          </a:stretch>
+        </p:blipFill>
+        <p:spPr>
+          <a:xfrm rot="-10800000" flipV="1">
+            <a:off x="1062673" y="3573463"/>
+            <a:ext cx="1610995" cy="1520825"/>
+          </a:xfrm>
+          <a:prstGeom prst="rect">
+            <a:avLst/>
+          </a:prstGeom>
+          <a:noFill/>
+          <a:ln w="9525">
+            <a:noFill/>
+          </a:ln>
+        </p:spPr>
+      </p:pic>
+      <p:pic>
+        <p:nvPicPr>
+          <p:cNvPr id="10" name="图片 7" descr="891681439245_.pic"/>
+          <p:cNvPicPr>
+            <a:picLocks noChangeAspect="1"/>
+          </p:cNvPicPr>
+          <p:nvPr/>
+        </p:nvPicPr>
+        <p:blipFill>
+          <a:blip r:embed="rId6"/>
+          <a:srcRect t="19492" r="854" b="5412"/>
+          <a:stretch>
+            <a:fillRect/>
+          </a:stretch>
+        </p:blipFill>
+        <p:spPr>
+          <a:xfrm>
+            <a:off x="3428365" y="3579813"/>
+            <a:ext cx="1498600" cy="1514475"/>
+          </a:xfrm>
+          <a:prstGeom prst="rect">
+            <a:avLst/>
+          </a:prstGeom>
+          <a:noFill/>
+          <a:ln w="9525">
+            <a:noFill/>
+          </a:ln>
+        </p:spPr>
+      </p:pic>
+      <p:sp>
+        <p:nvSpPr>
+          <p:cNvPr id="5" name="文本框 4"/>
+          <p:cNvSpPr txBox="1"/>
+          <p:nvPr/>
+        </p:nvSpPr>
+        <p:spPr>
+          <a:xfrm>
+            <a:off x="7305675" y="1499235"/>
+            <a:ext cx="4245610" cy="1712135"/>
+          </a:xfrm>
+          <a:prstGeom prst="rect">
+            <a:avLst/>
+          </a:prstGeom>
+          <a:noFill/>
+        </p:spPr>
+        <p:txBody>
+          <a:bodyPr wrap="square" rtlCol="0">
             <a:spAutoFit/>
           </a:bodyPr>
-          <a:lstStyle>
-            <a:lvl1pPr>
-              <a:defRPr>
-                <a:solidFill>
-                  <a:schemeClr val="tx1"/>
-                </a:solidFill>
-                <a:latin typeface="Calibri" pitchFamily="34" charset="0"/>
-              </a:defRPr>
-            </a:lvl1pPr>
-            <a:lvl2pPr marL="742950" indent="-285750">
-              <a:defRPr>
-                <a:solidFill>
-                  <a:schemeClr val="tx1"/>
-                </a:solidFill>
-                <a:latin typeface="Calibri" pitchFamily="34" charset="0"/>
-              </a:defRPr>
-            </a:lvl2pPr>
-            <a:lvl3pPr marL="1143000" indent="-228600">
-              <a:defRPr>
-                <a:solidFill>
-                  <a:schemeClr val="tx1"/>
-                </a:solidFill>
-                <a:latin typeface="Calibri" pitchFamily="34" charset="0"/>
-              </a:defRPr>
-            </a:lvl3pPr>
-            <a:lvl4pPr marL="1600200" indent="-228600">
-              <a:defRPr>
-                <a:solidFill>
-                  <a:schemeClr val="tx1"/>
-                </a:solidFill>
-                <a:latin typeface="Calibri" pitchFamily="34" charset="0"/>
-              </a:defRPr>
-            </a:lvl4pPr>
-            <a:lvl5pPr marL="2057400" indent="-228600">
-              <a:defRPr>
-                <a:solidFill>
-                  <a:schemeClr val="tx1"/>
-                </a:solidFill>
-                <a:latin typeface="Calibri" pitchFamily="34" charset="0"/>
-              </a:defRPr>
-            </a:lvl5pPr>
-            <a:lvl6pPr marL="2514600" indent="-228600" fontAlgn="base">
-              <a:spcBef>
-                <a:spcPct val="0"/>
-              </a:spcBef>
-              <a:spcAft>
-                <a:spcPct val="0"/>
-              </a:spcAft>
-              <a:defRPr>
-                <a:solidFill>
-                  <a:schemeClr val="tx1"/>
-                </a:solidFill>
-                <a:latin typeface="Calibri" pitchFamily="34" charset="0"/>
-              </a:defRPr>
-            </a:lvl6pPr>
-            <a:lvl7pPr marL="2971800" indent="-228600" fontAlgn="base">
-              <a:spcBef>
-                <a:spcPct val="0"/>
-              </a:spcBef>
-              <a:spcAft>
-                <a:spcPct val="0"/>
-              </a:spcAft>
-              <a:defRPr>
-                <a:solidFill>
-                  <a:schemeClr val="tx1"/>
-                </a:solidFill>
-                <a:latin typeface="Calibri" pitchFamily="34" charset="0"/>
-              </a:defRPr>
-            </a:lvl7pPr>
-            <a:lvl8pPr marL="3429000" indent="-228600" fontAlgn="base">
-              <a:spcBef>
-                <a:spcPct val="0"/>
-              </a:spcBef>
-              <a:spcAft>
-                <a:spcPct val="0"/>
-              </a:spcAft>
-              <a:defRPr>
-                <a:solidFill>
-                  <a:schemeClr val="tx1"/>
-                </a:solidFill>
-                <a:latin typeface="Calibri" pitchFamily="34" charset="0"/>
-              </a:defRPr>
-            </a:lvl8pPr>
-            <a:lvl9pPr marL="3886200" indent="-228600" fontAlgn="base">
-              <a:spcBef>
-                <a:spcPct val="0"/>
-              </a:spcBef>
-              <a:spcAft>
-                <a:spcPct val="0"/>
-              </a:spcAft>
-              <a:defRPr>
-                <a:solidFill>
-                  <a:schemeClr val="tx1"/>
-                </a:solidFill>
-                <a:latin typeface="Calibri" pitchFamily="34" charset="0"/>
-              </a:defRPr>
-            </a:lvl9pPr>
-          </a:lstStyle>
-          <a:p>
-            <a:pPr eaLnBrk="1" hangingPunct="1"/>
-            <a:r>
-              <a:rPr lang="zh-CN" altLang="en-US" sz="4000" dirty="0">
-                <a:solidFill>
-                  <a:schemeClr val="bg1"/>
-                </a:solidFill>
-                <a:latin typeface="Open Sans" panose="020B0606030504020204" pitchFamily="34" charset="0"/>
-              </a:rPr>
-              <a:t>场景</a:t>
-            </a:r>
-            <a:r>
-              <a:rPr lang="zh-CN" altLang="en-US" sz="4000" dirty="0">
-                <a:solidFill>
-                  <a:schemeClr val="bg1"/>
-                </a:solidFill>
-                <a:latin typeface="Open Sans" panose="020B0606030504020204" pitchFamily="34" charset="0"/>
-              </a:rPr>
-              <a:t>设计</a:t>
-            </a:r>
-            <a:endParaRPr lang="zh-CN" altLang="en-US" sz="4000" dirty="0">
-              <a:solidFill>
-                <a:schemeClr val="bg1"/>
-              </a:solidFill>
-              <a:latin typeface="Open Sans" panose="020B0606030504020204" pitchFamily="34" charset="0"/>
-            </a:endParaRPr>
-          </a:p>
-        </p:txBody>
-      </p:sp>
-      <p:sp>
-        <p:nvSpPr>
-          <p:cNvPr id="2" name="矩形 1"/>
+          <a:lstStyle/>
+          <a:p>
+            <a:pPr>
+              <a:lnSpc>
+                <a:spcPct val="150000"/>
+              </a:lnSpc>
+            </a:pPr>
+            <a:r>
+              <a:rPr lang="zh-CN" altLang="en-US" dirty="0"/>
+              <a:t>游戏卡牌分为武器卡牌和行动手牌，武器分为地风水火四种属性，每个武器最多可持有一种主属性和一种副属性。</a:t>
+            </a:r>
+            <a:endParaRPr lang="en-US" altLang="zh-CN" dirty="0"/>
+          </a:p>
+          <a:p>
+            <a:pPr>
+              <a:lnSpc>
+                <a:spcPct val="150000"/>
+              </a:lnSpc>
+            </a:pPr>
+            <a:r>
+              <a:rPr lang="zh-CN" altLang="en-US" dirty="0"/>
+              <a:t>行动手牌让特定的装备有不同的效果。</a:t>
+            </a:r>
+          </a:p>
+        </p:txBody>
+      </p:sp>
+    </p:spTree>
+    <p:custDataLst>
+      <p:tags r:id="rId1"/>
+    </p:custDataLst>
+  </p:cSld>
+  <p:clrMapOvr>
+    <a:masterClrMapping/>
+  </p:clrMapOvr>
+  <mc:AlternateContent xmlns:mc="http://schemas.openxmlformats.org/markup-compatibility/2006" xmlns:p15="http://schemas.microsoft.com/office/powerpoint/2012/main">
+    <mc:Choice Requires="p15">
+      <p:transition xmlns:p14="http://schemas.microsoft.com/office/powerpoint/2010/main" spd="slow" p14:dur="1250">
+        <p15:prstTrans prst="pageCurlDouble"/>
+      </p:transition>
+    </mc:Choice>
+    <mc:Fallback xmlns="">
+      <p:transition spd="slow">
+        <p:fade/>
+      </p:transition>
+    </mc:Fallback>
+  </mc:AlternateContent>
+</p:sld>
+</file>
+
+<file path=ppt/slides/slide12.xml><?xml version="1.0" encoding="utf-8"?>
+<p:sld xmlns:a="http://schemas.openxmlformats.org/drawingml/2006/main" xmlns:r="http://schemas.openxmlformats.org/officeDocument/2006/relationships" xmlns:p="http://schemas.openxmlformats.org/presentationml/2006/main">
+  <p:cSld>
+    <p:spTree>
+      <p:nvGrpSpPr>
+        <p:cNvPr id="1" name=""/>
+        <p:cNvGrpSpPr/>
+        <p:nvPr/>
+      </p:nvGrpSpPr>
+      <p:grpSpPr>
+        <a:xfrm>
+          <a:off x="0" y="0"/>
+          <a:ext cx="0" cy="0"/>
+          <a:chOff x="0" y="0"/>
+          <a:chExt cx="0" cy="0"/>
+        </a:xfrm>
+      </p:grpSpPr>
+      <p:sp>
+        <p:nvSpPr>
+          <p:cNvPr id="4" name="矩形 3"/>
           <p:cNvSpPr/>
           <p:nvPr/>
         </p:nvSpPr>
         <p:spPr>
           <a:xfrm>
-            <a:off x="0" y="0"/>
+            <a:off x="6162040" y="0"/>
             <a:ext cx="6096000" cy="6858000"/>
           </a:xfrm>
           <a:prstGeom prst="rect">
@@ -7335,72 +7492,6 @@
           </a:p>
         </p:txBody>
       </p:sp>
-      <p:pic>
-        <p:nvPicPr>
-          <p:cNvPr id="1073742857" name="图片 2" descr="图示&#10;&#10;描述已自动生成"/>
-          <p:cNvPicPr/>
-          <p:nvPr/>
-        </p:nvPicPr>
-        <p:blipFill>
-          <a:blip r:embed="rId1"/>
-          <a:stretch>
-            <a:fillRect/>
-          </a:stretch>
-        </p:blipFill>
-        <p:spPr>
-          <a:xfrm>
-            <a:off x="420370" y="1945640"/>
-            <a:ext cx="5274310" cy="2966720"/>
-          </a:xfrm>
-          <a:prstGeom prst="rect">
-            <a:avLst/>
-          </a:prstGeom>
-          <a:noFill/>
-          <a:ln w="9525">
-            <a:noFill/>
-          </a:ln>
-        </p:spPr>
-      </p:pic>
-    </p:spTree>
-    <p:custDataLst>
-      <p:tags r:id="rId2"/>
-    </p:custDataLst>
-  </p:cSld>
-  <p:clrMapOvr>
-    <a:masterClrMapping/>
-  </p:clrMapOvr>
-  <mc:AlternateContent xmlns:mc="http://schemas.openxmlformats.org/markup-compatibility/2006">
-    <mc:Choice xmlns:p15="http://schemas.microsoft.com/office/powerpoint/2012/main" Requires="p15">
-      <p:transition xmlns:p14="http://schemas.microsoft.com/office/powerpoint/2010/main" spd="slow" Requires="p14" p14:dur="1250">
-        <p15:prstTrans prst="pageCurlDouble"/>
-      </p:transition>
-    </mc:Choice>
-    <mc:Fallback>
-      <p:transition spd="slow">
-        <p:fade/>
-      </p:transition>
-    </mc:Fallback>
-  </mc:AlternateContent>
-</p:sld>
-</file>
-
-<file path=ppt/slides/slide5.xml><?xml version="1.0" encoding="utf-8"?>
-<p:sld xmlns:a="http://schemas.openxmlformats.org/drawingml/2006/main" xmlns:r="http://schemas.openxmlformats.org/officeDocument/2006/relationships" xmlns:p="http://schemas.openxmlformats.org/presentationml/2006/main">
-  <p:cSld>
-    <p:spTree>
-      <p:nvGrpSpPr>
-        <p:cNvPr id="1" name=""/>
-        <p:cNvGrpSpPr/>
-        <p:nvPr/>
-      </p:nvGrpSpPr>
-      <p:grpSpPr>
-        <a:xfrm>
-          <a:off x="0" y="0"/>
-          <a:ext cx="0" cy="0"/>
-          <a:chOff x="0" y="0"/>
-          <a:chExt cx="0" cy="0"/>
-        </a:xfrm>
-      </p:grpSpPr>
       <p:sp>
         <p:nvSpPr>
           <p:cNvPr id="2" name="矩形 1"/>
@@ -7534,8 +7625,36 @@
           <a:bodyPr rtlCol="0" anchor="ctr"/>
           <a:lstStyle/>
           <a:p>
-            <a:pPr algn="ctr"/>
-            <a:endParaRPr lang="zh-CN" altLang="en-US"/>
+            <a:pPr marL="0" marR="0" lvl="0" indent="0" algn="ctr" defTabSz="914400" rtl="0" eaLnBrk="1" fontAlgn="auto" latinLnBrk="0" hangingPunct="1">
+              <a:lnSpc>
+                <a:spcPct val="100000"/>
+              </a:lnSpc>
+              <a:spcBef>
+                <a:spcPts val="0"/>
+              </a:spcBef>
+              <a:spcAft>
+                <a:spcPts val="0"/>
+              </a:spcAft>
+              <a:buClrTx/>
+              <a:buSzTx/>
+              <a:buFontTx/>
+              <a:buNone/>
+              <a:defRPr/>
+            </a:pPr>
+            <a:endParaRPr kumimoji="0" lang="zh-CN" altLang="en-US" sz="1800" b="0" i="0" u="none" strike="noStrike" kern="1200" cap="none" spc="0" normalizeH="0" baseline="0" noProof="0">
+              <a:ln>
+                <a:noFill/>
+              </a:ln>
+              <a:solidFill>
+                <a:prstClr val="white"/>
+              </a:solidFill>
+              <a:effectLst/>
+              <a:uLnTx/>
+              <a:uFillTx/>
+              <a:latin typeface="等线" panose="020F0502020204030204"/>
+              <a:ea typeface="等线" panose="02010600030101010101" pitchFamily="2" charset="-122"/>
+              <a:cs typeface="+mn-cs"/>
+            </a:endParaRPr>
           </a:p>
         </p:txBody>
       </p:sp>
@@ -7595,23 +7714,98 @@
           <a:bodyPr rtlCol="0" anchor="ctr"/>
           <a:lstStyle/>
           <a:p>
-            <a:pPr algn="ctr"/>
-            <a:endParaRPr lang="zh-CN" altLang="en-US"/>
-          </a:p>
-        </p:txBody>
-      </p:sp>
-      <p:sp>
-        <p:nvSpPr>
-          <p:cNvPr id="5" name="Rectangle 54"/>
+            <a:pPr marL="0" marR="0" lvl="0" indent="0" algn="ctr" defTabSz="914400" rtl="0" eaLnBrk="1" fontAlgn="auto" latinLnBrk="0" hangingPunct="1">
+              <a:lnSpc>
+                <a:spcPct val="100000"/>
+              </a:lnSpc>
+              <a:spcBef>
+                <a:spcPts val="0"/>
+              </a:spcBef>
+              <a:spcAft>
+                <a:spcPts val="0"/>
+              </a:spcAft>
+              <a:buClrTx/>
+              <a:buSzTx/>
+              <a:buFontTx/>
+              <a:buNone/>
+              <a:defRPr/>
+            </a:pPr>
+            <a:endParaRPr kumimoji="0" lang="zh-CN" altLang="en-US" sz="1800" b="0" i="0" u="none" strike="noStrike" kern="1200" cap="none" spc="0" normalizeH="0" baseline="0" noProof="0">
+              <a:ln>
+                <a:noFill/>
+              </a:ln>
+              <a:solidFill>
+                <a:prstClr val="white"/>
+              </a:solidFill>
+              <a:effectLst/>
+              <a:uLnTx/>
+              <a:uFillTx/>
+              <a:latin typeface="等线" panose="020F0502020204030204"/>
+              <a:ea typeface="等线" panose="02010600030101010101" pitchFamily="2" charset="-122"/>
+              <a:cs typeface="+mn-cs"/>
+            </a:endParaRPr>
+          </a:p>
+        </p:txBody>
+      </p:sp>
+      <p:sp>
+        <p:nvSpPr>
+          <p:cNvPr id="7" name="矩形 6"/>
           <p:cNvSpPr/>
           <p:nvPr/>
         </p:nvSpPr>
         <p:spPr>
           <a:xfrm>
-            <a:off x="7322343" y="1212851"/>
-            <a:ext cx="4869657" cy="1430337"/>
+            <a:off x="8049895" y="755650"/>
+            <a:ext cx="1160145" cy="352425"/>
           </a:xfrm>
           <a:prstGeom prst="rect">
+            <a:avLst/>
+          </a:prstGeom>
+        </p:spPr>
+        <p:txBody>
+          <a:bodyPr wrap="square">
+            <a:spAutoFit/>
+          </a:bodyPr>
+          <a:lstStyle/>
+          <a:p>
+            <a:r>
+              <a:rPr lang="zh-CN" altLang="en-US" sz="1700" dirty="0">
+                <a:solidFill>
+                  <a:schemeClr val="tx1">
+                    <a:lumMod val="75000"/>
+                    <a:lumOff val="25000"/>
+                  </a:schemeClr>
+                </a:solidFill>
+                <a:cs typeface="+mn-ea"/>
+                <a:sym typeface="+mn-lt"/>
+              </a:rPr>
+              <a:t>怪物设定</a:t>
+            </a:r>
+            <a:endParaRPr lang="en-US" altLang="zh-CN" sz="1700" dirty="0">
+              <a:solidFill>
+                <a:schemeClr val="tx1">
+                  <a:lumMod val="75000"/>
+                  <a:lumOff val="25000"/>
+                </a:schemeClr>
+              </a:solidFill>
+              <a:cs typeface="+mn-ea"/>
+              <a:sym typeface="+mn-lt"/>
+            </a:endParaRPr>
+          </a:p>
+        </p:txBody>
+      </p:sp>
+      <p:sp>
+        <p:nvSpPr>
+          <p:cNvPr id="11" name="菱形 10"/>
+          <p:cNvSpPr/>
+          <p:nvPr/>
+        </p:nvSpPr>
+        <p:spPr>
+          <a:xfrm>
+            <a:off x="7131685" y="624205"/>
+            <a:ext cx="628015" cy="615315"/>
+          </a:xfrm>
+          <a:prstGeom prst="diamond">
             <a:avLst/>
           </a:prstGeom>
           <a:solidFill>
@@ -7622,6 +7816,7 @@
           <a:ln>
             <a:noFill/>
           </a:ln>
+          <a:effectLst/>
         </p:spPr>
         <p:style>
           <a:lnRef idx="2">
@@ -7640,247 +7835,192 @@
           </a:fontRef>
         </p:style>
         <p:txBody>
-          <a:bodyPr anchor="ctr"/>
-          <a:lstStyle/>
-          <a:p>
-            <a:pPr algn="ctr" eaLnBrk="1" hangingPunct="1"/>
-            <a:endParaRPr lang="zh-CN" altLang="zh-CN">
-              <a:solidFill>
-                <a:srgbClr val="FFFFFF"/>
-              </a:solidFill>
-            </a:endParaRPr>
-          </a:p>
-        </p:txBody>
-      </p:sp>
-      <p:sp>
-        <p:nvSpPr>
-          <p:cNvPr id="6" name="TextBox 55"/>
-          <p:cNvSpPr txBox="1">
-            <a:spLocks noChangeArrowheads="1"/>
-          </p:cNvSpPr>
+          <a:bodyPr rtlCol="0" anchor="ctr"/>
+          <a:lstStyle/>
+          <a:p>
+            <a:pPr algn="ctr"/>
+            <a:endParaRPr lang="zh-CN" altLang="en-US" dirty="0"/>
+          </a:p>
+        </p:txBody>
+      </p:sp>
+      <p:sp>
+        <p:nvSpPr>
+          <p:cNvPr id="5" name="文本框 4"/>
+          <p:cNvSpPr txBox="1"/>
           <p:nvPr/>
         </p:nvSpPr>
-        <p:spPr bwMode="auto">
+        <p:spPr>
           <a:xfrm>
-            <a:off x="7726521" y="1543298"/>
-            <a:ext cx="3462337" cy="706755"/>
+            <a:off x="7305675" y="1499235"/>
+            <a:ext cx="4245610" cy="2127634"/>
           </a:xfrm>
           <a:prstGeom prst="rect">
             <a:avLst/>
           </a:prstGeom>
           <a:noFill/>
-          <a:ln>
-            <a:noFill/>
-          </a:ln>
-          <a:extLst>
-            <a:ext uri="{909E8E84-426E-40DD-AFC4-6F175D3DCCD1}">
-              <a14:hiddenFill xmlns:a14="http://schemas.microsoft.com/office/drawing/2010/main">
-                <a:solidFill>
-                  <a:srgbClr val="FFFFFF"/>
-                </a:solidFill>
-              </a14:hiddenFill>
-            </a:ext>
-            <a:ext uri="{91240B29-F687-4F45-9708-019B960494DF}">
-              <a14:hiddenLine xmlns:a14="http://schemas.microsoft.com/office/drawing/2010/main" w="9525">
-                <a:solidFill>
-                  <a:srgbClr val="000000"/>
-                </a:solidFill>
-                <a:miter lim="800000"/>
-                <a:headEnd/>
-                <a:tailEnd/>
-              </a14:hiddenLine>
-            </a:ext>
-          </a:extLst>
         </p:spPr>
         <p:txBody>
-          <a:bodyPr wrap="square">
+          <a:bodyPr wrap="square" rtlCol="0">
             <a:spAutoFit/>
           </a:bodyPr>
-          <a:lstStyle>
-            <a:lvl1pPr>
-              <a:defRPr>
-                <a:solidFill>
-                  <a:schemeClr val="tx1"/>
-                </a:solidFill>
-                <a:latin typeface="Calibri" pitchFamily="34" charset="0"/>
-              </a:defRPr>
-            </a:lvl1pPr>
-            <a:lvl2pPr marL="742950" indent="-285750">
-              <a:defRPr>
-                <a:solidFill>
-                  <a:schemeClr val="tx1"/>
-                </a:solidFill>
-                <a:latin typeface="Calibri" pitchFamily="34" charset="0"/>
-              </a:defRPr>
-            </a:lvl2pPr>
-            <a:lvl3pPr marL="1143000" indent="-228600">
-              <a:defRPr>
-                <a:solidFill>
-                  <a:schemeClr val="tx1"/>
-                </a:solidFill>
-                <a:latin typeface="Calibri" pitchFamily="34" charset="0"/>
-              </a:defRPr>
-            </a:lvl3pPr>
-            <a:lvl4pPr marL="1600200" indent="-228600">
-              <a:defRPr>
-                <a:solidFill>
-                  <a:schemeClr val="tx1"/>
-                </a:solidFill>
-                <a:latin typeface="Calibri" pitchFamily="34" charset="0"/>
-              </a:defRPr>
-            </a:lvl4pPr>
-            <a:lvl5pPr marL="2057400" indent="-228600">
-              <a:defRPr>
-                <a:solidFill>
-                  <a:schemeClr val="tx1"/>
-                </a:solidFill>
-                <a:latin typeface="Calibri" pitchFamily="34" charset="0"/>
-              </a:defRPr>
-            </a:lvl5pPr>
-            <a:lvl6pPr marL="2514600" indent="-228600" fontAlgn="base">
-              <a:spcBef>
-                <a:spcPct val="0"/>
-              </a:spcBef>
-              <a:spcAft>
-                <a:spcPct val="0"/>
-              </a:spcAft>
-              <a:defRPr>
-                <a:solidFill>
-                  <a:schemeClr val="tx1"/>
-                </a:solidFill>
-                <a:latin typeface="Calibri" pitchFamily="34" charset="0"/>
-              </a:defRPr>
-            </a:lvl6pPr>
-            <a:lvl7pPr marL="2971800" indent="-228600" fontAlgn="base">
-              <a:spcBef>
-                <a:spcPct val="0"/>
-              </a:spcBef>
-              <a:spcAft>
-                <a:spcPct val="0"/>
-              </a:spcAft>
-              <a:defRPr>
-                <a:solidFill>
-                  <a:schemeClr val="tx1"/>
-                </a:solidFill>
-                <a:latin typeface="Calibri" pitchFamily="34" charset="0"/>
-              </a:defRPr>
-            </a:lvl7pPr>
-            <a:lvl8pPr marL="3429000" indent="-228600" fontAlgn="base">
-              <a:spcBef>
-                <a:spcPct val="0"/>
-              </a:spcBef>
-              <a:spcAft>
-                <a:spcPct val="0"/>
-              </a:spcAft>
-              <a:defRPr>
-                <a:solidFill>
-                  <a:schemeClr val="tx1"/>
-                </a:solidFill>
-                <a:latin typeface="Calibri" pitchFamily="34" charset="0"/>
-              </a:defRPr>
-            </a:lvl8pPr>
-            <a:lvl9pPr marL="3886200" indent="-228600" fontAlgn="base">
-              <a:spcBef>
-                <a:spcPct val="0"/>
-              </a:spcBef>
-              <a:spcAft>
-                <a:spcPct val="0"/>
-              </a:spcAft>
-              <a:defRPr>
-                <a:solidFill>
-                  <a:schemeClr val="tx1"/>
-                </a:solidFill>
-                <a:latin typeface="Calibri" pitchFamily="34" charset="0"/>
-              </a:defRPr>
-            </a:lvl9pPr>
-          </a:lstStyle>
-          <a:p>
-            <a:pPr eaLnBrk="1" hangingPunct="1"/>
-            <a:r>
-              <a:rPr lang="zh-CN" altLang="en-US" sz="4000" dirty="0">
-                <a:solidFill>
-                  <a:schemeClr val="bg1"/>
-                </a:solidFill>
-                <a:latin typeface="Open Sans" panose="020B0606030504020204" pitchFamily="34" charset="0"/>
-              </a:rPr>
-              <a:t>重生流程设计</a:t>
-            </a:r>
-            <a:endParaRPr lang="zh-CN" altLang="en-US" sz="4000" dirty="0">
-              <a:solidFill>
-                <a:schemeClr val="bg1"/>
-              </a:solidFill>
-              <a:latin typeface="Open Sans" panose="020B0606030504020204" pitchFamily="34" charset="0"/>
-            </a:endParaRPr>
+          <a:lstStyle/>
+          <a:p>
+            <a:pPr>
+              <a:lnSpc>
+                <a:spcPct val="150000"/>
+              </a:lnSpc>
+            </a:pPr>
+            <a:r>
+              <a:rPr lang="zh-CN" altLang="en-US" dirty="0"/>
+              <a:t>怪物卡牌设定会更多来自于龙与地下城（</a:t>
+            </a:r>
+            <a:r>
+              <a:rPr lang="en-US" altLang="zh-CN" dirty="0"/>
+              <a:t>Dungeons &amp; Dragons </a:t>
+            </a:r>
+            <a:r>
+              <a:rPr lang="zh-CN" altLang="en-US" dirty="0"/>
+              <a:t>）中的稀有怪。</a:t>
+            </a:r>
+            <a:endParaRPr lang="en-US" altLang="zh-CN" dirty="0"/>
+          </a:p>
+          <a:p>
+            <a:pPr>
+              <a:lnSpc>
+                <a:spcPct val="150000"/>
+              </a:lnSpc>
+            </a:pPr>
+            <a:r>
+              <a:rPr lang="zh-CN" altLang="en-US" dirty="0"/>
+              <a:t>这些怪物能更多的给冒险者一种陌生感和未知感，让玩家感受到此地牢中的生物危险度是不同于其他游戏的。</a:t>
+            </a:r>
           </a:p>
         </p:txBody>
       </p:sp>
       <p:pic>
         <p:nvPicPr>
-          <p:cNvPr id="1073742852" name="图片 7"/>
+          <p:cNvPr id="14" name="图片 13" descr="图片包含 户外, 恐龙, 动物, 发动机&#10;&#10;描述已自动生成">
+            <a:extLst>
+              <a:ext uri="{FF2B5EF4-FFF2-40B4-BE49-F238E27FC236}">
+                <a16:creationId xmlns:a16="http://schemas.microsoft.com/office/drawing/2014/main" id="{2AA21B44-71B9-D9F1-51DB-6A0550C86148}"/>
+              </a:ext>
+            </a:extLst>
+          </p:cNvPr>
           <p:cNvPicPr>
             <a:picLocks noChangeAspect="1"/>
           </p:cNvPicPr>
           <p:nvPr/>
         </p:nvPicPr>
         <p:blipFill>
-          <a:blip r:embed="rId1"/>
+          <a:blip r:embed="rId3" cstate="print">
+            <a:extLst>
+              <a:ext uri="{28A0092B-C50C-407E-A947-70E740481C1C}">
+                <a14:useLocalDpi xmlns:a14="http://schemas.microsoft.com/office/drawing/2010/main" val="0"/>
+              </a:ext>
+            </a:extLst>
+          </a:blip>
           <a:stretch>
             <a:fillRect/>
           </a:stretch>
         </p:blipFill>
         <p:spPr>
           <a:xfrm>
-            <a:off x="258445" y="551180"/>
-            <a:ext cx="5579110" cy="2409825"/>
+            <a:off x="1575214" y="3168876"/>
+            <a:ext cx="2777383" cy="3330538"/>
           </a:xfrm>
           <a:prstGeom prst="rect">
             <a:avLst/>
           </a:prstGeom>
-          <a:noFill/>
-          <a:ln w="9525">
-            <a:noFill/>
-          </a:ln>
         </p:spPr>
       </p:pic>
       <p:pic>
         <p:nvPicPr>
-          <p:cNvPr id="1073742853" name="图片 7"/>
+          <p:cNvPr id="16" name="图片 15">
+            <a:extLst>
+              <a:ext uri="{FF2B5EF4-FFF2-40B4-BE49-F238E27FC236}">
+                <a16:creationId xmlns:a16="http://schemas.microsoft.com/office/drawing/2014/main" id="{7434934D-762C-EA7C-D0A5-7F4E6382B56D}"/>
+              </a:ext>
+            </a:extLst>
+          </p:cNvPr>
           <p:cNvPicPr>
             <a:picLocks noChangeAspect="1"/>
           </p:cNvPicPr>
           <p:nvPr/>
         </p:nvPicPr>
         <p:blipFill>
-          <a:blip r:embed="rId1"/>
+          <a:blip r:embed="rId4" cstate="print">
+            <a:extLst>
+              <a:ext uri="{28A0092B-C50C-407E-A947-70E740481C1C}">
+                <a14:useLocalDpi xmlns:a14="http://schemas.microsoft.com/office/drawing/2010/main" val="0"/>
+              </a:ext>
+            </a:extLst>
+          </a:blip>
           <a:stretch>
             <a:fillRect/>
           </a:stretch>
         </p:blipFill>
         <p:spPr>
           <a:xfrm>
-            <a:off x="258445" y="3561080"/>
-            <a:ext cx="5579110" cy="2581910"/>
+            <a:off x="252162" y="165848"/>
+            <a:ext cx="2690995" cy="2837180"/>
           </a:xfrm>
           <a:prstGeom prst="rect">
             <a:avLst/>
           </a:prstGeom>
-          <a:noFill/>
-          <a:ln w="9525">
-            <a:noFill/>
-          </a:ln>
+        </p:spPr>
+      </p:pic>
+      <p:pic>
+        <p:nvPicPr>
+          <p:cNvPr id="18" name="图片 17" descr="图片包含 桌子, 水果&#10;&#10;描述已自动生成">
+            <a:extLst>
+              <a:ext uri="{FF2B5EF4-FFF2-40B4-BE49-F238E27FC236}">
+                <a16:creationId xmlns:a16="http://schemas.microsoft.com/office/drawing/2014/main" id="{F7418489-97F1-2729-6C78-D88343F74AFA}"/>
+              </a:ext>
+            </a:extLst>
+          </p:cNvPr>
+          <p:cNvPicPr>
+            <a:picLocks noChangeAspect="1"/>
+          </p:cNvPicPr>
+          <p:nvPr/>
+        </p:nvPicPr>
+        <p:blipFill>
+          <a:blip r:embed="rId5" cstate="print">
+            <a:extLst>
+              <a:ext uri="{28A0092B-C50C-407E-A947-70E740481C1C}">
+                <a14:useLocalDpi xmlns:a14="http://schemas.microsoft.com/office/drawing/2010/main" val="0"/>
+              </a:ext>
+            </a:extLst>
+          </a:blip>
+          <a:stretch>
+            <a:fillRect/>
+          </a:stretch>
+        </p:blipFill>
+        <p:spPr>
+          <a:xfrm>
+            <a:off x="3237301" y="165848"/>
+            <a:ext cx="2269102" cy="2837180"/>
+          </a:xfrm>
+          <a:prstGeom prst="rect">
+            <a:avLst/>
+          </a:prstGeom>
         </p:spPr>
       </p:pic>
     </p:spTree>
     <p:custDataLst>
-      <p:tags r:id="rId2"/>
+      <p:tags r:id="rId1"/>
     </p:custDataLst>
+    <p:extLst>
+      <p:ext uri="{BB962C8B-B14F-4D97-AF65-F5344CB8AC3E}">
+        <p14:creationId xmlns:p14="http://schemas.microsoft.com/office/powerpoint/2010/main" val="578516024"/>
+      </p:ext>
+    </p:extLst>
   </p:cSld>
   <p:clrMapOvr>
     <a:masterClrMapping/>
   </p:clrMapOvr>
   <mc:AlternateContent xmlns:mc="http://schemas.openxmlformats.org/markup-compatibility/2006">
     <mc:Choice xmlns:p15="http://schemas.microsoft.com/office/powerpoint/2012/main" Requires="p15">
-      <p:transition xmlns:p14="http://schemas.microsoft.com/office/powerpoint/2010/main" spd="slow" Requires="p14" p14:dur="1250">
+      <p:transition xmlns:p14="http://schemas.microsoft.com/office/powerpoint/2010/main" spd="slow" p14:dur="1250">
         <p15:prstTrans prst="pageCurlDouble"/>
       </p:transition>
     </mc:Choice>
@@ -7893,7 +8033,113 @@
 </p:sld>
 </file>
 
-<file path=ppt/slides/slide6.xml><?xml version="1.0" encoding="utf-8"?>
+<file path=ppt/slides/slide2.xml><?xml version="1.0" encoding="utf-8"?>
+<p:sld xmlns:a="http://schemas.openxmlformats.org/drawingml/2006/main" xmlns:r="http://schemas.openxmlformats.org/officeDocument/2006/relationships" xmlns:p="http://schemas.openxmlformats.org/presentationml/2006/main">
+  <p:cSld>
+    <p:spTree>
+      <p:nvGrpSpPr>
+        <p:cNvPr id="1" name=""/>
+        <p:cNvGrpSpPr/>
+        <p:nvPr/>
+      </p:nvGrpSpPr>
+      <p:grpSpPr>
+        <a:xfrm>
+          <a:off x="0" y="0"/>
+          <a:ext cx="0" cy="0"/>
+          <a:chOff x="0" y="0"/>
+          <a:chExt cx="0" cy="0"/>
+        </a:xfrm>
+      </p:grpSpPr>
+      <p:pic>
+        <p:nvPicPr>
+          <p:cNvPr id="3" name="图片 2" descr="/private/var/folders/_t/2js4ndgs7kx98tmph2vjhl6r0000gn/T/com.kingsoft.wpsoffice.mac/photoedit2/20230423100900/temp.pngtemp"/>
+          <p:cNvPicPr>
+            <a:picLocks noChangeAspect="1"/>
+          </p:cNvPicPr>
+          <p:nvPr/>
+        </p:nvPicPr>
+        <p:blipFill>
+          <a:blip r:embed="rId2"/>
+          <a:stretch>
+            <a:fillRect/>
+          </a:stretch>
+        </p:blipFill>
+        <p:spPr>
+          <a:xfrm>
+            <a:off x="5916538" y="-330200"/>
+            <a:ext cx="6731000" cy="7505700"/>
+          </a:xfrm>
+          <a:prstGeom prst="rect">
+            <a:avLst/>
+          </a:prstGeom>
+        </p:spPr>
+      </p:pic>
+      <p:sp>
+        <p:nvSpPr>
+          <p:cNvPr id="2" name="文本框 1"/>
+          <p:cNvSpPr txBox="1"/>
+          <p:nvPr/>
+        </p:nvSpPr>
+        <p:spPr>
+          <a:xfrm>
+            <a:off x="7493635" y="2329815"/>
+            <a:ext cx="3576320" cy="922020"/>
+          </a:xfrm>
+          <a:prstGeom prst="rect">
+            <a:avLst/>
+          </a:prstGeom>
+          <a:noFill/>
+        </p:spPr>
+        <p:txBody>
+          <a:bodyPr wrap="square" rtlCol="0">
+            <a:spAutoFit/>
+          </a:bodyPr>
+          <a:lstStyle/>
+          <a:p>
+            <a:pPr algn="ctr">
+              <a:lnSpc>
+                <a:spcPct val="150000"/>
+              </a:lnSpc>
+            </a:pPr>
+            <a:r>
+              <a:rPr lang="zh-CN" altLang="en-US" b="1"/>
+              <a:t>永续地牢设计书</a:t>
+            </a:r>
+          </a:p>
+          <a:p>
+            <a:pPr algn="ctr">
+              <a:lnSpc>
+                <a:spcPct val="150000"/>
+              </a:lnSpc>
+            </a:pPr>
+            <a:r>
+              <a:rPr lang="en-US" altLang="zh-CN" b="1"/>
+              <a:t>Ouroboros</a:t>
+            </a:r>
+          </a:p>
+        </p:txBody>
+      </p:sp>
+    </p:spTree>
+  </p:cSld>
+  <p:clrMapOvr>
+    <a:masterClrMapping/>
+  </p:clrMapOvr>
+  <mc:AlternateContent xmlns:mc="http://schemas.openxmlformats.org/markup-compatibility/2006" xmlns:p15="http://schemas.microsoft.com/office/powerpoint/2012/main">
+    <mc:Choice Requires="p15">
+      <p:transition xmlns:p14="http://schemas.microsoft.com/office/powerpoint/2010/main" spd="slow" p14:dur="1250">
+        <p15:prstTrans prst="pageCurlDouble"/>
+      </p:transition>
+    </mc:Choice>
+    <mc:Fallback xmlns="">
+      <p:transition spd="slow">
+        <p:fade/>
+      </p:transition>
+    </mc:Fallback>
+  </mc:AlternateContent>
+</p:sld>
+</file>
+
+<file path=ppt/slides/slide3.xml><?xml version="1.0" encoding="utf-8"?>
 <p:sld xmlns:a="http://schemas.openxmlformats.org/drawingml/2006/main" xmlns:r="http://schemas.openxmlformats.org/officeDocument/2006/relationships" xmlns:p="http://schemas.openxmlformats.org/presentationml/2006/main">
   <p:cSld>
     <p:spTree>
@@ -8244,74 +8490,27 @@
       </p:sp>
       <p:sp>
         <p:nvSpPr>
-          <p:cNvPr id="7" name="矩形 6"/>
+          <p:cNvPr id="40" name="Oval 9"/>
           <p:cNvSpPr/>
           <p:nvPr/>
         </p:nvSpPr>
         <p:spPr>
           <a:xfrm>
-            <a:off x="8049895" y="755650"/>
-            <a:ext cx="1160145" cy="352425"/>
+            <a:off x="7244556" y="1785702"/>
+            <a:ext cx="500063" cy="500062"/>
           </a:xfrm>
-          <a:prstGeom prst="rect">
-            <a:avLst/>
-          </a:prstGeom>
-        </p:spPr>
-        <p:txBody>
-          <a:bodyPr wrap="square">
-            <a:spAutoFit/>
-          </a:bodyPr>
-          <a:lstStyle/>
-          <a:p>
-            <a:r>
-              <a:rPr lang="zh-CN" altLang="en-US" sz="1700" dirty="0">
-                <a:solidFill>
-                  <a:schemeClr val="tx1">
-                    <a:lumMod val="75000"/>
-                    <a:lumOff val="25000"/>
-                  </a:schemeClr>
-                </a:solidFill>
-                <a:cs typeface="+mn-ea"/>
-                <a:sym typeface="+mn-lt"/>
-              </a:rPr>
-              <a:t>武器设定</a:t>
-            </a:r>
-            <a:endParaRPr lang="en-US" altLang="zh-CN" sz="1700" dirty="0">
-              <a:solidFill>
-                <a:schemeClr val="tx1">
-                  <a:lumMod val="75000"/>
-                  <a:lumOff val="25000"/>
-                </a:schemeClr>
-              </a:solidFill>
-              <a:cs typeface="+mn-ea"/>
-              <a:sym typeface="+mn-lt"/>
-            </a:endParaRPr>
-          </a:p>
-        </p:txBody>
-      </p:sp>
-      <p:sp>
-        <p:nvSpPr>
-          <p:cNvPr id="11" name="菱形 10"/>
-          <p:cNvSpPr/>
-          <p:nvPr/>
-        </p:nvSpPr>
-        <p:spPr>
-          <a:xfrm>
-            <a:off x="7131685" y="624205"/>
-            <a:ext cx="628015" cy="615315"/>
-          </a:xfrm>
-          <a:prstGeom prst="diamond">
+          <a:prstGeom prst="ellipse">
             <a:avLst/>
           </a:prstGeom>
           <a:solidFill>
-            <a:schemeClr val="bg1">
-              <a:lumMod val="85000"/>
+            <a:schemeClr val="tx1">
+              <a:lumMod val="50000"/>
+              <a:lumOff val="50000"/>
             </a:schemeClr>
           </a:solidFill>
           <a:ln>
             <a:noFill/>
           </a:ln>
-          <a:effectLst/>
         </p:spPr>
         <p:style>
           <a:lnRef idx="2">
@@ -8330,73 +8529,118 @@
           </a:fontRef>
         </p:style>
         <p:txBody>
-          <a:bodyPr rtlCol="0" anchor="ctr"/>
-          <a:lstStyle/>
-          <a:p>
-            <a:pPr algn="ctr"/>
-            <a:endParaRPr lang="zh-CN" altLang="en-US" dirty="0"/>
-          </a:p>
-        </p:txBody>
-      </p:sp>
-      <p:pic>
-        <p:nvPicPr>
-          <p:cNvPr id="-2147482623" name="图片 2" descr="4451681438996_.pic"/>
-          <p:cNvPicPr>
-            <a:picLocks noChangeAspect="1"/>
-          </p:cNvPicPr>
+          <a:bodyPr anchor="ctr"/>
+          <a:lstStyle/>
+          <a:p>
+            <a:pPr algn="ctr" eaLnBrk="1" hangingPunct="1"/>
+            <a:endParaRPr lang="en-US" altLang="zh-CN" dirty="0">
+              <a:solidFill>
+                <a:srgbClr val="F2F2F2"/>
+              </a:solidFill>
+            </a:endParaRPr>
+          </a:p>
+        </p:txBody>
+      </p:sp>
+      <p:sp>
+        <p:nvSpPr>
+          <p:cNvPr id="41" name="TextBox 10"/>
+          <p:cNvSpPr txBox="1"/>
           <p:nvPr/>
-        </p:nvPicPr>
-        <p:blipFill>
-          <a:blip r:embed="rId1"/>
-          <a:stretch>
-            <a:fillRect/>
-          </a:stretch>
-        </p:blipFill>
+        </p:nvSpPr>
         <p:spPr>
           <a:xfrm>
-            <a:off x="3385185" y="1109980"/>
-            <a:ext cx="1555750" cy="1477010"/>
+            <a:off x="7866856" y="1872062"/>
+            <a:ext cx="3549650" cy="414020"/>
           </a:xfrm>
           <a:prstGeom prst="rect">
             <a:avLst/>
           </a:prstGeom>
           <a:noFill/>
-          <a:ln w="9525">
-            <a:noFill/>
-          </a:ln>
         </p:spPr>
-      </p:pic>
-      <p:pic>
-        <p:nvPicPr>
-          <p:cNvPr id="-2147482622" name="图片 9" descr="4441681438995_.pic"/>
-          <p:cNvPicPr>
-            <a:picLocks noChangeAspect="1"/>
-          </p:cNvPicPr>
+        <p:txBody>
+          <a:bodyPr>
+            <a:spAutoFit/>
+          </a:bodyPr>
+          <a:lstStyle/>
+          <a:p>
+            <a:pPr eaLnBrk="1" fontAlgn="auto" hangingPunct="1">
+              <a:lnSpc>
+                <a:spcPct val="150000"/>
+              </a:lnSpc>
+              <a:spcBef>
+                <a:spcPts val="0"/>
+              </a:spcBef>
+              <a:spcAft>
+                <a:spcPts val="0"/>
+              </a:spcAft>
+              <a:defRPr/>
+            </a:pPr>
+            <a:r>
+              <a:rPr lang="en-US" sz="1400" dirty="0">
+                <a:solidFill>
+                  <a:schemeClr val="tx1">
+                    <a:lumMod val="50000"/>
+                    <a:lumOff val="50000"/>
+                  </a:schemeClr>
+                </a:solidFill>
+                <a:latin typeface="Open Sans" panose="020B0606030504020204" pitchFamily="34" charset="0"/>
+                <a:ea typeface="Open Sans" panose="020B0606030504020204" pitchFamily="34" charset="0"/>
+                <a:cs typeface="Open Sans" panose="020B0606030504020204" pitchFamily="34" charset="0"/>
+              </a:rPr>
+              <a:t>Unity 2021 稳定支持版本 (LTS) </a:t>
+            </a:r>
+          </a:p>
+        </p:txBody>
+      </p:sp>
+      <p:sp>
+        <p:nvSpPr>
+          <p:cNvPr id="44" name="TextBox 1"/>
+          <p:cNvSpPr txBox="1"/>
           <p:nvPr/>
-        </p:nvPicPr>
-        <p:blipFill>
-          <a:blip r:embed="rId2"/>
-          <a:stretch>
-            <a:fillRect/>
-          </a:stretch>
-        </p:blipFill>
+        </p:nvSpPr>
         <p:spPr>
           <a:xfrm>
-            <a:off x="1069023" y="1108075"/>
-            <a:ext cx="1604645" cy="1480820"/>
+            <a:off x="7280275" y="1003522"/>
+            <a:ext cx="3549650" cy="583565"/>
           </a:xfrm>
           <a:prstGeom prst="rect">
             <a:avLst/>
           </a:prstGeom>
           <a:noFill/>
-          <a:ln w="9525">
-            <a:noFill/>
-          </a:ln>
         </p:spPr>
-      </p:pic>
+        <p:txBody>
+          <a:bodyPr wrap="square">
+            <a:spAutoFit/>
+          </a:bodyPr>
+          <a:lstStyle/>
+          <a:p>
+            <a:pPr algn="ctr" eaLnBrk="1" fontAlgn="auto" hangingPunct="1">
+              <a:spcBef>
+                <a:spcPts val="0"/>
+              </a:spcBef>
+              <a:spcAft>
+                <a:spcPts val="0"/>
+              </a:spcAft>
+              <a:defRPr/>
+            </a:pPr>
+            <a:r>
+              <a:rPr lang="zh-CN" altLang="en-US" sz="3200" dirty="0">
+                <a:solidFill>
+                  <a:schemeClr val="tx1">
+                    <a:lumMod val="65000"/>
+                    <a:lumOff val="35000"/>
+                  </a:schemeClr>
+                </a:solidFill>
+                <a:latin typeface="GeosansLight" panose="02000603020000020003" pitchFamily="2" charset="0"/>
+              </a:rPr>
+              <a:t>编程平台</a:t>
+            </a:r>
+          </a:p>
+        </p:txBody>
+      </p:sp>
       <p:pic>
         <p:nvPicPr>
-          <p:cNvPr id="-2147482621" name="图片 8" descr="4431681438994_.pic"/>
+          <p:cNvPr id="5" name="图片 4" descr="901681440551_.pic"/>
           <p:cNvPicPr>
             <a:picLocks noChangeAspect="1"/>
           </p:cNvPicPr>
@@ -8404,63 +8648,31 @@
         </p:nvPicPr>
         <p:blipFill>
           <a:blip r:embed="rId3"/>
-          <a:stretch>
-            <a:fillRect/>
-          </a:stretch>
-        </p:blipFill>
-        <p:spPr>
-          <a:xfrm rot="-10800000" flipV="1">
-            <a:off x="1062673" y="3573463"/>
-            <a:ext cx="1610995" cy="1520825"/>
-          </a:xfrm>
-          <a:prstGeom prst="rect">
-            <a:avLst/>
-          </a:prstGeom>
-          <a:noFill/>
-          <a:ln w="9525">
-            <a:noFill/>
-          </a:ln>
-        </p:spPr>
-      </p:pic>
-      <p:pic>
-        <p:nvPicPr>
-          <p:cNvPr id="-2147482620" name="图片 7" descr="891681439245_.pic"/>
-          <p:cNvPicPr>
-            <a:picLocks noChangeAspect="1"/>
-          </p:cNvPicPr>
-          <p:nvPr/>
-        </p:nvPicPr>
-        <p:blipFill>
-          <a:blip r:embed="rId4"/>
-          <a:srcRect t="19492" r="854" b="5412"/>
+          <a:srcRect l="11398" r="15131" b="5747"/>
           <a:stretch>
             <a:fillRect/>
           </a:stretch>
         </p:blipFill>
         <p:spPr>
           <a:xfrm>
-            <a:off x="3428365" y="3579813"/>
-            <a:ext cx="1498600" cy="1514475"/>
+            <a:off x="861695" y="594360"/>
+            <a:ext cx="4095115" cy="5668645"/>
           </a:xfrm>
           <a:prstGeom prst="rect">
             <a:avLst/>
           </a:prstGeom>
-          <a:noFill/>
-          <a:ln w="9525">
-            <a:noFill/>
-          </a:ln>
         </p:spPr>
       </p:pic>
       <p:sp>
         <p:nvSpPr>
-          <p:cNvPr id="5" name="文本框 4"/>
+          <p:cNvPr id="7" name="文本框 6"/>
           <p:cNvSpPr txBox="1"/>
           <p:nvPr/>
         </p:nvSpPr>
         <p:spPr>
           <a:xfrm>
-            <a:off x="7305675" y="1499235"/>
-            <a:ext cx="4245610" cy="1337945"/>
+            <a:off x="7132955" y="2571115"/>
+            <a:ext cx="4095115" cy="3415030"/>
           </a:xfrm>
           <a:prstGeom prst="rect">
             <a:avLst/>
@@ -8471,35 +8683,46 @@
           <a:bodyPr wrap="square" rtlCol="0">
             <a:spAutoFit/>
           </a:bodyPr>
+          <a:lstStyle/>
           <a:p>
             <a:pPr>
               <a:lnSpc>
-                <a:spcPct val="150000"/>
+                <a:spcPct val="200000"/>
               </a:lnSpc>
             </a:pPr>
             <a:r>
               <a:rPr lang="zh-CN" altLang="en-US"/>
-              <a:t>游戏卡牌分为武器卡牌和行动手牌，武器分为地风水火四种属性，行动手牌让特定的装备有不同的效果。</a:t>
-            </a:r>
-            <a:endParaRPr lang="zh-CN" altLang="en-US"/>
+              <a:t>Unity的图形引擎使开发者能够通过逼真的动画、粒子效果和灯光来创建视觉上吸引人的纸牌游戏</a:t>
+            </a:r>
+          </a:p>
+          <a:p>
+            <a:pPr>
+              <a:lnSpc>
+                <a:spcPct val="200000"/>
+              </a:lnSpc>
+            </a:pPr>
+            <a:r>
+              <a:rPr lang="zh-CN" altLang="en-US"/>
+              <a:t>Unity的图形引擎使开发者能够通过逼真的动画、粒子效果和灯光来创建视觉上吸引人的纸牌游戏</a:t>
+            </a:r>
           </a:p>
         </p:txBody>
       </p:sp>
     </p:spTree>
     <p:custDataLst>
-      <p:tags r:id="rId5"/>
+      <p:tags r:id="rId1"/>
     </p:custDataLst>
   </p:cSld>
   <p:clrMapOvr>
     <a:masterClrMapping/>
   </p:clrMapOvr>
-  <mc:AlternateContent xmlns:mc="http://schemas.openxmlformats.org/markup-compatibility/2006">
-    <mc:Choice xmlns:p15="http://schemas.microsoft.com/office/powerpoint/2012/main" Requires="p15">
-      <p:transition xmlns:p14="http://schemas.microsoft.com/office/powerpoint/2010/main" spd="slow" Requires="p14" p14:dur="1250">
+  <mc:AlternateContent xmlns:mc="http://schemas.openxmlformats.org/markup-compatibility/2006" xmlns:p15="http://schemas.microsoft.com/office/powerpoint/2012/main">
+    <mc:Choice Requires="p15">
+      <p:transition xmlns:p14="http://schemas.microsoft.com/office/powerpoint/2010/main" spd="slow" p14:dur="1250">
         <p15:prstTrans prst="pageCurlDouble"/>
       </p:transition>
     </mc:Choice>
-    <mc:Fallback>
+    <mc:Fallback xmlns="">
       <p:transition spd="slow">
         <p:fade/>
       </p:transition>
@@ -8508,7 +8731,7 @@
 </p:sld>
 </file>
 
-<file path=ppt/slides/slide7.xml><?xml version="1.0" encoding="utf-8"?>
+<file path=ppt/slides/slide4.xml><?xml version="1.0" encoding="utf-8"?>
 <p:sld xmlns:a="http://schemas.openxmlformats.org/drawingml/2006/main" xmlns:r="http://schemas.openxmlformats.org/officeDocument/2006/relationships" xmlns:p="http://schemas.openxmlformats.org/presentationml/2006/main">
   <p:cSld>
     <p:spTree>
@@ -8525,160 +8748,6 @@
           <a:chExt cx="0" cy="0"/>
         </a:xfrm>
       </p:grpSpPr>
-      <p:sp>
-        <p:nvSpPr>
-          <p:cNvPr id="4" name="矩形 3"/>
-          <p:cNvSpPr/>
-          <p:nvPr/>
-        </p:nvSpPr>
-        <p:spPr>
-          <a:xfrm>
-            <a:off x="6096000" y="0"/>
-            <a:ext cx="6096000" cy="6858000"/>
-          </a:xfrm>
-          <a:prstGeom prst="rect">
-            <a:avLst/>
-          </a:prstGeom>
-          <a:solidFill>
-            <a:schemeClr val="bg1">
-              <a:lumMod val="95000"/>
-            </a:schemeClr>
-          </a:solidFill>
-          <a:ln>
-            <a:noFill/>
-          </a:ln>
-          <a:effectLst/>
-        </p:spPr>
-        <p:style>
-          <a:lnRef idx="2">
-            <a:schemeClr val="accent1">
-              <a:shade val="50000"/>
-            </a:schemeClr>
-          </a:lnRef>
-          <a:fillRef idx="1">
-            <a:schemeClr val="accent1"/>
-          </a:fillRef>
-          <a:effectRef idx="0">
-            <a:schemeClr val="accent1"/>
-          </a:effectRef>
-          <a:fontRef idx="minor">
-            <a:schemeClr val="lt1"/>
-          </a:fontRef>
-        </p:style>
-        <p:txBody>
-          <a:bodyPr rtlCol="0" anchor="ctr"/>
-          <a:lstStyle/>
-          <a:p>
-            <a:pPr marL="0" marR="0" lvl="0" indent="0" algn="ctr" defTabSz="914400" rtl="0" eaLnBrk="1" fontAlgn="auto" latinLnBrk="0" hangingPunct="1">
-              <a:lnSpc>
-                <a:spcPct val="100000"/>
-              </a:lnSpc>
-              <a:spcBef>
-                <a:spcPts val="0"/>
-              </a:spcBef>
-              <a:spcAft>
-                <a:spcPts val="0"/>
-              </a:spcAft>
-              <a:buClrTx/>
-              <a:buSzTx/>
-              <a:buFontTx/>
-              <a:buNone/>
-              <a:defRPr/>
-            </a:pPr>
-            <a:endParaRPr kumimoji="0" lang="zh-CN" altLang="en-US" sz="1800" b="0" i="0" u="none" strike="noStrike" kern="1200" cap="none" spc="0" normalizeH="0" baseline="0" noProof="0">
-              <a:ln>
-                <a:noFill/>
-              </a:ln>
-              <a:solidFill>
-                <a:prstClr val="white"/>
-              </a:solidFill>
-              <a:effectLst/>
-              <a:uLnTx/>
-              <a:uFillTx/>
-              <a:latin typeface="等线" panose="020F0502020204030204"/>
-              <a:ea typeface="等线" panose="02010600030101010101" pitchFamily="2" charset="-122"/>
-              <a:cs typeface="+mn-cs"/>
-            </a:endParaRPr>
-          </a:p>
-        </p:txBody>
-      </p:sp>
-      <p:sp>
-        <p:nvSpPr>
-          <p:cNvPr id="2" name="矩形 1"/>
-          <p:cNvSpPr/>
-          <p:nvPr/>
-        </p:nvSpPr>
-        <p:spPr>
-          <a:xfrm>
-            <a:off x="0" y="0"/>
-            <a:ext cx="6096000" cy="6858000"/>
-          </a:xfrm>
-          <a:prstGeom prst="rect">
-            <a:avLst/>
-          </a:prstGeom>
-          <a:solidFill>
-            <a:schemeClr val="bg1">
-              <a:lumMod val="95000"/>
-            </a:schemeClr>
-          </a:solidFill>
-          <a:ln>
-            <a:noFill/>
-          </a:ln>
-          <a:effectLst/>
-        </p:spPr>
-        <p:style>
-          <a:lnRef idx="2">
-            <a:schemeClr val="accent1">
-              <a:shade val="50000"/>
-            </a:schemeClr>
-          </a:lnRef>
-          <a:fillRef idx="1">
-            <a:schemeClr val="accent1"/>
-          </a:fillRef>
-          <a:effectRef idx="0">
-            <a:schemeClr val="accent1"/>
-          </a:effectRef>
-          <a:fontRef idx="minor">
-            <a:schemeClr val="lt1"/>
-          </a:fontRef>
-        </p:style>
-        <p:txBody>
-          <a:bodyPr rtlCol="0" anchor="ctr"/>
-          <a:lstStyle/>
-          <a:p>
-            <a:pPr marL="0" marR="0" lvl="0" indent="0" algn="ctr" defTabSz="914400" rtl="0" eaLnBrk="1" fontAlgn="auto" latinLnBrk="0" hangingPunct="1">
-              <a:lnSpc>
-                <a:spcPct val="100000"/>
-              </a:lnSpc>
-              <a:spcBef>
-                <a:spcPts val="0"/>
-              </a:spcBef>
-              <a:spcAft>
-                <a:spcPts val="0"/>
-              </a:spcAft>
-              <a:buClrTx/>
-              <a:buSzTx/>
-              <a:buFontTx/>
-              <a:buNone/>
-              <a:defRPr/>
-            </a:pPr>
-            <a:endParaRPr kumimoji="0" lang="zh-CN" altLang="en-US" sz="1800" b="0" i="0" u="none" strike="noStrike" kern="1200" cap="none" spc="0" normalizeH="0" baseline="0" noProof="0">
-              <a:ln>
-                <a:noFill/>
-              </a:ln>
-              <a:solidFill>
-                <a:prstClr val="white"/>
-              </a:solidFill>
-              <a:effectLst/>
-              <a:uLnTx/>
-              <a:uFillTx/>
-              <a:latin typeface="等线" panose="020F0502020204030204"/>
-              <a:ea typeface="等线" panose="02010600030101010101" pitchFamily="2" charset="-122"/>
-              <a:cs typeface="+mn-cs"/>
-            </a:endParaRPr>
-          </a:p>
-        </p:txBody>
-      </p:sp>
       <p:sp>
         <p:nvSpPr>
           <p:cNvPr id="3" name="矩形 2"/>
@@ -8735,36 +8804,8 @@
           <a:bodyPr rtlCol="0" anchor="ctr"/>
           <a:lstStyle/>
           <a:p>
-            <a:pPr marL="0" marR="0" lvl="0" indent="0" algn="ctr" defTabSz="914400" rtl="0" eaLnBrk="1" fontAlgn="auto" latinLnBrk="0" hangingPunct="1">
-              <a:lnSpc>
-                <a:spcPct val="100000"/>
-              </a:lnSpc>
-              <a:spcBef>
-                <a:spcPts val="0"/>
-              </a:spcBef>
-              <a:spcAft>
-                <a:spcPts val="0"/>
-              </a:spcAft>
-              <a:buClrTx/>
-              <a:buSzTx/>
-              <a:buFontTx/>
-              <a:buNone/>
-              <a:defRPr/>
-            </a:pPr>
-            <a:endParaRPr kumimoji="0" lang="zh-CN" altLang="en-US" sz="1800" b="0" i="0" u="none" strike="noStrike" kern="1200" cap="none" spc="0" normalizeH="0" baseline="0" noProof="0">
-              <a:ln>
-                <a:noFill/>
-              </a:ln>
-              <a:solidFill>
-                <a:prstClr val="white"/>
-              </a:solidFill>
-              <a:effectLst/>
-              <a:uLnTx/>
-              <a:uFillTx/>
-              <a:latin typeface="等线" panose="020F0502020204030204"/>
-              <a:ea typeface="等线" panose="02010600030101010101" pitchFamily="2" charset="-122"/>
-              <a:cs typeface="+mn-cs"/>
-            </a:endParaRPr>
+            <a:pPr algn="ctr"/>
+            <a:endParaRPr lang="zh-CN" altLang="en-US"/>
           </a:p>
         </p:txBody>
       </p:sp>
@@ -8824,56 +8865,456 @@
           <a:bodyPr rtlCol="0" anchor="ctr"/>
           <a:lstStyle/>
           <a:p>
-            <a:pPr marL="0" marR="0" lvl="0" indent="0" algn="ctr" defTabSz="914400" rtl="0" eaLnBrk="1" fontAlgn="auto" latinLnBrk="0" hangingPunct="1">
+            <a:pPr algn="ctr"/>
+            <a:endParaRPr lang="zh-CN" altLang="en-US"/>
+          </a:p>
+        </p:txBody>
+      </p:sp>
+      <p:sp>
+        <p:nvSpPr>
+          <p:cNvPr id="25" name="Rectangle 7"/>
+          <p:cNvSpPr/>
+          <p:nvPr/>
+        </p:nvSpPr>
+        <p:spPr>
+          <a:xfrm>
+            <a:off x="6981190" y="3143250"/>
+            <a:ext cx="5183505" cy="2791855"/>
+          </a:xfrm>
+          <a:prstGeom prst="rect">
+            <a:avLst/>
+          </a:prstGeom>
+        </p:spPr>
+        <p:txBody>
+          <a:bodyPr wrap="square">
+            <a:spAutoFit/>
+          </a:bodyPr>
+          <a:lstStyle/>
+          <a:p>
+            <a:pPr eaLnBrk="1" fontAlgn="auto" hangingPunct="1">
               <a:lnSpc>
-                <a:spcPct val="100000"/>
+                <a:spcPct val="107000"/>
               </a:lnSpc>
               <a:spcBef>
                 <a:spcPts val="0"/>
               </a:spcBef>
               <a:spcAft>
-                <a:spcPts val="0"/>
+                <a:spcPts val="800"/>
               </a:spcAft>
-              <a:buClrTx/>
-              <a:buSzTx/>
-              <a:buFontTx/>
-              <a:buNone/>
               <a:defRPr/>
             </a:pPr>
-            <a:endParaRPr kumimoji="0" lang="zh-CN" altLang="en-US" sz="1800" b="0" i="0" u="none" strike="noStrike" kern="1200" cap="none" spc="0" normalizeH="0" baseline="0" noProof="0">
-              <a:ln>
-                <a:noFill/>
-              </a:ln>
+            <a:r>
+              <a:rPr lang="en-US" sz="2000" dirty="0" err="1">
+                <a:solidFill>
+                  <a:schemeClr val="tx1">
+                    <a:lumMod val="50000"/>
+                    <a:lumOff val="50000"/>
+                  </a:schemeClr>
+                </a:solidFill>
+                <a:latin typeface="Open Sans" panose="020B0606030504020204" pitchFamily="34" charset="0"/>
+                <a:ea typeface="Open Sans" panose="020B0606030504020204" pitchFamily="34" charset="0"/>
+                <a:cs typeface="Open Sans" panose="020B0606030504020204" pitchFamily="34" charset="0"/>
+              </a:rPr>
+              <a:t>在场景设计方面，我们会先用黑暗压抑风格的横版构图的像素画作为背景，加上魔法元素</a:t>
+            </a:r>
+            <a:r>
+              <a:rPr lang="en-US" sz="2000" dirty="0">
+                <a:solidFill>
+                  <a:schemeClr val="tx1">
+                    <a:lumMod val="50000"/>
+                    <a:lumOff val="50000"/>
+                  </a:schemeClr>
+                </a:solidFill>
+                <a:latin typeface="Open Sans" panose="020B0606030504020204" pitchFamily="34" charset="0"/>
+                <a:ea typeface="Open Sans" panose="020B0606030504020204" pitchFamily="34" charset="0"/>
+                <a:cs typeface="Open Sans" panose="020B0606030504020204" pitchFamily="34" charset="0"/>
+              </a:rPr>
+              <a:t>。</a:t>
+            </a:r>
+          </a:p>
+          <a:p>
+            <a:pPr eaLnBrk="1" fontAlgn="auto" hangingPunct="1">
+              <a:lnSpc>
+                <a:spcPct val="107000"/>
+              </a:lnSpc>
+              <a:spcBef>
+                <a:spcPts val="0"/>
+              </a:spcBef>
+              <a:spcAft>
+                <a:spcPts val="800"/>
+              </a:spcAft>
+              <a:defRPr/>
+            </a:pPr>
+            <a:r>
+              <a:rPr lang="zh-CN" altLang="en-US" sz="2000" dirty="0">
+                <a:solidFill>
+                  <a:schemeClr val="tx1">
+                    <a:lumMod val="50000"/>
+                    <a:lumOff val="50000"/>
+                  </a:schemeClr>
+                </a:solidFill>
+                <a:latin typeface="Open Sans" panose="020B0606030504020204" pitchFamily="34" charset="0"/>
+                <a:ea typeface="Open Sans" panose="020B0606030504020204" pitchFamily="34" charset="0"/>
+                <a:cs typeface="Open Sans" panose="020B0606030504020204" pitchFamily="34" charset="0"/>
+              </a:rPr>
+              <a:t>中央的深坑为“游戏开始“。</a:t>
+            </a:r>
+            <a:endParaRPr lang="en-US" altLang="zh-CN" sz="2000" dirty="0">
               <a:solidFill>
-                <a:prstClr val="white"/>
+                <a:schemeClr val="tx1">
+                  <a:lumMod val="50000"/>
+                  <a:lumOff val="50000"/>
+                </a:schemeClr>
               </a:solidFill>
-              <a:effectLst/>
-              <a:uLnTx/>
-              <a:uFillTx/>
-              <a:latin typeface="等线" panose="020F0502020204030204"/>
-              <a:ea typeface="等线" panose="02010600030101010101" pitchFamily="2" charset="-122"/>
-              <a:cs typeface="+mn-cs"/>
+              <a:latin typeface="Open Sans" panose="020B0606030504020204" pitchFamily="34" charset="0"/>
+              <a:ea typeface="Open Sans" panose="020B0606030504020204" pitchFamily="34" charset="0"/>
+              <a:cs typeface="Open Sans" panose="020B0606030504020204" pitchFamily="34" charset="0"/>
             </a:endParaRPr>
           </a:p>
-        </p:txBody>
-      </p:sp>
-      <p:sp>
-        <p:nvSpPr>
-          <p:cNvPr id="11" name="菱形 10"/>
+          <a:p>
+            <a:pPr eaLnBrk="1" fontAlgn="auto" hangingPunct="1">
+              <a:lnSpc>
+                <a:spcPct val="107000"/>
+              </a:lnSpc>
+              <a:spcBef>
+                <a:spcPts val="0"/>
+              </a:spcBef>
+              <a:spcAft>
+                <a:spcPts val="800"/>
+              </a:spcAft>
+              <a:defRPr/>
+            </a:pPr>
+            <a:r>
+              <a:rPr lang="zh-CN" altLang="en-US" sz="2000" dirty="0">
+                <a:solidFill>
+                  <a:schemeClr val="tx1">
+                    <a:lumMod val="50000"/>
+                    <a:lumOff val="50000"/>
+                  </a:schemeClr>
+                </a:solidFill>
+                <a:latin typeface="Open Sans" panose="020B0606030504020204" pitchFamily="34" charset="0"/>
+                <a:ea typeface="Open Sans" panose="020B0606030504020204" pitchFamily="34" charset="0"/>
+                <a:cs typeface="Open Sans" panose="020B0606030504020204" pitchFamily="34" charset="0"/>
+              </a:rPr>
+              <a:t>右边的城镇为“角色创建”。</a:t>
+            </a:r>
+            <a:endParaRPr lang="en-US" altLang="zh-CN" sz="2000" dirty="0">
+              <a:solidFill>
+                <a:schemeClr val="tx1">
+                  <a:lumMod val="50000"/>
+                  <a:lumOff val="50000"/>
+                </a:schemeClr>
+              </a:solidFill>
+              <a:latin typeface="Open Sans" panose="020B0606030504020204" pitchFamily="34" charset="0"/>
+              <a:ea typeface="Open Sans" panose="020B0606030504020204" pitchFamily="34" charset="0"/>
+              <a:cs typeface="Open Sans" panose="020B0606030504020204" pitchFamily="34" charset="0"/>
+            </a:endParaRPr>
+          </a:p>
+          <a:p>
+            <a:pPr eaLnBrk="1" fontAlgn="auto" hangingPunct="1">
+              <a:lnSpc>
+                <a:spcPct val="107000"/>
+              </a:lnSpc>
+              <a:spcBef>
+                <a:spcPts val="0"/>
+              </a:spcBef>
+              <a:spcAft>
+                <a:spcPts val="800"/>
+              </a:spcAft>
+              <a:defRPr/>
+            </a:pPr>
+            <a:r>
+              <a:rPr lang="zh-CN" altLang="en-US" sz="2000" dirty="0">
+                <a:solidFill>
+                  <a:schemeClr val="tx1">
+                    <a:lumMod val="50000"/>
+                    <a:lumOff val="50000"/>
+                  </a:schemeClr>
+                </a:solidFill>
+                <a:latin typeface="Open Sans" panose="020B0606030504020204" pitchFamily="34" charset="0"/>
+                <a:ea typeface="Open Sans" panose="020B0606030504020204" pitchFamily="34" charset="0"/>
+                <a:cs typeface="Open Sans" panose="020B0606030504020204" pitchFamily="34" charset="0"/>
+              </a:rPr>
+              <a:t>右边的木制房屋为“图鉴”。</a:t>
+            </a:r>
+            <a:endParaRPr lang="en-US" altLang="zh-CN" sz="2000" dirty="0">
+              <a:solidFill>
+                <a:schemeClr val="tx1">
+                  <a:lumMod val="50000"/>
+                  <a:lumOff val="50000"/>
+                </a:schemeClr>
+              </a:solidFill>
+              <a:latin typeface="Open Sans" panose="020B0606030504020204" pitchFamily="34" charset="0"/>
+              <a:ea typeface="Open Sans" panose="020B0606030504020204" pitchFamily="34" charset="0"/>
+              <a:cs typeface="Open Sans" panose="020B0606030504020204" pitchFamily="34" charset="0"/>
+            </a:endParaRPr>
+          </a:p>
+          <a:p>
+            <a:pPr eaLnBrk="1" fontAlgn="auto" hangingPunct="1">
+              <a:lnSpc>
+                <a:spcPct val="107000"/>
+              </a:lnSpc>
+              <a:spcBef>
+                <a:spcPts val="0"/>
+              </a:spcBef>
+              <a:spcAft>
+                <a:spcPts val="800"/>
+              </a:spcAft>
+              <a:defRPr/>
+            </a:pPr>
+            <a:r>
+              <a:rPr lang="zh-CN" altLang="en-US" sz="2000" dirty="0">
+                <a:solidFill>
+                  <a:schemeClr val="tx1">
+                    <a:lumMod val="50000"/>
+                    <a:lumOff val="50000"/>
+                  </a:schemeClr>
+                </a:solidFill>
+                <a:latin typeface="Open Sans" panose="020B0606030504020204" pitchFamily="34" charset="0"/>
+                <a:ea typeface="Open Sans" panose="020B0606030504020204" pitchFamily="34" charset="0"/>
+                <a:cs typeface="Open Sans" panose="020B0606030504020204" pitchFamily="34" charset="0"/>
+              </a:rPr>
+              <a:t>左边的教堂为“游玩纪录”。</a:t>
+            </a:r>
+            <a:endParaRPr lang="en-US" sz="2000" dirty="0">
+              <a:solidFill>
+                <a:schemeClr val="tx1">
+                  <a:lumMod val="50000"/>
+                  <a:lumOff val="50000"/>
+                </a:schemeClr>
+              </a:solidFill>
+              <a:latin typeface="Open Sans" panose="020B0606030504020204" pitchFamily="34" charset="0"/>
+              <a:ea typeface="Open Sans" panose="020B0606030504020204" pitchFamily="34" charset="0"/>
+              <a:cs typeface="Open Sans" panose="020B0606030504020204" pitchFamily="34" charset="0"/>
+            </a:endParaRPr>
+          </a:p>
+        </p:txBody>
+      </p:sp>
+      <p:sp>
+        <p:nvSpPr>
+          <p:cNvPr id="5" name="Rectangle 54"/>
           <p:cNvSpPr/>
           <p:nvPr/>
         </p:nvSpPr>
         <p:spPr>
           <a:xfrm>
-            <a:off x="7152640" y="1148080"/>
-            <a:ext cx="1198880" cy="1025525"/>
+            <a:off x="7322343" y="1212851"/>
+            <a:ext cx="4869657" cy="1430337"/>
           </a:xfrm>
-          <a:prstGeom prst="diamond">
+          <a:prstGeom prst="rect">
             <a:avLst/>
           </a:prstGeom>
           <a:solidFill>
             <a:schemeClr val="bg1">
               <a:lumMod val="85000"/>
+            </a:schemeClr>
+          </a:solidFill>
+          <a:ln>
+            <a:noFill/>
+          </a:ln>
+        </p:spPr>
+        <p:style>
+          <a:lnRef idx="2">
+            <a:schemeClr val="accent1">
+              <a:shade val="50000"/>
+            </a:schemeClr>
+          </a:lnRef>
+          <a:fillRef idx="1">
+            <a:schemeClr val="accent1"/>
+          </a:fillRef>
+          <a:effectRef idx="0">
+            <a:schemeClr val="accent1"/>
+          </a:effectRef>
+          <a:fontRef idx="minor">
+            <a:schemeClr val="lt1"/>
+          </a:fontRef>
+        </p:style>
+        <p:txBody>
+          <a:bodyPr anchor="ctr"/>
+          <a:lstStyle/>
+          <a:p>
+            <a:pPr algn="ctr" eaLnBrk="1" hangingPunct="1"/>
+            <a:endParaRPr lang="zh-CN" altLang="zh-CN">
+              <a:solidFill>
+                <a:srgbClr val="FFFFFF"/>
+              </a:solidFill>
+            </a:endParaRPr>
+          </a:p>
+        </p:txBody>
+      </p:sp>
+      <p:sp>
+        <p:nvSpPr>
+          <p:cNvPr id="6" name="TextBox 55"/>
+          <p:cNvSpPr txBox="1">
+            <a:spLocks noChangeArrowheads="1"/>
+          </p:cNvSpPr>
+          <p:nvPr/>
+        </p:nvSpPr>
+        <p:spPr bwMode="auto">
+          <a:xfrm>
+            <a:off x="7708591" y="1319749"/>
+            <a:ext cx="3462337" cy="1323439"/>
+          </a:xfrm>
+          <a:prstGeom prst="rect">
+            <a:avLst/>
+          </a:prstGeom>
+          <a:noFill/>
+          <a:ln>
+            <a:noFill/>
+          </a:ln>
+          <a:extLst>
+            <a:ext uri="{909E8E84-426E-40DD-AFC4-6F175D3DCCD1}">
+              <a14:hiddenFill xmlns:a14="http://schemas.microsoft.com/office/drawing/2010/main">
+                <a:solidFill>
+                  <a:srgbClr val="FFFFFF"/>
+                </a:solidFill>
+              </a14:hiddenFill>
+            </a:ext>
+            <a:ext uri="{91240B29-F687-4F45-9708-019B960494DF}">
+              <a14:hiddenLine xmlns:a14="http://schemas.microsoft.com/office/drawing/2010/main" w="9525">
+                <a:solidFill>
+                  <a:srgbClr val="000000"/>
+                </a:solidFill>
+                <a:miter lim="800000"/>
+                <a:headEnd/>
+                <a:tailEnd/>
+              </a14:hiddenLine>
+            </a:ext>
+          </a:extLst>
+        </p:spPr>
+        <p:txBody>
+          <a:bodyPr wrap="square">
+            <a:spAutoFit/>
+          </a:bodyPr>
+          <a:lstStyle>
+            <a:lvl1pPr>
+              <a:defRPr>
+                <a:solidFill>
+                  <a:schemeClr val="tx1"/>
+                </a:solidFill>
+                <a:latin typeface="Calibri" pitchFamily="34" charset="0"/>
+              </a:defRPr>
+            </a:lvl1pPr>
+            <a:lvl2pPr marL="742950" indent="-285750">
+              <a:defRPr>
+                <a:solidFill>
+                  <a:schemeClr val="tx1"/>
+                </a:solidFill>
+                <a:latin typeface="Calibri" pitchFamily="34" charset="0"/>
+              </a:defRPr>
+            </a:lvl2pPr>
+            <a:lvl3pPr marL="1143000" indent="-228600">
+              <a:defRPr>
+                <a:solidFill>
+                  <a:schemeClr val="tx1"/>
+                </a:solidFill>
+                <a:latin typeface="Calibri" pitchFamily="34" charset="0"/>
+              </a:defRPr>
+            </a:lvl3pPr>
+            <a:lvl4pPr marL="1600200" indent="-228600">
+              <a:defRPr>
+                <a:solidFill>
+                  <a:schemeClr val="tx1"/>
+                </a:solidFill>
+                <a:latin typeface="Calibri" pitchFamily="34" charset="0"/>
+              </a:defRPr>
+            </a:lvl4pPr>
+            <a:lvl5pPr marL="2057400" indent="-228600">
+              <a:defRPr>
+                <a:solidFill>
+                  <a:schemeClr val="tx1"/>
+                </a:solidFill>
+                <a:latin typeface="Calibri" pitchFamily="34" charset="0"/>
+              </a:defRPr>
+            </a:lvl5pPr>
+            <a:lvl6pPr marL="2514600" indent="-228600" fontAlgn="base">
+              <a:spcBef>
+                <a:spcPct val="0"/>
+              </a:spcBef>
+              <a:spcAft>
+                <a:spcPct val="0"/>
+              </a:spcAft>
+              <a:defRPr>
+                <a:solidFill>
+                  <a:schemeClr val="tx1"/>
+                </a:solidFill>
+                <a:latin typeface="Calibri" pitchFamily="34" charset="0"/>
+              </a:defRPr>
+            </a:lvl6pPr>
+            <a:lvl7pPr marL="2971800" indent="-228600" fontAlgn="base">
+              <a:spcBef>
+                <a:spcPct val="0"/>
+              </a:spcBef>
+              <a:spcAft>
+                <a:spcPct val="0"/>
+              </a:spcAft>
+              <a:defRPr>
+                <a:solidFill>
+                  <a:schemeClr val="tx1"/>
+                </a:solidFill>
+                <a:latin typeface="Calibri" pitchFamily="34" charset="0"/>
+              </a:defRPr>
+            </a:lvl7pPr>
+            <a:lvl8pPr marL="3429000" indent="-228600" fontAlgn="base">
+              <a:spcBef>
+                <a:spcPct val="0"/>
+              </a:spcBef>
+              <a:spcAft>
+                <a:spcPct val="0"/>
+              </a:spcAft>
+              <a:defRPr>
+                <a:solidFill>
+                  <a:schemeClr val="tx1"/>
+                </a:solidFill>
+                <a:latin typeface="Calibri" pitchFamily="34" charset="0"/>
+              </a:defRPr>
+            </a:lvl8pPr>
+            <a:lvl9pPr marL="3886200" indent="-228600" fontAlgn="base">
+              <a:spcBef>
+                <a:spcPct val="0"/>
+              </a:spcBef>
+              <a:spcAft>
+                <a:spcPct val="0"/>
+              </a:spcAft>
+              <a:defRPr>
+                <a:solidFill>
+                  <a:schemeClr val="tx1"/>
+                </a:solidFill>
+                <a:latin typeface="Calibri" pitchFamily="34" charset="0"/>
+              </a:defRPr>
+            </a:lvl9pPr>
+          </a:lstStyle>
+          <a:p>
+            <a:pPr eaLnBrk="1" hangingPunct="1"/>
+            <a:r>
+              <a:rPr lang="zh-CN" altLang="en-US" sz="4000" dirty="0">
+                <a:solidFill>
+                  <a:schemeClr val="bg1"/>
+                </a:solidFill>
+                <a:latin typeface="Open Sans" panose="020B0606030504020204" pitchFamily="34" charset="0"/>
+              </a:rPr>
+              <a:t>城镇（主页面）场景设计</a:t>
+            </a:r>
+          </a:p>
+        </p:txBody>
+      </p:sp>
+      <p:sp>
+        <p:nvSpPr>
+          <p:cNvPr id="2" name="矩形 1"/>
+          <p:cNvSpPr/>
+          <p:nvPr/>
+        </p:nvSpPr>
+        <p:spPr>
+          <a:xfrm>
+            <a:off x="0" y="0"/>
+            <a:ext cx="6096000" cy="6858000"/>
+          </a:xfrm>
+          <a:prstGeom prst="rect">
+            <a:avLst/>
+          </a:prstGeom>
+          <a:solidFill>
+            <a:schemeClr val="bg1">
+              <a:lumMod val="95000"/>
             </a:schemeClr>
           </a:solidFill>
           <a:ln>
@@ -8901,22 +9342,115 @@
           <a:bodyPr rtlCol="0" anchor="ctr"/>
           <a:lstStyle/>
           <a:p>
-            <a:pPr algn="ctr"/>
-            <a:endParaRPr lang="zh-CN" altLang="en-US" dirty="0"/>
-          </a:p>
-        </p:txBody>
-      </p:sp>
+            <a:pPr marL="0" marR="0" lvl="0" indent="0" algn="ctr" defTabSz="914400" rtl="0" eaLnBrk="1" fontAlgn="auto" latinLnBrk="0" hangingPunct="1">
+              <a:lnSpc>
+                <a:spcPct val="100000"/>
+              </a:lnSpc>
+              <a:spcBef>
+                <a:spcPts val="0"/>
+              </a:spcBef>
+              <a:spcAft>
+                <a:spcPts val="0"/>
+              </a:spcAft>
+              <a:buClrTx/>
+              <a:buSzTx/>
+              <a:buFontTx/>
+              <a:buNone/>
+              <a:defRPr/>
+            </a:pPr>
+            <a:endParaRPr kumimoji="0" lang="zh-CN" altLang="en-US" sz="1800" b="0" i="0" u="none" strike="noStrike" kern="1200" cap="none" spc="0" normalizeH="0" baseline="0" noProof="0">
+              <a:ln>
+                <a:noFill/>
+              </a:ln>
+              <a:solidFill>
+                <a:prstClr val="white"/>
+              </a:solidFill>
+              <a:effectLst/>
+              <a:uLnTx/>
+              <a:uFillTx/>
+              <a:latin typeface="等线" panose="020F0502020204030204"/>
+              <a:ea typeface="等线" panose="02010600030101010101" pitchFamily="2" charset="-122"/>
+              <a:cs typeface="+mn-cs"/>
+            </a:endParaRPr>
+          </a:p>
+        </p:txBody>
+      </p:sp>
+      <p:pic>
+        <p:nvPicPr>
+          <p:cNvPr id="2050" name="图片 13">
+            <a:extLst>
+              <a:ext uri="{FF2B5EF4-FFF2-40B4-BE49-F238E27FC236}">
+                <a16:creationId xmlns:a16="http://schemas.microsoft.com/office/drawing/2014/main" id="{638A67B0-3A51-9EA6-B6F6-7CD79C125FDE}"/>
+              </a:ext>
+            </a:extLst>
+          </p:cNvPr>
+          <p:cNvPicPr>
+            <a:picLocks noChangeAspect="1" noChangeArrowheads="1"/>
+          </p:cNvPicPr>
+          <p:nvPr/>
+        </p:nvPicPr>
+        <p:blipFill>
+          <a:blip r:embed="rId3">
+            <a:extLst>
+              <a:ext uri="{28A0092B-C50C-407E-A947-70E740481C1C}">
+                <a14:useLocalDpi xmlns:a14="http://schemas.microsoft.com/office/drawing/2010/main" val="0"/>
+              </a:ext>
+            </a:extLst>
+          </a:blip>
+          <a:srcRect/>
+          <a:stretch>
+            <a:fillRect/>
+          </a:stretch>
+        </p:blipFill>
+        <p:spPr bwMode="auto">
+          <a:xfrm>
+            <a:off x="228203" y="1374604"/>
+            <a:ext cx="5476876" cy="4108791"/>
+          </a:xfrm>
+          <a:prstGeom prst="rect">
+            <a:avLst/>
+          </a:prstGeom>
+          <a:noFill/>
+          <a:ln>
+            <a:noFill/>
+          </a:ln>
+          <a:extLst>
+            <a:ext uri="{909E8E84-426E-40DD-AFC4-6F175D3DCCD1}">
+              <a14:hiddenFill xmlns:a14="http://schemas.microsoft.com/office/drawing/2010/main">
+                <a:solidFill>
+                  <a:srgbClr val="FFFFFF"/>
+                </a:solidFill>
+              </a14:hiddenFill>
+            </a:ext>
+            <a:ext uri="{91240B29-F687-4F45-9708-019B960494DF}">
+              <a14:hiddenLine xmlns:a14="http://schemas.microsoft.com/office/drawing/2010/main" w="9525">
+                <a:solidFill>
+                  <a:srgbClr val="000000"/>
+                </a:solidFill>
+                <a:miter lim="800000"/>
+                <a:headEnd/>
+                <a:tailEnd/>
+              </a14:hiddenLine>
+            </a:ext>
+          </a:extLst>
+        </p:spPr>
+      </p:pic>
     </p:spTree>
     <p:custDataLst>
       <p:tags r:id="rId1"/>
     </p:custDataLst>
+    <p:extLst>
+      <p:ext uri="{BB962C8B-B14F-4D97-AF65-F5344CB8AC3E}">
+        <p14:creationId xmlns:p14="http://schemas.microsoft.com/office/powerpoint/2010/main" val="3601048286"/>
+      </p:ext>
+    </p:extLst>
   </p:cSld>
   <p:clrMapOvr>
     <a:masterClrMapping/>
   </p:clrMapOvr>
   <mc:AlternateContent xmlns:mc="http://schemas.openxmlformats.org/markup-compatibility/2006">
     <mc:Choice xmlns:p15="http://schemas.microsoft.com/office/powerpoint/2012/main" Requires="p15">
-      <p:transition xmlns:p14="http://schemas.microsoft.com/office/powerpoint/2010/main" spd="slow" Requires="p14" p14:dur="1250">
+      <p:transition xmlns:p14="http://schemas.microsoft.com/office/powerpoint/2010/main" spd="slow" p14:dur="1250">
         <p15:prstTrans prst="pageCurlDouble"/>
       </p:transition>
     </mc:Choice>
@@ -8929,35 +9463,3364 @@
 </p:sld>
 </file>
 
+<file path=ppt/slides/slide5.xml><?xml version="1.0" encoding="utf-8"?>
+<p:sld xmlns:a="http://schemas.openxmlformats.org/drawingml/2006/main" xmlns:r="http://schemas.openxmlformats.org/officeDocument/2006/relationships" xmlns:p="http://schemas.openxmlformats.org/presentationml/2006/main">
+  <p:cSld>
+    <p:spTree>
+      <p:nvGrpSpPr>
+        <p:cNvPr id="1" name=""/>
+        <p:cNvGrpSpPr/>
+        <p:nvPr/>
+      </p:nvGrpSpPr>
+      <p:grpSpPr>
+        <a:xfrm>
+          <a:off x="0" y="0"/>
+          <a:ext cx="0" cy="0"/>
+          <a:chOff x="0" y="0"/>
+          <a:chExt cx="0" cy="0"/>
+        </a:xfrm>
+      </p:grpSpPr>
+      <p:sp>
+        <p:nvSpPr>
+          <p:cNvPr id="3" name="矩形 2"/>
+          <p:cNvSpPr/>
+          <p:nvPr/>
+        </p:nvSpPr>
+        <p:spPr>
+          <a:xfrm>
+            <a:off x="6096000" y="0"/>
+            <a:ext cx="444500" cy="6858000"/>
+          </a:xfrm>
+          <a:prstGeom prst="rect">
+            <a:avLst/>
+          </a:prstGeom>
+          <a:gradFill flip="none" rotWithShape="1">
+            <a:gsLst>
+              <a:gs pos="0">
+                <a:schemeClr val="bg1">
+                  <a:lumMod val="50000"/>
+                  <a:alpha val="50000"/>
+                </a:schemeClr>
+              </a:gs>
+              <a:gs pos="100000">
+                <a:schemeClr val="bg1">
+                  <a:lumMod val="50000"/>
+                  <a:alpha val="0"/>
+                </a:schemeClr>
+              </a:gs>
+            </a:gsLst>
+            <a:lin ang="0" scaled="1"/>
+            <a:tileRect/>
+          </a:gradFill>
+          <a:ln>
+            <a:noFill/>
+          </a:ln>
+        </p:spPr>
+        <p:style>
+          <a:lnRef idx="2">
+            <a:schemeClr val="accent1">
+              <a:shade val="50000"/>
+            </a:schemeClr>
+          </a:lnRef>
+          <a:fillRef idx="1">
+            <a:schemeClr val="accent1"/>
+          </a:fillRef>
+          <a:effectRef idx="0">
+            <a:schemeClr val="accent1"/>
+          </a:effectRef>
+          <a:fontRef idx="minor">
+            <a:schemeClr val="lt1"/>
+          </a:fontRef>
+        </p:style>
+        <p:txBody>
+          <a:bodyPr rtlCol="0" anchor="ctr"/>
+          <a:lstStyle/>
+          <a:p>
+            <a:pPr algn="ctr"/>
+            <a:endParaRPr lang="zh-CN" altLang="en-US"/>
+          </a:p>
+        </p:txBody>
+      </p:sp>
+      <p:sp>
+        <p:nvSpPr>
+          <p:cNvPr id="12" name="矩形 11"/>
+          <p:cNvSpPr/>
+          <p:nvPr/>
+        </p:nvSpPr>
+        <p:spPr>
+          <a:xfrm flipH="1">
+            <a:off x="5651500" y="0"/>
+            <a:ext cx="444500" cy="6858000"/>
+          </a:xfrm>
+          <a:prstGeom prst="rect">
+            <a:avLst/>
+          </a:prstGeom>
+          <a:gradFill flip="none" rotWithShape="1">
+            <a:gsLst>
+              <a:gs pos="0">
+                <a:schemeClr val="bg1">
+                  <a:lumMod val="50000"/>
+                  <a:alpha val="50000"/>
+                </a:schemeClr>
+              </a:gs>
+              <a:gs pos="100000">
+                <a:schemeClr val="bg1">
+                  <a:lumMod val="50000"/>
+                  <a:alpha val="0"/>
+                </a:schemeClr>
+              </a:gs>
+            </a:gsLst>
+            <a:lin ang="0" scaled="1"/>
+            <a:tileRect/>
+          </a:gradFill>
+          <a:ln>
+            <a:noFill/>
+          </a:ln>
+        </p:spPr>
+        <p:style>
+          <a:lnRef idx="2">
+            <a:schemeClr val="accent1">
+              <a:shade val="50000"/>
+            </a:schemeClr>
+          </a:lnRef>
+          <a:fillRef idx="1">
+            <a:schemeClr val="accent1"/>
+          </a:fillRef>
+          <a:effectRef idx="0">
+            <a:schemeClr val="accent1"/>
+          </a:effectRef>
+          <a:fontRef idx="minor">
+            <a:schemeClr val="lt1"/>
+          </a:fontRef>
+        </p:style>
+        <p:txBody>
+          <a:bodyPr rtlCol="0" anchor="ctr"/>
+          <a:lstStyle/>
+          <a:p>
+            <a:pPr algn="ctr"/>
+            <a:endParaRPr lang="zh-CN" altLang="en-US"/>
+          </a:p>
+        </p:txBody>
+      </p:sp>
+      <p:sp>
+        <p:nvSpPr>
+          <p:cNvPr id="25" name="Rectangle 7"/>
+          <p:cNvSpPr/>
+          <p:nvPr/>
+        </p:nvSpPr>
+        <p:spPr>
+          <a:xfrm>
+            <a:off x="6981190" y="3143250"/>
+            <a:ext cx="5183505" cy="1597617"/>
+          </a:xfrm>
+          <a:prstGeom prst="rect">
+            <a:avLst/>
+          </a:prstGeom>
+        </p:spPr>
+        <p:txBody>
+          <a:bodyPr wrap="square">
+            <a:spAutoFit/>
+          </a:bodyPr>
+          <a:lstStyle/>
+          <a:p>
+            <a:pPr eaLnBrk="1" fontAlgn="auto" hangingPunct="1">
+              <a:lnSpc>
+                <a:spcPct val="107000"/>
+              </a:lnSpc>
+              <a:spcBef>
+                <a:spcPts val="0"/>
+              </a:spcBef>
+              <a:spcAft>
+                <a:spcPts val="800"/>
+              </a:spcAft>
+              <a:defRPr/>
+            </a:pPr>
+            <a:r>
+              <a:rPr lang="zh-CN" altLang="en-US" sz="2000" dirty="0">
+                <a:solidFill>
+                  <a:schemeClr val="tx1">
+                    <a:lumMod val="50000"/>
+                    <a:lumOff val="50000"/>
+                  </a:schemeClr>
+                </a:solidFill>
+                <a:latin typeface="Open Sans" panose="020B0606030504020204" pitchFamily="34" charset="0"/>
+                <a:ea typeface="Open Sans" panose="020B0606030504020204" pitchFamily="34" charset="0"/>
+                <a:cs typeface="Open Sans" panose="020B0606030504020204" pitchFamily="34" charset="0"/>
+              </a:rPr>
+              <a:t>每个玩家有牌库，职业牌，左右手装备栏，饰品装备栏，血量条</a:t>
+            </a:r>
+            <a:r>
+              <a:rPr lang="en-US" sz="2000" dirty="0">
+                <a:solidFill>
+                  <a:schemeClr val="tx1">
+                    <a:lumMod val="50000"/>
+                    <a:lumOff val="50000"/>
+                  </a:schemeClr>
+                </a:solidFill>
+                <a:latin typeface="Open Sans" panose="020B0606030504020204" pitchFamily="34" charset="0"/>
+                <a:ea typeface="Open Sans" panose="020B0606030504020204" pitchFamily="34" charset="0"/>
+                <a:cs typeface="Open Sans" panose="020B0606030504020204" pitchFamily="34" charset="0"/>
+              </a:rPr>
+              <a:t>。</a:t>
+            </a:r>
+          </a:p>
+          <a:p>
+            <a:pPr eaLnBrk="1" fontAlgn="auto" hangingPunct="1">
+              <a:lnSpc>
+                <a:spcPct val="107000"/>
+              </a:lnSpc>
+              <a:spcBef>
+                <a:spcPts val="0"/>
+              </a:spcBef>
+              <a:spcAft>
+                <a:spcPts val="800"/>
+              </a:spcAft>
+              <a:defRPr/>
+            </a:pPr>
+            <a:r>
+              <a:rPr lang="zh-CN" altLang="en-US" sz="2000" dirty="0">
+                <a:solidFill>
+                  <a:schemeClr val="tx1">
+                    <a:lumMod val="50000"/>
+                    <a:lumOff val="50000"/>
+                  </a:schemeClr>
+                </a:solidFill>
+                <a:latin typeface="Open Sans" panose="020B0606030504020204" pitchFamily="34" charset="0"/>
+                <a:ea typeface="Open Sans" panose="020B0606030504020204" pitchFamily="34" charset="0"/>
+                <a:cs typeface="Open Sans" panose="020B0606030504020204" pitchFamily="34" charset="0"/>
+              </a:rPr>
+              <a:t>左下角为剩余的行动手牌抽牌堆和抽牌数。</a:t>
+            </a:r>
+            <a:endParaRPr lang="en-US" altLang="zh-CN" sz="2000" dirty="0">
+              <a:solidFill>
+                <a:schemeClr val="tx1">
+                  <a:lumMod val="50000"/>
+                  <a:lumOff val="50000"/>
+                </a:schemeClr>
+              </a:solidFill>
+              <a:latin typeface="Open Sans" panose="020B0606030504020204" pitchFamily="34" charset="0"/>
+              <a:ea typeface="Open Sans" panose="020B0606030504020204" pitchFamily="34" charset="0"/>
+              <a:cs typeface="Open Sans" panose="020B0606030504020204" pitchFamily="34" charset="0"/>
+            </a:endParaRPr>
+          </a:p>
+          <a:p>
+            <a:pPr eaLnBrk="1" fontAlgn="auto" hangingPunct="1">
+              <a:lnSpc>
+                <a:spcPct val="107000"/>
+              </a:lnSpc>
+              <a:spcBef>
+                <a:spcPts val="0"/>
+              </a:spcBef>
+              <a:spcAft>
+                <a:spcPts val="800"/>
+              </a:spcAft>
+              <a:defRPr/>
+            </a:pPr>
+            <a:r>
+              <a:rPr lang="zh-CN" altLang="en-US" sz="2000" dirty="0">
+                <a:solidFill>
+                  <a:schemeClr val="tx1">
+                    <a:lumMod val="50000"/>
+                    <a:lumOff val="50000"/>
+                  </a:schemeClr>
+                </a:solidFill>
+                <a:latin typeface="Open Sans" panose="020B0606030504020204" pitchFamily="34" charset="0"/>
+                <a:ea typeface="Open Sans" panose="020B0606030504020204" pitchFamily="34" charset="0"/>
+                <a:cs typeface="Open Sans" panose="020B0606030504020204" pitchFamily="34" charset="0"/>
+              </a:rPr>
+              <a:t>中央为层主怪物和其所拥有的血量。</a:t>
+            </a:r>
+            <a:endParaRPr lang="en-US" sz="2000" dirty="0">
+              <a:solidFill>
+                <a:schemeClr val="tx1">
+                  <a:lumMod val="50000"/>
+                  <a:lumOff val="50000"/>
+                </a:schemeClr>
+              </a:solidFill>
+              <a:latin typeface="Open Sans" panose="020B0606030504020204" pitchFamily="34" charset="0"/>
+              <a:ea typeface="Open Sans" panose="020B0606030504020204" pitchFamily="34" charset="0"/>
+              <a:cs typeface="Open Sans" panose="020B0606030504020204" pitchFamily="34" charset="0"/>
+            </a:endParaRPr>
+          </a:p>
+        </p:txBody>
+      </p:sp>
+      <p:sp>
+        <p:nvSpPr>
+          <p:cNvPr id="5" name="Rectangle 54"/>
+          <p:cNvSpPr/>
+          <p:nvPr/>
+        </p:nvSpPr>
+        <p:spPr>
+          <a:xfrm>
+            <a:off x="7322343" y="1212851"/>
+            <a:ext cx="4869657" cy="1430337"/>
+          </a:xfrm>
+          <a:prstGeom prst="rect">
+            <a:avLst/>
+          </a:prstGeom>
+          <a:solidFill>
+            <a:schemeClr val="bg1">
+              <a:lumMod val="85000"/>
+            </a:schemeClr>
+          </a:solidFill>
+          <a:ln>
+            <a:noFill/>
+          </a:ln>
+        </p:spPr>
+        <p:style>
+          <a:lnRef idx="2">
+            <a:schemeClr val="accent1">
+              <a:shade val="50000"/>
+            </a:schemeClr>
+          </a:lnRef>
+          <a:fillRef idx="1">
+            <a:schemeClr val="accent1"/>
+          </a:fillRef>
+          <a:effectRef idx="0">
+            <a:schemeClr val="accent1"/>
+          </a:effectRef>
+          <a:fontRef idx="minor">
+            <a:schemeClr val="lt1"/>
+          </a:fontRef>
+        </p:style>
+        <p:txBody>
+          <a:bodyPr anchor="ctr"/>
+          <a:lstStyle/>
+          <a:p>
+            <a:pPr algn="ctr" eaLnBrk="1" hangingPunct="1"/>
+            <a:endParaRPr lang="zh-CN" altLang="zh-CN">
+              <a:solidFill>
+                <a:srgbClr val="FFFFFF"/>
+              </a:solidFill>
+            </a:endParaRPr>
+          </a:p>
+        </p:txBody>
+      </p:sp>
+      <p:sp>
+        <p:nvSpPr>
+          <p:cNvPr id="6" name="TextBox 55"/>
+          <p:cNvSpPr txBox="1">
+            <a:spLocks noChangeArrowheads="1"/>
+          </p:cNvSpPr>
+          <p:nvPr/>
+        </p:nvSpPr>
+        <p:spPr bwMode="auto">
+          <a:xfrm>
+            <a:off x="7726521" y="1543298"/>
+            <a:ext cx="3462337" cy="706755"/>
+          </a:xfrm>
+          <a:prstGeom prst="rect">
+            <a:avLst/>
+          </a:prstGeom>
+          <a:noFill/>
+          <a:ln>
+            <a:noFill/>
+          </a:ln>
+          <a:extLst>
+            <a:ext uri="{909E8E84-426E-40DD-AFC4-6F175D3DCCD1}">
+              <a14:hiddenFill xmlns:a14="http://schemas.microsoft.com/office/drawing/2010/main">
+                <a:solidFill>
+                  <a:srgbClr val="FFFFFF"/>
+                </a:solidFill>
+              </a14:hiddenFill>
+            </a:ext>
+            <a:ext uri="{91240B29-F687-4F45-9708-019B960494DF}">
+              <a14:hiddenLine xmlns:a14="http://schemas.microsoft.com/office/drawing/2010/main" w="9525">
+                <a:solidFill>
+                  <a:srgbClr val="000000"/>
+                </a:solidFill>
+                <a:miter lim="800000"/>
+                <a:headEnd/>
+                <a:tailEnd/>
+              </a14:hiddenLine>
+            </a:ext>
+          </a:extLst>
+        </p:spPr>
+        <p:txBody>
+          <a:bodyPr wrap="square">
+            <a:spAutoFit/>
+          </a:bodyPr>
+          <a:lstStyle>
+            <a:lvl1pPr>
+              <a:defRPr>
+                <a:solidFill>
+                  <a:schemeClr val="tx1"/>
+                </a:solidFill>
+                <a:latin typeface="Calibri" pitchFamily="34" charset="0"/>
+              </a:defRPr>
+            </a:lvl1pPr>
+            <a:lvl2pPr marL="742950" indent="-285750">
+              <a:defRPr>
+                <a:solidFill>
+                  <a:schemeClr val="tx1"/>
+                </a:solidFill>
+                <a:latin typeface="Calibri" pitchFamily="34" charset="0"/>
+              </a:defRPr>
+            </a:lvl2pPr>
+            <a:lvl3pPr marL="1143000" indent="-228600">
+              <a:defRPr>
+                <a:solidFill>
+                  <a:schemeClr val="tx1"/>
+                </a:solidFill>
+                <a:latin typeface="Calibri" pitchFamily="34" charset="0"/>
+              </a:defRPr>
+            </a:lvl3pPr>
+            <a:lvl4pPr marL="1600200" indent="-228600">
+              <a:defRPr>
+                <a:solidFill>
+                  <a:schemeClr val="tx1"/>
+                </a:solidFill>
+                <a:latin typeface="Calibri" pitchFamily="34" charset="0"/>
+              </a:defRPr>
+            </a:lvl4pPr>
+            <a:lvl5pPr marL="2057400" indent="-228600">
+              <a:defRPr>
+                <a:solidFill>
+                  <a:schemeClr val="tx1"/>
+                </a:solidFill>
+                <a:latin typeface="Calibri" pitchFamily="34" charset="0"/>
+              </a:defRPr>
+            </a:lvl5pPr>
+            <a:lvl6pPr marL="2514600" indent="-228600" fontAlgn="base">
+              <a:spcBef>
+                <a:spcPct val="0"/>
+              </a:spcBef>
+              <a:spcAft>
+                <a:spcPct val="0"/>
+              </a:spcAft>
+              <a:defRPr>
+                <a:solidFill>
+                  <a:schemeClr val="tx1"/>
+                </a:solidFill>
+                <a:latin typeface="Calibri" pitchFamily="34" charset="0"/>
+              </a:defRPr>
+            </a:lvl6pPr>
+            <a:lvl7pPr marL="2971800" indent="-228600" fontAlgn="base">
+              <a:spcBef>
+                <a:spcPct val="0"/>
+              </a:spcBef>
+              <a:spcAft>
+                <a:spcPct val="0"/>
+              </a:spcAft>
+              <a:defRPr>
+                <a:solidFill>
+                  <a:schemeClr val="tx1"/>
+                </a:solidFill>
+                <a:latin typeface="Calibri" pitchFamily="34" charset="0"/>
+              </a:defRPr>
+            </a:lvl7pPr>
+            <a:lvl8pPr marL="3429000" indent="-228600" fontAlgn="base">
+              <a:spcBef>
+                <a:spcPct val="0"/>
+              </a:spcBef>
+              <a:spcAft>
+                <a:spcPct val="0"/>
+              </a:spcAft>
+              <a:defRPr>
+                <a:solidFill>
+                  <a:schemeClr val="tx1"/>
+                </a:solidFill>
+                <a:latin typeface="Calibri" pitchFamily="34" charset="0"/>
+              </a:defRPr>
+            </a:lvl8pPr>
+            <a:lvl9pPr marL="3886200" indent="-228600" fontAlgn="base">
+              <a:spcBef>
+                <a:spcPct val="0"/>
+              </a:spcBef>
+              <a:spcAft>
+                <a:spcPct val="0"/>
+              </a:spcAft>
+              <a:defRPr>
+                <a:solidFill>
+                  <a:schemeClr val="tx1"/>
+                </a:solidFill>
+                <a:latin typeface="Calibri" pitchFamily="34" charset="0"/>
+              </a:defRPr>
+            </a:lvl9pPr>
+          </a:lstStyle>
+          <a:p>
+            <a:pPr eaLnBrk="1" hangingPunct="1"/>
+            <a:r>
+              <a:rPr lang="zh-CN" altLang="en-US" sz="4000" dirty="0">
+                <a:solidFill>
+                  <a:schemeClr val="bg1"/>
+                </a:solidFill>
+                <a:latin typeface="Open Sans" panose="020B0606030504020204" pitchFamily="34" charset="0"/>
+              </a:rPr>
+              <a:t>战斗场景设计</a:t>
+            </a:r>
+          </a:p>
+        </p:txBody>
+      </p:sp>
+      <p:sp>
+        <p:nvSpPr>
+          <p:cNvPr id="2" name="矩形 1"/>
+          <p:cNvSpPr/>
+          <p:nvPr/>
+        </p:nvSpPr>
+        <p:spPr>
+          <a:xfrm>
+            <a:off x="0" y="0"/>
+            <a:ext cx="6096000" cy="6858000"/>
+          </a:xfrm>
+          <a:prstGeom prst="rect">
+            <a:avLst/>
+          </a:prstGeom>
+          <a:solidFill>
+            <a:schemeClr val="bg1">
+              <a:lumMod val="95000"/>
+            </a:schemeClr>
+          </a:solidFill>
+          <a:ln>
+            <a:noFill/>
+          </a:ln>
+          <a:effectLst/>
+        </p:spPr>
+        <p:style>
+          <a:lnRef idx="2">
+            <a:schemeClr val="accent1">
+              <a:shade val="50000"/>
+            </a:schemeClr>
+          </a:lnRef>
+          <a:fillRef idx="1">
+            <a:schemeClr val="accent1"/>
+          </a:fillRef>
+          <a:effectRef idx="0">
+            <a:schemeClr val="accent1"/>
+          </a:effectRef>
+          <a:fontRef idx="minor">
+            <a:schemeClr val="lt1"/>
+          </a:fontRef>
+        </p:style>
+        <p:txBody>
+          <a:bodyPr rtlCol="0" anchor="ctr"/>
+          <a:lstStyle/>
+          <a:p>
+            <a:pPr marL="0" marR="0" lvl="0" indent="0" algn="ctr" defTabSz="914400" rtl="0" eaLnBrk="1" fontAlgn="auto" latinLnBrk="0" hangingPunct="1">
+              <a:lnSpc>
+                <a:spcPct val="100000"/>
+              </a:lnSpc>
+              <a:spcBef>
+                <a:spcPts val="0"/>
+              </a:spcBef>
+              <a:spcAft>
+                <a:spcPts val="0"/>
+              </a:spcAft>
+              <a:buClrTx/>
+              <a:buSzTx/>
+              <a:buFontTx/>
+              <a:buNone/>
+              <a:defRPr/>
+            </a:pPr>
+            <a:endParaRPr kumimoji="0" lang="zh-CN" altLang="en-US" sz="1800" b="0" i="0" u="none" strike="noStrike" kern="1200" cap="none" spc="0" normalizeH="0" baseline="0" noProof="0">
+              <a:ln>
+                <a:noFill/>
+              </a:ln>
+              <a:solidFill>
+                <a:prstClr val="white"/>
+              </a:solidFill>
+              <a:effectLst/>
+              <a:uLnTx/>
+              <a:uFillTx/>
+              <a:latin typeface="等线" panose="020F0502020204030204"/>
+              <a:ea typeface="等线" panose="02010600030101010101" pitchFamily="2" charset="-122"/>
+              <a:cs typeface="+mn-cs"/>
+            </a:endParaRPr>
+          </a:p>
+        </p:txBody>
+      </p:sp>
+      <p:pic>
+        <p:nvPicPr>
+          <p:cNvPr id="1027" name="图片 14">
+            <a:extLst>
+              <a:ext uri="{FF2B5EF4-FFF2-40B4-BE49-F238E27FC236}">
+                <a16:creationId xmlns:a16="http://schemas.microsoft.com/office/drawing/2014/main" id="{BF89CA5D-B334-02EC-2A2C-AFC5DAE7B797}"/>
+              </a:ext>
+            </a:extLst>
+          </p:cNvPr>
+          <p:cNvPicPr>
+            <a:picLocks noChangeAspect="1" noChangeArrowheads="1"/>
+          </p:cNvPicPr>
+          <p:nvPr/>
+        </p:nvPicPr>
+        <p:blipFill>
+          <a:blip r:embed="rId3">
+            <a:extLst>
+              <a:ext uri="{28A0092B-C50C-407E-A947-70E740481C1C}">
+                <a14:useLocalDpi xmlns:a14="http://schemas.microsoft.com/office/drawing/2010/main" val="0"/>
+              </a:ext>
+            </a:extLst>
+          </a:blip>
+          <a:srcRect/>
+          <a:stretch>
+            <a:fillRect/>
+          </a:stretch>
+        </p:blipFill>
+        <p:spPr bwMode="auto">
+          <a:xfrm>
+            <a:off x="339011" y="1416169"/>
+            <a:ext cx="5366067" cy="4025661"/>
+          </a:xfrm>
+          <a:prstGeom prst="rect">
+            <a:avLst/>
+          </a:prstGeom>
+          <a:noFill/>
+          <a:ln>
+            <a:noFill/>
+          </a:ln>
+          <a:extLst>
+            <a:ext uri="{909E8E84-426E-40DD-AFC4-6F175D3DCCD1}">
+              <a14:hiddenFill xmlns:a14="http://schemas.microsoft.com/office/drawing/2010/main">
+                <a:solidFill>
+                  <a:srgbClr val="FFFFFF"/>
+                </a:solidFill>
+              </a14:hiddenFill>
+            </a:ext>
+            <a:ext uri="{91240B29-F687-4F45-9708-019B960494DF}">
+              <a14:hiddenLine xmlns:a14="http://schemas.microsoft.com/office/drawing/2010/main" w="9525">
+                <a:solidFill>
+                  <a:srgbClr val="000000"/>
+                </a:solidFill>
+                <a:miter lim="800000"/>
+                <a:headEnd/>
+                <a:tailEnd/>
+              </a14:hiddenLine>
+            </a:ext>
+          </a:extLst>
+        </p:spPr>
+      </p:pic>
+    </p:spTree>
+    <p:custDataLst>
+      <p:tags r:id="rId1"/>
+    </p:custDataLst>
+  </p:cSld>
+  <p:clrMapOvr>
+    <a:masterClrMapping/>
+  </p:clrMapOvr>
+  <mc:AlternateContent xmlns:mc="http://schemas.openxmlformats.org/markup-compatibility/2006" xmlns:p15="http://schemas.microsoft.com/office/powerpoint/2012/main">
+    <mc:Choice Requires="p15">
+      <p:transition xmlns:p14="http://schemas.microsoft.com/office/powerpoint/2010/main" spd="slow" p14:dur="1250">
+        <p15:prstTrans prst="pageCurlDouble"/>
+      </p:transition>
+    </mc:Choice>
+    <mc:Fallback xmlns="">
+      <p:transition spd="slow">
+        <p:fade/>
+      </p:transition>
+    </mc:Fallback>
+  </mc:AlternateContent>
+</p:sld>
+</file>
+
+<file path=ppt/slides/slide6.xml><?xml version="1.0" encoding="utf-8"?>
+<p:sld xmlns:a="http://schemas.openxmlformats.org/drawingml/2006/main" xmlns:r="http://schemas.openxmlformats.org/officeDocument/2006/relationships" xmlns:p="http://schemas.openxmlformats.org/presentationml/2006/main">
+  <p:cSld>
+    <p:spTree>
+      <p:nvGrpSpPr>
+        <p:cNvPr id="1" name=""/>
+        <p:cNvGrpSpPr/>
+        <p:nvPr/>
+      </p:nvGrpSpPr>
+      <p:grpSpPr>
+        <a:xfrm>
+          <a:off x="0" y="0"/>
+          <a:ext cx="0" cy="0"/>
+          <a:chOff x="0" y="0"/>
+          <a:chExt cx="0" cy="0"/>
+        </a:xfrm>
+      </p:grpSpPr>
+      <p:sp>
+        <p:nvSpPr>
+          <p:cNvPr id="3" name="矩形 2"/>
+          <p:cNvSpPr/>
+          <p:nvPr/>
+        </p:nvSpPr>
+        <p:spPr>
+          <a:xfrm>
+            <a:off x="6096000" y="0"/>
+            <a:ext cx="444500" cy="6858000"/>
+          </a:xfrm>
+          <a:prstGeom prst="rect">
+            <a:avLst/>
+          </a:prstGeom>
+          <a:gradFill flip="none" rotWithShape="1">
+            <a:gsLst>
+              <a:gs pos="0">
+                <a:schemeClr val="bg1">
+                  <a:lumMod val="50000"/>
+                  <a:alpha val="50000"/>
+                </a:schemeClr>
+              </a:gs>
+              <a:gs pos="100000">
+                <a:schemeClr val="bg1">
+                  <a:lumMod val="50000"/>
+                  <a:alpha val="0"/>
+                </a:schemeClr>
+              </a:gs>
+            </a:gsLst>
+            <a:lin ang="0" scaled="1"/>
+            <a:tileRect/>
+          </a:gradFill>
+          <a:ln>
+            <a:noFill/>
+          </a:ln>
+        </p:spPr>
+        <p:style>
+          <a:lnRef idx="2">
+            <a:schemeClr val="accent1">
+              <a:shade val="50000"/>
+            </a:schemeClr>
+          </a:lnRef>
+          <a:fillRef idx="1">
+            <a:schemeClr val="accent1"/>
+          </a:fillRef>
+          <a:effectRef idx="0">
+            <a:schemeClr val="accent1"/>
+          </a:effectRef>
+          <a:fontRef idx="minor">
+            <a:schemeClr val="lt1"/>
+          </a:fontRef>
+        </p:style>
+        <p:txBody>
+          <a:bodyPr rtlCol="0" anchor="ctr"/>
+          <a:lstStyle/>
+          <a:p>
+            <a:pPr algn="ctr"/>
+            <a:endParaRPr lang="zh-CN" altLang="en-US"/>
+          </a:p>
+        </p:txBody>
+      </p:sp>
+      <p:sp>
+        <p:nvSpPr>
+          <p:cNvPr id="12" name="矩形 11"/>
+          <p:cNvSpPr/>
+          <p:nvPr/>
+        </p:nvSpPr>
+        <p:spPr>
+          <a:xfrm flipH="1">
+            <a:off x="5651500" y="0"/>
+            <a:ext cx="444500" cy="6858000"/>
+          </a:xfrm>
+          <a:prstGeom prst="rect">
+            <a:avLst/>
+          </a:prstGeom>
+          <a:gradFill flip="none" rotWithShape="1">
+            <a:gsLst>
+              <a:gs pos="0">
+                <a:schemeClr val="bg1">
+                  <a:lumMod val="50000"/>
+                  <a:alpha val="50000"/>
+                </a:schemeClr>
+              </a:gs>
+              <a:gs pos="100000">
+                <a:schemeClr val="bg1">
+                  <a:lumMod val="50000"/>
+                  <a:alpha val="0"/>
+                </a:schemeClr>
+              </a:gs>
+            </a:gsLst>
+            <a:lin ang="0" scaled="1"/>
+            <a:tileRect/>
+          </a:gradFill>
+          <a:ln>
+            <a:noFill/>
+          </a:ln>
+        </p:spPr>
+        <p:style>
+          <a:lnRef idx="2">
+            <a:schemeClr val="accent1">
+              <a:shade val="50000"/>
+            </a:schemeClr>
+          </a:lnRef>
+          <a:fillRef idx="1">
+            <a:schemeClr val="accent1"/>
+          </a:fillRef>
+          <a:effectRef idx="0">
+            <a:schemeClr val="accent1"/>
+          </a:effectRef>
+          <a:fontRef idx="minor">
+            <a:schemeClr val="lt1"/>
+          </a:fontRef>
+        </p:style>
+        <p:txBody>
+          <a:bodyPr rtlCol="0" anchor="ctr"/>
+          <a:lstStyle/>
+          <a:p>
+            <a:pPr algn="ctr"/>
+            <a:endParaRPr lang="zh-CN" altLang="en-US"/>
+          </a:p>
+        </p:txBody>
+      </p:sp>
+      <p:sp>
+        <p:nvSpPr>
+          <p:cNvPr id="25" name="Rectangle 7"/>
+          <p:cNvSpPr/>
+          <p:nvPr/>
+        </p:nvSpPr>
+        <p:spPr>
+          <a:xfrm>
+            <a:off x="6981190" y="3143250"/>
+            <a:ext cx="5183505" cy="1926938"/>
+          </a:xfrm>
+          <a:prstGeom prst="rect">
+            <a:avLst/>
+          </a:prstGeom>
+        </p:spPr>
+        <p:txBody>
+          <a:bodyPr wrap="square">
+            <a:spAutoFit/>
+          </a:bodyPr>
+          <a:lstStyle/>
+          <a:p>
+            <a:pPr eaLnBrk="1" fontAlgn="auto" hangingPunct="1">
+              <a:lnSpc>
+                <a:spcPct val="107000"/>
+              </a:lnSpc>
+              <a:spcBef>
+                <a:spcPts val="0"/>
+              </a:spcBef>
+              <a:spcAft>
+                <a:spcPts val="800"/>
+              </a:spcAft>
+              <a:defRPr/>
+            </a:pPr>
+            <a:r>
+              <a:rPr lang="zh-CN" altLang="en-US" sz="2000" dirty="0">
+                <a:solidFill>
+                  <a:schemeClr val="tx1">
+                    <a:lumMod val="50000"/>
+                    <a:lumOff val="50000"/>
+                  </a:schemeClr>
+                </a:solidFill>
+                <a:latin typeface="Open Sans" panose="020B0606030504020204" pitchFamily="34" charset="0"/>
+                <a:ea typeface="Open Sans" panose="020B0606030504020204" pitchFamily="34" charset="0"/>
+                <a:cs typeface="Open Sans" panose="020B0606030504020204" pitchFamily="34" charset="0"/>
+              </a:rPr>
+              <a:t>每个玩家有血量条和选择的先后顺序</a:t>
+            </a:r>
+            <a:r>
+              <a:rPr lang="en-US" sz="2000" dirty="0">
+                <a:solidFill>
+                  <a:schemeClr val="tx1">
+                    <a:lumMod val="50000"/>
+                    <a:lumOff val="50000"/>
+                  </a:schemeClr>
+                </a:solidFill>
+                <a:latin typeface="Open Sans" panose="020B0606030504020204" pitchFamily="34" charset="0"/>
+                <a:ea typeface="Open Sans" panose="020B0606030504020204" pitchFamily="34" charset="0"/>
+                <a:cs typeface="Open Sans" panose="020B0606030504020204" pitchFamily="34" charset="0"/>
+              </a:rPr>
+              <a:t>。</a:t>
+            </a:r>
+          </a:p>
+          <a:p>
+            <a:pPr eaLnBrk="1" fontAlgn="auto" hangingPunct="1">
+              <a:lnSpc>
+                <a:spcPct val="107000"/>
+              </a:lnSpc>
+              <a:spcBef>
+                <a:spcPts val="0"/>
+              </a:spcBef>
+              <a:spcAft>
+                <a:spcPts val="800"/>
+              </a:spcAft>
+              <a:defRPr/>
+            </a:pPr>
+            <a:r>
+              <a:rPr lang="zh-CN" altLang="en-US" sz="2000" dirty="0">
+                <a:solidFill>
+                  <a:schemeClr val="tx1">
+                    <a:lumMod val="50000"/>
+                    <a:lumOff val="50000"/>
+                  </a:schemeClr>
+                </a:solidFill>
+                <a:latin typeface="Open Sans" panose="020B0606030504020204" pitchFamily="34" charset="0"/>
+                <a:ea typeface="Open Sans" panose="020B0606030504020204" pitchFamily="34" charset="0"/>
+                <a:cs typeface="Open Sans" panose="020B0606030504020204" pitchFamily="34" charset="0"/>
+              </a:rPr>
+              <a:t>每个玩家旁会显示标志以显示哪位玩家正在选择。</a:t>
+            </a:r>
+            <a:endParaRPr lang="en-US" sz="2000" dirty="0">
+              <a:solidFill>
+                <a:schemeClr val="tx1">
+                  <a:lumMod val="50000"/>
+                  <a:lumOff val="50000"/>
+                </a:schemeClr>
+              </a:solidFill>
+              <a:latin typeface="Open Sans" panose="020B0606030504020204" pitchFamily="34" charset="0"/>
+              <a:ea typeface="Open Sans" panose="020B0606030504020204" pitchFamily="34" charset="0"/>
+              <a:cs typeface="Open Sans" panose="020B0606030504020204" pitchFamily="34" charset="0"/>
+            </a:endParaRPr>
+          </a:p>
+          <a:p>
+            <a:pPr eaLnBrk="1" fontAlgn="auto" hangingPunct="1">
+              <a:lnSpc>
+                <a:spcPct val="107000"/>
+              </a:lnSpc>
+              <a:spcBef>
+                <a:spcPts val="0"/>
+              </a:spcBef>
+              <a:spcAft>
+                <a:spcPts val="800"/>
+              </a:spcAft>
+              <a:defRPr/>
+            </a:pPr>
+            <a:r>
+              <a:rPr lang="zh-CN" altLang="en-US" sz="2000" dirty="0">
+                <a:solidFill>
+                  <a:schemeClr val="tx1">
+                    <a:lumMod val="50000"/>
+                    <a:lumOff val="50000"/>
+                  </a:schemeClr>
+                </a:solidFill>
+                <a:latin typeface="Open Sans" panose="020B0606030504020204" pitchFamily="34" charset="0"/>
+                <a:ea typeface="Open Sans" panose="020B0606030504020204" pitchFamily="34" charset="0"/>
+                <a:cs typeface="Open Sans" panose="020B0606030504020204" pitchFamily="34" charset="0"/>
+              </a:rPr>
+              <a:t>上方显示的是可选的战利品，而上方的标志则对应是哪名玩家已经选择了这件装备。</a:t>
+            </a:r>
+            <a:endParaRPr lang="en-US" sz="2000" dirty="0">
+              <a:solidFill>
+                <a:schemeClr val="tx1">
+                  <a:lumMod val="50000"/>
+                  <a:lumOff val="50000"/>
+                </a:schemeClr>
+              </a:solidFill>
+              <a:latin typeface="Open Sans" panose="020B0606030504020204" pitchFamily="34" charset="0"/>
+              <a:ea typeface="Open Sans" panose="020B0606030504020204" pitchFamily="34" charset="0"/>
+              <a:cs typeface="Open Sans" panose="020B0606030504020204" pitchFamily="34" charset="0"/>
+            </a:endParaRPr>
+          </a:p>
+        </p:txBody>
+      </p:sp>
+      <p:sp>
+        <p:nvSpPr>
+          <p:cNvPr id="5" name="Rectangle 54"/>
+          <p:cNvSpPr/>
+          <p:nvPr/>
+        </p:nvSpPr>
+        <p:spPr>
+          <a:xfrm>
+            <a:off x="7322343" y="1212851"/>
+            <a:ext cx="4869657" cy="1430337"/>
+          </a:xfrm>
+          <a:prstGeom prst="rect">
+            <a:avLst/>
+          </a:prstGeom>
+          <a:solidFill>
+            <a:schemeClr val="bg1">
+              <a:lumMod val="85000"/>
+            </a:schemeClr>
+          </a:solidFill>
+          <a:ln>
+            <a:noFill/>
+          </a:ln>
+        </p:spPr>
+        <p:style>
+          <a:lnRef idx="2">
+            <a:schemeClr val="accent1">
+              <a:shade val="50000"/>
+            </a:schemeClr>
+          </a:lnRef>
+          <a:fillRef idx="1">
+            <a:schemeClr val="accent1"/>
+          </a:fillRef>
+          <a:effectRef idx="0">
+            <a:schemeClr val="accent1"/>
+          </a:effectRef>
+          <a:fontRef idx="minor">
+            <a:schemeClr val="lt1"/>
+          </a:fontRef>
+        </p:style>
+        <p:txBody>
+          <a:bodyPr anchor="ctr"/>
+          <a:lstStyle/>
+          <a:p>
+            <a:pPr algn="ctr" eaLnBrk="1" hangingPunct="1"/>
+            <a:endParaRPr lang="zh-CN" altLang="zh-CN">
+              <a:solidFill>
+                <a:srgbClr val="FFFFFF"/>
+              </a:solidFill>
+            </a:endParaRPr>
+          </a:p>
+        </p:txBody>
+      </p:sp>
+      <p:sp>
+        <p:nvSpPr>
+          <p:cNvPr id="6" name="TextBox 55"/>
+          <p:cNvSpPr txBox="1">
+            <a:spLocks noChangeArrowheads="1"/>
+          </p:cNvSpPr>
+          <p:nvPr/>
+        </p:nvSpPr>
+        <p:spPr bwMode="auto">
+          <a:xfrm>
+            <a:off x="7726521" y="1543298"/>
+            <a:ext cx="4020979" cy="707886"/>
+          </a:xfrm>
+          <a:prstGeom prst="rect">
+            <a:avLst/>
+          </a:prstGeom>
+          <a:noFill/>
+          <a:ln>
+            <a:noFill/>
+          </a:ln>
+          <a:extLst>
+            <a:ext uri="{909E8E84-426E-40DD-AFC4-6F175D3DCCD1}">
+              <a14:hiddenFill xmlns:a14="http://schemas.microsoft.com/office/drawing/2010/main">
+                <a:solidFill>
+                  <a:srgbClr val="FFFFFF"/>
+                </a:solidFill>
+              </a14:hiddenFill>
+            </a:ext>
+            <a:ext uri="{91240B29-F687-4F45-9708-019B960494DF}">
+              <a14:hiddenLine xmlns:a14="http://schemas.microsoft.com/office/drawing/2010/main" w="9525">
+                <a:solidFill>
+                  <a:srgbClr val="000000"/>
+                </a:solidFill>
+                <a:miter lim="800000"/>
+                <a:headEnd/>
+                <a:tailEnd/>
+              </a14:hiddenLine>
+            </a:ext>
+          </a:extLst>
+        </p:spPr>
+        <p:txBody>
+          <a:bodyPr wrap="square">
+            <a:spAutoFit/>
+          </a:bodyPr>
+          <a:lstStyle>
+            <a:lvl1pPr>
+              <a:defRPr>
+                <a:solidFill>
+                  <a:schemeClr val="tx1"/>
+                </a:solidFill>
+                <a:latin typeface="Calibri" pitchFamily="34" charset="0"/>
+              </a:defRPr>
+            </a:lvl1pPr>
+            <a:lvl2pPr marL="742950" indent="-285750">
+              <a:defRPr>
+                <a:solidFill>
+                  <a:schemeClr val="tx1"/>
+                </a:solidFill>
+                <a:latin typeface="Calibri" pitchFamily="34" charset="0"/>
+              </a:defRPr>
+            </a:lvl2pPr>
+            <a:lvl3pPr marL="1143000" indent="-228600">
+              <a:defRPr>
+                <a:solidFill>
+                  <a:schemeClr val="tx1"/>
+                </a:solidFill>
+                <a:latin typeface="Calibri" pitchFamily="34" charset="0"/>
+              </a:defRPr>
+            </a:lvl3pPr>
+            <a:lvl4pPr marL="1600200" indent="-228600">
+              <a:defRPr>
+                <a:solidFill>
+                  <a:schemeClr val="tx1"/>
+                </a:solidFill>
+                <a:latin typeface="Calibri" pitchFamily="34" charset="0"/>
+              </a:defRPr>
+            </a:lvl4pPr>
+            <a:lvl5pPr marL="2057400" indent="-228600">
+              <a:defRPr>
+                <a:solidFill>
+                  <a:schemeClr val="tx1"/>
+                </a:solidFill>
+                <a:latin typeface="Calibri" pitchFamily="34" charset="0"/>
+              </a:defRPr>
+            </a:lvl5pPr>
+            <a:lvl6pPr marL="2514600" indent="-228600" fontAlgn="base">
+              <a:spcBef>
+                <a:spcPct val="0"/>
+              </a:spcBef>
+              <a:spcAft>
+                <a:spcPct val="0"/>
+              </a:spcAft>
+              <a:defRPr>
+                <a:solidFill>
+                  <a:schemeClr val="tx1"/>
+                </a:solidFill>
+                <a:latin typeface="Calibri" pitchFamily="34" charset="0"/>
+              </a:defRPr>
+            </a:lvl6pPr>
+            <a:lvl7pPr marL="2971800" indent="-228600" fontAlgn="base">
+              <a:spcBef>
+                <a:spcPct val="0"/>
+              </a:spcBef>
+              <a:spcAft>
+                <a:spcPct val="0"/>
+              </a:spcAft>
+              <a:defRPr>
+                <a:solidFill>
+                  <a:schemeClr val="tx1"/>
+                </a:solidFill>
+                <a:latin typeface="Calibri" pitchFamily="34" charset="0"/>
+              </a:defRPr>
+            </a:lvl7pPr>
+            <a:lvl8pPr marL="3429000" indent="-228600" fontAlgn="base">
+              <a:spcBef>
+                <a:spcPct val="0"/>
+              </a:spcBef>
+              <a:spcAft>
+                <a:spcPct val="0"/>
+              </a:spcAft>
+              <a:defRPr>
+                <a:solidFill>
+                  <a:schemeClr val="tx1"/>
+                </a:solidFill>
+                <a:latin typeface="Calibri" pitchFamily="34" charset="0"/>
+              </a:defRPr>
+            </a:lvl8pPr>
+            <a:lvl9pPr marL="3886200" indent="-228600" fontAlgn="base">
+              <a:spcBef>
+                <a:spcPct val="0"/>
+              </a:spcBef>
+              <a:spcAft>
+                <a:spcPct val="0"/>
+              </a:spcAft>
+              <a:defRPr>
+                <a:solidFill>
+                  <a:schemeClr val="tx1"/>
+                </a:solidFill>
+                <a:latin typeface="Calibri" pitchFamily="34" charset="0"/>
+              </a:defRPr>
+            </a:lvl9pPr>
+          </a:lstStyle>
+          <a:p>
+            <a:pPr eaLnBrk="1" hangingPunct="1"/>
+            <a:r>
+              <a:rPr lang="zh-CN" altLang="en-US" sz="4000" dirty="0">
+                <a:solidFill>
+                  <a:schemeClr val="bg1"/>
+                </a:solidFill>
+                <a:latin typeface="Open Sans" panose="020B0606030504020204" pitchFamily="34" charset="0"/>
+              </a:rPr>
+              <a:t>战利品场景设计</a:t>
+            </a:r>
+          </a:p>
+        </p:txBody>
+      </p:sp>
+      <p:sp>
+        <p:nvSpPr>
+          <p:cNvPr id="2" name="矩形 1"/>
+          <p:cNvSpPr/>
+          <p:nvPr/>
+        </p:nvSpPr>
+        <p:spPr>
+          <a:xfrm>
+            <a:off x="0" y="0"/>
+            <a:ext cx="6096000" cy="6858000"/>
+          </a:xfrm>
+          <a:prstGeom prst="rect">
+            <a:avLst/>
+          </a:prstGeom>
+          <a:solidFill>
+            <a:schemeClr val="bg1">
+              <a:lumMod val="95000"/>
+            </a:schemeClr>
+          </a:solidFill>
+          <a:ln>
+            <a:noFill/>
+          </a:ln>
+          <a:effectLst/>
+        </p:spPr>
+        <p:style>
+          <a:lnRef idx="2">
+            <a:schemeClr val="accent1">
+              <a:shade val="50000"/>
+            </a:schemeClr>
+          </a:lnRef>
+          <a:fillRef idx="1">
+            <a:schemeClr val="accent1"/>
+          </a:fillRef>
+          <a:effectRef idx="0">
+            <a:schemeClr val="accent1"/>
+          </a:effectRef>
+          <a:fontRef idx="minor">
+            <a:schemeClr val="lt1"/>
+          </a:fontRef>
+        </p:style>
+        <p:txBody>
+          <a:bodyPr rtlCol="0" anchor="ctr"/>
+          <a:lstStyle/>
+          <a:p>
+            <a:pPr marL="0" marR="0" lvl="0" indent="0" algn="ctr" defTabSz="914400" rtl="0" eaLnBrk="1" fontAlgn="auto" latinLnBrk="0" hangingPunct="1">
+              <a:lnSpc>
+                <a:spcPct val="100000"/>
+              </a:lnSpc>
+              <a:spcBef>
+                <a:spcPts val="0"/>
+              </a:spcBef>
+              <a:spcAft>
+                <a:spcPts val="0"/>
+              </a:spcAft>
+              <a:buClrTx/>
+              <a:buSzTx/>
+              <a:buFontTx/>
+              <a:buNone/>
+              <a:defRPr/>
+            </a:pPr>
+            <a:endParaRPr kumimoji="0" lang="zh-CN" altLang="en-US" sz="1800" b="0" i="0" u="none" strike="noStrike" kern="1200" cap="none" spc="0" normalizeH="0" baseline="0" noProof="0">
+              <a:ln>
+                <a:noFill/>
+              </a:ln>
+              <a:solidFill>
+                <a:prstClr val="white"/>
+              </a:solidFill>
+              <a:effectLst/>
+              <a:uLnTx/>
+              <a:uFillTx/>
+              <a:latin typeface="等线" panose="020F0502020204030204"/>
+              <a:ea typeface="等线" panose="02010600030101010101" pitchFamily="2" charset="-122"/>
+              <a:cs typeface="+mn-cs"/>
+            </a:endParaRPr>
+          </a:p>
+        </p:txBody>
+      </p:sp>
+      <p:pic>
+        <p:nvPicPr>
+          <p:cNvPr id="3074" name="Picture 2">
+            <a:extLst>
+              <a:ext uri="{FF2B5EF4-FFF2-40B4-BE49-F238E27FC236}">
+                <a16:creationId xmlns:a16="http://schemas.microsoft.com/office/drawing/2014/main" id="{17DA2055-3892-C20D-E29E-439269EA571A}"/>
+              </a:ext>
+            </a:extLst>
+          </p:cNvPr>
+          <p:cNvPicPr>
+            <a:picLocks noChangeAspect="1" noChangeArrowheads="1"/>
+          </p:cNvPicPr>
+          <p:nvPr/>
+        </p:nvPicPr>
+        <p:blipFill>
+          <a:blip r:embed="rId3">
+            <a:extLst>
+              <a:ext uri="{28A0092B-C50C-407E-A947-70E740481C1C}">
+                <a14:useLocalDpi xmlns:a14="http://schemas.microsoft.com/office/drawing/2010/main" val="0"/>
+              </a:ext>
+            </a:extLst>
+          </a:blip>
+          <a:srcRect/>
+          <a:stretch>
+            <a:fillRect/>
+          </a:stretch>
+        </p:blipFill>
+        <p:spPr bwMode="auto">
+          <a:xfrm>
+            <a:off x="364742" y="1445918"/>
+            <a:ext cx="5286758" cy="3966163"/>
+          </a:xfrm>
+          <a:prstGeom prst="rect">
+            <a:avLst/>
+          </a:prstGeom>
+          <a:noFill/>
+          <a:ln>
+            <a:noFill/>
+          </a:ln>
+          <a:extLst>
+            <a:ext uri="{909E8E84-426E-40DD-AFC4-6F175D3DCCD1}">
+              <a14:hiddenFill xmlns:a14="http://schemas.microsoft.com/office/drawing/2010/main">
+                <a:solidFill>
+                  <a:srgbClr val="FFFFFF"/>
+                </a:solidFill>
+              </a14:hiddenFill>
+            </a:ext>
+            <a:ext uri="{91240B29-F687-4F45-9708-019B960494DF}">
+              <a14:hiddenLine xmlns:a14="http://schemas.microsoft.com/office/drawing/2010/main" w="9525">
+                <a:solidFill>
+                  <a:srgbClr val="000000"/>
+                </a:solidFill>
+                <a:miter lim="800000"/>
+                <a:headEnd/>
+                <a:tailEnd/>
+              </a14:hiddenLine>
+            </a:ext>
+          </a:extLst>
+        </p:spPr>
+      </p:pic>
+    </p:spTree>
+    <p:custDataLst>
+      <p:tags r:id="rId1"/>
+    </p:custDataLst>
+    <p:extLst>
+      <p:ext uri="{BB962C8B-B14F-4D97-AF65-F5344CB8AC3E}">
+        <p14:creationId xmlns:p14="http://schemas.microsoft.com/office/powerpoint/2010/main" val="3172847471"/>
+      </p:ext>
+    </p:extLst>
+  </p:cSld>
+  <p:clrMapOvr>
+    <a:masterClrMapping/>
+  </p:clrMapOvr>
+  <mc:AlternateContent xmlns:mc="http://schemas.openxmlformats.org/markup-compatibility/2006">
+    <mc:Choice xmlns:p15="http://schemas.microsoft.com/office/powerpoint/2012/main" Requires="p15">
+      <p:transition xmlns:p14="http://schemas.microsoft.com/office/powerpoint/2010/main" spd="slow" p14:dur="1250">
+        <p15:prstTrans prst="pageCurlDouble"/>
+      </p:transition>
+    </mc:Choice>
+    <mc:Fallback>
+      <p:transition spd="slow">
+        <p:fade/>
+      </p:transition>
+    </mc:Fallback>
+  </mc:AlternateContent>
+</p:sld>
+</file>
+
+<file path=ppt/slides/slide7.xml><?xml version="1.0" encoding="utf-8"?>
+<p:sld xmlns:a="http://schemas.openxmlformats.org/drawingml/2006/main" xmlns:r="http://schemas.openxmlformats.org/officeDocument/2006/relationships" xmlns:p="http://schemas.openxmlformats.org/presentationml/2006/main">
+  <p:cSld>
+    <p:spTree>
+      <p:nvGrpSpPr>
+        <p:cNvPr id="1" name=""/>
+        <p:cNvGrpSpPr/>
+        <p:nvPr/>
+      </p:nvGrpSpPr>
+      <p:grpSpPr>
+        <a:xfrm>
+          <a:off x="0" y="0"/>
+          <a:ext cx="0" cy="0"/>
+          <a:chOff x="0" y="0"/>
+          <a:chExt cx="0" cy="0"/>
+        </a:xfrm>
+      </p:grpSpPr>
+      <p:sp>
+        <p:nvSpPr>
+          <p:cNvPr id="3" name="矩形 2"/>
+          <p:cNvSpPr/>
+          <p:nvPr/>
+        </p:nvSpPr>
+        <p:spPr>
+          <a:xfrm>
+            <a:off x="6096000" y="0"/>
+            <a:ext cx="444500" cy="6858000"/>
+          </a:xfrm>
+          <a:prstGeom prst="rect">
+            <a:avLst/>
+          </a:prstGeom>
+          <a:gradFill flip="none" rotWithShape="1">
+            <a:gsLst>
+              <a:gs pos="0">
+                <a:schemeClr val="bg1">
+                  <a:lumMod val="50000"/>
+                  <a:alpha val="50000"/>
+                </a:schemeClr>
+              </a:gs>
+              <a:gs pos="100000">
+                <a:schemeClr val="bg1">
+                  <a:lumMod val="50000"/>
+                  <a:alpha val="0"/>
+                </a:schemeClr>
+              </a:gs>
+            </a:gsLst>
+            <a:lin ang="0" scaled="1"/>
+            <a:tileRect/>
+          </a:gradFill>
+          <a:ln>
+            <a:noFill/>
+          </a:ln>
+        </p:spPr>
+        <p:style>
+          <a:lnRef idx="2">
+            <a:schemeClr val="accent1">
+              <a:shade val="50000"/>
+            </a:schemeClr>
+          </a:lnRef>
+          <a:fillRef idx="1">
+            <a:schemeClr val="accent1"/>
+          </a:fillRef>
+          <a:effectRef idx="0">
+            <a:schemeClr val="accent1"/>
+          </a:effectRef>
+          <a:fontRef idx="minor">
+            <a:schemeClr val="lt1"/>
+          </a:fontRef>
+        </p:style>
+        <p:txBody>
+          <a:bodyPr rtlCol="0" anchor="ctr"/>
+          <a:lstStyle/>
+          <a:p>
+            <a:pPr algn="ctr"/>
+            <a:endParaRPr lang="zh-CN" altLang="en-US"/>
+          </a:p>
+        </p:txBody>
+      </p:sp>
+      <p:sp>
+        <p:nvSpPr>
+          <p:cNvPr id="12" name="矩形 11"/>
+          <p:cNvSpPr/>
+          <p:nvPr/>
+        </p:nvSpPr>
+        <p:spPr>
+          <a:xfrm flipH="1">
+            <a:off x="5651500" y="0"/>
+            <a:ext cx="444500" cy="6858000"/>
+          </a:xfrm>
+          <a:prstGeom prst="rect">
+            <a:avLst/>
+          </a:prstGeom>
+          <a:gradFill flip="none" rotWithShape="1">
+            <a:gsLst>
+              <a:gs pos="0">
+                <a:schemeClr val="bg1">
+                  <a:lumMod val="50000"/>
+                  <a:alpha val="50000"/>
+                </a:schemeClr>
+              </a:gs>
+              <a:gs pos="100000">
+                <a:schemeClr val="bg1">
+                  <a:lumMod val="50000"/>
+                  <a:alpha val="0"/>
+                </a:schemeClr>
+              </a:gs>
+            </a:gsLst>
+            <a:lin ang="0" scaled="1"/>
+            <a:tileRect/>
+          </a:gradFill>
+          <a:ln>
+            <a:noFill/>
+          </a:ln>
+        </p:spPr>
+        <p:style>
+          <a:lnRef idx="2">
+            <a:schemeClr val="accent1">
+              <a:shade val="50000"/>
+            </a:schemeClr>
+          </a:lnRef>
+          <a:fillRef idx="1">
+            <a:schemeClr val="accent1"/>
+          </a:fillRef>
+          <a:effectRef idx="0">
+            <a:schemeClr val="accent1"/>
+          </a:effectRef>
+          <a:fontRef idx="minor">
+            <a:schemeClr val="lt1"/>
+          </a:fontRef>
+        </p:style>
+        <p:txBody>
+          <a:bodyPr rtlCol="0" anchor="ctr"/>
+          <a:lstStyle/>
+          <a:p>
+            <a:pPr algn="ctr"/>
+            <a:endParaRPr lang="zh-CN" altLang="en-US"/>
+          </a:p>
+        </p:txBody>
+      </p:sp>
+      <p:sp>
+        <p:nvSpPr>
+          <p:cNvPr id="25" name="Rectangle 7"/>
+          <p:cNvSpPr/>
+          <p:nvPr/>
+        </p:nvSpPr>
+        <p:spPr>
+          <a:xfrm>
+            <a:off x="6981190" y="3143250"/>
+            <a:ext cx="5183505" cy="1165704"/>
+          </a:xfrm>
+          <a:prstGeom prst="rect">
+            <a:avLst/>
+          </a:prstGeom>
+        </p:spPr>
+        <p:txBody>
+          <a:bodyPr wrap="square">
+            <a:spAutoFit/>
+          </a:bodyPr>
+          <a:lstStyle/>
+          <a:p>
+            <a:pPr eaLnBrk="1" fontAlgn="auto" hangingPunct="1">
+              <a:lnSpc>
+                <a:spcPct val="107000"/>
+              </a:lnSpc>
+              <a:spcBef>
+                <a:spcPts val="0"/>
+              </a:spcBef>
+              <a:spcAft>
+                <a:spcPts val="800"/>
+              </a:spcAft>
+              <a:defRPr/>
+            </a:pPr>
+            <a:r>
+              <a:rPr lang="zh-CN" altLang="en-US" sz="2000" dirty="0">
+                <a:solidFill>
+                  <a:schemeClr val="tx1">
+                    <a:lumMod val="50000"/>
+                    <a:lumOff val="50000"/>
+                  </a:schemeClr>
+                </a:solidFill>
+                <a:latin typeface="Open Sans" panose="020B0606030504020204" pitchFamily="34" charset="0"/>
+                <a:ea typeface="Open Sans" panose="020B0606030504020204" pitchFamily="34" charset="0"/>
+                <a:cs typeface="Open Sans" panose="020B0606030504020204" pitchFamily="34" charset="0"/>
+              </a:rPr>
+              <a:t>每个人物都代表一位可以选择的角色。</a:t>
+            </a:r>
+            <a:endParaRPr lang="en-US" altLang="zh-CN" sz="2000" dirty="0">
+              <a:solidFill>
+                <a:schemeClr val="tx1">
+                  <a:lumMod val="50000"/>
+                  <a:lumOff val="50000"/>
+                </a:schemeClr>
+              </a:solidFill>
+              <a:latin typeface="Open Sans" panose="020B0606030504020204" pitchFamily="34" charset="0"/>
+              <a:ea typeface="Open Sans" panose="020B0606030504020204" pitchFamily="34" charset="0"/>
+              <a:cs typeface="Open Sans" panose="020B0606030504020204" pitchFamily="34" charset="0"/>
+            </a:endParaRPr>
+          </a:p>
+          <a:p>
+            <a:pPr eaLnBrk="1" fontAlgn="auto" hangingPunct="1">
+              <a:lnSpc>
+                <a:spcPct val="107000"/>
+              </a:lnSpc>
+              <a:spcBef>
+                <a:spcPts val="0"/>
+              </a:spcBef>
+              <a:spcAft>
+                <a:spcPts val="800"/>
+              </a:spcAft>
+              <a:defRPr/>
+            </a:pPr>
+            <a:r>
+              <a:rPr lang="zh-CN" altLang="en-US" sz="2000" dirty="0">
+                <a:solidFill>
+                  <a:schemeClr val="tx1">
+                    <a:lumMod val="50000"/>
+                    <a:lumOff val="50000"/>
+                  </a:schemeClr>
+                </a:solidFill>
+                <a:latin typeface="Open Sans" panose="020B0606030504020204" pitchFamily="34" charset="0"/>
+                <a:ea typeface="Open Sans" panose="020B0606030504020204" pitchFamily="34" charset="0"/>
+                <a:cs typeface="Open Sans" panose="020B0606030504020204" pitchFamily="34" charset="0"/>
+              </a:rPr>
+              <a:t>玩家可以和角色交互以获得更多关于该角色的信息（如故事或能力）。</a:t>
+            </a:r>
+            <a:endParaRPr lang="en-US" altLang="zh-CN" sz="2000" dirty="0">
+              <a:solidFill>
+                <a:schemeClr val="tx1">
+                  <a:lumMod val="50000"/>
+                  <a:lumOff val="50000"/>
+                </a:schemeClr>
+              </a:solidFill>
+              <a:latin typeface="Open Sans" panose="020B0606030504020204" pitchFamily="34" charset="0"/>
+              <a:ea typeface="Open Sans" panose="020B0606030504020204" pitchFamily="34" charset="0"/>
+              <a:cs typeface="Open Sans" panose="020B0606030504020204" pitchFamily="34" charset="0"/>
+            </a:endParaRPr>
+          </a:p>
+        </p:txBody>
+      </p:sp>
+      <p:sp>
+        <p:nvSpPr>
+          <p:cNvPr id="5" name="Rectangle 54"/>
+          <p:cNvSpPr/>
+          <p:nvPr/>
+        </p:nvSpPr>
+        <p:spPr>
+          <a:xfrm>
+            <a:off x="7322343" y="1212851"/>
+            <a:ext cx="4869657" cy="1430337"/>
+          </a:xfrm>
+          <a:prstGeom prst="rect">
+            <a:avLst/>
+          </a:prstGeom>
+          <a:solidFill>
+            <a:schemeClr val="bg1">
+              <a:lumMod val="85000"/>
+            </a:schemeClr>
+          </a:solidFill>
+          <a:ln>
+            <a:noFill/>
+          </a:ln>
+        </p:spPr>
+        <p:style>
+          <a:lnRef idx="2">
+            <a:schemeClr val="accent1">
+              <a:shade val="50000"/>
+            </a:schemeClr>
+          </a:lnRef>
+          <a:fillRef idx="1">
+            <a:schemeClr val="accent1"/>
+          </a:fillRef>
+          <a:effectRef idx="0">
+            <a:schemeClr val="accent1"/>
+          </a:effectRef>
+          <a:fontRef idx="minor">
+            <a:schemeClr val="lt1"/>
+          </a:fontRef>
+        </p:style>
+        <p:txBody>
+          <a:bodyPr anchor="ctr"/>
+          <a:lstStyle/>
+          <a:p>
+            <a:pPr algn="ctr" eaLnBrk="1" hangingPunct="1"/>
+            <a:endParaRPr lang="zh-CN" altLang="zh-CN">
+              <a:solidFill>
+                <a:srgbClr val="FFFFFF"/>
+              </a:solidFill>
+            </a:endParaRPr>
+          </a:p>
+        </p:txBody>
+      </p:sp>
+      <p:sp>
+        <p:nvSpPr>
+          <p:cNvPr id="6" name="TextBox 55"/>
+          <p:cNvSpPr txBox="1">
+            <a:spLocks noChangeArrowheads="1"/>
+          </p:cNvSpPr>
+          <p:nvPr/>
+        </p:nvSpPr>
+        <p:spPr bwMode="auto">
+          <a:xfrm>
+            <a:off x="7726521" y="1543298"/>
+            <a:ext cx="4438174" cy="707886"/>
+          </a:xfrm>
+          <a:prstGeom prst="rect">
+            <a:avLst/>
+          </a:prstGeom>
+          <a:noFill/>
+          <a:ln>
+            <a:noFill/>
+          </a:ln>
+          <a:extLst>
+            <a:ext uri="{909E8E84-426E-40DD-AFC4-6F175D3DCCD1}">
+              <a14:hiddenFill xmlns:a14="http://schemas.microsoft.com/office/drawing/2010/main">
+                <a:solidFill>
+                  <a:srgbClr val="FFFFFF"/>
+                </a:solidFill>
+              </a14:hiddenFill>
+            </a:ext>
+            <a:ext uri="{91240B29-F687-4F45-9708-019B960494DF}">
+              <a14:hiddenLine xmlns:a14="http://schemas.microsoft.com/office/drawing/2010/main" w="9525">
+                <a:solidFill>
+                  <a:srgbClr val="000000"/>
+                </a:solidFill>
+                <a:miter lim="800000"/>
+                <a:headEnd/>
+                <a:tailEnd/>
+              </a14:hiddenLine>
+            </a:ext>
+          </a:extLst>
+        </p:spPr>
+        <p:txBody>
+          <a:bodyPr wrap="square">
+            <a:spAutoFit/>
+          </a:bodyPr>
+          <a:lstStyle>
+            <a:lvl1pPr>
+              <a:defRPr>
+                <a:solidFill>
+                  <a:schemeClr val="tx1"/>
+                </a:solidFill>
+                <a:latin typeface="Calibri" pitchFamily="34" charset="0"/>
+              </a:defRPr>
+            </a:lvl1pPr>
+            <a:lvl2pPr marL="742950" indent="-285750">
+              <a:defRPr>
+                <a:solidFill>
+                  <a:schemeClr val="tx1"/>
+                </a:solidFill>
+                <a:latin typeface="Calibri" pitchFamily="34" charset="0"/>
+              </a:defRPr>
+            </a:lvl2pPr>
+            <a:lvl3pPr marL="1143000" indent="-228600">
+              <a:defRPr>
+                <a:solidFill>
+                  <a:schemeClr val="tx1"/>
+                </a:solidFill>
+                <a:latin typeface="Calibri" pitchFamily="34" charset="0"/>
+              </a:defRPr>
+            </a:lvl3pPr>
+            <a:lvl4pPr marL="1600200" indent="-228600">
+              <a:defRPr>
+                <a:solidFill>
+                  <a:schemeClr val="tx1"/>
+                </a:solidFill>
+                <a:latin typeface="Calibri" pitchFamily="34" charset="0"/>
+              </a:defRPr>
+            </a:lvl4pPr>
+            <a:lvl5pPr marL="2057400" indent="-228600">
+              <a:defRPr>
+                <a:solidFill>
+                  <a:schemeClr val="tx1"/>
+                </a:solidFill>
+                <a:latin typeface="Calibri" pitchFamily="34" charset="0"/>
+              </a:defRPr>
+            </a:lvl5pPr>
+            <a:lvl6pPr marL="2514600" indent="-228600" fontAlgn="base">
+              <a:spcBef>
+                <a:spcPct val="0"/>
+              </a:spcBef>
+              <a:spcAft>
+                <a:spcPct val="0"/>
+              </a:spcAft>
+              <a:defRPr>
+                <a:solidFill>
+                  <a:schemeClr val="tx1"/>
+                </a:solidFill>
+                <a:latin typeface="Calibri" pitchFamily="34" charset="0"/>
+              </a:defRPr>
+            </a:lvl6pPr>
+            <a:lvl7pPr marL="2971800" indent="-228600" fontAlgn="base">
+              <a:spcBef>
+                <a:spcPct val="0"/>
+              </a:spcBef>
+              <a:spcAft>
+                <a:spcPct val="0"/>
+              </a:spcAft>
+              <a:defRPr>
+                <a:solidFill>
+                  <a:schemeClr val="tx1"/>
+                </a:solidFill>
+                <a:latin typeface="Calibri" pitchFamily="34" charset="0"/>
+              </a:defRPr>
+            </a:lvl7pPr>
+            <a:lvl8pPr marL="3429000" indent="-228600" fontAlgn="base">
+              <a:spcBef>
+                <a:spcPct val="0"/>
+              </a:spcBef>
+              <a:spcAft>
+                <a:spcPct val="0"/>
+              </a:spcAft>
+              <a:defRPr>
+                <a:solidFill>
+                  <a:schemeClr val="tx1"/>
+                </a:solidFill>
+                <a:latin typeface="Calibri" pitchFamily="34" charset="0"/>
+              </a:defRPr>
+            </a:lvl8pPr>
+            <a:lvl9pPr marL="3886200" indent="-228600" fontAlgn="base">
+              <a:spcBef>
+                <a:spcPct val="0"/>
+              </a:spcBef>
+              <a:spcAft>
+                <a:spcPct val="0"/>
+              </a:spcAft>
+              <a:defRPr>
+                <a:solidFill>
+                  <a:schemeClr val="tx1"/>
+                </a:solidFill>
+                <a:latin typeface="Calibri" pitchFamily="34" charset="0"/>
+              </a:defRPr>
+            </a:lvl9pPr>
+          </a:lstStyle>
+          <a:p>
+            <a:pPr eaLnBrk="1" hangingPunct="1"/>
+            <a:r>
+              <a:rPr lang="zh-CN" altLang="en-US" sz="4000" dirty="0">
+                <a:solidFill>
+                  <a:schemeClr val="bg1"/>
+                </a:solidFill>
+                <a:latin typeface="Open Sans" panose="020B0606030504020204" pitchFamily="34" charset="0"/>
+              </a:rPr>
+              <a:t>角色创建场景设计</a:t>
+            </a:r>
+          </a:p>
+        </p:txBody>
+      </p:sp>
+      <p:sp>
+        <p:nvSpPr>
+          <p:cNvPr id="2" name="矩形 1"/>
+          <p:cNvSpPr/>
+          <p:nvPr/>
+        </p:nvSpPr>
+        <p:spPr>
+          <a:xfrm>
+            <a:off x="0" y="0"/>
+            <a:ext cx="6096000" cy="6858000"/>
+          </a:xfrm>
+          <a:prstGeom prst="rect">
+            <a:avLst/>
+          </a:prstGeom>
+          <a:solidFill>
+            <a:schemeClr val="bg1">
+              <a:lumMod val="95000"/>
+            </a:schemeClr>
+          </a:solidFill>
+          <a:ln>
+            <a:noFill/>
+          </a:ln>
+          <a:effectLst/>
+        </p:spPr>
+        <p:style>
+          <a:lnRef idx="2">
+            <a:schemeClr val="accent1">
+              <a:shade val="50000"/>
+            </a:schemeClr>
+          </a:lnRef>
+          <a:fillRef idx="1">
+            <a:schemeClr val="accent1"/>
+          </a:fillRef>
+          <a:effectRef idx="0">
+            <a:schemeClr val="accent1"/>
+          </a:effectRef>
+          <a:fontRef idx="minor">
+            <a:schemeClr val="lt1"/>
+          </a:fontRef>
+        </p:style>
+        <p:txBody>
+          <a:bodyPr rtlCol="0" anchor="ctr"/>
+          <a:lstStyle/>
+          <a:p>
+            <a:pPr marL="0" marR="0" lvl="0" indent="0" algn="ctr" defTabSz="914400" rtl="0" eaLnBrk="1" fontAlgn="auto" latinLnBrk="0" hangingPunct="1">
+              <a:lnSpc>
+                <a:spcPct val="100000"/>
+              </a:lnSpc>
+              <a:spcBef>
+                <a:spcPts val="0"/>
+              </a:spcBef>
+              <a:spcAft>
+                <a:spcPts val="0"/>
+              </a:spcAft>
+              <a:buClrTx/>
+              <a:buSzTx/>
+              <a:buFontTx/>
+              <a:buNone/>
+              <a:defRPr/>
+            </a:pPr>
+            <a:endParaRPr kumimoji="0" lang="zh-CN" altLang="en-US" sz="1800" b="0" i="0" u="none" strike="noStrike" kern="1200" cap="none" spc="0" normalizeH="0" baseline="0" noProof="0">
+              <a:ln>
+                <a:noFill/>
+              </a:ln>
+              <a:solidFill>
+                <a:prstClr val="white"/>
+              </a:solidFill>
+              <a:effectLst/>
+              <a:uLnTx/>
+              <a:uFillTx/>
+              <a:latin typeface="等线" panose="020F0502020204030204"/>
+              <a:ea typeface="等线" panose="02010600030101010101" pitchFamily="2" charset="-122"/>
+              <a:cs typeface="+mn-cs"/>
+            </a:endParaRPr>
+          </a:p>
+        </p:txBody>
+      </p:sp>
+      <p:pic>
+        <p:nvPicPr>
+          <p:cNvPr id="7" name="图片 6" descr="建筑的摆设布局&#10;&#10;描述已自动生成">
+            <a:extLst>
+              <a:ext uri="{FF2B5EF4-FFF2-40B4-BE49-F238E27FC236}">
+                <a16:creationId xmlns:a16="http://schemas.microsoft.com/office/drawing/2014/main" id="{BB514F94-AD11-AB89-BF5D-33F3CA5B8287}"/>
+              </a:ext>
+            </a:extLst>
+          </p:cNvPr>
+          <p:cNvPicPr>
+            <a:picLocks noChangeAspect="1"/>
+          </p:cNvPicPr>
+          <p:nvPr/>
+        </p:nvPicPr>
+        <p:blipFill>
+          <a:blip r:embed="rId3">
+            <a:extLst>
+              <a:ext uri="{28A0092B-C50C-407E-A947-70E740481C1C}">
+                <a14:useLocalDpi xmlns:a14="http://schemas.microsoft.com/office/drawing/2010/main" val="0"/>
+              </a:ext>
+            </a:extLst>
+          </a:blip>
+          <a:stretch>
+            <a:fillRect/>
+          </a:stretch>
+        </p:blipFill>
+        <p:spPr>
+          <a:xfrm>
+            <a:off x="351771" y="1511086"/>
+            <a:ext cx="5293664" cy="3559102"/>
+          </a:xfrm>
+          <a:prstGeom prst="rect">
+            <a:avLst/>
+          </a:prstGeom>
+        </p:spPr>
+      </p:pic>
+    </p:spTree>
+    <p:custDataLst>
+      <p:tags r:id="rId1"/>
+    </p:custDataLst>
+    <p:extLst>
+      <p:ext uri="{BB962C8B-B14F-4D97-AF65-F5344CB8AC3E}">
+        <p14:creationId xmlns:p14="http://schemas.microsoft.com/office/powerpoint/2010/main" val="1570435869"/>
+      </p:ext>
+    </p:extLst>
+  </p:cSld>
+  <p:clrMapOvr>
+    <a:masterClrMapping/>
+  </p:clrMapOvr>
+  <mc:AlternateContent xmlns:mc="http://schemas.openxmlformats.org/markup-compatibility/2006">
+    <mc:Choice xmlns:p15="http://schemas.microsoft.com/office/powerpoint/2012/main" Requires="p15">
+      <p:transition xmlns:p14="http://schemas.microsoft.com/office/powerpoint/2010/main" spd="slow" p14:dur="1250">
+        <p15:prstTrans prst="pageCurlDouble"/>
+      </p:transition>
+    </mc:Choice>
+    <mc:Fallback>
+      <p:transition spd="slow">
+        <p:fade/>
+      </p:transition>
+    </mc:Fallback>
+  </mc:AlternateContent>
+</p:sld>
+</file>
+
+<file path=ppt/slides/slide8.xml><?xml version="1.0" encoding="utf-8"?>
+<p:sld xmlns:a="http://schemas.openxmlformats.org/drawingml/2006/main" xmlns:r="http://schemas.openxmlformats.org/officeDocument/2006/relationships" xmlns:p="http://schemas.openxmlformats.org/presentationml/2006/main">
+  <p:cSld>
+    <p:spTree>
+      <p:nvGrpSpPr>
+        <p:cNvPr id="1" name=""/>
+        <p:cNvGrpSpPr/>
+        <p:nvPr/>
+      </p:nvGrpSpPr>
+      <p:grpSpPr>
+        <a:xfrm>
+          <a:off x="0" y="0"/>
+          <a:ext cx="0" cy="0"/>
+          <a:chOff x="0" y="0"/>
+          <a:chExt cx="0" cy="0"/>
+        </a:xfrm>
+      </p:grpSpPr>
+      <p:sp>
+        <p:nvSpPr>
+          <p:cNvPr id="3" name="矩形 2"/>
+          <p:cNvSpPr/>
+          <p:nvPr/>
+        </p:nvSpPr>
+        <p:spPr>
+          <a:xfrm>
+            <a:off x="6096000" y="0"/>
+            <a:ext cx="444500" cy="6858000"/>
+          </a:xfrm>
+          <a:prstGeom prst="rect">
+            <a:avLst/>
+          </a:prstGeom>
+          <a:gradFill flip="none" rotWithShape="1">
+            <a:gsLst>
+              <a:gs pos="0">
+                <a:schemeClr val="bg1">
+                  <a:lumMod val="50000"/>
+                  <a:alpha val="50000"/>
+                </a:schemeClr>
+              </a:gs>
+              <a:gs pos="100000">
+                <a:schemeClr val="bg1">
+                  <a:lumMod val="50000"/>
+                  <a:alpha val="0"/>
+                </a:schemeClr>
+              </a:gs>
+            </a:gsLst>
+            <a:lin ang="0" scaled="1"/>
+            <a:tileRect/>
+          </a:gradFill>
+          <a:ln>
+            <a:noFill/>
+          </a:ln>
+        </p:spPr>
+        <p:style>
+          <a:lnRef idx="2">
+            <a:schemeClr val="accent1">
+              <a:shade val="50000"/>
+            </a:schemeClr>
+          </a:lnRef>
+          <a:fillRef idx="1">
+            <a:schemeClr val="accent1"/>
+          </a:fillRef>
+          <a:effectRef idx="0">
+            <a:schemeClr val="accent1"/>
+          </a:effectRef>
+          <a:fontRef idx="minor">
+            <a:schemeClr val="lt1"/>
+          </a:fontRef>
+        </p:style>
+        <p:txBody>
+          <a:bodyPr rtlCol="0" anchor="ctr"/>
+          <a:lstStyle/>
+          <a:p>
+            <a:pPr algn="ctr"/>
+            <a:endParaRPr lang="zh-CN" altLang="en-US"/>
+          </a:p>
+        </p:txBody>
+      </p:sp>
+      <p:sp>
+        <p:nvSpPr>
+          <p:cNvPr id="12" name="矩形 11"/>
+          <p:cNvSpPr/>
+          <p:nvPr/>
+        </p:nvSpPr>
+        <p:spPr>
+          <a:xfrm flipH="1">
+            <a:off x="5651500" y="0"/>
+            <a:ext cx="444500" cy="6858000"/>
+          </a:xfrm>
+          <a:prstGeom prst="rect">
+            <a:avLst/>
+          </a:prstGeom>
+          <a:gradFill flip="none" rotWithShape="1">
+            <a:gsLst>
+              <a:gs pos="0">
+                <a:schemeClr val="bg1">
+                  <a:lumMod val="50000"/>
+                  <a:alpha val="50000"/>
+                </a:schemeClr>
+              </a:gs>
+              <a:gs pos="100000">
+                <a:schemeClr val="bg1">
+                  <a:lumMod val="50000"/>
+                  <a:alpha val="0"/>
+                </a:schemeClr>
+              </a:gs>
+            </a:gsLst>
+            <a:lin ang="0" scaled="1"/>
+            <a:tileRect/>
+          </a:gradFill>
+          <a:ln>
+            <a:noFill/>
+          </a:ln>
+        </p:spPr>
+        <p:style>
+          <a:lnRef idx="2">
+            <a:schemeClr val="accent1">
+              <a:shade val="50000"/>
+            </a:schemeClr>
+          </a:lnRef>
+          <a:fillRef idx="1">
+            <a:schemeClr val="accent1"/>
+          </a:fillRef>
+          <a:effectRef idx="0">
+            <a:schemeClr val="accent1"/>
+          </a:effectRef>
+          <a:fontRef idx="minor">
+            <a:schemeClr val="lt1"/>
+          </a:fontRef>
+        </p:style>
+        <p:txBody>
+          <a:bodyPr rtlCol="0" anchor="ctr"/>
+          <a:lstStyle/>
+          <a:p>
+            <a:pPr algn="ctr"/>
+            <a:endParaRPr lang="zh-CN" altLang="en-US"/>
+          </a:p>
+        </p:txBody>
+      </p:sp>
+      <p:sp>
+        <p:nvSpPr>
+          <p:cNvPr id="25" name="Rectangle 7"/>
+          <p:cNvSpPr/>
+          <p:nvPr/>
+        </p:nvSpPr>
+        <p:spPr>
+          <a:xfrm>
+            <a:off x="6981190" y="3143250"/>
+            <a:ext cx="5183505" cy="1495025"/>
+          </a:xfrm>
+          <a:prstGeom prst="rect">
+            <a:avLst/>
+          </a:prstGeom>
+        </p:spPr>
+        <p:txBody>
+          <a:bodyPr wrap="square">
+            <a:spAutoFit/>
+          </a:bodyPr>
+          <a:lstStyle/>
+          <a:p>
+            <a:pPr eaLnBrk="1" fontAlgn="auto" hangingPunct="1">
+              <a:lnSpc>
+                <a:spcPct val="107000"/>
+              </a:lnSpc>
+              <a:spcBef>
+                <a:spcPts val="0"/>
+              </a:spcBef>
+              <a:spcAft>
+                <a:spcPts val="800"/>
+              </a:spcAft>
+              <a:defRPr/>
+            </a:pPr>
+            <a:r>
+              <a:rPr lang="zh-CN" altLang="en-US" sz="2000" dirty="0">
+                <a:solidFill>
+                  <a:schemeClr val="tx1">
+                    <a:lumMod val="50000"/>
+                    <a:lumOff val="50000"/>
+                  </a:schemeClr>
+                </a:solidFill>
+                <a:latin typeface="Open Sans" panose="020B0606030504020204" pitchFamily="34" charset="0"/>
+                <a:ea typeface="Open Sans" panose="020B0606030504020204" pitchFamily="34" charset="0"/>
+                <a:cs typeface="Open Sans" panose="020B0606030504020204" pitchFamily="34" charset="0"/>
+              </a:rPr>
+              <a:t>图鉴左边将显示可以查看的角色，武器，怪物的图片。</a:t>
+            </a:r>
+            <a:endParaRPr lang="en-US" altLang="zh-CN" sz="2000" dirty="0">
+              <a:solidFill>
+                <a:schemeClr val="tx1">
+                  <a:lumMod val="50000"/>
+                  <a:lumOff val="50000"/>
+                </a:schemeClr>
+              </a:solidFill>
+              <a:latin typeface="Open Sans" panose="020B0606030504020204" pitchFamily="34" charset="0"/>
+              <a:ea typeface="Open Sans" panose="020B0606030504020204" pitchFamily="34" charset="0"/>
+              <a:cs typeface="Open Sans" panose="020B0606030504020204" pitchFamily="34" charset="0"/>
+            </a:endParaRPr>
+          </a:p>
+          <a:p>
+            <a:pPr eaLnBrk="1" fontAlgn="auto" hangingPunct="1">
+              <a:lnSpc>
+                <a:spcPct val="107000"/>
+              </a:lnSpc>
+              <a:spcBef>
+                <a:spcPts val="0"/>
+              </a:spcBef>
+              <a:spcAft>
+                <a:spcPts val="800"/>
+              </a:spcAft>
+              <a:defRPr/>
+            </a:pPr>
+            <a:r>
+              <a:rPr lang="zh-CN" altLang="en-US" sz="2000" dirty="0">
+                <a:solidFill>
+                  <a:schemeClr val="tx1">
+                    <a:lumMod val="50000"/>
+                    <a:lumOff val="50000"/>
+                  </a:schemeClr>
+                </a:solidFill>
+                <a:latin typeface="Open Sans" panose="020B0606030504020204" pitchFamily="34" charset="0"/>
+                <a:ea typeface="Open Sans" panose="020B0606030504020204" pitchFamily="34" charset="0"/>
+                <a:cs typeface="Open Sans" panose="020B0606030504020204" pitchFamily="34" charset="0"/>
+              </a:rPr>
+              <a:t>在点击后，在右方详细显示出它的图像，名称，和它的效果（或能力）。</a:t>
+            </a:r>
+            <a:endParaRPr lang="en-US" altLang="zh-CN" sz="2000" dirty="0">
+              <a:solidFill>
+                <a:schemeClr val="tx1">
+                  <a:lumMod val="50000"/>
+                  <a:lumOff val="50000"/>
+                </a:schemeClr>
+              </a:solidFill>
+              <a:latin typeface="Open Sans" panose="020B0606030504020204" pitchFamily="34" charset="0"/>
+              <a:ea typeface="Open Sans" panose="020B0606030504020204" pitchFamily="34" charset="0"/>
+              <a:cs typeface="Open Sans" panose="020B0606030504020204" pitchFamily="34" charset="0"/>
+            </a:endParaRPr>
+          </a:p>
+        </p:txBody>
+      </p:sp>
+      <p:sp>
+        <p:nvSpPr>
+          <p:cNvPr id="5" name="Rectangle 54"/>
+          <p:cNvSpPr/>
+          <p:nvPr/>
+        </p:nvSpPr>
+        <p:spPr>
+          <a:xfrm>
+            <a:off x="7322343" y="1212851"/>
+            <a:ext cx="4869657" cy="1430337"/>
+          </a:xfrm>
+          <a:prstGeom prst="rect">
+            <a:avLst/>
+          </a:prstGeom>
+          <a:solidFill>
+            <a:schemeClr val="bg1">
+              <a:lumMod val="85000"/>
+            </a:schemeClr>
+          </a:solidFill>
+          <a:ln>
+            <a:noFill/>
+          </a:ln>
+        </p:spPr>
+        <p:style>
+          <a:lnRef idx="2">
+            <a:schemeClr val="accent1">
+              <a:shade val="50000"/>
+            </a:schemeClr>
+          </a:lnRef>
+          <a:fillRef idx="1">
+            <a:schemeClr val="accent1"/>
+          </a:fillRef>
+          <a:effectRef idx="0">
+            <a:schemeClr val="accent1"/>
+          </a:effectRef>
+          <a:fontRef idx="minor">
+            <a:schemeClr val="lt1"/>
+          </a:fontRef>
+        </p:style>
+        <p:txBody>
+          <a:bodyPr anchor="ctr"/>
+          <a:lstStyle/>
+          <a:p>
+            <a:pPr algn="ctr" eaLnBrk="1" hangingPunct="1"/>
+            <a:endParaRPr lang="zh-CN" altLang="zh-CN">
+              <a:solidFill>
+                <a:srgbClr val="FFFFFF"/>
+              </a:solidFill>
+            </a:endParaRPr>
+          </a:p>
+        </p:txBody>
+      </p:sp>
+      <p:sp>
+        <p:nvSpPr>
+          <p:cNvPr id="6" name="TextBox 55"/>
+          <p:cNvSpPr txBox="1">
+            <a:spLocks noChangeArrowheads="1"/>
+          </p:cNvSpPr>
+          <p:nvPr/>
+        </p:nvSpPr>
+        <p:spPr bwMode="auto">
+          <a:xfrm>
+            <a:off x="7726521" y="1543298"/>
+            <a:ext cx="4438174" cy="707886"/>
+          </a:xfrm>
+          <a:prstGeom prst="rect">
+            <a:avLst/>
+          </a:prstGeom>
+          <a:noFill/>
+          <a:ln>
+            <a:noFill/>
+          </a:ln>
+          <a:extLst>
+            <a:ext uri="{909E8E84-426E-40DD-AFC4-6F175D3DCCD1}">
+              <a14:hiddenFill xmlns:a14="http://schemas.microsoft.com/office/drawing/2010/main">
+                <a:solidFill>
+                  <a:srgbClr val="FFFFFF"/>
+                </a:solidFill>
+              </a14:hiddenFill>
+            </a:ext>
+            <a:ext uri="{91240B29-F687-4F45-9708-019B960494DF}">
+              <a14:hiddenLine xmlns:a14="http://schemas.microsoft.com/office/drawing/2010/main" w="9525">
+                <a:solidFill>
+                  <a:srgbClr val="000000"/>
+                </a:solidFill>
+                <a:miter lim="800000"/>
+                <a:headEnd/>
+                <a:tailEnd/>
+              </a14:hiddenLine>
+            </a:ext>
+          </a:extLst>
+        </p:spPr>
+        <p:txBody>
+          <a:bodyPr wrap="square">
+            <a:spAutoFit/>
+          </a:bodyPr>
+          <a:lstStyle>
+            <a:lvl1pPr>
+              <a:defRPr>
+                <a:solidFill>
+                  <a:schemeClr val="tx1"/>
+                </a:solidFill>
+                <a:latin typeface="Calibri" pitchFamily="34" charset="0"/>
+              </a:defRPr>
+            </a:lvl1pPr>
+            <a:lvl2pPr marL="742950" indent="-285750">
+              <a:defRPr>
+                <a:solidFill>
+                  <a:schemeClr val="tx1"/>
+                </a:solidFill>
+                <a:latin typeface="Calibri" pitchFamily="34" charset="0"/>
+              </a:defRPr>
+            </a:lvl2pPr>
+            <a:lvl3pPr marL="1143000" indent="-228600">
+              <a:defRPr>
+                <a:solidFill>
+                  <a:schemeClr val="tx1"/>
+                </a:solidFill>
+                <a:latin typeface="Calibri" pitchFamily="34" charset="0"/>
+              </a:defRPr>
+            </a:lvl3pPr>
+            <a:lvl4pPr marL="1600200" indent="-228600">
+              <a:defRPr>
+                <a:solidFill>
+                  <a:schemeClr val="tx1"/>
+                </a:solidFill>
+                <a:latin typeface="Calibri" pitchFamily="34" charset="0"/>
+              </a:defRPr>
+            </a:lvl4pPr>
+            <a:lvl5pPr marL="2057400" indent="-228600">
+              <a:defRPr>
+                <a:solidFill>
+                  <a:schemeClr val="tx1"/>
+                </a:solidFill>
+                <a:latin typeface="Calibri" pitchFamily="34" charset="0"/>
+              </a:defRPr>
+            </a:lvl5pPr>
+            <a:lvl6pPr marL="2514600" indent="-228600" fontAlgn="base">
+              <a:spcBef>
+                <a:spcPct val="0"/>
+              </a:spcBef>
+              <a:spcAft>
+                <a:spcPct val="0"/>
+              </a:spcAft>
+              <a:defRPr>
+                <a:solidFill>
+                  <a:schemeClr val="tx1"/>
+                </a:solidFill>
+                <a:latin typeface="Calibri" pitchFamily="34" charset="0"/>
+              </a:defRPr>
+            </a:lvl6pPr>
+            <a:lvl7pPr marL="2971800" indent="-228600" fontAlgn="base">
+              <a:spcBef>
+                <a:spcPct val="0"/>
+              </a:spcBef>
+              <a:spcAft>
+                <a:spcPct val="0"/>
+              </a:spcAft>
+              <a:defRPr>
+                <a:solidFill>
+                  <a:schemeClr val="tx1"/>
+                </a:solidFill>
+                <a:latin typeface="Calibri" pitchFamily="34" charset="0"/>
+              </a:defRPr>
+            </a:lvl7pPr>
+            <a:lvl8pPr marL="3429000" indent="-228600" fontAlgn="base">
+              <a:spcBef>
+                <a:spcPct val="0"/>
+              </a:spcBef>
+              <a:spcAft>
+                <a:spcPct val="0"/>
+              </a:spcAft>
+              <a:defRPr>
+                <a:solidFill>
+                  <a:schemeClr val="tx1"/>
+                </a:solidFill>
+                <a:latin typeface="Calibri" pitchFamily="34" charset="0"/>
+              </a:defRPr>
+            </a:lvl8pPr>
+            <a:lvl9pPr marL="3886200" indent="-228600" fontAlgn="base">
+              <a:spcBef>
+                <a:spcPct val="0"/>
+              </a:spcBef>
+              <a:spcAft>
+                <a:spcPct val="0"/>
+              </a:spcAft>
+              <a:defRPr>
+                <a:solidFill>
+                  <a:schemeClr val="tx1"/>
+                </a:solidFill>
+                <a:latin typeface="Calibri" pitchFamily="34" charset="0"/>
+              </a:defRPr>
+            </a:lvl9pPr>
+          </a:lstStyle>
+          <a:p>
+            <a:pPr eaLnBrk="1" hangingPunct="1"/>
+            <a:r>
+              <a:rPr lang="zh-CN" altLang="en-US" sz="4000" dirty="0">
+                <a:solidFill>
+                  <a:schemeClr val="bg1"/>
+                </a:solidFill>
+                <a:latin typeface="Open Sans" panose="020B0606030504020204" pitchFamily="34" charset="0"/>
+              </a:rPr>
+              <a:t>图鉴场景设计</a:t>
+            </a:r>
+          </a:p>
+        </p:txBody>
+      </p:sp>
+      <p:sp>
+        <p:nvSpPr>
+          <p:cNvPr id="2" name="矩形 1"/>
+          <p:cNvSpPr/>
+          <p:nvPr/>
+        </p:nvSpPr>
+        <p:spPr>
+          <a:xfrm>
+            <a:off x="0" y="0"/>
+            <a:ext cx="6096000" cy="6858000"/>
+          </a:xfrm>
+          <a:prstGeom prst="rect">
+            <a:avLst/>
+          </a:prstGeom>
+          <a:solidFill>
+            <a:schemeClr val="bg1">
+              <a:lumMod val="95000"/>
+            </a:schemeClr>
+          </a:solidFill>
+          <a:ln>
+            <a:noFill/>
+          </a:ln>
+          <a:effectLst/>
+        </p:spPr>
+        <p:style>
+          <a:lnRef idx="2">
+            <a:schemeClr val="accent1">
+              <a:shade val="50000"/>
+            </a:schemeClr>
+          </a:lnRef>
+          <a:fillRef idx="1">
+            <a:schemeClr val="accent1"/>
+          </a:fillRef>
+          <a:effectRef idx="0">
+            <a:schemeClr val="accent1"/>
+          </a:effectRef>
+          <a:fontRef idx="minor">
+            <a:schemeClr val="lt1"/>
+          </a:fontRef>
+        </p:style>
+        <p:txBody>
+          <a:bodyPr rtlCol="0" anchor="ctr"/>
+          <a:lstStyle/>
+          <a:p>
+            <a:pPr marL="0" marR="0" lvl="0" indent="0" algn="ctr" defTabSz="914400" rtl="0" eaLnBrk="1" fontAlgn="auto" latinLnBrk="0" hangingPunct="1">
+              <a:lnSpc>
+                <a:spcPct val="100000"/>
+              </a:lnSpc>
+              <a:spcBef>
+                <a:spcPts val="0"/>
+              </a:spcBef>
+              <a:spcAft>
+                <a:spcPts val="0"/>
+              </a:spcAft>
+              <a:buClrTx/>
+              <a:buSzTx/>
+              <a:buFontTx/>
+              <a:buNone/>
+              <a:defRPr/>
+            </a:pPr>
+            <a:endParaRPr kumimoji="0" lang="zh-CN" altLang="en-US" sz="1800" b="0" i="0" u="none" strike="noStrike" kern="1200" cap="none" spc="0" normalizeH="0" baseline="0" noProof="0">
+              <a:ln>
+                <a:noFill/>
+              </a:ln>
+              <a:solidFill>
+                <a:prstClr val="white"/>
+              </a:solidFill>
+              <a:effectLst/>
+              <a:uLnTx/>
+              <a:uFillTx/>
+              <a:latin typeface="等线" panose="020F0502020204030204"/>
+              <a:ea typeface="等线" panose="02010600030101010101" pitchFamily="2" charset="-122"/>
+              <a:cs typeface="+mn-cs"/>
+            </a:endParaRPr>
+          </a:p>
+        </p:txBody>
+      </p:sp>
+      <p:pic>
+        <p:nvPicPr>
+          <p:cNvPr id="8" name="图片 7">
+            <a:extLst>
+              <a:ext uri="{FF2B5EF4-FFF2-40B4-BE49-F238E27FC236}">
+                <a16:creationId xmlns:a16="http://schemas.microsoft.com/office/drawing/2014/main" id="{A5FB80A4-C4F1-4079-0263-62BAA87D5BD1}"/>
+              </a:ext>
+            </a:extLst>
+          </p:cNvPr>
+          <p:cNvPicPr>
+            <a:picLocks noChangeAspect="1"/>
+          </p:cNvPicPr>
+          <p:nvPr/>
+        </p:nvPicPr>
+        <p:blipFill>
+          <a:blip r:embed="rId3">
+            <a:extLst>
+              <a:ext uri="{28A0092B-C50C-407E-A947-70E740481C1C}">
+                <a14:useLocalDpi xmlns:a14="http://schemas.microsoft.com/office/drawing/2010/main" val="0"/>
+              </a:ext>
+            </a:extLst>
+          </a:blip>
+          <a:stretch>
+            <a:fillRect/>
+          </a:stretch>
+        </p:blipFill>
+        <p:spPr>
+          <a:xfrm>
+            <a:off x="375780" y="1509911"/>
+            <a:ext cx="5343493" cy="3510324"/>
+          </a:xfrm>
+          <a:prstGeom prst="rect">
+            <a:avLst/>
+          </a:prstGeom>
+        </p:spPr>
+      </p:pic>
+    </p:spTree>
+    <p:custDataLst>
+      <p:tags r:id="rId1"/>
+    </p:custDataLst>
+    <p:extLst>
+      <p:ext uri="{BB962C8B-B14F-4D97-AF65-F5344CB8AC3E}">
+        <p14:creationId xmlns:p14="http://schemas.microsoft.com/office/powerpoint/2010/main" val="2050847588"/>
+      </p:ext>
+    </p:extLst>
+  </p:cSld>
+  <p:clrMapOvr>
+    <a:masterClrMapping/>
+  </p:clrMapOvr>
+  <mc:AlternateContent xmlns:mc="http://schemas.openxmlformats.org/markup-compatibility/2006">
+    <mc:Choice xmlns:p15="http://schemas.microsoft.com/office/powerpoint/2012/main" Requires="p15">
+      <p:transition xmlns:p14="http://schemas.microsoft.com/office/powerpoint/2010/main" spd="slow" p14:dur="1250">
+        <p15:prstTrans prst="pageCurlDouble"/>
+      </p:transition>
+    </mc:Choice>
+    <mc:Fallback>
+      <p:transition spd="slow">
+        <p:fade/>
+      </p:transition>
+    </mc:Fallback>
+  </mc:AlternateContent>
+</p:sld>
+</file>
+
+<file path=ppt/slides/slide9.xml><?xml version="1.0" encoding="utf-8"?>
+<p:sld xmlns:a="http://schemas.openxmlformats.org/drawingml/2006/main" xmlns:r="http://schemas.openxmlformats.org/officeDocument/2006/relationships" xmlns:p="http://schemas.openxmlformats.org/presentationml/2006/main">
+  <p:cSld>
+    <p:spTree>
+      <p:nvGrpSpPr>
+        <p:cNvPr id="1" name=""/>
+        <p:cNvGrpSpPr/>
+        <p:nvPr/>
+      </p:nvGrpSpPr>
+      <p:grpSpPr>
+        <a:xfrm>
+          <a:off x="0" y="0"/>
+          <a:ext cx="0" cy="0"/>
+          <a:chOff x="0" y="0"/>
+          <a:chExt cx="0" cy="0"/>
+        </a:xfrm>
+      </p:grpSpPr>
+      <p:sp>
+        <p:nvSpPr>
+          <p:cNvPr id="2" name="矩形 1"/>
+          <p:cNvSpPr/>
+          <p:nvPr/>
+        </p:nvSpPr>
+        <p:spPr>
+          <a:xfrm>
+            <a:off x="1032915" y="3260336"/>
+            <a:ext cx="4013816" cy="3483116"/>
+          </a:xfrm>
+          <a:prstGeom prst="rect">
+            <a:avLst/>
+          </a:prstGeom>
+          <a:solidFill>
+            <a:schemeClr val="bg1">
+              <a:lumMod val="95000"/>
+            </a:schemeClr>
+          </a:solidFill>
+          <a:ln>
+            <a:noFill/>
+          </a:ln>
+          <a:effectLst/>
+        </p:spPr>
+        <p:style>
+          <a:lnRef idx="2">
+            <a:schemeClr val="accent1">
+              <a:shade val="50000"/>
+            </a:schemeClr>
+          </a:lnRef>
+          <a:fillRef idx="1">
+            <a:schemeClr val="accent1"/>
+          </a:fillRef>
+          <a:effectRef idx="0">
+            <a:schemeClr val="accent1"/>
+          </a:effectRef>
+          <a:fontRef idx="minor">
+            <a:schemeClr val="lt1"/>
+          </a:fontRef>
+        </p:style>
+        <p:txBody>
+          <a:bodyPr rtlCol="0" anchor="ctr"/>
+          <a:lstStyle/>
+          <a:p>
+            <a:pPr marL="0" marR="0" lvl="0" indent="0" algn="ctr" defTabSz="914400" rtl="0" eaLnBrk="1" fontAlgn="auto" latinLnBrk="0" hangingPunct="1">
+              <a:lnSpc>
+                <a:spcPct val="100000"/>
+              </a:lnSpc>
+              <a:spcBef>
+                <a:spcPts val="0"/>
+              </a:spcBef>
+              <a:spcAft>
+                <a:spcPts val="0"/>
+              </a:spcAft>
+              <a:buClrTx/>
+              <a:buSzTx/>
+              <a:buFontTx/>
+              <a:buNone/>
+              <a:defRPr/>
+            </a:pPr>
+            <a:endParaRPr kumimoji="0" lang="zh-CN" altLang="en-US" sz="1800" b="0" i="0" u="none" strike="noStrike" kern="1200" cap="none" spc="0" normalizeH="0" baseline="0" noProof="0">
+              <a:ln>
+                <a:noFill/>
+              </a:ln>
+              <a:solidFill>
+                <a:prstClr val="white"/>
+              </a:solidFill>
+              <a:effectLst/>
+              <a:uLnTx/>
+              <a:uFillTx/>
+              <a:latin typeface="等线" panose="020F0502020204030204"/>
+              <a:ea typeface="等线" panose="02010600030101010101" pitchFamily="2" charset="-122"/>
+              <a:cs typeface="+mn-cs"/>
+            </a:endParaRPr>
+          </a:p>
+        </p:txBody>
+      </p:sp>
+      <p:sp>
+        <p:nvSpPr>
+          <p:cNvPr id="3" name="矩形 2"/>
+          <p:cNvSpPr/>
+          <p:nvPr/>
+        </p:nvSpPr>
+        <p:spPr>
+          <a:xfrm>
+            <a:off x="6096000" y="0"/>
+            <a:ext cx="444500" cy="6858000"/>
+          </a:xfrm>
+          <a:prstGeom prst="rect">
+            <a:avLst/>
+          </a:prstGeom>
+          <a:gradFill flip="none" rotWithShape="1">
+            <a:gsLst>
+              <a:gs pos="0">
+                <a:schemeClr val="bg1">
+                  <a:lumMod val="50000"/>
+                  <a:alpha val="50000"/>
+                </a:schemeClr>
+              </a:gs>
+              <a:gs pos="100000">
+                <a:schemeClr val="bg1">
+                  <a:lumMod val="50000"/>
+                  <a:alpha val="0"/>
+                </a:schemeClr>
+              </a:gs>
+            </a:gsLst>
+            <a:lin ang="0" scaled="1"/>
+            <a:tileRect/>
+          </a:gradFill>
+          <a:ln>
+            <a:noFill/>
+          </a:ln>
+        </p:spPr>
+        <p:style>
+          <a:lnRef idx="2">
+            <a:schemeClr val="accent1">
+              <a:shade val="50000"/>
+            </a:schemeClr>
+          </a:lnRef>
+          <a:fillRef idx="1">
+            <a:schemeClr val="accent1"/>
+          </a:fillRef>
+          <a:effectRef idx="0">
+            <a:schemeClr val="accent1"/>
+          </a:effectRef>
+          <a:fontRef idx="minor">
+            <a:schemeClr val="lt1"/>
+          </a:fontRef>
+        </p:style>
+        <p:txBody>
+          <a:bodyPr rtlCol="0" anchor="ctr"/>
+          <a:lstStyle/>
+          <a:p>
+            <a:pPr algn="ctr"/>
+            <a:endParaRPr lang="zh-CN" altLang="en-US"/>
+          </a:p>
+        </p:txBody>
+      </p:sp>
+      <p:sp>
+        <p:nvSpPr>
+          <p:cNvPr id="12" name="矩形 11"/>
+          <p:cNvSpPr/>
+          <p:nvPr/>
+        </p:nvSpPr>
+        <p:spPr>
+          <a:xfrm flipH="1">
+            <a:off x="5651500" y="0"/>
+            <a:ext cx="444500" cy="6858000"/>
+          </a:xfrm>
+          <a:prstGeom prst="rect">
+            <a:avLst/>
+          </a:prstGeom>
+          <a:gradFill flip="none" rotWithShape="1">
+            <a:gsLst>
+              <a:gs pos="0">
+                <a:schemeClr val="bg1">
+                  <a:lumMod val="50000"/>
+                  <a:alpha val="50000"/>
+                </a:schemeClr>
+              </a:gs>
+              <a:gs pos="100000">
+                <a:schemeClr val="bg1">
+                  <a:lumMod val="50000"/>
+                  <a:alpha val="0"/>
+                </a:schemeClr>
+              </a:gs>
+            </a:gsLst>
+            <a:lin ang="0" scaled="1"/>
+            <a:tileRect/>
+          </a:gradFill>
+          <a:ln>
+            <a:noFill/>
+          </a:ln>
+        </p:spPr>
+        <p:style>
+          <a:lnRef idx="2">
+            <a:schemeClr val="accent1">
+              <a:shade val="50000"/>
+            </a:schemeClr>
+          </a:lnRef>
+          <a:fillRef idx="1">
+            <a:schemeClr val="accent1"/>
+          </a:fillRef>
+          <a:effectRef idx="0">
+            <a:schemeClr val="accent1"/>
+          </a:effectRef>
+          <a:fontRef idx="minor">
+            <a:schemeClr val="lt1"/>
+          </a:fontRef>
+        </p:style>
+        <p:txBody>
+          <a:bodyPr rtlCol="0" anchor="ctr"/>
+          <a:lstStyle/>
+          <a:p>
+            <a:pPr algn="ctr"/>
+            <a:endParaRPr lang="zh-CN" altLang="en-US"/>
+          </a:p>
+        </p:txBody>
+      </p:sp>
+      <p:sp>
+        <p:nvSpPr>
+          <p:cNvPr id="5" name="Rectangle 54"/>
+          <p:cNvSpPr/>
+          <p:nvPr/>
+        </p:nvSpPr>
+        <p:spPr>
+          <a:xfrm>
+            <a:off x="7322343" y="1212851"/>
+            <a:ext cx="4869657" cy="1430337"/>
+          </a:xfrm>
+          <a:prstGeom prst="rect">
+            <a:avLst/>
+          </a:prstGeom>
+          <a:solidFill>
+            <a:schemeClr val="bg1">
+              <a:lumMod val="85000"/>
+            </a:schemeClr>
+          </a:solidFill>
+          <a:ln>
+            <a:noFill/>
+          </a:ln>
+        </p:spPr>
+        <p:style>
+          <a:lnRef idx="2">
+            <a:schemeClr val="accent1">
+              <a:shade val="50000"/>
+            </a:schemeClr>
+          </a:lnRef>
+          <a:fillRef idx="1">
+            <a:schemeClr val="accent1"/>
+          </a:fillRef>
+          <a:effectRef idx="0">
+            <a:schemeClr val="accent1"/>
+          </a:effectRef>
+          <a:fontRef idx="minor">
+            <a:schemeClr val="lt1"/>
+          </a:fontRef>
+        </p:style>
+        <p:txBody>
+          <a:bodyPr anchor="ctr"/>
+          <a:lstStyle/>
+          <a:p>
+            <a:pPr algn="ctr" eaLnBrk="1" hangingPunct="1"/>
+            <a:endParaRPr lang="zh-CN" altLang="zh-CN">
+              <a:solidFill>
+                <a:srgbClr val="FFFFFF"/>
+              </a:solidFill>
+            </a:endParaRPr>
+          </a:p>
+        </p:txBody>
+      </p:sp>
+      <p:sp>
+        <p:nvSpPr>
+          <p:cNvPr id="6" name="TextBox 55"/>
+          <p:cNvSpPr txBox="1">
+            <a:spLocks noChangeArrowheads="1"/>
+          </p:cNvSpPr>
+          <p:nvPr/>
+        </p:nvSpPr>
+        <p:spPr bwMode="auto">
+          <a:xfrm>
+            <a:off x="7726521" y="1543298"/>
+            <a:ext cx="3462337" cy="706755"/>
+          </a:xfrm>
+          <a:prstGeom prst="rect">
+            <a:avLst/>
+          </a:prstGeom>
+          <a:noFill/>
+          <a:ln>
+            <a:noFill/>
+          </a:ln>
+          <a:extLst>
+            <a:ext uri="{909E8E84-426E-40DD-AFC4-6F175D3DCCD1}">
+              <a14:hiddenFill xmlns:a14="http://schemas.microsoft.com/office/drawing/2010/main">
+                <a:solidFill>
+                  <a:srgbClr val="FFFFFF"/>
+                </a:solidFill>
+              </a14:hiddenFill>
+            </a:ext>
+            <a:ext uri="{91240B29-F687-4F45-9708-019B960494DF}">
+              <a14:hiddenLine xmlns:a14="http://schemas.microsoft.com/office/drawing/2010/main" w="9525">
+                <a:solidFill>
+                  <a:srgbClr val="000000"/>
+                </a:solidFill>
+                <a:miter lim="800000"/>
+                <a:headEnd/>
+                <a:tailEnd/>
+              </a14:hiddenLine>
+            </a:ext>
+          </a:extLst>
+        </p:spPr>
+        <p:txBody>
+          <a:bodyPr wrap="square">
+            <a:spAutoFit/>
+          </a:bodyPr>
+          <a:lstStyle>
+            <a:lvl1pPr>
+              <a:defRPr>
+                <a:solidFill>
+                  <a:schemeClr val="tx1"/>
+                </a:solidFill>
+                <a:latin typeface="Calibri" pitchFamily="34" charset="0"/>
+              </a:defRPr>
+            </a:lvl1pPr>
+            <a:lvl2pPr marL="742950" indent="-285750">
+              <a:defRPr>
+                <a:solidFill>
+                  <a:schemeClr val="tx1"/>
+                </a:solidFill>
+                <a:latin typeface="Calibri" pitchFamily="34" charset="0"/>
+              </a:defRPr>
+            </a:lvl2pPr>
+            <a:lvl3pPr marL="1143000" indent="-228600">
+              <a:defRPr>
+                <a:solidFill>
+                  <a:schemeClr val="tx1"/>
+                </a:solidFill>
+                <a:latin typeface="Calibri" pitchFamily="34" charset="0"/>
+              </a:defRPr>
+            </a:lvl3pPr>
+            <a:lvl4pPr marL="1600200" indent="-228600">
+              <a:defRPr>
+                <a:solidFill>
+                  <a:schemeClr val="tx1"/>
+                </a:solidFill>
+                <a:latin typeface="Calibri" pitchFamily="34" charset="0"/>
+              </a:defRPr>
+            </a:lvl4pPr>
+            <a:lvl5pPr marL="2057400" indent="-228600">
+              <a:defRPr>
+                <a:solidFill>
+                  <a:schemeClr val="tx1"/>
+                </a:solidFill>
+                <a:latin typeface="Calibri" pitchFamily="34" charset="0"/>
+              </a:defRPr>
+            </a:lvl5pPr>
+            <a:lvl6pPr marL="2514600" indent="-228600" fontAlgn="base">
+              <a:spcBef>
+                <a:spcPct val="0"/>
+              </a:spcBef>
+              <a:spcAft>
+                <a:spcPct val="0"/>
+              </a:spcAft>
+              <a:defRPr>
+                <a:solidFill>
+                  <a:schemeClr val="tx1"/>
+                </a:solidFill>
+                <a:latin typeface="Calibri" pitchFamily="34" charset="0"/>
+              </a:defRPr>
+            </a:lvl6pPr>
+            <a:lvl7pPr marL="2971800" indent="-228600" fontAlgn="base">
+              <a:spcBef>
+                <a:spcPct val="0"/>
+              </a:spcBef>
+              <a:spcAft>
+                <a:spcPct val="0"/>
+              </a:spcAft>
+              <a:defRPr>
+                <a:solidFill>
+                  <a:schemeClr val="tx1"/>
+                </a:solidFill>
+                <a:latin typeface="Calibri" pitchFamily="34" charset="0"/>
+              </a:defRPr>
+            </a:lvl7pPr>
+            <a:lvl8pPr marL="3429000" indent="-228600" fontAlgn="base">
+              <a:spcBef>
+                <a:spcPct val="0"/>
+              </a:spcBef>
+              <a:spcAft>
+                <a:spcPct val="0"/>
+              </a:spcAft>
+              <a:defRPr>
+                <a:solidFill>
+                  <a:schemeClr val="tx1"/>
+                </a:solidFill>
+                <a:latin typeface="Calibri" pitchFamily="34" charset="0"/>
+              </a:defRPr>
+            </a:lvl8pPr>
+            <a:lvl9pPr marL="3886200" indent="-228600" fontAlgn="base">
+              <a:spcBef>
+                <a:spcPct val="0"/>
+              </a:spcBef>
+              <a:spcAft>
+                <a:spcPct val="0"/>
+              </a:spcAft>
+              <a:defRPr>
+                <a:solidFill>
+                  <a:schemeClr val="tx1"/>
+                </a:solidFill>
+                <a:latin typeface="Calibri" pitchFamily="34" charset="0"/>
+              </a:defRPr>
+            </a:lvl9pPr>
+          </a:lstStyle>
+          <a:p>
+            <a:pPr eaLnBrk="1" hangingPunct="1"/>
+            <a:r>
+              <a:rPr lang="zh-CN" altLang="en-US" sz="4000" dirty="0">
+                <a:solidFill>
+                  <a:schemeClr val="bg1"/>
+                </a:solidFill>
+                <a:latin typeface="Open Sans" panose="020B0606030504020204" pitchFamily="34" charset="0"/>
+              </a:rPr>
+              <a:t>战斗流程设计</a:t>
+            </a:r>
+          </a:p>
+        </p:txBody>
+      </p:sp>
+      <p:sp>
+        <p:nvSpPr>
+          <p:cNvPr id="4" name="Rectangle 7">
+            <a:extLst>
+              <a:ext uri="{FF2B5EF4-FFF2-40B4-BE49-F238E27FC236}">
+                <a16:creationId xmlns:a16="http://schemas.microsoft.com/office/drawing/2014/main" id="{50CCBEF1-8F67-C169-3782-0EED2DA83B84}"/>
+              </a:ext>
+            </a:extLst>
+          </p:cNvPr>
+          <p:cNvSpPr/>
+          <p:nvPr/>
+        </p:nvSpPr>
+        <p:spPr>
+          <a:xfrm>
+            <a:off x="6981190" y="3143250"/>
+            <a:ext cx="5183505" cy="3882409"/>
+          </a:xfrm>
+          <a:prstGeom prst="rect">
+            <a:avLst/>
+          </a:prstGeom>
+        </p:spPr>
+        <p:txBody>
+          <a:bodyPr wrap="square">
+            <a:spAutoFit/>
+          </a:bodyPr>
+          <a:lstStyle/>
+          <a:p>
+            <a:pPr eaLnBrk="1" fontAlgn="auto" hangingPunct="1">
+              <a:lnSpc>
+                <a:spcPct val="107000"/>
+              </a:lnSpc>
+              <a:spcBef>
+                <a:spcPts val="0"/>
+              </a:spcBef>
+              <a:spcAft>
+                <a:spcPts val="800"/>
+              </a:spcAft>
+              <a:defRPr/>
+            </a:pPr>
+            <a:r>
+              <a:rPr lang="zh-CN" altLang="en-US" sz="2000" dirty="0">
+                <a:solidFill>
+                  <a:schemeClr val="tx1">
+                    <a:lumMod val="50000"/>
+                    <a:lumOff val="50000"/>
+                  </a:schemeClr>
+                </a:solidFill>
+                <a:latin typeface="Open Sans" panose="020B0606030504020204" pitchFamily="34" charset="0"/>
+                <a:ea typeface="Open Sans" panose="020B0606030504020204" pitchFamily="34" charset="0"/>
+                <a:cs typeface="Open Sans" panose="020B0606030504020204" pitchFamily="34" charset="0"/>
+              </a:rPr>
+              <a:t>在游戏开始阶段，将向每位玩家手中发出三张牌。</a:t>
+            </a:r>
+            <a:endParaRPr lang="en-US" altLang="zh-CN" sz="2000" dirty="0">
+              <a:solidFill>
+                <a:schemeClr val="tx1">
+                  <a:lumMod val="50000"/>
+                  <a:lumOff val="50000"/>
+                </a:schemeClr>
+              </a:solidFill>
+              <a:latin typeface="Open Sans" panose="020B0606030504020204" pitchFamily="34" charset="0"/>
+              <a:ea typeface="Open Sans" panose="020B0606030504020204" pitchFamily="34" charset="0"/>
+              <a:cs typeface="Open Sans" panose="020B0606030504020204" pitchFamily="34" charset="0"/>
+            </a:endParaRPr>
+          </a:p>
+          <a:p>
+            <a:pPr eaLnBrk="1" fontAlgn="auto" hangingPunct="1">
+              <a:lnSpc>
+                <a:spcPct val="107000"/>
+              </a:lnSpc>
+              <a:spcBef>
+                <a:spcPts val="0"/>
+              </a:spcBef>
+              <a:spcAft>
+                <a:spcPts val="800"/>
+              </a:spcAft>
+              <a:defRPr/>
+            </a:pPr>
+            <a:r>
+              <a:rPr lang="zh-CN" altLang="en-US" sz="2000" dirty="0">
+                <a:solidFill>
+                  <a:schemeClr val="tx1">
+                    <a:lumMod val="50000"/>
+                    <a:lumOff val="50000"/>
+                  </a:schemeClr>
+                </a:solidFill>
+                <a:latin typeface="Open Sans" panose="020B0606030504020204" pitchFamily="34" charset="0"/>
+                <a:ea typeface="Open Sans" panose="020B0606030504020204" pitchFamily="34" charset="0"/>
+                <a:cs typeface="Open Sans" panose="020B0606030504020204" pitchFamily="34" charset="0"/>
+              </a:rPr>
+              <a:t>每位玩家开始回合时，根据武器装备类型选择抽取一或两张牌。</a:t>
+            </a:r>
+            <a:endParaRPr lang="en-US" altLang="zh-CN" sz="2000" dirty="0">
+              <a:solidFill>
+                <a:schemeClr val="tx1">
+                  <a:lumMod val="50000"/>
+                  <a:lumOff val="50000"/>
+                </a:schemeClr>
+              </a:solidFill>
+              <a:latin typeface="Open Sans" panose="020B0606030504020204" pitchFamily="34" charset="0"/>
+              <a:ea typeface="Open Sans" panose="020B0606030504020204" pitchFamily="34" charset="0"/>
+              <a:cs typeface="Open Sans" panose="020B0606030504020204" pitchFamily="34" charset="0"/>
+            </a:endParaRPr>
+          </a:p>
+          <a:p>
+            <a:pPr eaLnBrk="1" fontAlgn="auto" hangingPunct="1">
+              <a:lnSpc>
+                <a:spcPct val="107000"/>
+              </a:lnSpc>
+              <a:spcBef>
+                <a:spcPts val="0"/>
+              </a:spcBef>
+              <a:spcAft>
+                <a:spcPts val="800"/>
+              </a:spcAft>
+              <a:defRPr/>
+            </a:pPr>
+            <a:r>
+              <a:rPr lang="zh-CN" altLang="en-US" sz="2000" dirty="0">
+                <a:solidFill>
+                  <a:schemeClr val="tx1">
+                    <a:lumMod val="50000"/>
+                    <a:lumOff val="50000"/>
+                  </a:schemeClr>
+                </a:solidFill>
+                <a:latin typeface="Open Sans" panose="020B0606030504020204" pitchFamily="34" charset="0"/>
+                <a:ea typeface="Open Sans" panose="020B0606030504020204" pitchFamily="34" charset="0"/>
+                <a:cs typeface="Open Sans" panose="020B0606030504020204" pitchFamily="34" charset="0"/>
+              </a:rPr>
+              <a:t>随后出牌，将行动手牌放在武器牌上以发动攻击。</a:t>
+            </a:r>
+            <a:endParaRPr lang="en-US" altLang="zh-CN" sz="2000" dirty="0">
+              <a:solidFill>
+                <a:schemeClr val="tx1">
+                  <a:lumMod val="50000"/>
+                  <a:lumOff val="50000"/>
+                </a:schemeClr>
+              </a:solidFill>
+              <a:latin typeface="Open Sans" panose="020B0606030504020204" pitchFamily="34" charset="0"/>
+              <a:ea typeface="Open Sans" panose="020B0606030504020204" pitchFamily="34" charset="0"/>
+              <a:cs typeface="Open Sans" panose="020B0606030504020204" pitchFamily="34" charset="0"/>
+            </a:endParaRPr>
+          </a:p>
+          <a:p>
+            <a:pPr eaLnBrk="1" fontAlgn="auto" hangingPunct="1">
+              <a:lnSpc>
+                <a:spcPct val="107000"/>
+              </a:lnSpc>
+              <a:spcBef>
+                <a:spcPts val="0"/>
+              </a:spcBef>
+              <a:spcAft>
+                <a:spcPts val="800"/>
+              </a:spcAft>
+              <a:defRPr/>
+            </a:pPr>
+            <a:r>
+              <a:rPr lang="zh-CN" altLang="en-US" sz="2000" dirty="0">
+                <a:solidFill>
+                  <a:schemeClr val="tx1">
+                    <a:lumMod val="50000"/>
+                    <a:lumOff val="50000"/>
+                  </a:schemeClr>
+                </a:solidFill>
+                <a:latin typeface="Open Sans" panose="020B0606030504020204" pitchFamily="34" charset="0"/>
+                <a:ea typeface="Open Sans" panose="020B0606030504020204" pitchFamily="34" charset="0"/>
+                <a:cs typeface="Open Sans" panose="020B0606030504020204" pitchFamily="34" charset="0"/>
+              </a:rPr>
+              <a:t>结束回合时，向层主怪物抽取一张牌，这张牌决定层主怪物采取怎样的行动。</a:t>
+            </a:r>
+            <a:endParaRPr lang="en-US" altLang="zh-CN" sz="2000" dirty="0">
+              <a:solidFill>
+                <a:schemeClr val="tx1">
+                  <a:lumMod val="50000"/>
+                  <a:lumOff val="50000"/>
+                </a:schemeClr>
+              </a:solidFill>
+              <a:latin typeface="Open Sans" panose="020B0606030504020204" pitchFamily="34" charset="0"/>
+              <a:ea typeface="Open Sans" panose="020B0606030504020204" pitchFamily="34" charset="0"/>
+              <a:cs typeface="Open Sans" panose="020B0606030504020204" pitchFamily="34" charset="0"/>
+            </a:endParaRPr>
+          </a:p>
+          <a:p>
+            <a:pPr eaLnBrk="1" fontAlgn="auto" hangingPunct="1">
+              <a:lnSpc>
+                <a:spcPct val="107000"/>
+              </a:lnSpc>
+              <a:spcBef>
+                <a:spcPts val="0"/>
+              </a:spcBef>
+              <a:spcAft>
+                <a:spcPts val="800"/>
+              </a:spcAft>
+              <a:defRPr/>
+            </a:pPr>
+            <a:r>
+              <a:rPr lang="zh-CN" altLang="en-US" sz="2000" dirty="0">
+                <a:solidFill>
+                  <a:schemeClr val="tx1">
+                    <a:lumMod val="50000"/>
+                    <a:lumOff val="50000"/>
+                  </a:schemeClr>
+                </a:solidFill>
+                <a:latin typeface="Open Sans" panose="020B0606030504020204" pitchFamily="34" charset="0"/>
+                <a:ea typeface="Open Sans" panose="020B0606030504020204" pitchFamily="34" charset="0"/>
+                <a:cs typeface="Open Sans" panose="020B0606030504020204" pitchFamily="34" charset="0"/>
+              </a:rPr>
+              <a:t>随后顺位到下一名玩家。</a:t>
+            </a:r>
+            <a:endParaRPr lang="en-US" altLang="zh-CN" sz="2000" dirty="0">
+              <a:solidFill>
+                <a:schemeClr val="tx1">
+                  <a:lumMod val="50000"/>
+                  <a:lumOff val="50000"/>
+                </a:schemeClr>
+              </a:solidFill>
+              <a:latin typeface="Open Sans" panose="020B0606030504020204" pitchFamily="34" charset="0"/>
+              <a:ea typeface="Open Sans" panose="020B0606030504020204" pitchFamily="34" charset="0"/>
+              <a:cs typeface="Open Sans" panose="020B0606030504020204" pitchFamily="34" charset="0"/>
+            </a:endParaRPr>
+          </a:p>
+          <a:p>
+            <a:pPr eaLnBrk="1" fontAlgn="auto" hangingPunct="1">
+              <a:lnSpc>
+                <a:spcPct val="107000"/>
+              </a:lnSpc>
+              <a:spcBef>
+                <a:spcPts val="0"/>
+              </a:spcBef>
+              <a:spcAft>
+                <a:spcPts val="800"/>
+              </a:spcAft>
+              <a:defRPr/>
+            </a:pPr>
+            <a:endParaRPr lang="en-US" altLang="zh-CN" sz="2000" dirty="0">
+              <a:solidFill>
+                <a:schemeClr val="tx1">
+                  <a:lumMod val="50000"/>
+                  <a:lumOff val="50000"/>
+                </a:schemeClr>
+              </a:solidFill>
+              <a:latin typeface="Open Sans" panose="020B0606030504020204" pitchFamily="34" charset="0"/>
+              <a:ea typeface="Open Sans" panose="020B0606030504020204" pitchFamily="34" charset="0"/>
+              <a:cs typeface="Open Sans" panose="020B0606030504020204" pitchFamily="34" charset="0"/>
+            </a:endParaRPr>
+          </a:p>
+        </p:txBody>
+      </p:sp>
+      <p:pic>
+        <p:nvPicPr>
+          <p:cNvPr id="5122" name="图片 1">
+            <a:extLst>
+              <a:ext uri="{FF2B5EF4-FFF2-40B4-BE49-F238E27FC236}">
+                <a16:creationId xmlns:a16="http://schemas.microsoft.com/office/drawing/2014/main" id="{A42C50D7-D203-F7AE-C033-5EEE023EDA99}"/>
+              </a:ext>
+            </a:extLst>
+          </p:cNvPr>
+          <p:cNvPicPr>
+            <a:picLocks noChangeAspect="1" noChangeArrowheads="1"/>
+          </p:cNvPicPr>
+          <p:nvPr/>
+        </p:nvPicPr>
+        <p:blipFill>
+          <a:blip r:embed="rId3" cstate="print">
+            <a:extLst>
+              <a:ext uri="{28A0092B-C50C-407E-A947-70E740481C1C}">
+                <a14:useLocalDpi xmlns:a14="http://schemas.microsoft.com/office/drawing/2010/main" val="0"/>
+              </a:ext>
+            </a:extLst>
+          </a:blip>
+          <a:srcRect/>
+          <a:stretch>
+            <a:fillRect/>
+          </a:stretch>
+        </p:blipFill>
+        <p:spPr bwMode="auto">
+          <a:xfrm>
+            <a:off x="258762" y="677116"/>
+            <a:ext cx="5578475" cy="2247900"/>
+          </a:xfrm>
+          <a:prstGeom prst="rect">
+            <a:avLst/>
+          </a:prstGeom>
+          <a:noFill/>
+          <a:ln>
+            <a:noFill/>
+          </a:ln>
+          <a:extLst>
+            <a:ext uri="{909E8E84-426E-40DD-AFC4-6F175D3DCCD1}">
+              <a14:hiddenFill xmlns:a14="http://schemas.microsoft.com/office/drawing/2010/main">
+                <a:solidFill>
+                  <a:srgbClr val="FFFFFF"/>
+                </a:solidFill>
+              </a14:hiddenFill>
+            </a:ext>
+            <a:ext uri="{91240B29-F687-4F45-9708-019B960494DF}">
+              <a14:hiddenLine xmlns:a14="http://schemas.microsoft.com/office/drawing/2010/main" w="9525">
+                <a:solidFill>
+                  <a:srgbClr val="000000"/>
+                </a:solidFill>
+                <a:miter lim="800000"/>
+                <a:headEnd/>
+                <a:tailEnd/>
+              </a14:hiddenLine>
+            </a:ext>
+          </a:extLst>
+        </p:spPr>
+      </p:pic>
+      <p:pic>
+        <p:nvPicPr>
+          <p:cNvPr id="5124" name="Picture 4">
+            <a:extLst>
+              <a:ext uri="{FF2B5EF4-FFF2-40B4-BE49-F238E27FC236}">
+                <a16:creationId xmlns:a16="http://schemas.microsoft.com/office/drawing/2014/main" id="{C70B63F9-0452-C8E9-B237-E10FCA34AF05}"/>
+              </a:ext>
+            </a:extLst>
+          </p:cNvPr>
+          <p:cNvPicPr>
+            <a:picLocks noChangeAspect="1" noChangeArrowheads="1"/>
+          </p:cNvPicPr>
+          <p:nvPr/>
+        </p:nvPicPr>
+        <p:blipFill>
+          <a:blip r:embed="rId4" cstate="print">
+            <a:extLst>
+              <a:ext uri="{28A0092B-C50C-407E-A947-70E740481C1C}">
+                <a14:useLocalDpi xmlns:a14="http://schemas.microsoft.com/office/drawing/2010/main" val="0"/>
+              </a:ext>
+            </a:extLst>
+          </a:blip>
+          <a:srcRect/>
+          <a:stretch>
+            <a:fillRect/>
+          </a:stretch>
+        </p:blipFill>
+        <p:spPr bwMode="auto">
+          <a:xfrm>
+            <a:off x="815148" y="3143249"/>
+            <a:ext cx="4331058" cy="3248585"/>
+          </a:xfrm>
+          <a:prstGeom prst="rect">
+            <a:avLst/>
+          </a:prstGeom>
+          <a:noFill/>
+          <a:ln>
+            <a:noFill/>
+          </a:ln>
+          <a:extLst>
+            <a:ext uri="{909E8E84-426E-40DD-AFC4-6F175D3DCCD1}">
+              <a14:hiddenFill xmlns:a14="http://schemas.microsoft.com/office/drawing/2010/main">
+                <a:solidFill>
+                  <a:srgbClr val="FFFFFF"/>
+                </a:solidFill>
+              </a14:hiddenFill>
+            </a:ext>
+            <a:ext uri="{91240B29-F687-4F45-9708-019B960494DF}">
+              <a14:hiddenLine xmlns:a14="http://schemas.microsoft.com/office/drawing/2010/main" w="9525">
+                <a:solidFill>
+                  <a:srgbClr val="000000"/>
+                </a:solidFill>
+                <a:miter lim="800000"/>
+                <a:headEnd/>
+                <a:tailEnd/>
+              </a14:hiddenLine>
+            </a:ext>
+          </a:extLst>
+        </p:spPr>
+      </p:pic>
+    </p:spTree>
+    <p:custDataLst>
+      <p:tags r:id="rId1"/>
+    </p:custDataLst>
+  </p:cSld>
+  <p:clrMapOvr>
+    <a:masterClrMapping/>
+  </p:clrMapOvr>
+  <mc:AlternateContent xmlns:mc="http://schemas.openxmlformats.org/markup-compatibility/2006" xmlns:p15="http://schemas.microsoft.com/office/powerpoint/2012/main">
+    <mc:Choice Requires="p15">
+      <p:transition xmlns:p14="http://schemas.microsoft.com/office/powerpoint/2010/main" spd="slow" p14:dur="1250">
+        <p15:prstTrans prst="pageCurlDouble"/>
+      </p:transition>
+    </mc:Choice>
+    <mc:Fallback xmlns="">
+      <p:transition spd="slow">
+        <p:fade/>
+      </p:transition>
+    </mc:Fallback>
+  </mc:AlternateContent>
+</p:sld>
+</file>
+
 <file path=ppt/tags/tag1.xml><?xml version="1.0" encoding="utf-8"?>
-<p:tagLst xmlns:p="http://schemas.openxmlformats.org/presentationml/2006/main">
+<p:tagLst xmlns:a="http://schemas.openxmlformats.org/drawingml/2006/main" xmlns:r="http://schemas.openxmlformats.org/officeDocument/2006/relationships" xmlns:p="http://schemas.openxmlformats.org/presentationml/2006/main">
   <p:tag name="ISLIDE.PICTURE" val="#674369;#726056;#659108;"/>
 </p:tagLst>
 </file>
 
+<file path=ppt/tags/tag10.xml><?xml version="1.0" encoding="utf-8"?>
+<p:tagLst xmlns:a="http://schemas.openxmlformats.org/drawingml/2006/main" xmlns:r="http://schemas.openxmlformats.org/officeDocument/2006/relationships" xmlns:p="http://schemas.openxmlformats.org/presentationml/2006/main">
+  <p:tag name="ISLIDE.ICON" val="#172836;#172863;#172886;#172790;#172814;"/>
+  <p:tag name="ISLIDE.PICTURE" val="#716981;#226011;#658884;#745761;#704321;"/>
+</p:tagLst>
+</file>
+
 <file path=ppt/tags/tag2.xml><?xml version="1.0" encoding="utf-8"?>
-<p:tagLst xmlns:p="http://schemas.openxmlformats.org/presentationml/2006/main">
+<p:tagLst xmlns:a="http://schemas.openxmlformats.org/drawingml/2006/main" xmlns:r="http://schemas.openxmlformats.org/officeDocument/2006/relationships" xmlns:p="http://schemas.openxmlformats.org/presentationml/2006/main">
   <p:tag name="ISLIDE.ICON" val="#172836;#172863;#172886;#172790;#172814;"/>
   <p:tag name="ISLIDE.PICTURE" val="#716981;#226011;#658884;#745761;"/>
 </p:tagLst>
 </file>
 
 <file path=ppt/tags/tag3.xml><?xml version="1.0" encoding="utf-8"?>
-<p:tagLst xmlns:p="http://schemas.openxmlformats.org/presentationml/2006/main">
+<p:tagLst xmlns:a="http://schemas.openxmlformats.org/drawingml/2006/main" xmlns:r="http://schemas.openxmlformats.org/officeDocument/2006/relationships" xmlns:p="http://schemas.openxmlformats.org/presentationml/2006/main">
   <p:tag name="ISLIDE.ICON" val="#172836;#172863;#172886;#172790;#172814;"/>
   <p:tag name="ISLIDE.PICTURE" val="#716981;#226011;#658884;#745761;"/>
 </p:tagLst>
 </file>
 
 <file path=ppt/tags/tag4.xml><?xml version="1.0" encoding="utf-8"?>
-<p:tagLst xmlns:p="http://schemas.openxmlformats.org/presentationml/2006/main">
+<p:tagLst xmlns:a="http://schemas.openxmlformats.org/drawingml/2006/main" xmlns:r="http://schemas.openxmlformats.org/officeDocument/2006/relationships" xmlns:p="http://schemas.openxmlformats.org/presentationml/2006/main">
   <p:tag name="ISLIDE.ICON" val="#172836;#172863;#172886;#172790;#172814;"/>
-  <p:tag name="ISLIDE.PICTURE" val="#716981;#226011;#658884;#745761;#704321;"/>
+  <p:tag name="ISLIDE.PICTURE" val="#716981;#226011;#658884;#745761;"/>
 </p:tagLst>
 </file>
 
 <file path=ppt/tags/tag5.xml><?xml version="1.0" encoding="utf-8"?>
-<p:tagLst xmlns:p="http://schemas.openxmlformats.org/presentationml/2006/main">
+<p:tagLst xmlns:a="http://schemas.openxmlformats.org/drawingml/2006/main" xmlns:r="http://schemas.openxmlformats.org/officeDocument/2006/relationships" xmlns:p="http://schemas.openxmlformats.org/presentationml/2006/main">
+  <p:tag name="ISLIDE.ICON" val="#172836;#172863;#172886;#172790;#172814;"/>
+  <p:tag name="ISLIDE.PICTURE" val="#716981;#226011;#658884;#745761;"/>
+</p:tagLst>
+</file>
+
+<file path=ppt/tags/tag6.xml><?xml version="1.0" encoding="utf-8"?>
+<p:tagLst xmlns:a="http://schemas.openxmlformats.org/drawingml/2006/main" xmlns:r="http://schemas.openxmlformats.org/officeDocument/2006/relationships" xmlns:p="http://schemas.openxmlformats.org/presentationml/2006/main">
+  <p:tag name="ISLIDE.ICON" val="#172836;#172863;#172886;#172790;#172814;"/>
+  <p:tag name="ISLIDE.PICTURE" val="#716981;#226011;#658884;#745761;"/>
+</p:tagLst>
+</file>
+
+<file path=ppt/tags/tag7.xml><?xml version="1.0" encoding="utf-8"?>
+<p:tagLst xmlns:a="http://schemas.openxmlformats.org/drawingml/2006/main" xmlns:r="http://schemas.openxmlformats.org/officeDocument/2006/relationships" xmlns:p="http://schemas.openxmlformats.org/presentationml/2006/main">
+  <p:tag name="ISLIDE.ICON" val="#172836;#172863;#172886;#172790;#172814;"/>
+  <p:tag name="ISLIDE.PICTURE" val="#716981;#226011;#658884;#745761;"/>
+</p:tagLst>
+</file>
+
+<file path=ppt/tags/tag8.xml><?xml version="1.0" encoding="utf-8"?>
+<p:tagLst xmlns:a="http://schemas.openxmlformats.org/drawingml/2006/main" xmlns:r="http://schemas.openxmlformats.org/officeDocument/2006/relationships" xmlns:p="http://schemas.openxmlformats.org/presentationml/2006/main">
+  <p:tag name="ISLIDE.ICON" val="#172836;#172863;#172886;#172790;#172814;"/>
+  <p:tag name="ISLIDE.PICTURE" val="#716981;#226011;#658884;#745761;"/>
+</p:tagLst>
+</file>
+
+<file path=ppt/tags/tag9.xml><?xml version="1.0" encoding="utf-8"?>
+<p:tagLst xmlns:a="http://schemas.openxmlformats.org/drawingml/2006/main" xmlns:r="http://schemas.openxmlformats.org/officeDocument/2006/relationships" xmlns:p="http://schemas.openxmlformats.org/presentationml/2006/main">
   <p:tag name="ISLIDE.ICON" val="#172836;#172863;#172886;#172790;#172814;"/>
   <p:tag name="ISLIDE.PICTURE" val="#716981;#226011;#658884;#745761;#704321;"/>
 </p:tagLst>
@@ -9214,6 +13077,8 @@
       </a:bgFillStyleLst>
     </a:fmtScheme>
   </a:themeElements>
+  <a:objectDefaults/>
+  <a:extraClrSchemeLst/>
   <a:extLst>
     <a:ext uri="{05A4C25C-085E-4340-85A3-A5531E510DB2}">
       <thm15:themeFamily xmlns:thm15="http://schemas.microsoft.com/office/thememl/2012/main" name="Office Theme" id="{62F939B6-93AF-4DB8-9C6B-D6C7DFDC589F}" vid="{4A3C46E8-61CC-4603-A589-7422A47A8E4A}"/>
@@ -9473,6 +13338,8 @@
       </a:bgFillStyleLst>
     </a:fmtScheme>
   </a:themeElements>
+  <a:objectDefaults/>
+  <a:extraClrSchemeLst/>
   <a:extLst>
     <a:ext uri="{05A4C25C-085E-4340-85A3-A5531E510DB2}">
       <thm15:themeFamily xmlns:thm15="http://schemas.microsoft.com/office/thememl/2012/main" name="Office Theme" id="{62F939B6-93AF-4DB8-9C6B-D6C7DFDC589F}" vid="{4A3C46E8-61CC-4603-A589-7422A47A8E4A}"/>

--- a/永续地牢Ouroboros 设计方案.pptx
+++ b/永续地牢Ouroboros 设计方案.pptx
@@ -6,24 +6,24 @@
     <p:sldMasterId id="2147483660" r:id="rId3"/>
   </p:sldMasterIdLst>
   <p:notesMasterIdLst>
-    <p:notesMasterId r:id="rId9"/>
+    <p:notesMasterId r:id="rId8"/>
   </p:notesMasterIdLst>
   <p:sldIdLst>
     <p:sldId id="256" r:id="rId4"/>
     <p:sldId id="257" r:id="rId5"/>
     <p:sldId id="259" r:id="rId6"/>
     <p:sldId id="273" r:id="rId7"/>
-    <p:sldId id="274" r:id="rId8"/>
+    <p:sldId id="274" r:id="rId9"/>
     <p:sldId id="275" r:id="rId10"/>
     <p:sldId id="276" r:id="rId11"/>
-    <p:sldId id="264" r:id="rId12"/>
-    <p:sldId id="262" r:id="rId13"/>
-    <p:sldId id="265" r:id="rId14"/>
-    <p:sldId id="266" r:id="rId15"/>
-    <p:sldId id="267" r:id="rId16"/>
-    <p:sldId id="258" r:id="rId17"/>
-    <p:sldId id="269" r:id="rId18"/>
-    <p:sldId id="263" r:id="rId19"/>
+    <p:sldId id="263" r:id="rId12"/>
+    <p:sldId id="264" r:id="rId13"/>
+    <p:sldId id="262" r:id="rId14"/>
+    <p:sldId id="265" r:id="rId15"/>
+    <p:sldId id="266" r:id="rId16"/>
+    <p:sldId id="267" r:id="rId17"/>
+    <p:sldId id="258" r:id="rId18"/>
+    <p:sldId id="269" r:id="rId19"/>
     <p:sldId id="268" r:id="rId20"/>
   </p:sldIdLst>
   <p:sldSz cx="12192000" cy="6858000"/>
@@ -129,7 +129,7 @@
   <p:extLst>
     <p:ext uri="{EFAFB233-063F-42B5-8137-9DF3F51BA10A}">
       <p15:sldGuideLst xmlns:p15="http://schemas.microsoft.com/office/powerpoint/2012/main">
-        <p15:guide id="1" orient="horz" pos="2159" userDrawn="1">
+        <p15:guide id="1" orient="horz" pos="2194" userDrawn="1">
           <p15:clr>
             <a:srgbClr val="A4A3A4"/>
           </p15:clr>
@@ -581,6 +581,50 @@
 </file>
 
 <file path=ppt/notesSlides/notesSlide3.xml><?xml version="1.0" encoding="utf-8"?>
+<p:notes xmlns:a="http://schemas.openxmlformats.org/drawingml/2006/main" xmlns:r="http://schemas.openxmlformats.org/officeDocument/2006/relationships" xmlns:p="http://schemas.openxmlformats.org/presentationml/2006/main">
+  <p:cSld>
+    <p:spTree>
+      <p:nvGrpSpPr>
+        <p:cNvPr id="1" name=""/>
+        <p:cNvGrpSpPr/>
+        <p:nvPr/>
+      </p:nvGrpSpPr>
+      <p:grpSpPr/>
+      <p:sp>
+        <p:nvSpPr>
+          <p:cNvPr id="2" name="幻灯片图像占位符 1"/>
+          <p:cNvSpPr/>
+          <p:nvPr>
+            <p:ph type="sldImg" idx="2"/>
+          </p:nvPr>
+        </p:nvSpPr>
+        <p:spPr/>
+      </p:sp>
+      <p:sp>
+        <p:nvSpPr>
+          <p:cNvPr id="3" name="文本占位符 2"/>
+          <p:cNvSpPr/>
+          <p:nvPr>
+            <p:ph type="body" idx="3"/>
+          </p:nvPr>
+        </p:nvSpPr>
+        <p:spPr/>
+        <p:txBody>
+          <a:bodyPr/>
+          <a:p>
+            <a:endParaRPr lang="zh-CN" altLang="en-US"/>
+          </a:p>
+        </p:txBody>
+      </p:sp>
+    </p:spTree>
+  </p:cSld>
+  <p:clrMapOvr>
+    <a:masterClrMapping/>
+  </p:clrMapOvr>
+</p:notes>
+</file>
+
+<file path=ppt/notesSlides/notesSlide4.xml><?xml version="1.0" encoding="utf-8"?>
 <p:notes xmlns:a="http://schemas.openxmlformats.org/drawingml/2006/main" xmlns:r="http://schemas.openxmlformats.org/officeDocument/2006/relationships" xmlns:p="http://schemas.openxmlformats.org/presentationml/2006/main">
   <p:cSld>
     <p:spTree>
@@ -6762,7 +6806,7 @@
         <p:spPr>
           <a:xfrm>
             <a:off x="6981190" y="3143250"/>
-            <a:ext cx="5183505" cy="1926938"/>
+            <a:ext cx="5183505" cy="1597617"/>
           </a:xfrm>
           <a:prstGeom prst="rect">
             <a:avLst/>
@@ -6798,7 +6842,7 @@
                 <a:ea typeface="Open Sans" panose="020B0606030504020204" pitchFamily="34" charset="0"/>
                 <a:cs typeface="Open Sans" panose="020B0606030504020204" pitchFamily="34" charset="0"/>
               </a:rPr>
-              <a:t>每个玩家有血量条和选择的先后顺序</a:t>
+              <a:t>每个玩家有牌库，职业牌，左右手装备栏，饰品装备栏，血量条</a:t>
             </a:r>
             <a:r>
               <a:rPr lang="en-US" sz="2000" dirty="0">
@@ -6851,9 +6895,9 @@
                 <a:ea typeface="Open Sans" panose="020B0606030504020204" pitchFamily="34" charset="0"/>
                 <a:cs typeface="Open Sans" panose="020B0606030504020204" pitchFamily="34" charset="0"/>
               </a:rPr>
-              <a:t>每个玩家旁会显示标志以显示哪位玩家正在选择。</a:t>
-            </a:r>
-            <a:endParaRPr lang="en-US" sz="2000" dirty="0">
+              <a:t>左下角为剩余的行动手牌抽牌堆和抽牌数。</a:t>
+            </a:r>
+            <a:endParaRPr lang="en-US" altLang="zh-CN" sz="2000" dirty="0">
               <a:solidFill>
                 <a:schemeClr val="tx1">
                   <a:lumMod val="50000"/>
@@ -6890,7 +6934,7 @@
                 <a:ea typeface="Open Sans" panose="020B0606030504020204" pitchFamily="34" charset="0"/>
                 <a:cs typeface="Open Sans" panose="020B0606030504020204" pitchFamily="34" charset="0"/>
               </a:rPr>
-              <a:t>上方显示的是可选的战利品，而上方的标志则对应是哪名玩家已经选择了这件装备。</a:t>
+              <a:t>中央为层主怪物和其所拥有的血量。</a:t>
             </a:r>
             <a:endParaRPr lang="en-US" sz="2000" dirty="0">
               <a:solidFill>
@@ -6969,7 +7013,7 @@
         <p:spPr bwMode="auto">
           <a:xfrm>
             <a:off x="7726521" y="1543298"/>
-            <a:ext cx="4020979" cy="707886"/>
+            <a:ext cx="3462337" cy="706755"/>
           </a:xfrm>
           <a:prstGeom prst="rect">
             <a:avLst/>
@@ -7109,7 +7153,7 @@
                 </a:solidFill>
                 <a:latin typeface="Open Sans" panose="020B0606030504020204" pitchFamily="34" charset="0"/>
               </a:rPr>
-              <a:t>战利品场景设计</a:t>
+              <a:t>战斗场景设计</a:t>
             </a:r>
             <a:endParaRPr lang="zh-CN" altLang="en-US" sz="4000" dirty="0">
               <a:solidFill>
@@ -7199,7 +7243,7 @@
       </p:sp>
       <p:pic>
         <p:nvPicPr>
-          <p:cNvPr id="3074" name="Picture 2"/>
+          <p:cNvPr id="1027" name="图片 14"/>
           <p:cNvPicPr>
             <a:picLocks noChangeAspect="1" noChangeArrowheads="1"/>
           </p:cNvPicPr>
@@ -7220,8 +7264,8 @@
         </p:blipFill>
         <p:spPr bwMode="auto">
           <a:xfrm>
-            <a:off x="364742" y="1445918"/>
-            <a:ext cx="5286758" cy="3966163"/>
+            <a:off x="339011" y="1416169"/>
+            <a:ext cx="5366067" cy="4025661"/>
           </a:xfrm>
           <a:prstGeom prst="rect">
             <a:avLst/>
@@ -7422,7 +7466,7 @@
         <p:spPr>
           <a:xfrm>
             <a:off x="6981190" y="3143250"/>
-            <a:ext cx="5183505" cy="1165704"/>
+            <a:ext cx="5183505" cy="1926938"/>
           </a:xfrm>
           <a:prstGeom prst="rect">
             <a:avLst/>
@@ -7458,9 +7502,23 @@
                 <a:ea typeface="Open Sans" panose="020B0606030504020204" pitchFamily="34" charset="0"/>
                 <a:cs typeface="Open Sans" panose="020B0606030504020204" pitchFamily="34" charset="0"/>
               </a:rPr>
-              <a:t>每个人物都代表一位可以选择的角色。</a:t>
-            </a:r>
-            <a:endParaRPr lang="en-US" altLang="zh-CN" sz="2000" dirty="0">
+              <a:t>每个玩家有血量条和选择的先后顺序</a:t>
+            </a:r>
+            <a:r>
+              <a:rPr lang="en-US" sz="2000" dirty="0">
+                <a:solidFill>
+                  <a:schemeClr val="tx1">
+                    <a:lumMod val="50000"/>
+                    <a:lumOff val="50000"/>
+                  </a:schemeClr>
+                </a:solidFill>
+                <a:latin typeface="Open Sans" panose="020B0606030504020204" pitchFamily="34" charset="0"/>
+                <a:ea typeface="Open Sans" panose="020B0606030504020204" pitchFamily="34" charset="0"/>
+                <a:cs typeface="Open Sans" panose="020B0606030504020204" pitchFamily="34" charset="0"/>
+              </a:rPr>
+              <a:t>。</a:t>
+            </a:r>
+            <a:endParaRPr lang="en-US" sz="2000" dirty="0">
               <a:solidFill>
                 <a:schemeClr val="tx1">
                   <a:lumMod val="50000"/>
@@ -7497,9 +7555,48 @@
                 <a:ea typeface="Open Sans" panose="020B0606030504020204" pitchFamily="34" charset="0"/>
                 <a:cs typeface="Open Sans" panose="020B0606030504020204" pitchFamily="34" charset="0"/>
               </a:rPr>
-              <a:t>玩家可以和角色交互以获得更多关于该角色的信息（如故事或能力）。</a:t>
-            </a:r>
-            <a:endParaRPr lang="en-US" altLang="zh-CN" sz="2000" dirty="0">
+              <a:t>每个玩家旁会显示标志以显示哪位玩家正在选择。</a:t>
+            </a:r>
+            <a:endParaRPr lang="en-US" sz="2000" dirty="0">
+              <a:solidFill>
+                <a:schemeClr val="tx1">
+                  <a:lumMod val="50000"/>
+                  <a:lumOff val="50000"/>
+                </a:schemeClr>
+              </a:solidFill>
+              <a:latin typeface="Open Sans" panose="020B0606030504020204" pitchFamily="34" charset="0"/>
+              <a:ea typeface="Open Sans" panose="020B0606030504020204" pitchFamily="34" charset="0"/>
+              <a:cs typeface="Open Sans" panose="020B0606030504020204" pitchFamily="34" charset="0"/>
+            </a:endParaRPr>
+          </a:p>
+          <a:p>
+            <a:pPr eaLnBrk="1" fontAlgn="auto" hangingPunct="1">
+              <a:lnSpc>
+                <a:spcPct val="107000"/>
+              </a:lnSpc>
+              <a:spcBef>
+                <a:spcPts val="0"/>
+              </a:spcBef>
+              <a:spcAft>
+                <a:spcPts val="800"/>
+              </a:spcAft>
+              <a:defRPr/>
+            </a:pPr>
+            <a:r>
+              <a:rPr lang="zh-CN" altLang="en-US" sz="2000" dirty="0">
+                <a:solidFill>
+                  <a:schemeClr val="tx1">
+                    <a:lumMod val="50000"/>
+                    <a:lumOff val="50000"/>
+                  </a:schemeClr>
+                </a:solidFill>
+                <a:latin typeface="Open Sans" panose="020B0606030504020204" pitchFamily="34" charset="0"/>
+                <a:ea typeface="Open Sans" panose="020B0606030504020204" pitchFamily="34" charset="0"/>
+                <a:cs typeface="Open Sans" panose="020B0606030504020204" pitchFamily="34" charset="0"/>
+              </a:rPr>
+              <a:t>上方显示的是可选的战利品，而上方的标志则对应是哪名玩家已经选择了这件装备。</a:t>
+            </a:r>
+            <a:endParaRPr lang="en-US" sz="2000" dirty="0">
               <a:solidFill>
                 <a:schemeClr val="tx1">
                   <a:lumMod val="50000"/>
@@ -7576,7 +7673,7 @@
         <p:spPr bwMode="auto">
           <a:xfrm>
             <a:off x="7726521" y="1543298"/>
-            <a:ext cx="4438174" cy="707886"/>
+            <a:ext cx="4020979" cy="707886"/>
           </a:xfrm>
           <a:prstGeom prst="rect">
             <a:avLst/>
@@ -7716,7 +7813,7 @@
                 </a:solidFill>
                 <a:latin typeface="Open Sans" panose="020B0606030504020204" pitchFamily="34" charset="0"/>
               </a:rPr>
-              <a:t>角色创建场景设计</a:t>
+              <a:t>战利品场景设计</a:t>
             </a:r>
             <a:endParaRPr lang="zh-CN" altLang="en-US" sz="4000" dirty="0">
               <a:solidFill>
@@ -7806,9 +7903,9 @@
       </p:sp>
       <p:pic>
         <p:nvPicPr>
-          <p:cNvPr id="7" name="图片 6" descr="建筑的摆设布局&#10;&#10;描述已自动生成"/>
+          <p:cNvPr id="3074" name="Picture 2"/>
           <p:cNvPicPr>
-            <a:picLocks noChangeAspect="1"/>
+            <a:picLocks noChangeAspect="1" noChangeArrowheads="1"/>
           </p:cNvPicPr>
           <p:nvPr/>
         </p:nvPicPr>
@@ -7820,18 +7917,42 @@
               </a:ext>
             </a:extLst>
           </a:blip>
+          <a:srcRect/>
           <a:stretch>
             <a:fillRect/>
           </a:stretch>
         </p:blipFill>
-        <p:spPr>
+        <p:spPr bwMode="auto">
           <a:xfrm>
-            <a:off x="351771" y="1511086"/>
-            <a:ext cx="5293664" cy="3559102"/>
+            <a:off x="364742" y="1445918"/>
+            <a:ext cx="5286758" cy="3966163"/>
           </a:xfrm>
           <a:prstGeom prst="rect">
             <a:avLst/>
           </a:prstGeom>
+          <a:noFill/>
+          <a:ln>
+            <a:noFill/>
+          </a:ln>
+          <a:extLst>
+            <a:ext uri="{909E8E84-426E-40DD-AFC4-6F175D3DCCD1}">
+              <a14:hiddenFill xmlns:a14="http://schemas.microsoft.com/office/drawing/2010/main">
+                <a:solidFill>
+                  <a:srgbClr val="FFFFFF"/>
+                </a:solidFill>
+              </a14:hiddenFill>
+            </a:ext>
+            <a:ext uri="{91240B29-F687-4F45-9708-019B960494DF}">
+              <a14:hiddenLine xmlns:a14="http://schemas.microsoft.com/office/drawing/2010/main" w="9525">
+                <a:solidFill>
+                  <a:srgbClr val="000000"/>
+                </a:solidFill>
+                <a:miter lim="800000"/>
+                <a:headEnd/>
+                <a:tailEnd/>
+              </a14:hiddenLine>
+            </a:ext>
+          </a:extLst>
         </p:spPr>
       </p:pic>
     </p:spTree>
@@ -8005,7 +8126,7 @@
         <p:spPr>
           <a:xfrm>
             <a:off x="6981190" y="3143250"/>
-            <a:ext cx="5183505" cy="1495025"/>
+            <a:ext cx="5183505" cy="1165704"/>
           </a:xfrm>
           <a:prstGeom prst="rect">
             <a:avLst/>
@@ -8041,7 +8162,7 @@
                 <a:ea typeface="Open Sans" panose="020B0606030504020204" pitchFamily="34" charset="0"/>
                 <a:cs typeface="Open Sans" panose="020B0606030504020204" pitchFamily="34" charset="0"/>
               </a:rPr>
-              <a:t>图鉴左边将显示可以查看的角色，武器，怪物的图片。</a:t>
+              <a:t>每个人物都代表一位可以选择的角色。</a:t>
             </a:r>
             <a:endParaRPr lang="en-US" altLang="zh-CN" sz="2000" dirty="0">
               <a:solidFill>
@@ -8080,7 +8201,7 @@
                 <a:ea typeface="Open Sans" panose="020B0606030504020204" pitchFamily="34" charset="0"/>
                 <a:cs typeface="Open Sans" panose="020B0606030504020204" pitchFamily="34" charset="0"/>
               </a:rPr>
-              <a:t>在点击后，在右方详细显示出它的图像，名称，和它的效果（或能力）。</a:t>
+              <a:t>玩家可以和角色交互以获得更多关于该角色的信息（如故事或能力）。</a:t>
             </a:r>
             <a:endParaRPr lang="en-US" altLang="zh-CN" sz="2000" dirty="0">
               <a:solidFill>
@@ -8299,6 +8420,589 @@
                 </a:solidFill>
                 <a:latin typeface="Open Sans" panose="020B0606030504020204" pitchFamily="34" charset="0"/>
               </a:rPr>
+              <a:t>角色创建场景设计</a:t>
+            </a:r>
+            <a:endParaRPr lang="zh-CN" altLang="en-US" sz="4000" dirty="0">
+              <a:solidFill>
+                <a:schemeClr val="bg1"/>
+              </a:solidFill>
+              <a:latin typeface="Open Sans" panose="020B0606030504020204" pitchFamily="34" charset="0"/>
+            </a:endParaRPr>
+          </a:p>
+        </p:txBody>
+      </p:sp>
+      <p:sp>
+        <p:nvSpPr>
+          <p:cNvPr id="2" name="矩形 1"/>
+          <p:cNvSpPr/>
+          <p:nvPr/>
+        </p:nvSpPr>
+        <p:spPr>
+          <a:xfrm>
+            <a:off x="0" y="0"/>
+            <a:ext cx="6096000" cy="6858000"/>
+          </a:xfrm>
+          <a:prstGeom prst="rect">
+            <a:avLst/>
+          </a:prstGeom>
+          <a:solidFill>
+            <a:schemeClr val="bg1">
+              <a:lumMod val="95000"/>
+            </a:schemeClr>
+          </a:solidFill>
+          <a:ln>
+            <a:noFill/>
+          </a:ln>
+          <a:effectLst/>
+        </p:spPr>
+        <p:style>
+          <a:lnRef idx="2">
+            <a:schemeClr val="accent1">
+              <a:shade val="50000"/>
+            </a:schemeClr>
+          </a:lnRef>
+          <a:fillRef idx="1">
+            <a:schemeClr val="accent1"/>
+          </a:fillRef>
+          <a:effectRef idx="0">
+            <a:schemeClr val="accent1"/>
+          </a:effectRef>
+          <a:fontRef idx="minor">
+            <a:schemeClr val="lt1"/>
+          </a:fontRef>
+        </p:style>
+        <p:txBody>
+          <a:bodyPr rtlCol="0" anchor="ctr"/>
+          <a:lstStyle/>
+          <a:p>
+            <a:pPr marL="0" marR="0" lvl="0" indent="0" algn="ctr" defTabSz="914400" rtl="0" eaLnBrk="1" fontAlgn="auto" latinLnBrk="0" hangingPunct="1">
+              <a:lnSpc>
+                <a:spcPct val="100000"/>
+              </a:lnSpc>
+              <a:spcBef>
+                <a:spcPts val="0"/>
+              </a:spcBef>
+              <a:spcAft>
+                <a:spcPts val="0"/>
+              </a:spcAft>
+              <a:buClrTx/>
+              <a:buSzTx/>
+              <a:buFontTx/>
+              <a:buNone/>
+              <a:defRPr/>
+            </a:pPr>
+            <a:endParaRPr kumimoji="0" lang="zh-CN" altLang="en-US" sz="1800" b="0" i="0" u="none" strike="noStrike" kern="1200" cap="none" spc="0" normalizeH="0" baseline="0" noProof="0">
+              <a:ln>
+                <a:noFill/>
+              </a:ln>
+              <a:solidFill>
+                <a:prstClr val="white"/>
+              </a:solidFill>
+              <a:effectLst/>
+              <a:uLnTx/>
+              <a:uFillTx/>
+              <a:latin typeface="等线" panose="02010600030101010101" charset="-122"/>
+              <a:ea typeface="等线" panose="02010600030101010101" charset="-122"/>
+              <a:cs typeface="+mn-cs"/>
+            </a:endParaRPr>
+          </a:p>
+        </p:txBody>
+      </p:sp>
+      <p:pic>
+        <p:nvPicPr>
+          <p:cNvPr id="7" name="图片 6" descr="建筑的摆设布局&#10;&#10;描述已自动生成"/>
+          <p:cNvPicPr>
+            <a:picLocks noChangeAspect="1"/>
+          </p:cNvPicPr>
+          <p:nvPr/>
+        </p:nvPicPr>
+        <p:blipFill>
+          <a:blip r:embed="rId1">
+            <a:extLst>
+              <a:ext uri="{28A0092B-C50C-407E-A947-70E740481C1C}">
+                <a14:useLocalDpi xmlns:a14="http://schemas.microsoft.com/office/drawing/2010/main" val="0"/>
+              </a:ext>
+            </a:extLst>
+          </a:blip>
+          <a:stretch>
+            <a:fillRect/>
+          </a:stretch>
+        </p:blipFill>
+        <p:spPr>
+          <a:xfrm>
+            <a:off x="351771" y="1511086"/>
+            <a:ext cx="5293664" cy="3559102"/>
+          </a:xfrm>
+          <a:prstGeom prst="rect">
+            <a:avLst/>
+          </a:prstGeom>
+        </p:spPr>
+      </p:pic>
+    </p:spTree>
+    <p:custDataLst>
+      <p:tags r:id="rId2"/>
+    </p:custDataLst>
+  </p:cSld>
+  <p:clrMapOvr>
+    <a:masterClrMapping/>
+  </p:clrMapOvr>
+  <mc:AlternateContent xmlns:mc="http://schemas.openxmlformats.org/markup-compatibility/2006">
+    <mc:Choice xmlns:p15="http://schemas.microsoft.com/office/powerpoint/2012/main" Requires="p15">
+      <p:transition xmlns:p14="http://schemas.microsoft.com/office/powerpoint/2010/main" spd="slow" Requires="p14" p14:dur="1250">
+        <p15:prstTrans prst="pageCurlDouble"/>
+      </p:transition>
+    </mc:Choice>
+    <mc:Fallback>
+      <p:transition spd="slow">
+        <p:fade/>
+      </p:transition>
+    </mc:Fallback>
+  </mc:AlternateContent>
+</p:sld>
+</file>
+
+<file path=ppt/slides/slide13.xml><?xml version="1.0" encoding="utf-8"?>
+<p:sld xmlns:a="http://schemas.openxmlformats.org/drawingml/2006/main" xmlns:r="http://schemas.openxmlformats.org/officeDocument/2006/relationships" xmlns:p="http://schemas.openxmlformats.org/presentationml/2006/main">
+  <p:cSld>
+    <p:spTree>
+      <p:nvGrpSpPr>
+        <p:cNvPr id="1" name=""/>
+        <p:cNvGrpSpPr/>
+        <p:nvPr/>
+      </p:nvGrpSpPr>
+      <p:grpSpPr>
+        <a:xfrm>
+          <a:off x="0" y="0"/>
+          <a:ext cx="0" cy="0"/>
+          <a:chOff x="0" y="0"/>
+          <a:chExt cx="0" cy="0"/>
+        </a:xfrm>
+      </p:grpSpPr>
+      <p:sp>
+        <p:nvSpPr>
+          <p:cNvPr id="3" name="矩形 2"/>
+          <p:cNvSpPr/>
+          <p:nvPr/>
+        </p:nvSpPr>
+        <p:spPr>
+          <a:xfrm>
+            <a:off x="6096000" y="0"/>
+            <a:ext cx="444500" cy="6858000"/>
+          </a:xfrm>
+          <a:prstGeom prst="rect">
+            <a:avLst/>
+          </a:prstGeom>
+          <a:gradFill flip="none" rotWithShape="1">
+            <a:gsLst>
+              <a:gs pos="0">
+                <a:schemeClr val="bg1">
+                  <a:lumMod val="50000"/>
+                  <a:alpha val="50000"/>
+                </a:schemeClr>
+              </a:gs>
+              <a:gs pos="100000">
+                <a:schemeClr val="bg1">
+                  <a:lumMod val="50000"/>
+                  <a:alpha val="0"/>
+                </a:schemeClr>
+              </a:gs>
+            </a:gsLst>
+            <a:lin ang="0" scaled="1"/>
+            <a:tileRect/>
+          </a:gradFill>
+          <a:ln>
+            <a:noFill/>
+          </a:ln>
+        </p:spPr>
+        <p:style>
+          <a:lnRef idx="2">
+            <a:schemeClr val="accent1">
+              <a:shade val="50000"/>
+            </a:schemeClr>
+          </a:lnRef>
+          <a:fillRef idx="1">
+            <a:schemeClr val="accent1"/>
+          </a:fillRef>
+          <a:effectRef idx="0">
+            <a:schemeClr val="accent1"/>
+          </a:effectRef>
+          <a:fontRef idx="minor">
+            <a:schemeClr val="lt1"/>
+          </a:fontRef>
+        </p:style>
+        <p:txBody>
+          <a:bodyPr rtlCol="0" anchor="ctr"/>
+          <a:lstStyle/>
+          <a:p>
+            <a:pPr algn="ctr"/>
+            <a:endParaRPr lang="zh-CN" altLang="en-US"/>
+          </a:p>
+        </p:txBody>
+      </p:sp>
+      <p:sp>
+        <p:nvSpPr>
+          <p:cNvPr id="12" name="矩形 11"/>
+          <p:cNvSpPr/>
+          <p:nvPr/>
+        </p:nvSpPr>
+        <p:spPr>
+          <a:xfrm flipH="1">
+            <a:off x="5651500" y="0"/>
+            <a:ext cx="444500" cy="6858000"/>
+          </a:xfrm>
+          <a:prstGeom prst="rect">
+            <a:avLst/>
+          </a:prstGeom>
+          <a:gradFill flip="none" rotWithShape="1">
+            <a:gsLst>
+              <a:gs pos="0">
+                <a:schemeClr val="bg1">
+                  <a:lumMod val="50000"/>
+                  <a:alpha val="50000"/>
+                </a:schemeClr>
+              </a:gs>
+              <a:gs pos="100000">
+                <a:schemeClr val="bg1">
+                  <a:lumMod val="50000"/>
+                  <a:alpha val="0"/>
+                </a:schemeClr>
+              </a:gs>
+            </a:gsLst>
+            <a:lin ang="0" scaled="1"/>
+            <a:tileRect/>
+          </a:gradFill>
+          <a:ln>
+            <a:noFill/>
+          </a:ln>
+        </p:spPr>
+        <p:style>
+          <a:lnRef idx="2">
+            <a:schemeClr val="accent1">
+              <a:shade val="50000"/>
+            </a:schemeClr>
+          </a:lnRef>
+          <a:fillRef idx="1">
+            <a:schemeClr val="accent1"/>
+          </a:fillRef>
+          <a:effectRef idx="0">
+            <a:schemeClr val="accent1"/>
+          </a:effectRef>
+          <a:fontRef idx="minor">
+            <a:schemeClr val="lt1"/>
+          </a:fontRef>
+        </p:style>
+        <p:txBody>
+          <a:bodyPr rtlCol="0" anchor="ctr"/>
+          <a:lstStyle/>
+          <a:p>
+            <a:pPr algn="ctr"/>
+            <a:endParaRPr lang="zh-CN" altLang="en-US"/>
+          </a:p>
+        </p:txBody>
+      </p:sp>
+      <p:sp>
+        <p:nvSpPr>
+          <p:cNvPr id="25" name="Rectangle 7"/>
+          <p:cNvSpPr/>
+          <p:nvPr/>
+        </p:nvSpPr>
+        <p:spPr>
+          <a:xfrm>
+            <a:off x="6981190" y="3143250"/>
+            <a:ext cx="5183505" cy="1495025"/>
+          </a:xfrm>
+          <a:prstGeom prst="rect">
+            <a:avLst/>
+          </a:prstGeom>
+        </p:spPr>
+        <p:txBody>
+          <a:bodyPr wrap="square">
+            <a:spAutoFit/>
+          </a:bodyPr>
+          <a:lstStyle/>
+          <a:p>
+            <a:pPr eaLnBrk="1" fontAlgn="auto" hangingPunct="1">
+              <a:lnSpc>
+                <a:spcPct val="107000"/>
+              </a:lnSpc>
+              <a:spcBef>
+                <a:spcPts val="0"/>
+              </a:spcBef>
+              <a:spcAft>
+                <a:spcPts val="800"/>
+              </a:spcAft>
+              <a:defRPr/>
+            </a:pPr>
+            <a:r>
+              <a:rPr lang="zh-CN" altLang="en-US" sz="2000" dirty="0">
+                <a:solidFill>
+                  <a:schemeClr val="tx1">
+                    <a:lumMod val="50000"/>
+                    <a:lumOff val="50000"/>
+                  </a:schemeClr>
+                </a:solidFill>
+                <a:latin typeface="Open Sans" panose="020B0606030504020204" pitchFamily="34" charset="0"/>
+                <a:ea typeface="Open Sans" panose="020B0606030504020204" pitchFamily="34" charset="0"/>
+                <a:cs typeface="Open Sans" panose="020B0606030504020204" pitchFamily="34" charset="0"/>
+              </a:rPr>
+              <a:t>图鉴左边将显示可以查看的角色，武器，怪物的图片。</a:t>
+            </a:r>
+            <a:endParaRPr lang="en-US" altLang="zh-CN" sz="2000" dirty="0">
+              <a:solidFill>
+                <a:schemeClr val="tx1">
+                  <a:lumMod val="50000"/>
+                  <a:lumOff val="50000"/>
+                </a:schemeClr>
+              </a:solidFill>
+              <a:latin typeface="Open Sans" panose="020B0606030504020204" pitchFamily="34" charset="0"/>
+              <a:ea typeface="Open Sans" panose="020B0606030504020204" pitchFamily="34" charset="0"/>
+              <a:cs typeface="Open Sans" panose="020B0606030504020204" pitchFamily="34" charset="0"/>
+            </a:endParaRPr>
+          </a:p>
+          <a:p>
+            <a:pPr eaLnBrk="1" fontAlgn="auto" hangingPunct="1">
+              <a:lnSpc>
+                <a:spcPct val="107000"/>
+              </a:lnSpc>
+              <a:spcBef>
+                <a:spcPts val="0"/>
+              </a:spcBef>
+              <a:spcAft>
+                <a:spcPts val="800"/>
+              </a:spcAft>
+              <a:defRPr/>
+            </a:pPr>
+            <a:r>
+              <a:rPr lang="zh-CN" altLang="en-US" sz="2000" dirty="0">
+                <a:solidFill>
+                  <a:schemeClr val="tx1">
+                    <a:lumMod val="50000"/>
+                    <a:lumOff val="50000"/>
+                  </a:schemeClr>
+                </a:solidFill>
+                <a:latin typeface="Open Sans" panose="020B0606030504020204" pitchFamily="34" charset="0"/>
+                <a:ea typeface="Open Sans" panose="020B0606030504020204" pitchFamily="34" charset="0"/>
+                <a:cs typeface="Open Sans" panose="020B0606030504020204" pitchFamily="34" charset="0"/>
+              </a:rPr>
+              <a:t>在点击后，在右方详细显示出它的图像，名称，和它的效果（或能力）。</a:t>
+            </a:r>
+            <a:endParaRPr lang="en-US" altLang="zh-CN" sz="2000" dirty="0">
+              <a:solidFill>
+                <a:schemeClr val="tx1">
+                  <a:lumMod val="50000"/>
+                  <a:lumOff val="50000"/>
+                </a:schemeClr>
+              </a:solidFill>
+              <a:latin typeface="Open Sans" panose="020B0606030504020204" pitchFamily="34" charset="0"/>
+              <a:ea typeface="Open Sans" panose="020B0606030504020204" pitchFamily="34" charset="0"/>
+              <a:cs typeface="Open Sans" panose="020B0606030504020204" pitchFamily="34" charset="0"/>
+            </a:endParaRPr>
+          </a:p>
+        </p:txBody>
+      </p:sp>
+      <p:sp>
+        <p:nvSpPr>
+          <p:cNvPr id="5" name="Rectangle 54"/>
+          <p:cNvSpPr/>
+          <p:nvPr/>
+        </p:nvSpPr>
+        <p:spPr>
+          <a:xfrm>
+            <a:off x="7322343" y="1212851"/>
+            <a:ext cx="4869657" cy="1430337"/>
+          </a:xfrm>
+          <a:prstGeom prst="rect">
+            <a:avLst/>
+          </a:prstGeom>
+          <a:solidFill>
+            <a:schemeClr val="bg1">
+              <a:lumMod val="85000"/>
+            </a:schemeClr>
+          </a:solidFill>
+          <a:ln>
+            <a:noFill/>
+          </a:ln>
+        </p:spPr>
+        <p:style>
+          <a:lnRef idx="2">
+            <a:schemeClr val="accent1">
+              <a:shade val="50000"/>
+            </a:schemeClr>
+          </a:lnRef>
+          <a:fillRef idx="1">
+            <a:schemeClr val="accent1"/>
+          </a:fillRef>
+          <a:effectRef idx="0">
+            <a:schemeClr val="accent1"/>
+          </a:effectRef>
+          <a:fontRef idx="minor">
+            <a:schemeClr val="lt1"/>
+          </a:fontRef>
+        </p:style>
+        <p:txBody>
+          <a:bodyPr anchor="ctr"/>
+          <a:lstStyle/>
+          <a:p>
+            <a:pPr algn="ctr" eaLnBrk="1" hangingPunct="1"/>
+            <a:endParaRPr lang="zh-CN" altLang="zh-CN">
+              <a:solidFill>
+                <a:srgbClr val="FFFFFF"/>
+              </a:solidFill>
+            </a:endParaRPr>
+          </a:p>
+        </p:txBody>
+      </p:sp>
+      <p:sp>
+        <p:nvSpPr>
+          <p:cNvPr id="6" name="TextBox 55"/>
+          <p:cNvSpPr txBox="1">
+            <a:spLocks noChangeArrowheads="1"/>
+          </p:cNvSpPr>
+          <p:nvPr/>
+        </p:nvSpPr>
+        <p:spPr bwMode="auto">
+          <a:xfrm>
+            <a:off x="7726521" y="1543298"/>
+            <a:ext cx="4438174" cy="707886"/>
+          </a:xfrm>
+          <a:prstGeom prst="rect">
+            <a:avLst/>
+          </a:prstGeom>
+          <a:noFill/>
+          <a:ln>
+            <a:noFill/>
+          </a:ln>
+          <a:extLst>
+            <a:ext uri="{909E8E84-426E-40DD-AFC4-6F175D3DCCD1}">
+              <a14:hiddenFill xmlns:a14="http://schemas.microsoft.com/office/drawing/2010/main">
+                <a:solidFill>
+                  <a:srgbClr val="FFFFFF"/>
+                </a:solidFill>
+              </a14:hiddenFill>
+            </a:ext>
+            <a:ext uri="{91240B29-F687-4F45-9708-019B960494DF}">
+              <a14:hiddenLine xmlns:a14="http://schemas.microsoft.com/office/drawing/2010/main" w="9525">
+                <a:solidFill>
+                  <a:srgbClr val="000000"/>
+                </a:solidFill>
+                <a:miter lim="800000"/>
+                <a:headEnd/>
+                <a:tailEnd/>
+              </a14:hiddenLine>
+            </a:ext>
+          </a:extLst>
+        </p:spPr>
+        <p:txBody>
+          <a:bodyPr wrap="square">
+            <a:spAutoFit/>
+          </a:bodyPr>
+          <a:lstStyle>
+            <a:lvl1pPr>
+              <a:defRPr>
+                <a:solidFill>
+                  <a:schemeClr val="tx1"/>
+                </a:solidFill>
+                <a:latin typeface="Calibri" panose="020F0502020204030204" pitchFamily="34" charset="0"/>
+              </a:defRPr>
+            </a:lvl1pPr>
+            <a:lvl2pPr marL="742950" indent="-285750">
+              <a:defRPr>
+                <a:solidFill>
+                  <a:schemeClr val="tx1"/>
+                </a:solidFill>
+                <a:latin typeface="Calibri" panose="020F0502020204030204" pitchFamily="34" charset="0"/>
+              </a:defRPr>
+            </a:lvl2pPr>
+            <a:lvl3pPr marL="1143000" indent="-228600">
+              <a:defRPr>
+                <a:solidFill>
+                  <a:schemeClr val="tx1"/>
+                </a:solidFill>
+                <a:latin typeface="Calibri" panose="020F0502020204030204" pitchFamily="34" charset="0"/>
+              </a:defRPr>
+            </a:lvl3pPr>
+            <a:lvl4pPr marL="1600200" indent="-228600">
+              <a:defRPr>
+                <a:solidFill>
+                  <a:schemeClr val="tx1"/>
+                </a:solidFill>
+                <a:latin typeface="Calibri" panose="020F0502020204030204" pitchFamily="34" charset="0"/>
+              </a:defRPr>
+            </a:lvl4pPr>
+            <a:lvl5pPr marL="2057400" indent="-228600">
+              <a:defRPr>
+                <a:solidFill>
+                  <a:schemeClr val="tx1"/>
+                </a:solidFill>
+                <a:latin typeface="Calibri" panose="020F0502020204030204" pitchFamily="34" charset="0"/>
+              </a:defRPr>
+            </a:lvl5pPr>
+            <a:lvl6pPr marL="2514600" indent="-228600" fontAlgn="base">
+              <a:spcBef>
+                <a:spcPct val="0"/>
+              </a:spcBef>
+              <a:spcAft>
+                <a:spcPct val="0"/>
+              </a:spcAft>
+              <a:defRPr>
+                <a:solidFill>
+                  <a:schemeClr val="tx1"/>
+                </a:solidFill>
+                <a:latin typeface="Calibri" panose="020F0502020204030204" pitchFamily="34" charset="0"/>
+              </a:defRPr>
+            </a:lvl6pPr>
+            <a:lvl7pPr marL="2971800" indent="-228600" fontAlgn="base">
+              <a:spcBef>
+                <a:spcPct val="0"/>
+              </a:spcBef>
+              <a:spcAft>
+                <a:spcPct val="0"/>
+              </a:spcAft>
+              <a:defRPr>
+                <a:solidFill>
+                  <a:schemeClr val="tx1"/>
+                </a:solidFill>
+                <a:latin typeface="Calibri" panose="020F0502020204030204" pitchFamily="34" charset="0"/>
+              </a:defRPr>
+            </a:lvl7pPr>
+            <a:lvl8pPr marL="3429000" indent="-228600" fontAlgn="base">
+              <a:spcBef>
+                <a:spcPct val="0"/>
+              </a:spcBef>
+              <a:spcAft>
+                <a:spcPct val="0"/>
+              </a:spcAft>
+              <a:defRPr>
+                <a:solidFill>
+                  <a:schemeClr val="tx1"/>
+                </a:solidFill>
+                <a:latin typeface="Calibri" panose="020F0502020204030204" pitchFamily="34" charset="0"/>
+              </a:defRPr>
+            </a:lvl8pPr>
+            <a:lvl9pPr marL="3886200" indent="-228600" fontAlgn="base">
+              <a:spcBef>
+                <a:spcPct val="0"/>
+              </a:spcBef>
+              <a:spcAft>
+                <a:spcPct val="0"/>
+              </a:spcAft>
+              <a:defRPr>
+                <a:solidFill>
+                  <a:schemeClr val="tx1"/>
+                </a:solidFill>
+                <a:latin typeface="Calibri" panose="020F0502020204030204" pitchFamily="34" charset="0"/>
+              </a:defRPr>
+            </a:lvl9pPr>
+          </a:lstStyle>
+          <a:p>
+            <a:pPr eaLnBrk="1" hangingPunct="1"/>
+            <a:r>
+              <a:rPr lang="zh-CN" altLang="en-US" sz="4000" dirty="0">
+                <a:solidFill>
+                  <a:schemeClr val="bg1"/>
+                </a:solidFill>
+                <a:latin typeface="Open Sans" panose="020B0606030504020204" pitchFamily="34" charset="0"/>
+              </a:rPr>
               <a:t>图鉴场景设计</a:t>
             </a:r>
             <a:endParaRPr lang="zh-CN" altLang="en-US" sz="4000" dirty="0">
@@ -8440,7 +9144,7 @@
 </p:sld>
 </file>
 
-<file path=ppt/slides/slide13.xml><?xml version="1.0" encoding="utf-8"?>
+<file path=ppt/slides/slide14.xml><?xml version="1.0" encoding="utf-8"?>
 <p:sld xmlns:a="http://schemas.openxmlformats.org/drawingml/2006/main" xmlns:r="http://schemas.openxmlformats.org/officeDocument/2006/relationships" xmlns:p="http://schemas.openxmlformats.org/presentationml/2006/main">
   <p:cSld>
     <p:spTree>
@@ -9243,7 +9947,7 @@
 </p:sld>
 </file>
 
-<file path=ppt/slides/slide14.xml><?xml version="1.0" encoding="utf-8"?>
+<file path=ppt/slides/slide15.xml><?xml version="1.0" encoding="utf-8"?>
 <p:sld xmlns:a="http://schemas.openxmlformats.org/drawingml/2006/main" xmlns:r="http://schemas.openxmlformats.org/officeDocument/2006/relationships" xmlns:p="http://schemas.openxmlformats.org/presentationml/2006/main">
   <p:cSld>
     <p:spTree>
@@ -9936,634 +10640,6 @@
     </p:spTree>
     <p:custDataLst>
       <p:tags r:id="rId3"/>
-    </p:custDataLst>
-  </p:cSld>
-  <p:clrMapOvr>
-    <a:masterClrMapping/>
-  </p:clrMapOvr>
-  <mc:AlternateContent xmlns:mc="http://schemas.openxmlformats.org/markup-compatibility/2006">
-    <mc:Choice xmlns:p15="http://schemas.microsoft.com/office/powerpoint/2012/main" Requires="p15">
-      <p:transition xmlns:p14="http://schemas.microsoft.com/office/powerpoint/2010/main" spd="slow" Requires="p14" p14:dur="1250">
-        <p15:prstTrans prst="pageCurlDouble"/>
-      </p:transition>
-    </mc:Choice>
-    <mc:Fallback>
-      <p:transition spd="slow">
-        <p:fade/>
-      </p:transition>
-    </mc:Fallback>
-  </mc:AlternateContent>
-</p:sld>
-</file>
-
-<file path=ppt/slides/slide15.xml><?xml version="1.0" encoding="utf-8"?>
-<p:sld xmlns:a="http://schemas.openxmlformats.org/drawingml/2006/main" xmlns:r="http://schemas.openxmlformats.org/officeDocument/2006/relationships" xmlns:p="http://schemas.openxmlformats.org/presentationml/2006/main">
-  <p:cSld>
-    <p:spTree>
-      <p:nvGrpSpPr>
-        <p:cNvPr id="1" name=""/>
-        <p:cNvGrpSpPr/>
-        <p:nvPr/>
-      </p:nvGrpSpPr>
-      <p:grpSpPr>
-        <a:xfrm>
-          <a:off x="0" y="0"/>
-          <a:ext cx="0" cy="0"/>
-          <a:chOff x="0" y="0"/>
-          <a:chExt cx="0" cy="0"/>
-        </a:xfrm>
-      </p:grpSpPr>
-      <p:sp>
-        <p:nvSpPr>
-          <p:cNvPr id="4" name="矩形 3"/>
-          <p:cNvSpPr/>
-          <p:nvPr/>
-        </p:nvSpPr>
-        <p:spPr>
-          <a:xfrm>
-            <a:off x="6096000" y="0"/>
-            <a:ext cx="6096000" cy="6858000"/>
-          </a:xfrm>
-          <a:prstGeom prst="rect">
-            <a:avLst/>
-          </a:prstGeom>
-          <a:solidFill>
-            <a:schemeClr val="bg1">
-              <a:lumMod val="95000"/>
-            </a:schemeClr>
-          </a:solidFill>
-          <a:ln>
-            <a:noFill/>
-          </a:ln>
-          <a:effectLst/>
-        </p:spPr>
-        <p:style>
-          <a:lnRef idx="2">
-            <a:schemeClr val="accent1">
-              <a:shade val="50000"/>
-            </a:schemeClr>
-          </a:lnRef>
-          <a:fillRef idx="1">
-            <a:schemeClr val="accent1"/>
-          </a:fillRef>
-          <a:effectRef idx="0">
-            <a:schemeClr val="accent1"/>
-          </a:effectRef>
-          <a:fontRef idx="minor">
-            <a:schemeClr val="lt1"/>
-          </a:fontRef>
-        </p:style>
-        <p:txBody>
-          <a:bodyPr rtlCol="0" anchor="ctr"/>
-          <a:lstStyle/>
-          <a:p>
-            <a:pPr marL="0" marR="0" lvl="0" indent="0" algn="ctr" defTabSz="914400" rtl="0" eaLnBrk="1" fontAlgn="auto" latinLnBrk="0" hangingPunct="1">
-              <a:lnSpc>
-                <a:spcPct val="100000"/>
-              </a:lnSpc>
-              <a:spcBef>
-                <a:spcPts val="0"/>
-              </a:spcBef>
-              <a:spcAft>
-                <a:spcPts val="0"/>
-              </a:spcAft>
-              <a:buClrTx/>
-              <a:buSzTx/>
-              <a:buFontTx/>
-              <a:buNone/>
-              <a:defRPr/>
-            </a:pPr>
-            <a:endParaRPr kumimoji="0" lang="zh-CN" altLang="en-US" sz="1800" b="0" i="0" u="none" strike="noStrike" kern="1200" cap="none" spc="0" normalizeH="0" baseline="0" noProof="0">
-              <a:ln>
-                <a:noFill/>
-              </a:ln>
-              <a:solidFill>
-                <a:prstClr val="white"/>
-              </a:solidFill>
-              <a:effectLst/>
-              <a:uLnTx/>
-              <a:uFillTx/>
-              <a:latin typeface="等线" panose="02010600030101010101" charset="-122"/>
-              <a:ea typeface="等线" panose="02010600030101010101" charset="-122"/>
-              <a:cs typeface="+mn-cs"/>
-            </a:endParaRPr>
-          </a:p>
-        </p:txBody>
-      </p:sp>
-      <p:sp>
-        <p:nvSpPr>
-          <p:cNvPr id="2" name="矩形 1"/>
-          <p:cNvSpPr/>
-          <p:nvPr/>
-        </p:nvSpPr>
-        <p:spPr>
-          <a:xfrm>
-            <a:off x="0" y="0"/>
-            <a:ext cx="6096000" cy="6858000"/>
-          </a:xfrm>
-          <a:prstGeom prst="rect">
-            <a:avLst/>
-          </a:prstGeom>
-          <a:solidFill>
-            <a:schemeClr val="bg1">
-              <a:lumMod val="95000"/>
-            </a:schemeClr>
-          </a:solidFill>
-          <a:ln>
-            <a:noFill/>
-          </a:ln>
-          <a:effectLst/>
-        </p:spPr>
-        <p:style>
-          <a:lnRef idx="2">
-            <a:schemeClr val="accent1">
-              <a:shade val="50000"/>
-            </a:schemeClr>
-          </a:lnRef>
-          <a:fillRef idx="1">
-            <a:schemeClr val="accent1"/>
-          </a:fillRef>
-          <a:effectRef idx="0">
-            <a:schemeClr val="accent1"/>
-          </a:effectRef>
-          <a:fontRef idx="minor">
-            <a:schemeClr val="lt1"/>
-          </a:fontRef>
-        </p:style>
-        <p:txBody>
-          <a:bodyPr rtlCol="0" anchor="ctr"/>
-          <a:lstStyle/>
-          <a:p>
-            <a:pPr marL="0" marR="0" lvl="0" indent="0" algn="ctr" defTabSz="914400" rtl="0" eaLnBrk="1" fontAlgn="auto" latinLnBrk="0" hangingPunct="1">
-              <a:lnSpc>
-                <a:spcPct val="100000"/>
-              </a:lnSpc>
-              <a:spcBef>
-                <a:spcPts val="0"/>
-              </a:spcBef>
-              <a:spcAft>
-                <a:spcPts val="0"/>
-              </a:spcAft>
-              <a:buClrTx/>
-              <a:buSzTx/>
-              <a:buFontTx/>
-              <a:buNone/>
-              <a:defRPr/>
-            </a:pPr>
-            <a:endParaRPr kumimoji="0" lang="zh-CN" altLang="en-US" sz="1800" b="0" i="0" u="none" strike="noStrike" kern="1200" cap="none" spc="0" normalizeH="0" baseline="0" noProof="0">
-              <a:ln>
-                <a:noFill/>
-              </a:ln>
-              <a:solidFill>
-                <a:prstClr val="white"/>
-              </a:solidFill>
-              <a:effectLst/>
-              <a:uLnTx/>
-              <a:uFillTx/>
-              <a:latin typeface="等线" panose="02010600030101010101" charset="-122"/>
-              <a:ea typeface="等线" panose="02010600030101010101" charset="-122"/>
-              <a:cs typeface="+mn-cs"/>
-            </a:endParaRPr>
-          </a:p>
-        </p:txBody>
-      </p:sp>
-      <p:sp>
-        <p:nvSpPr>
-          <p:cNvPr id="3" name="矩形 2"/>
-          <p:cNvSpPr/>
-          <p:nvPr/>
-        </p:nvSpPr>
-        <p:spPr>
-          <a:xfrm>
-            <a:off x="6096000" y="0"/>
-            <a:ext cx="444500" cy="6858000"/>
-          </a:xfrm>
-          <a:prstGeom prst="rect">
-            <a:avLst/>
-          </a:prstGeom>
-          <a:gradFill flip="none" rotWithShape="1">
-            <a:gsLst>
-              <a:gs pos="0">
-                <a:schemeClr val="bg1">
-                  <a:lumMod val="50000"/>
-                  <a:alpha val="50000"/>
-                </a:schemeClr>
-              </a:gs>
-              <a:gs pos="100000">
-                <a:schemeClr val="bg1">
-                  <a:lumMod val="50000"/>
-                  <a:alpha val="0"/>
-                </a:schemeClr>
-              </a:gs>
-            </a:gsLst>
-            <a:lin ang="0" scaled="1"/>
-            <a:tileRect/>
-          </a:gradFill>
-          <a:ln>
-            <a:noFill/>
-          </a:ln>
-        </p:spPr>
-        <p:style>
-          <a:lnRef idx="2">
-            <a:schemeClr val="accent1">
-              <a:shade val="50000"/>
-            </a:schemeClr>
-          </a:lnRef>
-          <a:fillRef idx="1">
-            <a:schemeClr val="accent1"/>
-          </a:fillRef>
-          <a:effectRef idx="0">
-            <a:schemeClr val="accent1"/>
-          </a:effectRef>
-          <a:fontRef idx="minor">
-            <a:schemeClr val="lt1"/>
-          </a:fontRef>
-        </p:style>
-        <p:txBody>
-          <a:bodyPr rtlCol="0" anchor="ctr"/>
-          <a:lstStyle/>
-          <a:p>
-            <a:pPr marL="0" marR="0" lvl="0" indent="0" algn="ctr" defTabSz="914400" rtl="0" eaLnBrk="1" fontAlgn="auto" latinLnBrk="0" hangingPunct="1">
-              <a:lnSpc>
-                <a:spcPct val="100000"/>
-              </a:lnSpc>
-              <a:spcBef>
-                <a:spcPts val="0"/>
-              </a:spcBef>
-              <a:spcAft>
-                <a:spcPts val="0"/>
-              </a:spcAft>
-              <a:buClrTx/>
-              <a:buSzTx/>
-              <a:buFontTx/>
-              <a:buNone/>
-              <a:defRPr/>
-            </a:pPr>
-            <a:endParaRPr kumimoji="0" lang="zh-CN" altLang="en-US" sz="1800" b="0" i="0" u="none" strike="noStrike" kern="1200" cap="none" spc="0" normalizeH="0" baseline="0" noProof="0">
-              <a:ln>
-                <a:noFill/>
-              </a:ln>
-              <a:solidFill>
-                <a:prstClr val="white"/>
-              </a:solidFill>
-              <a:effectLst/>
-              <a:uLnTx/>
-              <a:uFillTx/>
-              <a:latin typeface="等线" panose="02010600030101010101" charset="-122"/>
-              <a:ea typeface="等线" panose="02010600030101010101" charset="-122"/>
-              <a:cs typeface="+mn-cs"/>
-            </a:endParaRPr>
-          </a:p>
-        </p:txBody>
-      </p:sp>
-      <p:sp>
-        <p:nvSpPr>
-          <p:cNvPr id="12" name="矩形 11"/>
-          <p:cNvSpPr/>
-          <p:nvPr/>
-        </p:nvSpPr>
-        <p:spPr>
-          <a:xfrm flipH="1">
-            <a:off x="5651500" y="0"/>
-            <a:ext cx="444500" cy="6858000"/>
-          </a:xfrm>
-          <a:prstGeom prst="rect">
-            <a:avLst/>
-          </a:prstGeom>
-          <a:gradFill flip="none" rotWithShape="1">
-            <a:gsLst>
-              <a:gs pos="0">
-                <a:schemeClr val="bg1">
-                  <a:lumMod val="50000"/>
-                  <a:alpha val="50000"/>
-                </a:schemeClr>
-              </a:gs>
-              <a:gs pos="100000">
-                <a:schemeClr val="bg1">
-                  <a:lumMod val="50000"/>
-                  <a:alpha val="0"/>
-                </a:schemeClr>
-              </a:gs>
-            </a:gsLst>
-            <a:lin ang="0" scaled="1"/>
-            <a:tileRect/>
-          </a:gradFill>
-          <a:ln>
-            <a:noFill/>
-          </a:ln>
-        </p:spPr>
-        <p:style>
-          <a:lnRef idx="2">
-            <a:schemeClr val="accent1">
-              <a:shade val="50000"/>
-            </a:schemeClr>
-          </a:lnRef>
-          <a:fillRef idx="1">
-            <a:schemeClr val="accent1"/>
-          </a:fillRef>
-          <a:effectRef idx="0">
-            <a:schemeClr val="accent1"/>
-          </a:effectRef>
-          <a:fontRef idx="minor">
-            <a:schemeClr val="lt1"/>
-          </a:fontRef>
-        </p:style>
-        <p:txBody>
-          <a:bodyPr rtlCol="0" anchor="ctr"/>
-          <a:lstStyle/>
-          <a:p>
-            <a:pPr marL="0" marR="0" lvl="0" indent="0" algn="ctr" defTabSz="914400" rtl="0" eaLnBrk="1" fontAlgn="auto" latinLnBrk="0" hangingPunct="1">
-              <a:lnSpc>
-                <a:spcPct val="100000"/>
-              </a:lnSpc>
-              <a:spcBef>
-                <a:spcPts val="0"/>
-              </a:spcBef>
-              <a:spcAft>
-                <a:spcPts val="0"/>
-              </a:spcAft>
-              <a:buClrTx/>
-              <a:buSzTx/>
-              <a:buFontTx/>
-              <a:buNone/>
-              <a:defRPr/>
-            </a:pPr>
-            <a:endParaRPr kumimoji="0" lang="zh-CN" altLang="en-US" sz="1800" b="0" i="0" u="none" strike="noStrike" kern="1200" cap="none" spc="0" normalizeH="0" baseline="0" noProof="0">
-              <a:ln>
-                <a:noFill/>
-              </a:ln>
-              <a:solidFill>
-                <a:prstClr val="white"/>
-              </a:solidFill>
-              <a:effectLst/>
-              <a:uLnTx/>
-              <a:uFillTx/>
-              <a:latin typeface="等线" panose="02010600030101010101" charset="-122"/>
-              <a:ea typeface="等线" panose="02010600030101010101" charset="-122"/>
-              <a:cs typeface="+mn-cs"/>
-            </a:endParaRPr>
-          </a:p>
-        </p:txBody>
-      </p:sp>
-      <p:sp>
-        <p:nvSpPr>
-          <p:cNvPr id="7" name="矩形 6"/>
-          <p:cNvSpPr/>
-          <p:nvPr/>
-        </p:nvSpPr>
-        <p:spPr>
-          <a:xfrm>
-            <a:off x="8049895" y="755650"/>
-            <a:ext cx="1160145" cy="352425"/>
-          </a:xfrm>
-          <a:prstGeom prst="rect">
-            <a:avLst/>
-          </a:prstGeom>
-        </p:spPr>
-        <p:txBody>
-          <a:bodyPr wrap="square">
-            <a:spAutoFit/>
-          </a:bodyPr>
-          <a:lstStyle/>
-          <a:p>
-            <a:r>
-              <a:rPr lang="zh-CN" altLang="en-US" sz="1700" dirty="0">
-                <a:solidFill>
-                  <a:schemeClr val="tx1">
-                    <a:lumMod val="75000"/>
-                    <a:lumOff val="25000"/>
-                  </a:schemeClr>
-                </a:solidFill>
-                <a:cs typeface="+mn-ea"/>
-                <a:sym typeface="+mn-lt"/>
-              </a:rPr>
-              <a:t>武器设定</a:t>
-            </a:r>
-            <a:endParaRPr lang="en-US" altLang="zh-CN" sz="1700" dirty="0">
-              <a:solidFill>
-                <a:schemeClr val="tx1">
-                  <a:lumMod val="75000"/>
-                  <a:lumOff val="25000"/>
-                </a:schemeClr>
-              </a:solidFill>
-              <a:cs typeface="+mn-ea"/>
-              <a:sym typeface="+mn-lt"/>
-            </a:endParaRPr>
-          </a:p>
-        </p:txBody>
-      </p:sp>
-      <p:sp>
-        <p:nvSpPr>
-          <p:cNvPr id="11" name="菱形 10"/>
-          <p:cNvSpPr/>
-          <p:nvPr/>
-        </p:nvSpPr>
-        <p:spPr>
-          <a:xfrm>
-            <a:off x="7131685" y="624205"/>
-            <a:ext cx="628015" cy="615315"/>
-          </a:xfrm>
-          <a:prstGeom prst="diamond">
-            <a:avLst/>
-          </a:prstGeom>
-          <a:solidFill>
-            <a:schemeClr val="bg1">
-              <a:lumMod val="85000"/>
-            </a:schemeClr>
-          </a:solidFill>
-          <a:ln>
-            <a:noFill/>
-          </a:ln>
-          <a:effectLst/>
-        </p:spPr>
-        <p:style>
-          <a:lnRef idx="2">
-            <a:schemeClr val="accent1">
-              <a:shade val="50000"/>
-            </a:schemeClr>
-          </a:lnRef>
-          <a:fillRef idx="1">
-            <a:schemeClr val="accent1"/>
-          </a:fillRef>
-          <a:effectRef idx="0">
-            <a:schemeClr val="accent1"/>
-          </a:effectRef>
-          <a:fontRef idx="minor">
-            <a:schemeClr val="lt1"/>
-          </a:fontRef>
-        </p:style>
-        <p:txBody>
-          <a:bodyPr rtlCol="0" anchor="ctr"/>
-          <a:lstStyle/>
-          <a:p>
-            <a:pPr algn="ctr"/>
-            <a:endParaRPr lang="zh-CN" altLang="en-US" dirty="0"/>
-          </a:p>
-        </p:txBody>
-      </p:sp>
-      <p:pic>
-        <p:nvPicPr>
-          <p:cNvPr id="6" name="图片 2" descr="4451681438996_.pic"/>
-          <p:cNvPicPr>
-            <a:picLocks noChangeAspect="1"/>
-          </p:cNvPicPr>
-          <p:nvPr/>
-        </p:nvPicPr>
-        <p:blipFill>
-          <a:blip r:embed="rId1"/>
-          <a:stretch>
-            <a:fillRect/>
-          </a:stretch>
-        </p:blipFill>
-        <p:spPr>
-          <a:xfrm>
-            <a:off x="3385185" y="1109980"/>
-            <a:ext cx="1555750" cy="1477010"/>
-          </a:xfrm>
-          <a:prstGeom prst="rect">
-            <a:avLst/>
-          </a:prstGeom>
-          <a:noFill/>
-          <a:ln w="9525">
-            <a:noFill/>
-          </a:ln>
-        </p:spPr>
-      </p:pic>
-      <p:pic>
-        <p:nvPicPr>
-          <p:cNvPr id="8" name="图片 9" descr="4441681438995_.pic"/>
-          <p:cNvPicPr>
-            <a:picLocks noChangeAspect="1"/>
-          </p:cNvPicPr>
-          <p:nvPr/>
-        </p:nvPicPr>
-        <p:blipFill>
-          <a:blip r:embed="rId2"/>
-          <a:stretch>
-            <a:fillRect/>
-          </a:stretch>
-        </p:blipFill>
-        <p:spPr>
-          <a:xfrm>
-            <a:off x="1069023" y="1108075"/>
-            <a:ext cx="1604645" cy="1480820"/>
-          </a:xfrm>
-          <a:prstGeom prst="rect">
-            <a:avLst/>
-          </a:prstGeom>
-          <a:noFill/>
-          <a:ln w="9525">
-            <a:noFill/>
-          </a:ln>
-        </p:spPr>
-      </p:pic>
-      <p:pic>
-        <p:nvPicPr>
-          <p:cNvPr id="9" name="图片 8" descr="4431681438994_.pic"/>
-          <p:cNvPicPr>
-            <a:picLocks noChangeAspect="1"/>
-          </p:cNvPicPr>
-          <p:nvPr/>
-        </p:nvPicPr>
-        <p:blipFill>
-          <a:blip r:embed="rId3"/>
-          <a:stretch>
-            <a:fillRect/>
-          </a:stretch>
-        </p:blipFill>
-        <p:spPr>
-          <a:xfrm rot="-10800000" flipV="1">
-            <a:off x="1062673" y="3573463"/>
-            <a:ext cx="1610995" cy="1520825"/>
-          </a:xfrm>
-          <a:prstGeom prst="rect">
-            <a:avLst/>
-          </a:prstGeom>
-          <a:noFill/>
-          <a:ln w="9525">
-            <a:noFill/>
-          </a:ln>
-        </p:spPr>
-      </p:pic>
-      <p:pic>
-        <p:nvPicPr>
-          <p:cNvPr id="10" name="图片 7" descr="891681439245_.pic"/>
-          <p:cNvPicPr>
-            <a:picLocks noChangeAspect="1"/>
-          </p:cNvPicPr>
-          <p:nvPr/>
-        </p:nvPicPr>
-        <p:blipFill>
-          <a:blip r:embed="rId4"/>
-          <a:srcRect t="19492" r="854" b="5412"/>
-          <a:stretch>
-            <a:fillRect/>
-          </a:stretch>
-        </p:blipFill>
-        <p:spPr>
-          <a:xfrm>
-            <a:off x="3428365" y="3579813"/>
-            <a:ext cx="1498600" cy="1514475"/>
-          </a:xfrm>
-          <a:prstGeom prst="rect">
-            <a:avLst/>
-          </a:prstGeom>
-          <a:noFill/>
-          <a:ln w="9525">
-            <a:noFill/>
-          </a:ln>
-        </p:spPr>
-      </p:pic>
-      <p:sp>
-        <p:nvSpPr>
-          <p:cNvPr id="5" name="文本框 4"/>
-          <p:cNvSpPr txBox="1"/>
-          <p:nvPr/>
-        </p:nvSpPr>
-        <p:spPr>
-          <a:xfrm>
-            <a:off x="7305675" y="1499235"/>
-            <a:ext cx="4245610" cy="1712135"/>
-          </a:xfrm>
-          <a:prstGeom prst="rect">
-            <a:avLst/>
-          </a:prstGeom>
-          <a:noFill/>
-        </p:spPr>
-        <p:txBody>
-          <a:bodyPr wrap="square" rtlCol="0">
-            <a:spAutoFit/>
-          </a:bodyPr>
-          <a:lstStyle/>
-          <a:p>
-            <a:pPr>
-              <a:lnSpc>
-                <a:spcPct val="150000"/>
-              </a:lnSpc>
-            </a:pPr>
-            <a:r>
-              <a:rPr lang="zh-CN" altLang="en-US" dirty="0"/>
-              <a:t>游戏卡牌分为武器卡牌和行动手牌，武器分为地风水火四种属性，每个武器最多可持有一种主属性和一种副属性。</a:t>
-            </a:r>
-            <a:endParaRPr lang="en-US" altLang="zh-CN" dirty="0"/>
-          </a:p>
-          <a:p>
-            <a:pPr>
-              <a:lnSpc>
-                <a:spcPct val="150000"/>
-              </a:lnSpc>
-            </a:pPr>
-            <a:r>
-              <a:rPr lang="zh-CN" altLang="en-US" dirty="0"/>
-              <a:t>行动手牌让特定的装备有不同的效果。</a:t>
-            </a:r>
-            <a:endParaRPr lang="zh-CN" altLang="en-US" dirty="0"/>
-          </a:p>
-        </p:txBody>
-      </p:sp>
-    </p:spTree>
-    <p:custDataLst>
-      <p:tags r:id="rId5"/>
     </p:custDataLst>
   </p:cSld>
   <p:clrMapOvr>
@@ -12308,31 +12384,6 @@
           </a:p>
         </p:txBody>
       </p:sp>
-      <p:pic>
-        <p:nvPicPr>
-          <p:cNvPr id="5" name="图片 4" descr="901681440551_.pic"/>
-          <p:cNvPicPr>
-            <a:picLocks noChangeAspect="1"/>
-          </p:cNvPicPr>
-          <p:nvPr/>
-        </p:nvPicPr>
-        <p:blipFill>
-          <a:blip r:embed="rId1"/>
-          <a:srcRect l="11398" r="15131" b="5747"/>
-          <a:stretch>
-            <a:fillRect/>
-          </a:stretch>
-        </p:blipFill>
-        <p:spPr>
-          <a:xfrm>
-            <a:off x="861695" y="594360"/>
-            <a:ext cx="4095115" cy="5668645"/>
-          </a:xfrm>
-          <a:prstGeom prst="rect">
-            <a:avLst/>
-          </a:prstGeom>
-        </p:spPr>
-      </p:pic>
       <p:sp>
         <p:nvSpPr>
           <p:cNvPr id="7" name="文本框 6"/>
@@ -12341,7 +12392,7 @@
         </p:nvSpPr>
         <p:spPr>
           <a:xfrm>
-            <a:off x="6929120" y="1179195"/>
+            <a:off x="483870" y="723265"/>
             <a:ext cx="4852670" cy="4498340"/>
           </a:xfrm>
           <a:prstGeom prst="rect">
@@ -12415,6 +12466,116 @@
             <a:r>
               <a:rPr lang="zh-CN" altLang="en-US"/>
               <a:t>创建游戏逻辑，例如抽牌、打牌和计分等。可以使用Unity的C#脚本来实现这些逻辑。</a:t>
+            </a:r>
+            <a:endParaRPr lang="zh-CN" altLang="en-US"/>
+          </a:p>
+        </p:txBody>
+      </p:sp>
+      <p:sp>
+        <p:nvSpPr>
+          <p:cNvPr id="6" name="文本框 5"/>
+          <p:cNvSpPr txBox="1"/>
+          <p:nvPr>
+            <p:custDataLst>
+              <p:tags r:id="rId1"/>
+            </p:custDataLst>
+          </p:nvPr>
+        </p:nvSpPr>
+        <p:spPr>
+          <a:xfrm>
+            <a:off x="6824345" y="434975"/>
+            <a:ext cx="5117465" cy="5074285"/>
+          </a:xfrm>
+          <a:prstGeom prst="rect">
+            <a:avLst/>
+          </a:prstGeom>
+          <a:noFill/>
+        </p:spPr>
+        <p:txBody>
+          <a:bodyPr wrap="square" rtlCol="0">
+            <a:noAutofit/>
+          </a:bodyPr>
+          <a:p>
+            <a:pPr algn="just">
+              <a:lnSpc>
+                <a:spcPct val="150000"/>
+              </a:lnSpc>
+            </a:pPr>
+            <a:r>
+              <a:rPr lang="zh-CN" altLang="en-US"/>
+              <a:t>UI界面模块：用于实现游戏界面，包括主界面、卡牌选择界面、战斗界面等等。</a:t>
+            </a:r>
+            <a:endParaRPr lang="zh-CN" altLang="en-US"/>
+          </a:p>
+          <a:p>
+            <a:pPr algn="just">
+              <a:lnSpc>
+                <a:spcPct val="150000"/>
+              </a:lnSpc>
+            </a:pPr>
+            <a:endParaRPr lang="zh-CN" altLang="en-US"/>
+          </a:p>
+          <a:p>
+            <a:pPr algn="just">
+              <a:lnSpc>
+                <a:spcPct val="150000"/>
+              </a:lnSpc>
+            </a:pPr>
+            <a:r>
+              <a:rPr lang="zh-CN" altLang="en-US"/>
+              <a:t>卡牌数据模块：用于存储和管理卡牌的属性和数据，包括卡牌的名称、描述、稀有度、攻击力、血量等</a:t>
+            </a:r>
+            <a:endParaRPr lang="zh-CN" altLang="en-US"/>
+          </a:p>
+          <a:p>
+            <a:pPr algn="just">
+              <a:lnSpc>
+                <a:spcPct val="150000"/>
+              </a:lnSpc>
+            </a:pPr>
+            <a:r>
+              <a:rPr lang="zh-CN" altLang="en-US"/>
+              <a:t>卡牌操作模块：用于实现玩家与卡牌之间的互动，包括卡牌的抽取、出牌、弃牌、回收等等。</a:t>
+            </a:r>
+            <a:endParaRPr lang="zh-CN" altLang="en-US"/>
+          </a:p>
+          <a:p>
+            <a:pPr algn="just">
+              <a:lnSpc>
+                <a:spcPct val="150000"/>
+              </a:lnSpc>
+            </a:pPr>
+            <a:endParaRPr lang="zh-CN" altLang="en-US"/>
+          </a:p>
+          <a:p>
+            <a:pPr algn="just">
+              <a:lnSpc>
+                <a:spcPct val="150000"/>
+              </a:lnSpc>
+            </a:pPr>
+            <a:r>
+              <a:rPr lang="zh-CN" altLang="en-US"/>
+              <a:t>游戏逻辑模块：用于实现游戏的规则和逻辑，包括回合制、回合流程、胜负判定等等。</a:t>
+            </a:r>
+            <a:endParaRPr lang="zh-CN" altLang="en-US"/>
+          </a:p>
+          <a:p>
+            <a:pPr algn="just">
+              <a:lnSpc>
+                <a:spcPct val="150000"/>
+              </a:lnSpc>
+            </a:pPr>
+            <a:endParaRPr lang="zh-CN" altLang="en-US"/>
+          </a:p>
+          <a:p>
+            <a:pPr algn="just">
+              <a:lnSpc>
+                <a:spcPct val="150000"/>
+              </a:lnSpc>
+            </a:pPr>
+            <a:r>
+              <a:rPr lang="zh-CN" altLang="en-US"/>
+              <a:t>数据统计模块：用于记录和统计游戏数据，包括玩家的胜率、游戏时长、卡牌使用情况等等。</a:t>
             </a:r>
             <a:endParaRPr lang="zh-CN" altLang="en-US"/>
           </a:p>
@@ -14026,6 +14187,634 @@
 </file>
 
 <file path=ppt/slides/slide8.xml><?xml version="1.0" encoding="utf-8"?>
+<p:sld xmlns:a="http://schemas.openxmlformats.org/drawingml/2006/main" xmlns:r="http://schemas.openxmlformats.org/officeDocument/2006/relationships" xmlns:p="http://schemas.openxmlformats.org/presentationml/2006/main">
+  <p:cSld>
+    <p:spTree>
+      <p:nvGrpSpPr>
+        <p:cNvPr id="1" name=""/>
+        <p:cNvGrpSpPr/>
+        <p:nvPr/>
+      </p:nvGrpSpPr>
+      <p:grpSpPr>
+        <a:xfrm>
+          <a:off x="0" y="0"/>
+          <a:ext cx="0" cy="0"/>
+          <a:chOff x="0" y="0"/>
+          <a:chExt cx="0" cy="0"/>
+        </a:xfrm>
+      </p:grpSpPr>
+      <p:sp>
+        <p:nvSpPr>
+          <p:cNvPr id="4" name="矩形 3"/>
+          <p:cNvSpPr/>
+          <p:nvPr/>
+        </p:nvSpPr>
+        <p:spPr>
+          <a:xfrm>
+            <a:off x="6096000" y="0"/>
+            <a:ext cx="6096000" cy="6858000"/>
+          </a:xfrm>
+          <a:prstGeom prst="rect">
+            <a:avLst/>
+          </a:prstGeom>
+          <a:solidFill>
+            <a:schemeClr val="bg1">
+              <a:lumMod val="95000"/>
+            </a:schemeClr>
+          </a:solidFill>
+          <a:ln>
+            <a:noFill/>
+          </a:ln>
+          <a:effectLst/>
+        </p:spPr>
+        <p:style>
+          <a:lnRef idx="2">
+            <a:schemeClr val="accent1">
+              <a:shade val="50000"/>
+            </a:schemeClr>
+          </a:lnRef>
+          <a:fillRef idx="1">
+            <a:schemeClr val="accent1"/>
+          </a:fillRef>
+          <a:effectRef idx="0">
+            <a:schemeClr val="accent1"/>
+          </a:effectRef>
+          <a:fontRef idx="minor">
+            <a:schemeClr val="lt1"/>
+          </a:fontRef>
+        </p:style>
+        <p:txBody>
+          <a:bodyPr rtlCol="0" anchor="ctr"/>
+          <a:lstStyle/>
+          <a:p>
+            <a:pPr marL="0" marR="0" lvl="0" indent="0" algn="ctr" defTabSz="914400" rtl="0" eaLnBrk="1" fontAlgn="auto" latinLnBrk="0" hangingPunct="1">
+              <a:lnSpc>
+                <a:spcPct val="100000"/>
+              </a:lnSpc>
+              <a:spcBef>
+                <a:spcPts val="0"/>
+              </a:spcBef>
+              <a:spcAft>
+                <a:spcPts val="0"/>
+              </a:spcAft>
+              <a:buClrTx/>
+              <a:buSzTx/>
+              <a:buFontTx/>
+              <a:buNone/>
+              <a:defRPr/>
+            </a:pPr>
+            <a:endParaRPr kumimoji="0" lang="zh-CN" altLang="en-US" sz="1800" b="0" i="0" u="none" strike="noStrike" kern="1200" cap="none" spc="0" normalizeH="0" baseline="0" noProof="0">
+              <a:ln>
+                <a:noFill/>
+              </a:ln>
+              <a:solidFill>
+                <a:prstClr val="white"/>
+              </a:solidFill>
+              <a:effectLst/>
+              <a:uLnTx/>
+              <a:uFillTx/>
+              <a:latin typeface="等线" panose="02010600030101010101" charset="-122"/>
+              <a:ea typeface="等线" panose="02010600030101010101" charset="-122"/>
+              <a:cs typeface="+mn-cs"/>
+            </a:endParaRPr>
+          </a:p>
+        </p:txBody>
+      </p:sp>
+      <p:sp>
+        <p:nvSpPr>
+          <p:cNvPr id="2" name="矩形 1"/>
+          <p:cNvSpPr/>
+          <p:nvPr/>
+        </p:nvSpPr>
+        <p:spPr>
+          <a:xfrm>
+            <a:off x="0" y="0"/>
+            <a:ext cx="6096000" cy="6858000"/>
+          </a:xfrm>
+          <a:prstGeom prst="rect">
+            <a:avLst/>
+          </a:prstGeom>
+          <a:solidFill>
+            <a:schemeClr val="bg1">
+              <a:lumMod val="95000"/>
+            </a:schemeClr>
+          </a:solidFill>
+          <a:ln>
+            <a:noFill/>
+          </a:ln>
+          <a:effectLst/>
+        </p:spPr>
+        <p:style>
+          <a:lnRef idx="2">
+            <a:schemeClr val="accent1">
+              <a:shade val="50000"/>
+            </a:schemeClr>
+          </a:lnRef>
+          <a:fillRef idx="1">
+            <a:schemeClr val="accent1"/>
+          </a:fillRef>
+          <a:effectRef idx="0">
+            <a:schemeClr val="accent1"/>
+          </a:effectRef>
+          <a:fontRef idx="minor">
+            <a:schemeClr val="lt1"/>
+          </a:fontRef>
+        </p:style>
+        <p:txBody>
+          <a:bodyPr rtlCol="0" anchor="ctr"/>
+          <a:lstStyle/>
+          <a:p>
+            <a:pPr marL="0" marR="0" lvl="0" indent="0" algn="ctr" defTabSz="914400" rtl="0" eaLnBrk="1" fontAlgn="auto" latinLnBrk="0" hangingPunct="1">
+              <a:lnSpc>
+                <a:spcPct val="100000"/>
+              </a:lnSpc>
+              <a:spcBef>
+                <a:spcPts val="0"/>
+              </a:spcBef>
+              <a:spcAft>
+                <a:spcPts val="0"/>
+              </a:spcAft>
+              <a:buClrTx/>
+              <a:buSzTx/>
+              <a:buFontTx/>
+              <a:buNone/>
+              <a:defRPr/>
+            </a:pPr>
+            <a:endParaRPr kumimoji="0" lang="zh-CN" altLang="en-US" sz="1800" b="0" i="0" u="none" strike="noStrike" kern="1200" cap="none" spc="0" normalizeH="0" baseline="0" noProof="0">
+              <a:ln>
+                <a:noFill/>
+              </a:ln>
+              <a:solidFill>
+                <a:prstClr val="white"/>
+              </a:solidFill>
+              <a:effectLst/>
+              <a:uLnTx/>
+              <a:uFillTx/>
+              <a:latin typeface="等线" panose="02010600030101010101" charset="-122"/>
+              <a:ea typeface="等线" panose="02010600030101010101" charset="-122"/>
+              <a:cs typeface="+mn-cs"/>
+            </a:endParaRPr>
+          </a:p>
+        </p:txBody>
+      </p:sp>
+      <p:sp>
+        <p:nvSpPr>
+          <p:cNvPr id="3" name="矩形 2"/>
+          <p:cNvSpPr/>
+          <p:nvPr/>
+        </p:nvSpPr>
+        <p:spPr>
+          <a:xfrm>
+            <a:off x="6096000" y="0"/>
+            <a:ext cx="444500" cy="6858000"/>
+          </a:xfrm>
+          <a:prstGeom prst="rect">
+            <a:avLst/>
+          </a:prstGeom>
+          <a:gradFill flip="none" rotWithShape="1">
+            <a:gsLst>
+              <a:gs pos="0">
+                <a:schemeClr val="bg1">
+                  <a:lumMod val="50000"/>
+                  <a:alpha val="50000"/>
+                </a:schemeClr>
+              </a:gs>
+              <a:gs pos="100000">
+                <a:schemeClr val="bg1">
+                  <a:lumMod val="50000"/>
+                  <a:alpha val="0"/>
+                </a:schemeClr>
+              </a:gs>
+            </a:gsLst>
+            <a:lin ang="0" scaled="1"/>
+            <a:tileRect/>
+          </a:gradFill>
+          <a:ln>
+            <a:noFill/>
+          </a:ln>
+        </p:spPr>
+        <p:style>
+          <a:lnRef idx="2">
+            <a:schemeClr val="accent1">
+              <a:shade val="50000"/>
+            </a:schemeClr>
+          </a:lnRef>
+          <a:fillRef idx="1">
+            <a:schemeClr val="accent1"/>
+          </a:fillRef>
+          <a:effectRef idx="0">
+            <a:schemeClr val="accent1"/>
+          </a:effectRef>
+          <a:fontRef idx="minor">
+            <a:schemeClr val="lt1"/>
+          </a:fontRef>
+        </p:style>
+        <p:txBody>
+          <a:bodyPr rtlCol="0" anchor="ctr"/>
+          <a:lstStyle/>
+          <a:p>
+            <a:pPr marL="0" marR="0" lvl="0" indent="0" algn="ctr" defTabSz="914400" rtl="0" eaLnBrk="1" fontAlgn="auto" latinLnBrk="0" hangingPunct="1">
+              <a:lnSpc>
+                <a:spcPct val="100000"/>
+              </a:lnSpc>
+              <a:spcBef>
+                <a:spcPts val="0"/>
+              </a:spcBef>
+              <a:spcAft>
+                <a:spcPts val="0"/>
+              </a:spcAft>
+              <a:buClrTx/>
+              <a:buSzTx/>
+              <a:buFontTx/>
+              <a:buNone/>
+              <a:defRPr/>
+            </a:pPr>
+            <a:endParaRPr kumimoji="0" lang="zh-CN" altLang="en-US" sz="1800" b="0" i="0" u="none" strike="noStrike" kern="1200" cap="none" spc="0" normalizeH="0" baseline="0" noProof="0">
+              <a:ln>
+                <a:noFill/>
+              </a:ln>
+              <a:solidFill>
+                <a:prstClr val="white"/>
+              </a:solidFill>
+              <a:effectLst/>
+              <a:uLnTx/>
+              <a:uFillTx/>
+              <a:latin typeface="等线" panose="02010600030101010101" charset="-122"/>
+              <a:ea typeface="等线" panose="02010600030101010101" charset="-122"/>
+              <a:cs typeface="+mn-cs"/>
+            </a:endParaRPr>
+          </a:p>
+        </p:txBody>
+      </p:sp>
+      <p:sp>
+        <p:nvSpPr>
+          <p:cNvPr id="12" name="矩形 11"/>
+          <p:cNvSpPr/>
+          <p:nvPr/>
+        </p:nvSpPr>
+        <p:spPr>
+          <a:xfrm flipH="1">
+            <a:off x="5651500" y="0"/>
+            <a:ext cx="444500" cy="6858000"/>
+          </a:xfrm>
+          <a:prstGeom prst="rect">
+            <a:avLst/>
+          </a:prstGeom>
+          <a:gradFill flip="none" rotWithShape="1">
+            <a:gsLst>
+              <a:gs pos="0">
+                <a:schemeClr val="bg1">
+                  <a:lumMod val="50000"/>
+                  <a:alpha val="50000"/>
+                </a:schemeClr>
+              </a:gs>
+              <a:gs pos="100000">
+                <a:schemeClr val="bg1">
+                  <a:lumMod val="50000"/>
+                  <a:alpha val="0"/>
+                </a:schemeClr>
+              </a:gs>
+            </a:gsLst>
+            <a:lin ang="0" scaled="1"/>
+            <a:tileRect/>
+          </a:gradFill>
+          <a:ln>
+            <a:noFill/>
+          </a:ln>
+        </p:spPr>
+        <p:style>
+          <a:lnRef idx="2">
+            <a:schemeClr val="accent1">
+              <a:shade val="50000"/>
+            </a:schemeClr>
+          </a:lnRef>
+          <a:fillRef idx="1">
+            <a:schemeClr val="accent1"/>
+          </a:fillRef>
+          <a:effectRef idx="0">
+            <a:schemeClr val="accent1"/>
+          </a:effectRef>
+          <a:fontRef idx="minor">
+            <a:schemeClr val="lt1"/>
+          </a:fontRef>
+        </p:style>
+        <p:txBody>
+          <a:bodyPr rtlCol="0" anchor="ctr"/>
+          <a:lstStyle/>
+          <a:p>
+            <a:pPr marL="0" marR="0" lvl="0" indent="0" algn="ctr" defTabSz="914400" rtl="0" eaLnBrk="1" fontAlgn="auto" latinLnBrk="0" hangingPunct="1">
+              <a:lnSpc>
+                <a:spcPct val="100000"/>
+              </a:lnSpc>
+              <a:spcBef>
+                <a:spcPts val="0"/>
+              </a:spcBef>
+              <a:spcAft>
+                <a:spcPts val="0"/>
+              </a:spcAft>
+              <a:buClrTx/>
+              <a:buSzTx/>
+              <a:buFontTx/>
+              <a:buNone/>
+              <a:defRPr/>
+            </a:pPr>
+            <a:endParaRPr kumimoji="0" lang="zh-CN" altLang="en-US" sz="1800" b="0" i="0" u="none" strike="noStrike" kern="1200" cap="none" spc="0" normalizeH="0" baseline="0" noProof="0">
+              <a:ln>
+                <a:noFill/>
+              </a:ln>
+              <a:solidFill>
+                <a:prstClr val="white"/>
+              </a:solidFill>
+              <a:effectLst/>
+              <a:uLnTx/>
+              <a:uFillTx/>
+              <a:latin typeface="等线" panose="02010600030101010101" charset="-122"/>
+              <a:ea typeface="等线" panose="02010600030101010101" charset="-122"/>
+              <a:cs typeface="+mn-cs"/>
+            </a:endParaRPr>
+          </a:p>
+        </p:txBody>
+      </p:sp>
+      <p:sp>
+        <p:nvSpPr>
+          <p:cNvPr id="7" name="矩形 6"/>
+          <p:cNvSpPr/>
+          <p:nvPr/>
+        </p:nvSpPr>
+        <p:spPr>
+          <a:xfrm>
+            <a:off x="8049895" y="755650"/>
+            <a:ext cx="1160145" cy="352425"/>
+          </a:xfrm>
+          <a:prstGeom prst="rect">
+            <a:avLst/>
+          </a:prstGeom>
+        </p:spPr>
+        <p:txBody>
+          <a:bodyPr wrap="square">
+            <a:spAutoFit/>
+          </a:bodyPr>
+          <a:lstStyle/>
+          <a:p>
+            <a:r>
+              <a:rPr lang="zh-CN" altLang="en-US" sz="1700" dirty="0">
+                <a:solidFill>
+                  <a:schemeClr val="tx1">
+                    <a:lumMod val="75000"/>
+                    <a:lumOff val="25000"/>
+                  </a:schemeClr>
+                </a:solidFill>
+                <a:cs typeface="+mn-ea"/>
+                <a:sym typeface="+mn-lt"/>
+              </a:rPr>
+              <a:t>武器设定</a:t>
+            </a:r>
+            <a:endParaRPr lang="en-US" altLang="zh-CN" sz="1700" dirty="0">
+              <a:solidFill>
+                <a:schemeClr val="tx1">
+                  <a:lumMod val="75000"/>
+                  <a:lumOff val="25000"/>
+                </a:schemeClr>
+              </a:solidFill>
+              <a:cs typeface="+mn-ea"/>
+              <a:sym typeface="+mn-lt"/>
+            </a:endParaRPr>
+          </a:p>
+        </p:txBody>
+      </p:sp>
+      <p:sp>
+        <p:nvSpPr>
+          <p:cNvPr id="11" name="菱形 10"/>
+          <p:cNvSpPr/>
+          <p:nvPr/>
+        </p:nvSpPr>
+        <p:spPr>
+          <a:xfrm>
+            <a:off x="7131685" y="624205"/>
+            <a:ext cx="628015" cy="615315"/>
+          </a:xfrm>
+          <a:prstGeom prst="diamond">
+            <a:avLst/>
+          </a:prstGeom>
+          <a:solidFill>
+            <a:schemeClr val="bg1">
+              <a:lumMod val="85000"/>
+            </a:schemeClr>
+          </a:solidFill>
+          <a:ln>
+            <a:noFill/>
+          </a:ln>
+          <a:effectLst/>
+        </p:spPr>
+        <p:style>
+          <a:lnRef idx="2">
+            <a:schemeClr val="accent1">
+              <a:shade val="50000"/>
+            </a:schemeClr>
+          </a:lnRef>
+          <a:fillRef idx="1">
+            <a:schemeClr val="accent1"/>
+          </a:fillRef>
+          <a:effectRef idx="0">
+            <a:schemeClr val="accent1"/>
+          </a:effectRef>
+          <a:fontRef idx="minor">
+            <a:schemeClr val="lt1"/>
+          </a:fontRef>
+        </p:style>
+        <p:txBody>
+          <a:bodyPr rtlCol="0" anchor="ctr"/>
+          <a:lstStyle/>
+          <a:p>
+            <a:pPr algn="ctr"/>
+            <a:endParaRPr lang="zh-CN" altLang="en-US" dirty="0"/>
+          </a:p>
+        </p:txBody>
+      </p:sp>
+      <p:pic>
+        <p:nvPicPr>
+          <p:cNvPr id="6" name="图片 2" descr="4451681438996_.pic"/>
+          <p:cNvPicPr>
+            <a:picLocks noChangeAspect="1"/>
+          </p:cNvPicPr>
+          <p:nvPr/>
+        </p:nvPicPr>
+        <p:blipFill>
+          <a:blip r:embed="rId1"/>
+          <a:stretch>
+            <a:fillRect/>
+          </a:stretch>
+        </p:blipFill>
+        <p:spPr>
+          <a:xfrm>
+            <a:off x="3385185" y="1109980"/>
+            <a:ext cx="1555750" cy="1477010"/>
+          </a:xfrm>
+          <a:prstGeom prst="rect">
+            <a:avLst/>
+          </a:prstGeom>
+          <a:noFill/>
+          <a:ln w="9525">
+            <a:noFill/>
+          </a:ln>
+        </p:spPr>
+      </p:pic>
+      <p:pic>
+        <p:nvPicPr>
+          <p:cNvPr id="8" name="图片 9" descr="4441681438995_.pic"/>
+          <p:cNvPicPr>
+            <a:picLocks noChangeAspect="1"/>
+          </p:cNvPicPr>
+          <p:nvPr/>
+        </p:nvPicPr>
+        <p:blipFill>
+          <a:blip r:embed="rId2"/>
+          <a:stretch>
+            <a:fillRect/>
+          </a:stretch>
+        </p:blipFill>
+        <p:spPr>
+          <a:xfrm>
+            <a:off x="1069023" y="1108075"/>
+            <a:ext cx="1604645" cy="1480820"/>
+          </a:xfrm>
+          <a:prstGeom prst="rect">
+            <a:avLst/>
+          </a:prstGeom>
+          <a:noFill/>
+          <a:ln w="9525">
+            <a:noFill/>
+          </a:ln>
+        </p:spPr>
+      </p:pic>
+      <p:pic>
+        <p:nvPicPr>
+          <p:cNvPr id="9" name="图片 8" descr="4431681438994_.pic"/>
+          <p:cNvPicPr>
+            <a:picLocks noChangeAspect="1"/>
+          </p:cNvPicPr>
+          <p:nvPr/>
+        </p:nvPicPr>
+        <p:blipFill>
+          <a:blip r:embed="rId3"/>
+          <a:stretch>
+            <a:fillRect/>
+          </a:stretch>
+        </p:blipFill>
+        <p:spPr>
+          <a:xfrm rot="-10800000" flipV="1">
+            <a:off x="1062673" y="3573463"/>
+            <a:ext cx="1610995" cy="1520825"/>
+          </a:xfrm>
+          <a:prstGeom prst="rect">
+            <a:avLst/>
+          </a:prstGeom>
+          <a:noFill/>
+          <a:ln w="9525">
+            <a:noFill/>
+          </a:ln>
+        </p:spPr>
+      </p:pic>
+      <p:pic>
+        <p:nvPicPr>
+          <p:cNvPr id="10" name="图片 7" descr="891681439245_.pic"/>
+          <p:cNvPicPr>
+            <a:picLocks noChangeAspect="1"/>
+          </p:cNvPicPr>
+          <p:nvPr/>
+        </p:nvPicPr>
+        <p:blipFill>
+          <a:blip r:embed="rId4"/>
+          <a:srcRect t="19492" r="854" b="5412"/>
+          <a:stretch>
+            <a:fillRect/>
+          </a:stretch>
+        </p:blipFill>
+        <p:spPr>
+          <a:xfrm>
+            <a:off x="3428365" y="3579813"/>
+            <a:ext cx="1498600" cy="1514475"/>
+          </a:xfrm>
+          <a:prstGeom prst="rect">
+            <a:avLst/>
+          </a:prstGeom>
+          <a:noFill/>
+          <a:ln w="9525">
+            <a:noFill/>
+          </a:ln>
+        </p:spPr>
+      </p:pic>
+      <p:sp>
+        <p:nvSpPr>
+          <p:cNvPr id="5" name="文本框 4"/>
+          <p:cNvSpPr txBox="1"/>
+          <p:nvPr/>
+        </p:nvSpPr>
+        <p:spPr>
+          <a:xfrm>
+            <a:off x="7305675" y="1499235"/>
+            <a:ext cx="4460240" cy="1857375"/>
+          </a:xfrm>
+          <a:prstGeom prst="rect">
+            <a:avLst/>
+          </a:prstGeom>
+          <a:noFill/>
+        </p:spPr>
+        <p:txBody>
+          <a:bodyPr wrap="square" rtlCol="0">
+            <a:noAutofit/>
+          </a:bodyPr>
+          <a:lstStyle/>
+          <a:p>
+            <a:pPr>
+              <a:lnSpc>
+                <a:spcPct val="150000"/>
+              </a:lnSpc>
+            </a:pPr>
+            <a:r>
+              <a:rPr lang="zh-CN" altLang="en-US" dirty="0"/>
+              <a:t>游戏卡牌分为武器卡牌和行动手牌，武器分为地风水火四种属性，每个武器最多可持有一种主属性和一种副属性。</a:t>
+            </a:r>
+            <a:endParaRPr lang="en-US" altLang="zh-CN" dirty="0"/>
+          </a:p>
+          <a:p>
+            <a:pPr>
+              <a:lnSpc>
+                <a:spcPct val="150000"/>
+              </a:lnSpc>
+            </a:pPr>
+            <a:r>
+              <a:rPr lang="zh-CN" altLang="en-US" dirty="0"/>
+              <a:t>行动手牌让特定的装备有不同的效果。</a:t>
+            </a:r>
+            <a:endParaRPr lang="zh-CN" altLang="en-US" dirty="0"/>
+          </a:p>
+        </p:txBody>
+      </p:sp>
+    </p:spTree>
+    <p:custDataLst>
+      <p:tags r:id="rId5"/>
+    </p:custDataLst>
+  </p:cSld>
+  <p:clrMapOvr>
+    <a:masterClrMapping/>
+  </p:clrMapOvr>
+  <mc:AlternateContent xmlns:mc="http://schemas.openxmlformats.org/markup-compatibility/2006">
+    <mc:Choice xmlns:p15="http://schemas.microsoft.com/office/powerpoint/2012/main" Requires="p15">
+      <p:transition xmlns:p14="http://schemas.microsoft.com/office/powerpoint/2010/main" spd="slow" Requires="p14" p14:dur="1250">
+        <p15:prstTrans prst="pageCurlDouble"/>
+      </p:transition>
+    </mc:Choice>
+    <mc:Fallback>
+      <p:transition spd="slow">
+        <p:fade/>
+      </p:transition>
+    </mc:Fallback>
+  </mc:AlternateContent>
+</p:sld>
+</file>
+
+<file path=ppt/slides/slide9.xml><?xml version="1.0" encoding="utf-8"?>
 <p:sld xmlns:a="http://schemas.openxmlformats.org/drawingml/2006/main" xmlns:r="http://schemas.openxmlformats.org/officeDocument/2006/relationships" xmlns:p="http://schemas.openxmlformats.org/presentationml/2006/main">
   <p:cSld>
     <p:spTree>
@@ -14763,666 +15552,6 @@
 </p:sld>
 </file>
 
-<file path=ppt/slides/slide9.xml><?xml version="1.0" encoding="utf-8"?>
-<p:sld xmlns:a="http://schemas.openxmlformats.org/drawingml/2006/main" xmlns:r="http://schemas.openxmlformats.org/officeDocument/2006/relationships" xmlns:p="http://schemas.openxmlformats.org/presentationml/2006/main">
-  <p:cSld>
-    <p:spTree>
-      <p:nvGrpSpPr>
-        <p:cNvPr id="1" name=""/>
-        <p:cNvGrpSpPr/>
-        <p:nvPr/>
-      </p:nvGrpSpPr>
-      <p:grpSpPr>
-        <a:xfrm>
-          <a:off x="0" y="0"/>
-          <a:ext cx="0" cy="0"/>
-          <a:chOff x="0" y="0"/>
-          <a:chExt cx="0" cy="0"/>
-        </a:xfrm>
-      </p:grpSpPr>
-      <p:sp>
-        <p:nvSpPr>
-          <p:cNvPr id="3" name="矩形 2"/>
-          <p:cNvSpPr/>
-          <p:nvPr/>
-        </p:nvSpPr>
-        <p:spPr>
-          <a:xfrm>
-            <a:off x="6096000" y="0"/>
-            <a:ext cx="444500" cy="6858000"/>
-          </a:xfrm>
-          <a:prstGeom prst="rect">
-            <a:avLst/>
-          </a:prstGeom>
-          <a:gradFill flip="none" rotWithShape="1">
-            <a:gsLst>
-              <a:gs pos="0">
-                <a:schemeClr val="bg1">
-                  <a:lumMod val="50000"/>
-                  <a:alpha val="50000"/>
-                </a:schemeClr>
-              </a:gs>
-              <a:gs pos="100000">
-                <a:schemeClr val="bg1">
-                  <a:lumMod val="50000"/>
-                  <a:alpha val="0"/>
-                </a:schemeClr>
-              </a:gs>
-            </a:gsLst>
-            <a:lin ang="0" scaled="1"/>
-            <a:tileRect/>
-          </a:gradFill>
-          <a:ln>
-            <a:noFill/>
-          </a:ln>
-        </p:spPr>
-        <p:style>
-          <a:lnRef idx="2">
-            <a:schemeClr val="accent1">
-              <a:shade val="50000"/>
-            </a:schemeClr>
-          </a:lnRef>
-          <a:fillRef idx="1">
-            <a:schemeClr val="accent1"/>
-          </a:fillRef>
-          <a:effectRef idx="0">
-            <a:schemeClr val="accent1"/>
-          </a:effectRef>
-          <a:fontRef idx="minor">
-            <a:schemeClr val="lt1"/>
-          </a:fontRef>
-        </p:style>
-        <p:txBody>
-          <a:bodyPr rtlCol="0" anchor="ctr"/>
-          <a:lstStyle/>
-          <a:p>
-            <a:pPr algn="ctr"/>
-            <a:endParaRPr lang="zh-CN" altLang="en-US"/>
-          </a:p>
-        </p:txBody>
-      </p:sp>
-      <p:sp>
-        <p:nvSpPr>
-          <p:cNvPr id="12" name="矩形 11"/>
-          <p:cNvSpPr/>
-          <p:nvPr/>
-        </p:nvSpPr>
-        <p:spPr>
-          <a:xfrm flipH="1">
-            <a:off x="5651500" y="0"/>
-            <a:ext cx="444500" cy="6858000"/>
-          </a:xfrm>
-          <a:prstGeom prst="rect">
-            <a:avLst/>
-          </a:prstGeom>
-          <a:gradFill flip="none" rotWithShape="1">
-            <a:gsLst>
-              <a:gs pos="0">
-                <a:schemeClr val="bg1">
-                  <a:lumMod val="50000"/>
-                  <a:alpha val="50000"/>
-                </a:schemeClr>
-              </a:gs>
-              <a:gs pos="100000">
-                <a:schemeClr val="bg1">
-                  <a:lumMod val="50000"/>
-                  <a:alpha val="0"/>
-                </a:schemeClr>
-              </a:gs>
-            </a:gsLst>
-            <a:lin ang="0" scaled="1"/>
-            <a:tileRect/>
-          </a:gradFill>
-          <a:ln>
-            <a:noFill/>
-          </a:ln>
-        </p:spPr>
-        <p:style>
-          <a:lnRef idx="2">
-            <a:schemeClr val="accent1">
-              <a:shade val="50000"/>
-            </a:schemeClr>
-          </a:lnRef>
-          <a:fillRef idx="1">
-            <a:schemeClr val="accent1"/>
-          </a:fillRef>
-          <a:effectRef idx="0">
-            <a:schemeClr val="accent1"/>
-          </a:effectRef>
-          <a:fontRef idx="minor">
-            <a:schemeClr val="lt1"/>
-          </a:fontRef>
-        </p:style>
-        <p:txBody>
-          <a:bodyPr rtlCol="0" anchor="ctr"/>
-          <a:lstStyle/>
-          <a:p>
-            <a:pPr algn="ctr"/>
-            <a:endParaRPr lang="zh-CN" altLang="en-US"/>
-          </a:p>
-        </p:txBody>
-      </p:sp>
-      <p:sp>
-        <p:nvSpPr>
-          <p:cNvPr id="25" name="Rectangle 7"/>
-          <p:cNvSpPr/>
-          <p:nvPr/>
-        </p:nvSpPr>
-        <p:spPr>
-          <a:xfrm>
-            <a:off x="6981190" y="3143250"/>
-            <a:ext cx="5183505" cy="1597617"/>
-          </a:xfrm>
-          <a:prstGeom prst="rect">
-            <a:avLst/>
-          </a:prstGeom>
-        </p:spPr>
-        <p:txBody>
-          <a:bodyPr wrap="square">
-            <a:spAutoFit/>
-          </a:bodyPr>
-          <a:lstStyle/>
-          <a:p>
-            <a:pPr eaLnBrk="1" fontAlgn="auto" hangingPunct="1">
-              <a:lnSpc>
-                <a:spcPct val="107000"/>
-              </a:lnSpc>
-              <a:spcBef>
-                <a:spcPts val="0"/>
-              </a:spcBef>
-              <a:spcAft>
-                <a:spcPts val="800"/>
-              </a:spcAft>
-              <a:defRPr/>
-            </a:pPr>
-            <a:r>
-              <a:rPr lang="zh-CN" altLang="en-US" sz="2000" dirty="0">
-                <a:solidFill>
-                  <a:schemeClr val="tx1">
-                    <a:lumMod val="50000"/>
-                    <a:lumOff val="50000"/>
-                  </a:schemeClr>
-                </a:solidFill>
-                <a:latin typeface="Open Sans" panose="020B0606030504020204" pitchFamily="34" charset="0"/>
-                <a:ea typeface="Open Sans" panose="020B0606030504020204" pitchFamily="34" charset="0"/>
-                <a:cs typeface="Open Sans" panose="020B0606030504020204" pitchFamily="34" charset="0"/>
-              </a:rPr>
-              <a:t>每个玩家有牌库，职业牌，左右手装备栏，饰品装备栏，血量条</a:t>
-            </a:r>
-            <a:r>
-              <a:rPr lang="en-US" sz="2000" dirty="0">
-                <a:solidFill>
-                  <a:schemeClr val="tx1">
-                    <a:lumMod val="50000"/>
-                    <a:lumOff val="50000"/>
-                  </a:schemeClr>
-                </a:solidFill>
-                <a:latin typeface="Open Sans" panose="020B0606030504020204" pitchFamily="34" charset="0"/>
-                <a:ea typeface="Open Sans" panose="020B0606030504020204" pitchFamily="34" charset="0"/>
-                <a:cs typeface="Open Sans" panose="020B0606030504020204" pitchFamily="34" charset="0"/>
-              </a:rPr>
-              <a:t>。</a:t>
-            </a:r>
-            <a:endParaRPr lang="en-US" sz="2000" dirty="0">
-              <a:solidFill>
-                <a:schemeClr val="tx1">
-                  <a:lumMod val="50000"/>
-                  <a:lumOff val="50000"/>
-                </a:schemeClr>
-              </a:solidFill>
-              <a:latin typeface="Open Sans" panose="020B0606030504020204" pitchFamily="34" charset="0"/>
-              <a:ea typeface="Open Sans" panose="020B0606030504020204" pitchFamily="34" charset="0"/>
-              <a:cs typeface="Open Sans" panose="020B0606030504020204" pitchFamily="34" charset="0"/>
-            </a:endParaRPr>
-          </a:p>
-          <a:p>
-            <a:pPr eaLnBrk="1" fontAlgn="auto" hangingPunct="1">
-              <a:lnSpc>
-                <a:spcPct val="107000"/>
-              </a:lnSpc>
-              <a:spcBef>
-                <a:spcPts val="0"/>
-              </a:spcBef>
-              <a:spcAft>
-                <a:spcPts val="800"/>
-              </a:spcAft>
-              <a:defRPr/>
-            </a:pPr>
-            <a:r>
-              <a:rPr lang="zh-CN" altLang="en-US" sz="2000" dirty="0">
-                <a:solidFill>
-                  <a:schemeClr val="tx1">
-                    <a:lumMod val="50000"/>
-                    <a:lumOff val="50000"/>
-                  </a:schemeClr>
-                </a:solidFill>
-                <a:latin typeface="Open Sans" panose="020B0606030504020204" pitchFamily="34" charset="0"/>
-                <a:ea typeface="Open Sans" panose="020B0606030504020204" pitchFamily="34" charset="0"/>
-                <a:cs typeface="Open Sans" panose="020B0606030504020204" pitchFamily="34" charset="0"/>
-              </a:rPr>
-              <a:t>左下角为剩余的行动手牌抽牌堆和抽牌数。</a:t>
-            </a:r>
-            <a:endParaRPr lang="en-US" altLang="zh-CN" sz="2000" dirty="0">
-              <a:solidFill>
-                <a:schemeClr val="tx1">
-                  <a:lumMod val="50000"/>
-                  <a:lumOff val="50000"/>
-                </a:schemeClr>
-              </a:solidFill>
-              <a:latin typeface="Open Sans" panose="020B0606030504020204" pitchFamily="34" charset="0"/>
-              <a:ea typeface="Open Sans" panose="020B0606030504020204" pitchFamily="34" charset="0"/>
-              <a:cs typeface="Open Sans" panose="020B0606030504020204" pitchFamily="34" charset="0"/>
-            </a:endParaRPr>
-          </a:p>
-          <a:p>
-            <a:pPr eaLnBrk="1" fontAlgn="auto" hangingPunct="1">
-              <a:lnSpc>
-                <a:spcPct val="107000"/>
-              </a:lnSpc>
-              <a:spcBef>
-                <a:spcPts val="0"/>
-              </a:spcBef>
-              <a:spcAft>
-                <a:spcPts val="800"/>
-              </a:spcAft>
-              <a:defRPr/>
-            </a:pPr>
-            <a:r>
-              <a:rPr lang="zh-CN" altLang="en-US" sz="2000" dirty="0">
-                <a:solidFill>
-                  <a:schemeClr val="tx1">
-                    <a:lumMod val="50000"/>
-                    <a:lumOff val="50000"/>
-                  </a:schemeClr>
-                </a:solidFill>
-                <a:latin typeface="Open Sans" panose="020B0606030504020204" pitchFamily="34" charset="0"/>
-                <a:ea typeface="Open Sans" panose="020B0606030504020204" pitchFamily="34" charset="0"/>
-                <a:cs typeface="Open Sans" panose="020B0606030504020204" pitchFamily="34" charset="0"/>
-              </a:rPr>
-              <a:t>中央为层主怪物和其所拥有的血量。</a:t>
-            </a:r>
-            <a:endParaRPr lang="en-US" sz="2000" dirty="0">
-              <a:solidFill>
-                <a:schemeClr val="tx1">
-                  <a:lumMod val="50000"/>
-                  <a:lumOff val="50000"/>
-                </a:schemeClr>
-              </a:solidFill>
-              <a:latin typeface="Open Sans" panose="020B0606030504020204" pitchFamily="34" charset="0"/>
-              <a:ea typeface="Open Sans" panose="020B0606030504020204" pitchFamily="34" charset="0"/>
-              <a:cs typeface="Open Sans" panose="020B0606030504020204" pitchFamily="34" charset="0"/>
-            </a:endParaRPr>
-          </a:p>
-        </p:txBody>
-      </p:sp>
-      <p:sp>
-        <p:nvSpPr>
-          <p:cNvPr id="5" name="Rectangle 54"/>
-          <p:cNvSpPr/>
-          <p:nvPr/>
-        </p:nvSpPr>
-        <p:spPr>
-          <a:xfrm>
-            <a:off x="7322343" y="1212851"/>
-            <a:ext cx="4869657" cy="1430337"/>
-          </a:xfrm>
-          <a:prstGeom prst="rect">
-            <a:avLst/>
-          </a:prstGeom>
-          <a:solidFill>
-            <a:schemeClr val="bg1">
-              <a:lumMod val="85000"/>
-            </a:schemeClr>
-          </a:solidFill>
-          <a:ln>
-            <a:noFill/>
-          </a:ln>
-        </p:spPr>
-        <p:style>
-          <a:lnRef idx="2">
-            <a:schemeClr val="accent1">
-              <a:shade val="50000"/>
-            </a:schemeClr>
-          </a:lnRef>
-          <a:fillRef idx="1">
-            <a:schemeClr val="accent1"/>
-          </a:fillRef>
-          <a:effectRef idx="0">
-            <a:schemeClr val="accent1"/>
-          </a:effectRef>
-          <a:fontRef idx="minor">
-            <a:schemeClr val="lt1"/>
-          </a:fontRef>
-        </p:style>
-        <p:txBody>
-          <a:bodyPr anchor="ctr"/>
-          <a:lstStyle/>
-          <a:p>
-            <a:pPr algn="ctr" eaLnBrk="1" hangingPunct="1"/>
-            <a:endParaRPr lang="zh-CN" altLang="zh-CN">
-              <a:solidFill>
-                <a:srgbClr val="FFFFFF"/>
-              </a:solidFill>
-            </a:endParaRPr>
-          </a:p>
-        </p:txBody>
-      </p:sp>
-      <p:sp>
-        <p:nvSpPr>
-          <p:cNvPr id="6" name="TextBox 55"/>
-          <p:cNvSpPr txBox="1">
-            <a:spLocks noChangeArrowheads="1"/>
-          </p:cNvSpPr>
-          <p:nvPr/>
-        </p:nvSpPr>
-        <p:spPr bwMode="auto">
-          <a:xfrm>
-            <a:off x="7726521" y="1543298"/>
-            <a:ext cx="3462337" cy="706755"/>
-          </a:xfrm>
-          <a:prstGeom prst="rect">
-            <a:avLst/>
-          </a:prstGeom>
-          <a:noFill/>
-          <a:ln>
-            <a:noFill/>
-          </a:ln>
-          <a:extLst>
-            <a:ext uri="{909E8E84-426E-40DD-AFC4-6F175D3DCCD1}">
-              <a14:hiddenFill xmlns:a14="http://schemas.microsoft.com/office/drawing/2010/main">
-                <a:solidFill>
-                  <a:srgbClr val="FFFFFF"/>
-                </a:solidFill>
-              </a14:hiddenFill>
-            </a:ext>
-            <a:ext uri="{91240B29-F687-4F45-9708-019B960494DF}">
-              <a14:hiddenLine xmlns:a14="http://schemas.microsoft.com/office/drawing/2010/main" w="9525">
-                <a:solidFill>
-                  <a:srgbClr val="000000"/>
-                </a:solidFill>
-                <a:miter lim="800000"/>
-                <a:headEnd/>
-                <a:tailEnd/>
-              </a14:hiddenLine>
-            </a:ext>
-          </a:extLst>
-        </p:spPr>
-        <p:txBody>
-          <a:bodyPr wrap="square">
-            <a:spAutoFit/>
-          </a:bodyPr>
-          <a:lstStyle>
-            <a:lvl1pPr>
-              <a:defRPr>
-                <a:solidFill>
-                  <a:schemeClr val="tx1"/>
-                </a:solidFill>
-                <a:latin typeface="Calibri" panose="020F0502020204030204" pitchFamily="34" charset="0"/>
-              </a:defRPr>
-            </a:lvl1pPr>
-            <a:lvl2pPr marL="742950" indent="-285750">
-              <a:defRPr>
-                <a:solidFill>
-                  <a:schemeClr val="tx1"/>
-                </a:solidFill>
-                <a:latin typeface="Calibri" panose="020F0502020204030204" pitchFamily="34" charset="0"/>
-              </a:defRPr>
-            </a:lvl2pPr>
-            <a:lvl3pPr marL="1143000" indent="-228600">
-              <a:defRPr>
-                <a:solidFill>
-                  <a:schemeClr val="tx1"/>
-                </a:solidFill>
-                <a:latin typeface="Calibri" panose="020F0502020204030204" pitchFamily="34" charset="0"/>
-              </a:defRPr>
-            </a:lvl3pPr>
-            <a:lvl4pPr marL="1600200" indent="-228600">
-              <a:defRPr>
-                <a:solidFill>
-                  <a:schemeClr val="tx1"/>
-                </a:solidFill>
-                <a:latin typeface="Calibri" panose="020F0502020204030204" pitchFamily="34" charset="0"/>
-              </a:defRPr>
-            </a:lvl4pPr>
-            <a:lvl5pPr marL="2057400" indent="-228600">
-              <a:defRPr>
-                <a:solidFill>
-                  <a:schemeClr val="tx1"/>
-                </a:solidFill>
-                <a:latin typeface="Calibri" panose="020F0502020204030204" pitchFamily="34" charset="0"/>
-              </a:defRPr>
-            </a:lvl5pPr>
-            <a:lvl6pPr marL="2514600" indent="-228600" fontAlgn="base">
-              <a:spcBef>
-                <a:spcPct val="0"/>
-              </a:spcBef>
-              <a:spcAft>
-                <a:spcPct val="0"/>
-              </a:spcAft>
-              <a:defRPr>
-                <a:solidFill>
-                  <a:schemeClr val="tx1"/>
-                </a:solidFill>
-                <a:latin typeface="Calibri" panose="020F0502020204030204" pitchFamily="34" charset="0"/>
-              </a:defRPr>
-            </a:lvl6pPr>
-            <a:lvl7pPr marL="2971800" indent="-228600" fontAlgn="base">
-              <a:spcBef>
-                <a:spcPct val="0"/>
-              </a:spcBef>
-              <a:spcAft>
-                <a:spcPct val="0"/>
-              </a:spcAft>
-              <a:defRPr>
-                <a:solidFill>
-                  <a:schemeClr val="tx1"/>
-                </a:solidFill>
-                <a:latin typeface="Calibri" panose="020F0502020204030204" pitchFamily="34" charset="0"/>
-              </a:defRPr>
-            </a:lvl7pPr>
-            <a:lvl8pPr marL="3429000" indent="-228600" fontAlgn="base">
-              <a:spcBef>
-                <a:spcPct val="0"/>
-              </a:spcBef>
-              <a:spcAft>
-                <a:spcPct val="0"/>
-              </a:spcAft>
-              <a:defRPr>
-                <a:solidFill>
-                  <a:schemeClr val="tx1"/>
-                </a:solidFill>
-                <a:latin typeface="Calibri" panose="020F0502020204030204" pitchFamily="34" charset="0"/>
-              </a:defRPr>
-            </a:lvl8pPr>
-            <a:lvl9pPr marL="3886200" indent="-228600" fontAlgn="base">
-              <a:spcBef>
-                <a:spcPct val="0"/>
-              </a:spcBef>
-              <a:spcAft>
-                <a:spcPct val="0"/>
-              </a:spcAft>
-              <a:defRPr>
-                <a:solidFill>
-                  <a:schemeClr val="tx1"/>
-                </a:solidFill>
-                <a:latin typeface="Calibri" panose="020F0502020204030204" pitchFamily="34" charset="0"/>
-              </a:defRPr>
-            </a:lvl9pPr>
-          </a:lstStyle>
-          <a:p>
-            <a:pPr eaLnBrk="1" hangingPunct="1"/>
-            <a:r>
-              <a:rPr lang="zh-CN" altLang="en-US" sz="4000" dirty="0">
-                <a:solidFill>
-                  <a:schemeClr val="bg1"/>
-                </a:solidFill>
-                <a:latin typeface="Open Sans" panose="020B0606030504020204" pitchFamily="34" charset="0"/>
-              </a:rPr>
-              <a:t>战斗场景设计</a:t>
-            </a:r>
-            <a:endParaRPr lang="zh-CN" altLang="en-US" sz="4000" dirty="0">
-              <a:solidFill>
-                <a:schemeClr val="bg1"/>
-              </a:solidFill>
-              <a:latin typeface="Open Sans" panose="020B0606030504020204" pitchFamily="34" charset="0"/>
-            </a:endParaRPr>
-          </a:p>
-        </p:txBody>
-      </p:sp>
-      <p:sp>
-        <p:nvSpPr>
-          <p:cNvPr id="2" name="矩形 1"/>
-          <p:cNvSpPr/>
-          <p:nvPr/>
-        </p:nvSpPr>
-        <p:spPr>
-          <a:xfrm>
-            <a:off x="0" y="0"/>
-            <a:ext cx="6096000" cy="6858000"/>
-          </a:xfrm>
-          <a:prstGeom prst="rect">
-            <a:avLst/>
-          </a:prstGeom>
-          <a:solidFill>
-            <a:schemeClr val="bg1">
-              <a:lumMod val="95000"/>
-            </a:schemeClr>
-          </a:solidFill>
-          <a:ln>
-            <a:noFill/>
-          </a:ln>
-          <a:effectLst/>
-        </p:spPr>
-        <p:style>
-          <a:lnRef idx="2">
-            <a:schemeClr val="accent1">
-              <a:shade val="50000"/>
-            </a:schemeClr>
-          </a:lnRef>
-          <a:fillRef idx="1">
-            <a:schemeClr val="accent1"/>
-          </a:fillRef>
-          <a:effectRef idx="0">
-            <a:schemeClr val="accent1"/>
-          </a:effectRef>
-          <a:fontRef idx="minor">
-            <a:schemeClr val="lt1"/>
-          </a:fontRef>
-        </p:style>
-        <p:txBody>
-          <a:bodyPr rtlCol="0" anchor="ctr"/>
-          <a:lstStyle/>
-          <a:p>
-            <a:pPr marL="0" marR="0" lvl="0" indent="0" algn="ctr" defTabSz="914400" rtl="0" eaLnBrk="1" fontAlgn="auto" latinLnBrk="0" hangingPunct="1">
-              <a:lnSpc>
-                <a:spcPct val="100000"/>
-              </a:lnSpc>
-              <a:spcBef>
-                <a:spcPts val="0"/>
-              </a:spcBef>
-              <a:spcAft>
-                <a:spcPts val="0"/>
-              </a:spcAft>
-              <a:buClrTx/>
-              <a:buSzTx/>
-              <a:buFontTx/>
-              <a:buNone/>
-              <a:defRPr/>
-            </a:pPr>
-            <a:endParaRPr kumimoji="0" lang="zh-CN" altLang="en-US" sz="1800" b="0" i="0" u="none" strike="noStrike" kern="1200" cap="none" spc="0" normalizeH="0" baseline="0" noProof="0">
-              <a:ln>
-                <a:noFill/>
-              </a:ln>
-              <a:solidFill>
-                <a:prstClr val="white"/>
-              </a:solidFill>
-              <a:effectLst/>
-              <a:uLnTx/>
-              <a:uFillTx/>
-              <a:latin typeface="等线" panose="02010600030101010101" charset="-122"/>
-              <a:ea typeface="等线" panose="02010600030101010101" charset="-122"/>
-              <a:cs typeface="+mn-cs"/>
-            </a:endParaRPr>
-          </a:p>
-        </p:txBody>
-      </p:sp>
-      <p:pic>
-        <p:nvPicPr>
-          <p:cNvPr id="1027" name="图片 14"/>
-          <p:cNvPicPr>
-            <a:picLocks noChangeAspect="1" noChangeArrowheads="1"/>
-          </p:cNvPicPr>
-          <p:nvPr/>
-        </p:nvPicPr>
-        <p:blipFill>
-          <a:blip r:embed="rId1">
-            <a:extLst>
-              <a:ext uri="{28A0092B-C50C-407E-A947-70E740481C1C}">
-                <a14:useLocalDpi xmlns:a14="http://schemas.microsoft.com/office/drawing/2010/main" val="0"/>
-              </a:ext>
-            </a:extLst>
-          </a:blip>
-          <a:srcRect/>
-          <a:stretch>
-            <a:fillRect/>
-          </a:stretch>
-        </p:blipFill>
-        <p:spPr bwMode="auto">
-          <a:xfrm>
-            <a:off x="339011" y="1416169"/>
-            <a:ext cx="5366067" cy="4025661"/>
-          </a:xfrm>
-          <a:prstGeom prst="rect">
-            <a:avLst/>
-          </a:prstGeom>
-          <a:noFill/>
-          <a:ln>
-            <a:noFill/>
-          </a:ln>
-          <a:extLst>
-            <a:ext uri="{909E8E84-426E-40DD-AFC4-6F175D3DCCD1}">
-              <a14:hiddenFill xmlns:a14="http://schemas.microsoft.com/office/drawing/2010/main">
-                <a:solidFill>
-                  <a:srgbClr val="FFFFFF"/>
-                </a:solidFill>
-              </a14:hiddenFill>
-            </a:ext>
-            <a:ext uri="{91240B29-F687-4F45-9708-019B960494DF}">
-              <a14:hiddenLine xmlns:a14="http://schemas.microsoft.com/office/drawing/2010/main" w="9525">
-                <a:solidFill>
-                  <a:srgbClr val="000000"/>
-                </a:solidFill>
-                <a:miter lim="800000"/>
-                <a:headEnd/>
-                <a:tailEnd/>
-              </a14:hiddenLine>
-            </a:ext>
-          </a:extLst>
-        </p:spPr>
-      </p:pic>
-    </p:spTree>
-    <p:custDataLst>
-      <p:tags r:id="rId2"/>
-    </p:custDataLst>
-  </p:cSld>
-  <p:clrMapOvr>
-    <a:masterClrMapping/>
-  </p:clrMapOvr>
-  <mc:AlternateContent xmlns:mc="http://schemas.openxmlformats.org/markup-compatibility/2006">
-    <mc:Choice xmlns:p15="http://schemas.microsoft.com/office/powerpoint/2012/main" Requires="p15">
-      <p:transition xmlns:p14="http://schemas.microsoft.com/office/powerpoint/2010/main" spd="slow" Requires="p14" p14:dur="1250">
-        <p15:prstTrans prst="pageCurlDouble"/>
-      </p:transition>
-    </mc:Choice>
-    <mc:Fallback>
-      <p:transition spd="slow">
-        <p:fade/>
-      </p:transition>
-    </mc:Fallback>
-  </mc:AlternateContent>
-</p:sld>
-</file>
-
 <file path=ppt/tags/tag1.xml><?xml version="1.0" encoding="utf-8"?>
 <p:tagLst xmlns:p="http://schemas.openxmlformats.org/presentationml/2006/main">
   <p:tag name="ISLIDE.PICTURE" val="#674369;#726056;#659108;"/>
@@ -15453,18 +15582,25 @@
 <file path=ppt/tags/tag13.xml><?xml version="1.0" encoding="utf-8"?>
 <p:tagLst xmlns:p="http://schemas.openxmlformats.org/presentationml/2006/main">
   <p:tag name="ISLIDE.ICON" val="#172836;#172863;#172886;#172790;#172814;"/>
-  <p:tag name="ISLIDE.PICTURE" val="#716981;#226011;#658884;#745761;#704321;"/>
+  <p:tag name="ISLIDE.PICTURE" val="#716981;#226011;#658884;#745761;"/>
 </p:tagLst>
 </file>
 
 <file path=ppt/tags/tag14.xml><?xml version="1.0" encoding="utf-8"?>
 <p:tagLst xmlns:p="http://schemas.openxmlformats.org/presentationml/2006/main">
   <p:tag name="ISLIDE.ICON" val="#172836;#172863;#172886;#172790;#172814;"/>
+  <p:tag name="ISLIDE.PICTURE" val="#716981;#226011;#658884;#745761;"/>
+</p:tagLst>
+</file>
+
+<file path=ppt/tags/tag15.xml><?xml version="1.0" encoding="utf-8"?>
+<p:tagLst xmlns:p="http://schemas.openxmlformats.org/presentationml/2006/main">
+  <p:tag name="ISLIDE.ICON" val="#172836;#172863;#172886;#172790;#172814;"/>
   <p:tag name="ISLIDE.PICTURE" val="#716981;#226011;#658884;#745761;#704321;"/>
 </p:tagLst>
 </file>
 
-<file path=ppt/tags/tag15.xml><?xml version="1.0" encoding="utf-8"?>
+<file path=ppt/tags/tag16.xml><?xml version="1.0" encoding="utf-8"?>
 <p:tagLst xmlns:p="http://schemas.openxmlformats.org/presentationml/2006/main">
   <p:tag name="KSO_WPP_MARK_KEY" val="0dbbe4e8-f874-4b04-8d5d-f5dd34260e2b"/>
   <p:tag name="COMMONDATA" val="eyJoZGlkIjoiMmRjYjAxNWVhMTU3MWM2ZWMzODc5MWM5OGVlYzBkODkifQ=="/>
@@ -15473,7 +15609,7 @@
 
 <file path=ppt/tags/tag2.xml><?xml version="1.0" encoding="utf-8"?>
 <p:tagLst xmlns:p="http://schemas.openxmlformats.org/presentationml/2006/main">
-  <p:tag name="ISLIDE.PICTURE" val="#674369;#726056;#659108;"/>
+  <p:tag name="KSO_WM_BEAUTIFY_FLAG" val=""/>
 </p:tagLst>
 </file>
 
@@ -15497,15 +15633,14 @@
 
 <file path=ppt/tags/tag6.xml><?xml version="1.0" encoding="utf-8"?>
 <p:tagLst xmlns:p="http://schemas.openxmlformats.org/presentationml/2006/main">
-  <p:tag name="ISLIDE.ICON" val="#172836;#172863;#172886;#172790;#172814;"/>
-  <p:tag name="ISLIDE.PICTURE" val="#716981;#226011;#658884;#745761;"/>
+  <p:tag name="ISLIDE.PICTURE" val="#674369;#726056;#659108;"/>
 </p:tagLst>
 </file>
 
 <file path=ppt/tags/tag7.xml><?xml version="1.0" encoding="utf-8"?>
 <p:tagLst xmlns:p="http://schemas.openxmlformats.org/presentationml/2006/main">
   <p:tag name="ISLIDE.ICON" val="#172836;#172863;#172886;#172790;#172814;"/>
-  <p:tag name="ISLIDE.PICTURE" val="#716981;#226011;#658884;#745761;"/>
+  <p:tag name="ISLIDE.PICTURE" val="#716981;#226011;#658884;#745761;#704321;"/>
 </p:tagLst>
 </file>
 

--- a/永续地牢Ouroboros 设计方案.pptx
+++ b/永续地牢Ouroboros 设计方案.pptx
@@ -3,33 +3,35 @@
 <p:presentation xmlns:a="http://schemas.openxmlformats.org/drawingml/2006/main" xmlns:r="http://schemas.openxmlformats.org/officeDocument/2006/relationships" xmlns:p="http://schemas.openxmlformats.org/presentationml/2006/main">
   <p:sldMasterIdLst>
     <p:sldMasterId id="2147483648" r:id="rId1"/>
-    <p:sldMasterId id="2147483660" r:id="rId3"/>
+    <p:sldMasterId id="2147483660" r:id="rId2"/>
   </p:sldMasterIdLst>
   <p:notesMasterIdLst>
-    <p:notesMasterId r:id="rId8"/>
+    <p:notesMasterId r:id="rId21"/>
   </p:notesMasterIdLst>
   <p:sldIdLst>
-    <p:sldId id="256" r:id="rId4"/>
-    <p:sldId id="257" r:id="rId5"/>
-    <p:sldId id="259" r:id="rId6"/>
-    <p:sldId id="273" r:id="rId7"/>
-    <p:sldId id="274" r:id="rId9"/>
-    <p:sldId id="275" r:id="rId10"/>
-    <p:sldId id="276" r:id="rId11"/>
-    <p:sldId id="263" r:id="rId12"/>
-    <p:sldId id="264" r:id="rId13"/>
-    <p:sldId id="262" r:id="rId14"/>
-    <p:sldId id="265" r:id="rId15"/>
-    <p:sldId id="266" r:id="rId16"/>
-    <p:sldId id="267" r:id="rId17"/>
-    <p:sldId id="258" r:id="rId18"/>
-    <p:sldId id="269" r:id="rId19"/>
-    <p:sldId id="268" r:id="rId20"/>
+    <p:sldId id="256" r:id="rId3"/>
+    <p:sldId id="257" r:id="rId4"/>
+    <p:sldId id="259" r:id="rId5"/>
+    <p:sldId id="273" r:id="rId6"/>
+    <p:sldId id="274" r:id="rId7"/>
+    <p:sldId id="275" r:id="rId8"/>
+    <p:sldId id="276" r:id="rId9"/>
+    <p:sldId id="278" r:id="rId10"/>
+    <p:sldId id="264" r:id="rId11"/>
+    <p:sldId id="262" r:id="rId12"/>
+    <p:sldId id="265" r:id="rId13"/>
+    <p:sldId id="266" r:id="rId14"/>
+    <p:sldId id="267" r:id="rId15"/>
+    <p:sldId id="258" r:id="rId16"/>
+    <p:sldId id="269" r:id="rId17"/>
+    <p:sldId id="263" r:id="rId18"/>
+    <p:sldId id="268" r:id="rId19"/>
+    <p:sldId id="277" r:id="rId20"/>
   </p:sldIdLst>
   <p:sldSz cx="12192000" cy="6858000"/>
   <p:notesSz cx="6858000" cy="9144000"/>
   <p:custDataLst>
-    <p:tags r:id="rId24"/>
+    <p:tags r:id="rId22"/>
   </p:custDataLst>
   <p:defaultTextStyle>
     <a:defPPr>
@@ -227,6 +229,7 @@
           <a:p>
             <a:fld id="{D2A48B96-639E-45A3-A0BA-2464DFDB1FAA}" type="datetimeFigureOut">
               <a:rPr lang="zh-CN" altLang="en-US" smtClean="0"/>
+              <a:t>2023/4/25</a:t>
             </a:fld>
             <a:endParaRPr lang="zh-CN" altLang="en-US"/>
           </a:p>
@@ -290,42 +293,37 @@
           <a:p>
             <a:pPr lvl="0"/>
             <a:r>
-              <a:rPr lang="zh-CN" altLang="en-US" smtClean="0"/>
+              <a:rPr lang="zh-CN" altLang="en-US"/>
               <a:t>单击此处编辑母版文本样式</a:t>
             </a:r>
-            <a:endParaRPr lang="zh-CN" altLang="en-US" smtClean="0"/>
           </a:p>
           <a:p>
             <a:pPr lvl="1"/>
             <a:r>
-              <a:rPr lang="zh-CN" altLang="en-US" smtClean="0"/>
+              <a:rPr lang="zh-CN" altLang="en-US"/>
               <a:t>第二级</a:t>
             </a:r>
-            <a:endParaRPr lang="zh-CN" altLang="en-US" smtClean="0"/>
           </a:p>
           <a:p>
             <a:pPr lvl="2"/>
             <a:r>
-              <a:rPr lang="zh-CN" altLang="en-US" smtClean="0"/>
+              <a:rPr lang="zh-CN" altLang="en-US"/>
               <a:t>第三级</a:t>
             </a:r>
-            <a:endParaRPr lang="zh-CN" altLang="en-US" smtClean="0"/>
           </a:p>
           <a:p>
             <a:pPr lvl="3"/>
             <a:r>
-              <a:rPr lang="zh-CN" altLang="en-US" smtClean="0"/>
+              <a:rPr lang="zh-CN" altLang="en-US"/>
               <a:t>第四级</a:t>
             </a:r>
-            <a:endParaRPr lang="zh-CN" altLang="en-US" smtClean="0"/>
           </a:p>
           <a:p>
             <a:pPr lvl="4"/>
             <a:r>
-              <a:rPr lang="zh-CN" altLang="en-US" smtClean="0"/>
+              <a:rPr lang="zh-CN" altLang="en-US"/>
               <a:t>第五级</a:t>
             </a:r>
-            <a:endParaRPr lang="zh-CN" altLang="en-US"/>
           </a:p>
         </p:txBody>
       </p:sp>
@@ -389,6 +387,7 @@
           <a:p>
             <a:fld id="{A6837353-30EB-4A48-80EB-173D804AEFBD}" type="slidenum">
               <a:rPr lang="zh-CN" altLang="en-US" smtClean="0"/>
+              <a:t>‹#›</a:t>
             </a:fld>
             <a:endParaRPr lang="zh-CN" altLang="en-US"/>
           </a:p>
@@ -501,11 +500,20 @@
         <p:cNvGrpSpPr/>
         <p:nvPr/>
       </p:nvGrpSpPr>
-      <p:grpSpPr/>
+      <p:grpSpPr>
+        <a:xfrm>
+          <a:off x="0" y="0"/>
+          <a:ext cx="0" cy="0"/>
+          <a:chOff x="0" y="0"/>
+          <a:chExt cx="0" cy="0"/>
+        </a:xfrm>
+      </p:grpSpPr>
       <p:sp>
         <p:nvSpPr>
           <p:cNvPr id="2" name="幻灯片图像占位符 1"/>
-          <p:cNvSpPr/>
+          <p:cNvSpPr>
+            <a:spLocks noGrp="1" noRot="1" noChangeAspect="1"/>
+          </p:cNvSpPr>
           <p:nvPr>
             <p:ph type="sldImg" idx="2"/>
           </p:nvPr>
@@ -515,7 +523,9 @@
       <p:sp>
         <p:nvSpPr>
           <p:cNvPr id="3" name="文本占位符 2"/>
-          <p:cNvSpPr/>
+          <p:cNvSpPr>
+            <a:spLocks noGrp="1"/>
+          </p:cNvSpPr>
           <p:nvPr>
             <p:ph type="body" idx="3"/>
           </p:nvPr>
@@ -523,6 +533,7 @@
         <p:spPr/>
         <p:txBody>
           <a:bodyPr/>
+          <a:lstStyle/>
           <a:p>
             <a:endParaRPr lang="zh-CN" altLang="en-US"/>
           </a:p>
@@ -545,11 +556,20 @@
         <p:cNvGrpSpPr/>
         <p:nvPr/>
       </p:nvGrpSpPr>
-      <p:grpSpPr/>
+      <p:grpSpPr>
+        <a:xfrm>
+          <a:off x="0" y="0"/>
+          <a:ext cx="0" cy="0"/>
+          <a:chOff x="0" y="0"/>
+          <a:chExt cx="0" cy="0"/>
+        </a:xfrm>
+      </p:grpSpPr>
       <p:sp>
         <p:nvSpPr>
           <p:cNvPr id="2" name="幻灯片图像占位符 1"/>
-          <p:cNvSpPr/>
+          <p:cNvSpPr>
+            <a:spLocks noGrp="1" noRot="1" noChangeAspect="1"/>
+          </p:cNvSpPr>
           <p:nvPr>
             <p:ph type="sldImg" idx="2"/>
           </p:nvPr>
@@ -559,7 +579,9 @@
       <p:sp>
         <p:nvSpPr>
           <p:cNvPr id="3" name="文本占位符 2"/>
-          <p:cNvSpPr/>
+          <p:cNvSpPr>
+            <a:spLocks noGrp="1"/>
+          </p:cNvSpPr>
           <p:nvPr>
             <p:ph type="body" idx="3"/>
           </p:nvPr>
@@ -567,6 +589,7 @@
         <p:spPr/>
         <p:txBody>
           <a:bodyPr/>
+          <a:lstStyle/>
           <a:p>
             <a:endParaRPr lang="zh-CN" altLang="en-US"/>
           </a:p>
@@ -589,11 +612,20 @@
         <p:cNvGrpSpPr/>
         <p:nvPr/>
       </p:nvGrpSpPr>
-      <p:grpSpPr/>
+      <p:grpSpPr>
+        <a:xfrm>
+          <a:off x="0" y="0"/>
+          <a:ext cx="0" cy="0"/>
+          <a:chOff x="0" y="0"/>
+          <a:chExt cx="0" cy="0"/>
+        </a:xfrm>
+      </p:grpSpPr>
       <p:sp>
         <p:nvSpPr>
           <p:cNvPr id="2" name="幻灯片图像占位符 1"/>
-          <p:cNvSpPr/>
+          <p:cNvSpPr>
+            <a:spLocks noGrp="1" noRot="1" noChangeAspect="1"/>
+          </p:cNvSpPr>
           <p:nvPr>
             <p:ph type="sldImg" idx="2"/>
           </p:nvPr>
@@ -603,7 +635,9 @@
       <p:sp>
         <p:nvSpPr>
           <p:cNvPr id="3" name="文本占位符 2"/>
-          <p:cNvSpPr/>
+          <p:cNvSpPr>
+            <a:spLocks noGrp="1"/>
+          </p:cNvSpPr>
           <p:nvPr>
             <p:ph type="body" idx="3"/>
           </p:nvPr>
@@ -611,6 +645,7 @@
         <p:spPr/>
         <p:txBody>
           <a:bodyPr/>
+          <a:lstStyle/>
           <a:p>
             <a:endParaRPr lang="zh-CN" altLang="en-US"/>
           </a:p>
@@ -633,11 +668,20 @@
         <p:cNvGrpSpPr/>
         <p:nvPr/>
       </p:nvGrpSpPr>
-      <p:grpSpPr/>
+      <p:grpSpPr>
+        <a:xfrm>
+          <a:off x="0" y="0"/>
+          <a:ext cx="0" cy="0"/>
+          <a:chOff x="0" y="0"/>
+          <a:chExt cx="0" cy="0"/>
+        </a:xfrm>
+      </p:grpSpPr>
       <p:sp>
         <p:nvSpPr>
           <p:cNvPr id="2" name="幻灯片图像占位符 1"/>
-          <p:cNvSpPr/>
+          <p:cNvSpPr>
+            <a:spLocks noGrp="1" noRot="1" noChangeAspect="1"/>
+          </p:cNvSpPr>
           <p:nvPr>
             <p:ph type="sldImg" idx="2"/>
           </p:nvPr>
@@ -647,7 +691,9 @@
       <p:sp>
         <p:nvSpPr>
           <p:cNvPr id="3" name="文本占位符 2"/>
-          <p:cNvSpPr/>
+          <p:cNvSpPr>
+            <a:spLocks noGrp="1"/>
+          </p:cNvSpPr>
           <p:nvPr>
             <p:ph type="body" idx="3"/>
           </p:nvPr>
@@ -655,6 +701,7 @@
         <p:spPr/>
         <p:txBody>
           <a:bodyPr/>
+          <a:lstStyle/>
           <a:p>
             <a:endParaRPr lang="zh-CN" altLang="en-US"/>
           </a:p>
@@ -713,7 +760,6 @@
               <a:rPr lang="zh-CN" altLang="en-US"/>
               <a:t>单击此处编辑母版标题样式</a:t>
             </a:r>
-            <a:endParaRPr lang="zh-CN" altLang="en-US"/>
           </a:p>
         </p:txBody>
       </p:sp>
@@ -778,7 +824,6 @@
               <a:rPr lang="zh-CN" altLang="en-US"/>
               <a:t>单击此处编辑母版副标题样式</a:t>
             </a:r>
-            <a:endParaRPr lang="zh-CN" altLang="en-US"/>
           </a:p>
         </p:txBody>
       </p:sp>
@@ -799,6 +844,7 @@
           <a:p>
             <a:fld id="{68DBBCA6-A449-4480-82EA-F3D557971EAF}" type="datetimeFigureOut">
               <a:rPr lang="zh-CN" altLang="en-US" smtClean="0"/>
+              <a:t>2023/4/25</a:t>
             </a:fld>
             <a:endParaRPr lang="zh-CN" altLang="en-US"/>
           </a:p>
@@ -840,6 +886,7 @@
           <a:p>
             <a:fld id="{B461F030-2286-4C30-8CEE-BE0B56EF53B9}" type="slidenum">
               <a:rPr lang="zh-CN" altLang="en-US" smtClean="0"/>
+              <a:t>‹#›</a:t>
             </a:fld>
             <a:endParaRPr lang="zh-CN" altLang="en-US"/>
           </a:p>
@@ -850,13 +897,13 @@
   <p:clrMapOvr>
     <a:masterClrMapping/>
   </p:clrMapOvr>
-  <mc:AlternateContent xmlns:mc="http://schemas.openxmlformats.org/markup-compatibility/2006">
-    <mc:Choice xmlns:p15="http://schemas.microsoft.com/office/powerpoint/2012/main" Requires="p15">
-      <p:transition xmlns:p14="http://schemas.microsoft.com/office/powerpoint/2010/main" spd="slow" Requires="p14" p14:dur="1250">
+  <mc:AlternateContent xmlns:mc="http://schemas.openxmlformats.org/markup-compatibility/2006" xmlns:p15="http://schemas.microsoft.com/office/powerpoint/2012/main">
+    <mc:Choice Requires="p15">
+      <p:transition xmlns:p14="http://schemas.microsoft.com/office/powerpoint/2010/main" spd="slow" p14:dur="1250">
         <p15:prstTrans prst="pageCurlDouble"/>
       </p:transition>
     </mc:Choice>
-    <mc:Fallback>
+    <mc:Fallback xmlns="">
       <p:transition spd="slow">
         <p:fade/>
       </p:transition>
@@ -901,7 +948,6 @@
               <a:rPr lang="zh-CN" altLang="en-US"/>
               <a:t>单击此处编辑母版标题样式</a:t>
             </a:r>
-            <a:endParaRPr lang="zh-CN" altLang="en-US"/>
           </a:p>
         </p:txBody>
       </p:sp>
@@ -925,7 +971,6 @@
               <a:rPr lang="zh-CN" altLang="en-US"/>
               <a:t>单击此处编辑母版文本样式</a:t>
             </a:r>
-            <a:endParaRPr lang="zh-CN" altLang="en-US"/>
           </a:p>
           <a:p>
             <a:pPr lvl="1"/>
@@ -933,7 +978,6 @@
               <a:rPr lang="zh-CN" altLang="en-US"/>
               <a:t>二级</a:t>
             </a:r>
-            <a:endParaRPr lang="zh-CN" altLang="en-US"/>
           </a:p>
           <a:p>
             <a:pPr lvl="2"/>
@@ -941,7 +985,6 @@
               <a:rPr lang="zh-CN" altLang="en-US"/>
               <a:t>三级</a:t>
             </a:r>
-            <a:endParaRPr lang="zh-CN" altLang="en-US"/>
           </a:p>
           <a:p>
             <a:pPr lvl="3"/>
@@ -949,7 +992,6 @@
               <a:rPr lang="zh-CN" altLang="en-US"/>
               <a:t>四级</a:t>
             </a:r>
-            <a:endParaRPr lang="zh-CN" altLang="en-US"/>
           </a:p>
           <a:p>
             <a:pPr lvl="4"/>
@@ -957,7 +999,6 @@
               <a:rPr lang="zh-CN" altLang="en-US"/>
               <a:t>五级</a:t>
             </a:r>
-            <a:endParaRPr lang="zh-CN" altLang="en-US"/>
           </a:p>
         </p:txBody>
       </p:sp>
@@ -978,6 +1019,7 @@
           <a:p>
             <a:fld id="{68DBBCA6-A449-4480-82EA-F3D557971EAF}" type="datetimeFigureOut">
               <a:rPr lang="zh-CN" altLang="en-US" smtClean="0"/>
+              <a:t>2023/4/25</a:t>
             </a:fld>
             <a:endParaRPr lang="zh-CN" altLang="en-US"/>
           </a:p>
@@ -1019,6 +1061,7 @@
           <a:p>
             <a:fld id="{B461F030-2286-4C30-8CEE-BE0B56EF53B9}" type="slidenum">
               <a:rPr lang="zh-CN" altLang="en-US" smtClean="0"/>
+              <a:t>‹#›</a:t>
             </a:fld>
             <a:endParaRPr lang="zh-CN" altLang="en-US"/>
           </a:p>
@@ -1029,13 +1072,13 @@
   <p:clrMapOvr>
     <a:masterClrMapping/>
   </p:clrMapOvr>
-  <mc:AlternateContent xmlns:mc="http://schemas.openxmlformats.org/markup-compatibility/2006">
-    <mc:Choice xmlns:p15="http://schemas.microsoft.com/office/powerpoint/2012/main" Requires="p15">
-      <p:transition xmlns:p14="http://schemas.microsoft.com/office/powerpoint/2010/main" spd="slow" Requires="p14" p14:dur="1250">
+  <mc:AlternateContent xmlns:mc="http://schemas.openxmlformats.org/markup-compatibility/2006" xmlns:p15="http://schemas.microsoft.com/office/powerpoint/2012/main">
+    <mc:Choice Requires="p15">
+      <p:transition xmlns:p14="http://schemas.microsoft.com/office/powerpoint/2010/main" spd="slow" p14:dur="1250">
         <p15:prstTrans prst="pageCurlDouble"/>
       </p:transition>
     </mc:Choice>
-    <mc:Fallback>
+    <mc:Fallback xmlns="">
       <p:transition spd="slow">
         <p:fade/>
       </p:transition>
@@ -1085,7 +1128,6 @@
               <a:rPr lang="zh-CN" altLang="en-US"/>
               <a:t>单击此处编辑母版标题样式</a:t>
             </a:r>
-            <a:endParaRPr lang="zh-CN" altLang="en-US"/>
           </a:p>
         </p:txBody>
       </p:sp>
@@ -1114,7 +1156,6 @@
               <a:rPr lang="zh-CN" altLang="en-US"/>
               <a:t>单击此处编辑母版文本样式</a:t>
             </a:r>
-            <a:endParaRPr lang="zh-CN" altLang="en-US"/>
           </a:p>
           <a:p>
             <a:pPr lvl="1"/>
@@ -1122,7 +1163,6 @@
               <a:rPr lang="zh-CN" altLang="en-US"/>
               <a:t>二级</a:t>
             </a:r>
-            <a:endParaRPr lang="zh-CN" altLang="en-US"/>
           </a:p>
           <a:p>
             <a:pPr lvl="2"/>
@@ -1130,7 +1170,6 @@
               <a:rPr lang="zh-CN" altLang="en-US"/>
               <a:t>三级</a:t>
             </a:r>
-            <a:endParaRPr lang="zh-CN" altLang="en-US"/>
           </a:p>
           <a:p>
             <a:pPr lvl="3"/>
@@ -1138,7 +1177,6 @@
               <a:rPr lang="zh-CN" altLang="en-US"/>
               <a:t>四级</a:t>
             </a:r>
-            <a:endParaRPr lang="zh-CN" altLang="en-US"/>
           </a:p>
           <a:p>
             <a:pPr lvl="4"/>
@@ -1146,7 +1184,6 @@
               <a:rPr lang="zh-CN" altLang="en-US"/>
               <a:t>五级</a:t>
             </a:r>
-            <a:endParaRPr lang="zh-CN" altLang="en-US"/>
           </a:p>
         </p:txBody>
       </p:sp>
@@ -1167,6 +1204,7 @@
           <a:p>
             <a:fld id="{68DBBCA6-A449-4480-82EA-F3D557971EAF}" type="datetimeFigureOut">
               <a:rPr lang="zh-CN" altLang="en-US" smtClean="0"/>
+              <a:t>2023/4/25</a:t>
             </a:fld>
             <a:endParaRPr lang="zh-CN" altLang="en-US"/>
           </a:p>
@@ -1208,6 +1246,7 @@
           <a:p>
             <a:fld id="{B461F030-2286-4C30-8CEE-BE0B56EF53B9}" type="slidenum">
               <a:rPr lang="zh-CN" altLang="en-US" smtClean="0"/>
+              <a:t>‹#›</a:t>
             </a:fld>
             <a:endParaRPr lang="zh-CN" altLang="en-US"/>
           </a:p>
@@ -1218,13 +1257,13 @@
   <p:clrMapOvr>
     <a:masterClrMapping/>
   </p:clrMapOvr>
-  <mc:AlternateContent xmlns:mc="http://schemas.openxmlformats.org/markup-compatibility/2006">
-    <mc:Choice xmlns:p15="http://schemas.microsoft.com/office/powerpoint/2012/main" Requires="p15">
-      <p:transition xmlns:p14="http://schemas.microsoft.com/office/powerpoint/2010/main" spd="slow" Requires="p14" p14:dur="1250">
+  <mc:AlternateContent xmlns:mc="http://schemas.openxmlformats.org/markup-compatibility/2006" xmlns:p15="http://schemas.microsoft.com/office/powerpoint/2012/main">
+    <mc:Choice Requires="p15">
+      <p:transition xmlns:p14="http://schemas.microsoft.com/office/powerpoint/2010/main" spd="slow" p14:dur="1250">
         <p15:prstTrans prst="pageCurlDouble"/>
       </p:transition>
     </mc:Choice>
-    <mc:Fallback>
+    <mc:Fallback xmlns="">
       <p:transition spd="slow">
         <p:fade/>
       </p:transition>
@@ -1278,7 +1317,6 @@
               <a:rPr lang="zh-CN" altLang="en-US"/>
               <a:t>单击此处编辑母版标题样式</a:t>
             </a:r>
-            <a:endParaRPr lang="zh-CN" altLang="en-US"/>
           </a:p>
         </p:txBody>
       </p:sp>
@@ -1343,7 +1381,6 @@
               <a:rPr lang="zh-CN" altLang="en-US"/>
               <a:t>单击此处编辑母版副标题样式</a:t>
             </a:r>
-            <a:endParaRPr lang="zh-CN" altLang="en-US"/>
           </a:p>
         </p:txBody>
       </p:sp>
@@ -1364,6 +1401,7 @@
           <a:p>
             <a:fld id="{68DBBCA6-A449-4480-82EA-F3D557971EAF}" type="datetimeFigureOut">
               <a:rPr lang="zh-CN" altLang="en-US" smtClean="0"/>
+              <a:t>2023/4/25</a:t>
             </a:fld>
             <a:endParaRPr lang="zh-CN" altLang="en-US"/>
           </a:p>
@@ -1405,6 +1443,7 @@
           <a:p>
             <a:fld id="{B461F030-2286-4C30-8CEE-BE0B56EF53B9}" type="slidenum">
               <a:rPr lang="zh-CN" altLang="en-US" smtClean="0"/>
+              <a:t>‹#›</a:t>
             </a:fld>
             <a:endParaRPr lang="zh-CN" altLang="en-US"/>
           </a:p>
@@ -1415,13 +1454,13 @@
   <p:clrMapOvr>
     <a:masterClrMapping/>
   </p:clrMapOvr>
-  <mc:AlternateContent xmlns:mc="http://schemas.openxmlformats.org/markup-compatibility/2006">
-    <mc:Choice xmlns:p15="http://schemas.microsoft.com/office/powerpoint/2012/main" Requires="p15">
-      <p:transition xmlns:p14="http://schemas.microsoft.com/office/powerpoint/2010/main" spd="slow" Requires="p14" p14:dur="1250">
+  <mc:AlternateContent xmlns:mc="http://schemas.openxmlformats.org/markup-compatibility/2006" xmlns:p15="http://schemas.microsoft.com/office/powerpoint/2012/main">
+    <mc:Choice Requires="p15">
+      <p:transition xmlns:p14="http://schemas.microsoft.com/office/powerpoint/2010/main" spd="slow" p14:dur="1250">
         <p15:prstTrans prst="pageCurlDouble"/>
       </p:transition>
     </mc:Choice>
-    <mc:Fallback>
+    <mc:Fallback xmlns="">
       <p:transition spd="slow">
         <p:fade/>
       </p:transition>
@@ -1466,7 +1505,6 @@
               <a:rPr lang="zh-CN" altLang="en-US"/>
               <a:t>单击此处编辑母版标题样式</a:t>
             </a:r>
-            <a:endParaRPr lang="zh-CN" altLang="en-US"/>
           </a:p>
         </p:txBody>
       </p:sp>
@@ -1490,7 +1528,6 @@
               <a:rPr lang="zh-CN" altLang="en-US"/>
               <a:t>单击此处编辑母版文本样式</a:t>
             </a:r>
-            <a:endParaRPr lang="zh-CN" altLang="en-US"/>
           </a:p>
           <a:p>
             <a:pPr lvl="1"/>
@@ -1498,7 +1535,6 @@
               <a:rPr lang="zh-CN" altLang="en-US"/>
               <a:t>二级</a:t>
             </a:r>
-            <a:endParaRPr lang="zh-CN" altLang="en-US"/>
           </a:p>
           <a:p>
             <a:pPr lvl="2"/>
@@ -1506,7 +1542,6 @@
               <a:rPr lang="zh-CN" altLang="en-US"/>
               <a:t>三级</a:t>
             </a:r>
-            <a:endParaRPr lang="zh-CN" altLang="en-US"/>
           </a:p>
           <a:p>
             <a:pPr lvl="3"/>
@@ -1514,7 +1549,6 @@
               <a:rPr lang="zh-CN" altLang="en-US"/>
               <a:t>四级</a:t>
             </a:r>
-            <a:endParaRPr lang="zh-CN" altLang="en-US"/>
           </a:p>
           <a:p>
             <a:pPr lvl="4"/>
@@ -1522,7 +1556,6 @@
               <a:rPr lang="zh-CN" altLang="en-US"/>
               <a:t>五级</a:t>
             </a:r>
-            <a:endParaRPr lang="zh-CN" altLang="en-US"/>
           </a:p>
         </p:txBody>
       </p:sp>
@@ -1543,6 +1576,7 @@
           <a:p>
             <a:fld id="{68DBBCA6-A449-4480-82EA-F3D557971EAF}" type="datetimeFigureOut">
               <a:rPr lang="zh-CN" altLang="en-US" smtClean="0"/>
+              <a:t>2023/4/25</a:t>
             </a:fld>
             <a:endParaRPr lang="zh-CN" altLang="en-US"/>
           </a:p>
@@ -1584,6 +1618,7 @@
           <a:p>
             <a:fld id="{B461F030-2286-4C30-8CEE-BE0B56EF53B9}" type="slidenum">
               <a:rPr lang="zh-CN" altLang="en-US" smtClean="0"/>
+              <a:t>‹#›</a:t>
             </a:fld>
             <a:endParaRPr lang="zh-CN" altLang="en-US"/>
           </a:p>
@@ -1594,13 +1629,13 @@
   <p:clrMapOvr>
     <a:masterClrMapping/>
   </p:clrMapOvr>
-  <mc:AlternateContent xmlns:mc="http://schemas.openxmlformats.org/markup-compatibility/2006">
-    <mc:Choice xmlns:p15="http://schemas.microsoft.com/office/powerpoint/2012/main" Requires="p15">
-      <p:transition xmlns:p14="http://schemas.microsoft.com/office/powerpoint/2010/main" spd="slow" Requires="p14" p14:dur="1250">
+  <mc:AlternateContent xmlns:mc="http://schemas.openxmlformats.org/markup-compatibility/2006" xmlns:p15="http://schemas.microsoft.com/office/powerpoint/2012/main">
+    <mc:Choice Requires="p15">
+      <p:transition xmlns:p14="http://schemas.microsoft.com/office/powerpoint/2010/main" spd="slow" p14:dur="1250">
         <p15:prstTrans prst="pageCurlDouble"/>
       </p:transition>
     </mc:Choice>
-    <mc:Fallback>
+    <mc:Fallback xmlns="">
       <p:transition spd="slow">
         <p:fade/>
       </p:transition>
@@ -1654,7 +1689,6 @@
               <a:rPr lang="zh-CN" altLang="en-US"/>
               <a:t>单击此处编辑母版标题样式</a:t>
             </a:r>
-            <a:endParaRPr lang="zh-CN" altLang="en-US"/>
           </a:p>
         </p:txBody>
       </p:sp>
@@ -1774,7 +1808,6 @@
               <a:rPr lang="zh-CN" altLang="en-US"/>
               <a:t>单击此处编辑母版文本样式</a:t>
             </a:r>
-            <a:endParaRPr lang="zh-CN" altLang="en-US"/>
           </a:p>
         </p:txBody>
       </p:sp>
@@ -1795,6 +1828,7 @@
           <a:p>
             <a:fld id="{68DBBCA6-A449-4480-82EA-F3D557971EAF}" type="datetimeFigureOut">
               <a:rPr lang="zh-CN" altLang="en-US" smtClean="0"/>
+              <a:t>2023/4/25</a:t>
             </a:fld>
             <a:endParaRPr lang="zh-CN" altLang="en-US"/>
           </a:p>
@@ -1836,6 +1870,7 @@
           <a:p>
             <a:fld id="{B461F030-2286-4C30-8CEE-BE0B56EF53B9}" type="slidenum">
               <a:rPr lang="zh-CN" altLang="en-US" smtClean="0"/>
+              <a:t>‹#›</a:t>
             </a:fld>
             <a:endParaRPr lang="zh-CN" altLang="en-US"/>
           </a:p>
@@ -1846,13 +1881,13 @@
   <p:clrMapOvr>
     <a:masterClrMapping/>
   </p:clrMapOvr>
-  <mc:AlternateContent xmlns:mc="http://schemas.openxmlformats.org/markup-compatibility/2006">
-    <mc:Choice xmlns:p15="http://schemas.microsoft.com/office/powerpoint/2012/main" Requires="p15">
-      <p:transition xmlns:p14="http://schemas.microsoft.com/office/powerpoint/2010/main" spd="slow" Requires="p14" p14:dur="1250">
+  <mc:AlternateContent xmlns:mc="http://schemas.openxmlformats.org/markup-compatibility/2006" xmlns:p15="http://schemas.microsoft.com/office/powerpoint/2012/main">
+    <mc:Choice Requires="p15">
+      <p:transition xmlns:p14="http://schemas.microsoft.com/office/powerpoint/2010/main" spd="slow" p14:dur="1250">
         <p15:prstTrans prst="pageCurlDouble"/>
       </p:transition>
     </mc:Choice>
-    <mc:Fallback>
+    <mc:Fallback xmlns="">
       <p:transition spd="slow">
         <p:fade/>
       </p:transition>
@@ -1897,7 +1932,6 @@
               <a:rPr lang="zh-CN" altLang="en-US"/>
               <a:t>单击此处编辑母版标题样式</a:t>
             </a:r>
-            <a:endParaRPr lang="zh-CN" altLang="en-US"/>
           </a:p>
         </p:txBody>
       </p:sp>
@@ -1926,7 +1960,6 @@
               <a:rPr lang="zh-CN" altLang="en-US"/>
               <a:t>单击此处编辑母版文本样式</a:t>
             </a:r>
-            <a:endParaRPr lang="zh-CN" altLang="en-US"/>
           </a:p>
           <a:p>
             <a:pPr lvl="1"/>
@@ -1934,7 +1967,6 @@
               <a:rPr lang="zh-CN" altLang="en-US"/>
               <a:t>二级</a:t>
             </a:r>
-            <a:endParaRPr lang="zh-CN" altLang="en-US"/>
           </a:p>
           <a:p>
             <a:pPr lvl="2"/>
@@ -1942,7 +1974,6 @@
               <a:rPr lang="zh-CN" altLang="en-US"/>
               <a:t>三级</a:t>
             </a:r>
-            <a:endParaRPr lang="zh-CN" altLang="en-US"/>
           </a:p>
           <a:p>
             <a:pPr lvl="3"/>
@@ -1950,7 +1981,6 @@
               <a:rPr lang="zh-CN" altLang="en-US"/>
               <a:t>四级</a:t>
             </a:r>
-            <a:endParaRPr lang="zh-CN" altLang="en-US"/>
           </a:p>
           <a:p>
             <a:pPr lvl="4"/>
@@ -1958,7 +1988,6 @@
               <a:rPr lang="zh-CN" altLang="en-US"/>
               <a:t>五级</a:t>
             </a:r>
-            <a:endParaRPr lang="zh-CN" altLang="en-US"/>
           </a:p>
         </p:txBody>
       </p:sp>
@@ -1987,7 +2016,6 @@
               <a:rPr lang="zh-CN" altLang="en-US"/>
               <a:t>单击此处编辑母版文本样式</a:t>
             </a:r>
-            <a:endParaRPr lang="zh-CN" altLang="en-US"/>
           </a:p>
           <a:p>
             <a:pPr lvl="1"/>
@@ -1995,7 +2023,6 @@
               <a:rPr lang="zh-CN" altLang="en-US"/>
               <a:t>二级</a:t>
             </a:r>
-            <a:endParaRPr lang="zh-CN" altLang="en-US"/>
           </a:p>
           <a:p>
             <a:pPr lvl="2"/>
@@ -2003,7 +2030,6 @@
               <a:rPr lang="zh-CN" altLang="en-US"/>
               <a:t>三级</a:t>
             </a:r>
-            <a:endParaRPr lang="zh-CN" altLang="en-US"/>
           </a:p>
           <a:p>
             <a:pPr lvl="3"/>
@@ -2011,7 +2037,6 @@
               <a:rPr lang="zh-CN" altLang="en-US"/>
               <a:t>四级</a:t>
             </a:r>
-            <a:endParaRPr lang="zh-CN" altLang="en-US"/>
           </a:p>
           <a:p>
             <a:pPr lvl="4"/>
@@ -2019,7 +2044,6 @@
               <a:rPr lang="zh-CN" altLang="en-US"/>
               <a:t>五级</a:t>
             </a:r>
-            <a:endParaRPr lang="zh-CN" altLang="en-US"/>
           </a:p>
         </p:txBody>
       </p:sp>
@@ -2040,6 +2064,7 @@
           <a:p>
             <a:fld id="{68DBBCA6-A449-4480-82EA-F3D557971EAF}" type="datetimeFigureOut">
               <a:rPr lang="zh-CN" altLang="en-US" smtClean="0"/>
+              <a:t>2023/4/25</a:t>
             </a:fld>
             <a:endParaRPr lang="zh-CN" altLang="en-US"/>
           </a:p>
@@ -2081,6 +2106,7 @@
           <a:p>
             <a:fld id="{B461F030-2286-4C30-8CEE-BE0B56EF53B9}" type="slidenum">
               <a:rPr lang="zh-CN" altLang="en-US" smtClean="0"/>
+              <a:t>‹#›</a:t>
             </a:fld>
             <a:endParaRPr lang="zh-CN" altLang="en-US"/>
           </a:p>
@@ -2091,13 +2117,13 @@
   <p:clrMapOvr>
     <a:masterClrMapping/>
   </p:clrMapOvr>
-  <mc:AlternateContent xmlns:mc="http://schemas.openxmlformats.org/markup-compatibility/2006">
-    <mc:Choice xmlns:p15="http://schemas.microsoft.com/office/powerpoint/2012/main" Requires="p15">
-      <p:transition xmlns:p14="http://schemas.microsoft.com/office/powerpoint/2010/main" spd="slow" Requires="p14" p14:dur="1250">
+  <mc:AlternateContent xmlns:mc="http://schemas.openxmlformats.org/markup-compatibility/2006" xmlns:p15="http://schemas.microsoft.com/office/powerpoint/2012/main">
+    <mc:Choice Requires="p15">
+      <p:transition xmlns:p14="http://schemas.microsoft.com/office/powerpoint/2010/main" spd="slow" p14:dur="1250">
         <p15:prstTrans prst="pageCurlDouble"/>
       </p:transition>
     </mc:Choice>
-    <mc:Fallback>
+    <mc:Fallback xmlns="">
       <p:transition spd="slow">
         <p:fade/>
       </p:transition>
@@ -2147,7 +2173,6 @@
               <a:rPr lang="zh-CN" altLang="en-US"/>
               <a:t>单击此处编辑母版标题样式</a:t>
             </a:r>
-            <a:endParaRPr lang="zh-CN" altLang="en-US"/>
           </a:p>
         </p:txBody>
       </p:sp>
@@ -2213,7 +2238,6 @@
               <a:rPr lang="zh-CN" altLang="en-US"/>
               <a:t>单击此处编辑母版文本样式</a:t>
             </a:r>
-            <a:endParaRPr lang="zh-CN" altLang="en-US"/>
           </a:p>
         </p:txBody>
       </p:sp>
@@ -2242,7 +2266,6 @@
               <a:rPr lang="zh-CN" altLang="en-US"/>
               <a:t>单击此处编辑母版文本样式</a:t>
             </a:r>
-            <a:endParaRPr lang="zh-CN" altLang="en-US"/>
           </a:p>
           <a:p>
             <a:pPr lvl="1"/>
@@ -2250,7 +2273,6 @@
               <a:rPr lang="zh-CN" altLang="en-US"/>
               <a:t>二级</a:t>
             </a:r>
-            <a:endParaRPr lang="zh-CN" altLang="en-US"/>
           </a:p>
           <a:p>
             <a:pPr lvl="2"/>
@@ -2258,7 +2280,6 @@
               <a:rPr lang="zh-CN" altLang="en-US"/>
               <a:t>三级</a:t>
             </a:r>
-            <a:endParaRPr lang="zh-CN" altLang="en-US"/>
           </a:p>
           <a:p>
             <a:pPr lvl="3"/>
@@ -2266,7 +2287,6 @@
               <a:rPr lang="zh-CN" altLang="en-US"/>
               <a:t>四级</a:t>
             </a:r>
-            <a:endParaRPr lang="zh-CN" altLang="en-US"/>
           </a:p>
           <a:p>
             <a:pPr lvl="4"/>
@@ -2274,7 +2294,6 @@
               <a:rPr lang="zh-CN" altLang="en-US"/>
               <a:t>五级</a:t>
             </a:r>
-            <a:endParaRPr lang="zh-CN" altLang="en-US"/>
           </a:p>
         </p:txBody>
       </p:sp>
@@ -2340,7 +2359,6 @@
               <a:rPr lang="zh-CN" altLang="en-US"/>
               <a:t>单击此处编辑母版文本样式</a:t>
             </a:r>
-            <a:endParaRPr lang="zh-CN" altLang="en-US"/>
           </a:p>
         </p:txBody>
       </p:sp>
@@ -2369,7 +2387,6 @@
               <a:rPr lang="zh-CN" altLang="en-US"/>
               <a:t>单击此处编辑母版文本样式</a:t>
             </a:r>
-            <a:endParaRPr lang="zh-CN" altLang="en-US"/>
           </a:p>
           <a:p>
             <a:pPr lvl="1"/>
@@ -2377,7 +2394,6 @@
               <a:rPr lang="zh-CN" altLang="en-US"/>
               <a:t>二级</a:t>
             </a:r>
-            <a:endParaRPr lang="zh-CN" altLang="en-US"/>
           </a:p>
           <a:p>
             <a:pPr lvl="2"/>
@@ -2385,7 +2401,6 @@
               <a:rPr lang="zh-CN" altLang="en-US"/>
               <a:t>三级</a:t>
             </a:r>
-            <a:endParaRPr lang="zh-CN" altLang="en-US"/>
           </a:p>
           <a:p>
             <a:pPr lvl="3"/>
@@ -2393,7 +2408,6 @@
               <a:rPr lang="zh-CN" altLang="en-US"/>
               <a:t>四级</a:t>
             </a:r>
-            <a:endParaRPr lang="zh-CN" altLang="en-US"/>
           </a:p>
           <a:p>
             <a:pPr lvl="4"/>
@@ -2401,7 +2415,6 @@
               <a:rPr lang="zh-CN" altLang="en-US"/>
               <a:t>五级</a:t>
             </a:r>
-            <a:endParaRPr lang="zh-CN" altLang="en-US"/>
           </a:p>
         </p:txBody>
       </p:sp>
@@ -2422,6 +2435,7 @@
           <a:p>
             <a:fld id="{68DBBCA6-A449-4480-82EA-F3D557971EAF}" type="datetimeFigureOut">
               <a:rPr lang="zh-CN" altLang="en-US" smtClean="0"/>
+              <a:t>2023/4/25</a:t>
             </a:fld>
             <a:endParaRPr lang="zh-CN" altLang="en-US"/>
           </a:p>
@@ -2463,6 +2477,7 @@
           <a:p>
             <a:fld id="{B461F030-2286-4C30-8CEE-BE0B56EF53B9}" type="slidenum">
               <a:rPr lang="zh-CN" altLang="en-US" smtClean="0"/>
+              <a:t>‹#›</a:t>
             </a:fld>
             <a:endParaRPr lang="zh-CN" altLang="en-US"/>
           </a:p>
@@ -2473,13 +2488,13 @@
   <p:clrMapOvr>
     <a:masterClrMapping/>
   </p:clrMapOvr>
-  <mc:AlternateContent xmlns:mc="http://schemas.openxmlformats.org/markup-compatibility/2006">
-    <mc:Choice xmlns:p15="http://schemas.microsoft.com/office/powerpoint/2012/main" Requires="p15">
-      <p:transition xmlns:p14="http://schemas.microsoft.com/office/powerpoint/2010/main" spd="slow" Requires="p14" p14:dur="1250">
+  <mc:AlternateContent xmlns:mc="http://schemas.openxmlformats.org/markup-compatibility/2006" xmlns:p15="http://schemas.microsoft.com/office/powerpoint/2012/main">
+    <mc:Choice Requires="p15">
+      <p:transition xmlns:p14="http://schemas.microsoft.com/office/powerpoint/2010/main" spd="slow" p14:dur="1250">
         <p15:prstTrans prst="pageCurlDouble"/>
       </p:transition>
     </mc:Choice>
-    <mc:Fallback>
+    <mc:Fallback xmlns="">
       <p:transition spd="slow">
         <p:fade/>
       </p:transition>
@@ -2524,7 +2539,6 @@
               <a:rPr lang="zh-CN" altLang="en-US"/>
               <a:t>单击此处编辑母版标题样式</a:t>
             </a:r>
-            <a:endParaRPr lang="zh-CN" altLang="en-US"/>
           </a:p>
         </p:txBody>
       </p:sp>
@@ -2545,6 +2559,7 @@
           <a:p>
             <a:fld id="{68DBBCA6-A449-4480-82EA-F3D557971EAF}" type="datetimeFigureOut">
               <a:rPr lang="zh-CN" altLang="en-US" smtClean="0"/>
+              <a:t>2023/4/25</a:t>
             </a:fld>
             <a:endParaRPr lang="zh-CN" altLang="en-US"/>
           </a:p>
@@ -2586,6 +2601,7 @@
           <a:p>
             <a:fld id="{B461F030-2286-4C30-8CEE-BE0B56EF53B9}" type="slidenum">
               <a:rPr lang="zh-CN" altLang="en-US" smtClean="0"/>
+              <a:t>‹#›</a:t>
             </a:fld>
             <a:endParaRPr lang="zh-CN" altLang="en-US"/>
           </a:p>
@@ -2596,13 +2612,13 @@
   <p:clrMapOvr>
     <a:masterClrMapping/>
   </p:clrMapOvr>
-  <mc:AlternateContent xmlns:mc="http://schemas.openxmlformats.org/markup-compatibility/2006">
-    <mc:Choice xmlns:p15="http://schemas.microsoft.com/office/powerpoint/2012/main" Requires="p15">
-      <p:transition xmlns:p14="http://schemas.microsoft.com/office/powerpoint/2010/main" spd="slow" Requires="p14" p14:dur="1250">
+  <mc:AlternateContent xmlns:mc="http://schemas.openxmlformats.org/markup-compatibility/2006" xmlns:p15="http://schemas.microsoft.com/office/powerpoint/2012/main">
+    <mc:Choice Requires="p15">
+      <p:transition xmlns:p14="http://schemas.microsoft.com/office/powerpoint/2010/main" spd="slow" p14:dur="1250">
         <p15:prstTrans prst="pageCurlDouble"/>
       </p:transition>
     </mc:Choice>
-    <mc:Fallback>
+    <mc:Fallback xmlns="">
       <p:transition spd="slow">
         <p:fade/>
       </p:transition>
@@ -2645,6 +2661,7 @@
           <a:p>
             <a:fld id="{68DBBCA6-A449-4480-82EA-F3D557971EAF}" type="datetimeFigureOut">
               <a:rPr lang="zh-CN" altLang="en-US" smtClean="0"/>
+              <a:t>2023/4/25</a:t>
             </a:fld>
             <a:endParaRPr lang="zh-CN" altLang="en-US"/>
           </a:p>
@@ -2686,6 +2703,7 @@
           <a:p>
             <a:fld id="{B461F030-2286-4C30-8CEE-BE0B56EF53B9}" type="slidenum">
               <a:rPr lang="zh-CN" altLang="en-US" smtClean="0"/>
+              <a:t>‹#›</a:t>
             </a:fld>
             <a:endParaRPr lang="zh-CN" altLang="en-US"/>
           </a:p>
@@ -2696,13 +2714,13 @@
   <p:clrMapOvr>
     <a:masterClrMapping/>
   </p:clrMapOvr>
-  <mc:AlternateContent xmlns:mc="http://schemas.openxmlformats.org/markup-compatibility/2006">
-    <mc:Choice xmlns:p15="http://schemas.microsoft.com/office/powerpoint/2012/main" Requires="p15">
-      <p:transition xmlns:p14="http://schemas.microsoft.com/office/powerpoint/2010/main" spd="slow" Requires="p14" p14:dur="1250">
+  <mc:AlternateContent xmlns:mc="http://schemas.openxmlformats.org/markup-compatibility/2006" xmlns:p15="http://schemas.microsoft.com/office/powerpoint/2012/main">
+    <mc:Choice Requires="p15">
+      <p:transition xmlns:p14="http://schemas.microsoft.com/office/powerpoint/2010/main" spd="slow" p14:dur="1250">
         <p15:prstTrans prst="pageCurlDouble"/>
       </p:transition>
     </mc:Choice>
-    <mc:Fallback>
+    <mc:Fallback xmlns="">
       <p:transition spd="slow">
         <p:fade/>
       </p:transition>
@@ -2756,7 +2774,6 @@
               <a:rPr lang="zh-CN" altLang="en-US"/>
               <a:t>单击此处编辑母版标题样式</a:t>
             </a:r>
-            <a:endParaRPr lang="zh-CN" altLang="en-US"/>
           </a:p>
         </p:txBody>
       </p:sp>
@@ -2813,7 +2830,6 @@
               <a:rPr lang="zh-CN" altLang="en-US"/>
               <a:t>单击此处编辑母版文本样式</a:t>
             </a:r>
-            <a:endParaRPr lang="zh-CN" altLang="en-US"/>
           </a:p>
           <a:p>
             <a:pPr lvl="1"/>
@@ -2821,7 +2837,6 @@
               <a:rPr lang="zh-CN" altLang="en-US"/>
               <a:t>二级</a:t>
             </a:r>
-            <a:endParaRPr lang="zh-CN" altLang="en-US"/>
           </a:p>
           <a:p>
             <a:pPr lvl="2"/>
@@ -2829,7 +2844,6 @@
               <a:rPr lang="zh-CN" altLang="en-US"/>
               <a:t>三级</a:t>
             </a:r>
-            <a:endParaRPr lang="zh-CN" altLang="en-US"/>
           </a:p>
           <a:p>
             <a:pPr lvl="3"/>
@@ -2837,7 +2851,6 @@
               <a:rPr lang="zh-CN" altLang="en-US"/>
               <a:t>四级</a:t>
             </a:r>
-            <a:endParaRPr lang="zh-CN" altLang="en-US"/>
           </a:p>
           <a:p>
             <a:pPr lvl="4"/>
@@ -2845,7 +2858,6 @@
               <a:rPr lang="zh-CN" altLang="en-US"/>
               <a:t>五级</a:t>
             </a:r>
-            <a:endParaRPr lang="zh-CN" altLang="en-US"/>
           </a:p>
         </p:txBody>
       </p:sp>
@@ -2911,7 +2923,6 @@
               <a:rPr lang="zh-CN" altLang="en-US"/>
               <a:t>单击此处编辑母版文本样式</a:t>
             </a:r>
-            <a:endParaRPr lang="zh-CN" altLang="en-US"/>
           </a:p>
         </p:txBody>
       </p:sp>
@@ -2932,6 +2943,7 @@
           <a:p>
             <a:fld id="{68DBBCA6-A449-4480-82EA-F3D557971EAF}" type="datetimeFigureOut">
               <a:rPr lang="zh-CN" altLang="en-US" smtClean="0"/>
+              <a:t>2023/4/25</a:t>
             </a:fld>
             <a:endParaRPr lang="zh-CN" altLang="en-US"/>
           </a:p>
@@ -2973,6 +2985,7 @@
           <a:p>
             <a:fld id="{B461F030-2286-4C30-8CEE-BE0B56EF53B9}" type="slidenum">
               <a:rPr lang="zh-CN" altLang="en-US" smtClean="0"/>
+              <a:t>‹#›</a:t>
             </a:fld>
             <a:endParaRPr lang="zh-CN" altLang="en-US"/>
           </a:p>
@@ -2983,13 +2996,13 @@
   <p:clrMapOvr>
     <a:masterClrMapping/>
   </p:clrMapOvr>
-  <mc:AlternateContent xmlns:mc="http://schemas.openxmlformats.org/markup-compatibility/2006">
-    <mc:Choice xmlns:p15="http://schemas.microsoft.com/office/powerpoint/2012/main" Requires="p15">
-      <p:transition xmlns:p14="http://schemas.microsoft.com/office/powerpoint/2010/main" spd="slow" Requires="p14" p14:dur="1250">
+  <mc:AlternateContent xmlns:mc="http://schemas.openxmlformats.org/markup-compatibility/2006" xmlns:p15="http://schemas.microsoft.com/office/powerpoint/2012/main">
+    <mc:Choice Requires="p15">
+      <p:transition xmlns:p14="http://schemas.microsoft.com/office/powerpoint/2010/main" spd="slow" p14:dur="1250">
         <p15:prstTrans prst="pageCurlDouble"/>
       </p:transition>
     </mc:Choice>
-    <mc:Fallback>
+    <mc:Fallback xmlns="">
       <p:transition spd="slow">
         <p:fade/>
       </p:transition>
@@ -3034,7 +3047,6 @@
               <a:rPr lang="zh-CN" altLang="en-US"/>
               <a:t>单击此处编辑母版标题样式</a:t>
             </a:r>
-            <a:endParaRPr lang="zh-CN" altLang="en-US"/>
           </a:p>
         </p:txBody>
       </p:sp>
@@ -3058,7 +3070,6 @@
               <a:rPr lang="zh-CN" altLang="en-US"/>
               <a:t>单击此处编辑母版文本样式</a:t>
             </a:r>
-            <a:endParaRPr lang="zh-CN" altLang="en-US"/>
           </a:p>
           <a:p>
             <a:pPr lvl="1"/>
@@ -3066,7 +3077,6 @@
               <a:rPr lang="zh-CN" altLang="en-US"/>
               <a:t>二级</a:t>
             </a:r>
-            <a:endParaRPr lang="zh-CN" altLang="en-US"/>
           </a:p>
           <a:p>
             <a:pPr lvl="2"/>
@@ -3074,7 +3084,6 @@
               <a:rPr lang="zh-CN" altLang="en-US"/>
               <a:t>三级</a:t>
             </a:r>
-            <a:endParaRPr lang="zh-CN" altLang="en-US"/>
           </a:p>
           <a:p>
             <a:pPr lvl="3"/>
@@ -3082,7 +3091,6 @@
               <a:rPr lang="zh-CN" altLang="en-US"/>
               <a:t>四级</a:t>
             </a:r>
-            <a:endParaRPr lang="zh-CN" altLang="en-US"/>
           </a:p>
           <a:p>
             <a:pPr lvl="4"/>
@@ -3090,7 +3098,6 @@
               <a:rPr lang="zh-CN" altLang="en-US"/>
               <a:t>五级</a:t>
             </a:r>
-            <a:endParaRPr lang="zh-CN" altLang="en-US"/>
           </a:p>
         </p:txBody>
       </p:sp>
@@ -3111,6 +3118,7 @@
           <a:p>
             <a:fld id="{68DBBCA6-A449-4480-82EA-F3D557971EAF}" type="datetimeFigureOut">
               <a:rPr lang="zh-CN" altLang="en-US" smtClean="0"/>
+              <a:t>2023/4/25</a:t>
             </a:fld>
             <a:endParaRPr lang="zh-CN" altLang="en-US"/>
           </a:p>
@@ -3152,6 +3160,7 @@
           <a:p>
             <a:fld id="{B461F030-2286-4C30-8CEE-BE0B56EF53B9}" type="slidenum">
               <a:rPr lang="zh-CN" altLang="en-US" smtClean="0"/>
+              <a:t>‹#›</a:t>
             </a:fld>
             <a:endParaRPr lang="zh-CN" altLang="en-US"/>
           </a:p>
@@ -3162,13 +3171,13 @@
   <p:clrMapOvr>
     <a:masterClrMapping/>
   </p:clrMapOvr>
-  <mc:AlternateContent xmlns:mc="http://schemas.openxmlformats.org/markup-compatibility/2006">
-    <mc:Choice xmlns:p15="http://schemas.microsoft.com/office/powerpoint/2012/main" Requires="p15">
-      <p:transition xmlns:p14="http://schemas.microsoft.com/office/powerpoint/2010/main" spd="slow" Requires="p14" p14:dur="1250">
+  <mc:AlternateContent xmlns:mc="http://schemas.openxmlformats.org/markup-compatibility/2006" xmlns:p15="http://schemas.microsoft.com/office/powerpoint/2012/main">
+    <mc:Choice Requires="p15">
+      <p:transition xmlns:p14="http://schemas.microsoft.com/office/powerpoint/2010/main" spd="slow" p14:dur="1250">
         <p15:prstTrans prst="pageCurlDouble"/>
       </p:transition>
     </mc:Choice>
-    <mc:Fallback>
+    <mc:Fallback xmlns="">
       <p:transition spd="slow">
         <p:fade/>
       </p:transition>
@@ -3222,7 +3231,6 @@
               <a:rPr lang="zh-CN" altLang="en-US"/>
               <a:t>单击此处编辑母版标题样式</a:t>
             </a:r>
-            <a:endParaRPr lang="zh-CN" altLang="en-US"/>
           </a:p>
         </p:txBody>
       </p:sp>
@@ -3349,7 +3357,6 @@
               <a:rPr lang="zh-CN" altLang="en-US"/>
               <a:t>单击此处编辑母版文本样式</a:t>
             </a:r>
-            <a:endParaRPr lang="zh-CN" altLang="en-US"/>
           </a:p>
         </p:txBody>
       </p:sp>
@@ -3370,6 +3377,7 @@
           <a:p>
             <a:fld id="{68DBBCA6-A449-4480-82EA-F3D557971EAF}" type="datetimeFigureOut">
               <a:rPr lang="zh-CN" altLang="en-US" smtClean="0"/>
+              <a:t>2023/4/25</a:t>
             </a:fld>
             <a:endParaRPr lang="zh-CN" altLang="en-US"/>
           </a:p>
@@ -3411,6 +3419,7 @@
           <a:p>
             <a:fld id="{B461F030-2286-4C30-8CEE-BE0B56EF53B9}" type="slidenum">
               <a:rPr lang="zh-CN" altLang="en-US" smtClean="0"/>
+              <a:t>‹#›</a:t>
             </a:fld>
             <a:endParaRPr lang="zh-CN" altLang="en-US"/>
           </a:p>
@@ -3421,13 +3430,13 @@
   <p:clrMapOvr>
     <a:masterClrMapping/>
   </p:clrMapOvr>
-  <mc:AlternateContent xmlns:mc="http://schemas.openxmlformats.org/markup-compatibility/2006">
-    <mc:Choice xmlns:p15="http://schemas.microsoft.com/office/powerpoint/2012/main" Requires="p15">
-      <p:transition xmlns:p14="http://schemas.microsoft.com/office/powerpoint/2010/main" spd="slow" Requires="p14" p14:dur="1250">
+  <mc:AlternateContent xmlns:mc="http://schemas.openxmlformats.org/markup-compatibility/2006" xmlns:p15="http://schemas.microsoft.com/office/powerpoint/2012/main">
+    <mc:Choice Requires="p15">
+      <p:transition xmlns:p14="http://schemas.microsoft.com/office/powerpoint/2010/main" spd="slow" p14:dur="1250">
         <p15:prstTrans prst="pageCurlDouble"/>
       </p:transition>
     </mc:Choice>
-    <mc:Fallback>
+    <mc:Fallback xmlns="">
       <p:transition spd="slow">
         <p:fade/>
       </p:transition>
@@ -3472,7 +3481,6 @@
               <a:rPr lang="zh-CN" altLang="en-US"/>
               <a:t>单击此处编辑母版标题样式</a:t>
             </a:r>
-            <a:endParaRPr lang="zh-CN" altLang="en-US"/>
           </a:p>
         </p:txBody>
       </p:sp>
@@ -3496,7 +3504,6 @@
               <a:rPr lang="zh-CN" altLang="en-US"/>
               <a:t>单击此处编辑母版文本样式</a:t>
             </a:r>
-            <a:endParaRPr lang="zh-CN" altLang="en-US"/>
           </a:p>
           <a:p>
             <a:pPr lvl="1"/>
@@ -3504,7 +3511,6 @@
               <a:rPr lang="zh-CN" altLang="en-US"/>
               <a:t>二级</a:t>
             </a:r>
-            <a:endParaRPr lang="zh-CN" altLang="en-US"/>
           </a:p>
           <a:p>
             <a:pPr lvl="2"/>
@@ -3512,7 +3518,6 @@
               <a:rPr lang="zh-CN" altLang="en-US"/>
               <a:t>三级</a:t>
             </a:r>
-            <a:endParaRPr lang="zh-CN" altLang="en-US"/>
           </a:p>
           <a:p>
             <a:pPr lvl="3"/>
@@ -3520,7 +3525,6 @@
               <a:rPr lang="zh-CN" altLang="en-US"/>
               <a:t>四级</a:t>
             </a:r>
-            <a:endParaRPr lang="zh-CN" altLang="en-US"/>
           </a:p>
           <a:p>
             <a:pPr lvl="4"/>
@@ -3528,7 +3532,6 @@
               <a:rPr lang="zh-CN" altLang="en-US"/>
               <a:t>五级</a:t>
             </a:r>
-            <a:endParaRPr lang="zh-CN" altLang="en-US"/>
           </a:p>
         </p:txBody>
       </p:sp>
@@ -3549,6 +3552,7 @@
           <a:p>
             <a:fld id="{68DBBCA6-A449-4480-82EA-F3D557971EAF}" type="datetimeFigureOut">
               <a:rPr lang="zh-CN" altLang="en-US" smtClean="0"/>
+              <a:t>2023/4/25</a:t>
             </a:fld>
             <a:endParaRPr lang="zh-CN" altLang="en-US"/>
           </a:p>
@@ -3590,6 +3594,7 @@
           <a:p>
             <a:fld id="{B461F030-2286-4C30-8CEE-BE0B56EF53B9}" type="slidenum">
               <a:rPr lang="zh-CN" altLang="en-US" smtClean="0"/>
+              <a:t>‹#›</a:t>
             </a:fld>
             <a:endParaRPr lang="zh-CN" altLang="en-US"/>
           </a:p>
@@ -3600,13 +3605,13 @@
   <p:clrMapOvr>
     <a:masterClrMapping/>
   </p:clrMapOvr>
-  <mc:AlternateContent xmlns:mc="http://schemas.openxmlformats.org/markup-compatibility/2006">
-    <mc:Choice xmlns:p15="http://schemas.microsoft.com/office/powerpoint/2012/main" Requires="p15">
-      <p:transition xmlns:p14="http://schemas.microsoft.com/office/powerpoint/2010/main" spd="slow" Requires="p14" p14:dur="1250">
+  <mc:AlternateContent xmlns:mc="http://schemas.openxmlformats.org/markup-compatibility/2006" xmlns:p15="http://schemas.microsoft.com/office/powerpoint/2012/main">
+    <mc:Choice Requires="p15">
+      <p:transition xmlns:p14="http://schemas.microsoft.com/office/powerpoint/2010/main" spd="slow" p14:dur="1250">
         <p15:prstTrans prst="pageCurlDouble"/>
       </p:transition>
     </mc:Choice>
-    <mc:Fallback>
+    <mc:Fallback xmlns="">
       <p:transition spd="slow">
         <p:fade/>
       </p:transition>
@@ -3656,7 +3661,6 @@
               <a:rPr lang="zh-CN" altLang="en-US"/>
               <a:t>单击此处编辑母版标题样式</a:t>
             </a:r>
-            <a:endParaRPr lang="zh-CN" altLang="en-US"/>
           </a:p>
         </p:txBody>
       </p:sp>
@@ -3685,7 +3689,6 @@
               <a:rPr lang="zh-CN" altLang="en-US"/>
               <a:t>单击此处编辑母版文本样式</a:t>
             </a:r>
-            <a:endParaRPr lang="zh-CN" altLang="en-US"/>
           </a:p>
           <a:p>
             <a:pPr lvl="1"/>
@@ -3693,7 +3696,6 @@
               <a:rPr lang="zh-CN" altLang="en-US"/>
               <a:t>二级</a:t>
             </a:r>
-            <a:endParaRPr lang="zh-CN" altLang="en-US"/>
           </a:p>
           <a:p>
             <a:pPr lvl="2"/>
@@ -3701,7 +3703,6 @@
               <a:rPr lang="zh-CN" altLang="en-US"/>
               <a:t>三级</a:t>
             </a:r>
-            <a:endParaRPr lang="zh-CN" altLang="en-US"/>
           </a:p>
           <a:p>
             <a:pPr lvl="3"/>
@@ -3709,7 +3710,6 @@
               <a:rPr lang="zh-CN" altLang="en-US"/>
               <a:t>四级</a:t>
             </a:r>
-            <a:endParaRPr lang="zh-CN" altLang="en-US"/>
           </a:p>
           <a:p>
             <a:pPr lvl="4"/>
@@ -3717,7 +3717,6 @@
               <a:rPr lang="zh-CN" altLang="en-US"/>
               <a:t>五级</a:t>
             </a:r>
-            <a:endParaRPr lang="zh-CN" altLang="en-US"/>
           </a:p>
         </p:txBody>
       </p:sp>
@@ -3738,6 +3737,7 @@
           <a:p>
             <a:fld id="{68DBBCA6-A449-4480-82EA-F3D557971EAF}" type="datetimeFigureOut">
               <a:rPr lang="zh-CN" altLang="en-US" smtClean="0"/>
+              <a:t>2023/4/25</a:t>
             </a:fld>
             <a:endParaRPr lang="zh-CN" altLang="en-US"/>
           </a:p>
@@ -3779,6 +3779,7 @@
           <a:p>
             <a:fld id="{B461F030-2286-4C30-8CEE-BE0B56EF53B9}" type="slidenum">
               <a:rPr lang="zh-CN" altLang="en-US" smtClean="0"/>
+              <a:t>‹#›</a:t>
             </a:fld>
             <a:endParaRPr lang="zh-CN" altLang="en-US"/>
           </a:p>
@@ -3789,13 +3790,13 @@
   <p:clrMapOvr>
     <a:masterClrMapping/>
   </p:clrMapOvr>
-  <mc:AlternateContent xmlns:mc="http://schemas.openxmlformats.org/markup-compatibility/2006">
-    <mc:Choice xmlns:p15="http://schemas.microsoft.com/office/powerpoint/2012/main" Requires="p15">
-      <p:transition xmlns:p14="http://schemas.microsoft.com/office/powerpoint/2010/main" spd="slow" Requires="p14" p14:dur="1250">
+  <mc:AlternateContent xmlns:mc="http://schemas.openxmlformats.org/markup-compatibility/2006" xmlns:p15="http://schemas.microsoft.com/office/powerpoint/2012/main">
+    <mc:Choice Requires="p15">
+      <p:transition xmlns:p14="http://schemas.microsoft.com/office/powerpoint/2010/main" spd="slow" p14:dur="1250">
         <p15:prstTrans prst="pageCurlDouble"/>
       </p:transition>
     </mc:Choice>
-    <mc:Fallback>
+    <mc:Fallback xmlns="">
       <p:transition spd="slow">
         <p:fade/>
       </p:transition>
@@ -3849,7 +3850,6 @@
               <a:rPr lang="zh-CN" altLang="en-US"/>
               <a:t>单击此处编辑母版标题样式</a:t>
             </a:r>
-            <a:endParaRPr lang="zh-CN" altLang="en-US"/>
           </a:p>
         </p:txBody>
       </p:sp>
@@ -3969,7 +3969,6 @@
               <a:rPr lang="zh-CN" altLang="en-US"/>
               <a:t>单击此处编辑母版文本样式</a:t>
             </a:r>
-            <a:endParaRPr lang="zh-CN" altLang="en-US"/>
           </a:p>
         </p:txBody>
       </p:sp>
@@ -3990,6 +3989,7 @@
           <a:p>
             <a:fld id="{68DBBCA6-A449-4480-82EA-F3D557971EAF}" type="datetimeFigureOut">
               <a:rPr lang="zh-CN" altLang="en-US" smtClean="0"/>
+              <a:t>2023/4/25</a:t>
             </a:fld>
             <a:endParaRPr lang="zh-CN" altLang="en-US"/>
           </a:p>
@@ -4031,6 +4031,7 @@
           <a:p>
             <a:fld id="{B461F030-2286-4C30-8CEE-BE0B56EF53B9}" type="slidenum">
               <a:rPr lang="zh-CN" altLang="en-US" smtClean="0"/>
+              <a:t>‹#›</a:t>
             </a:fld>
             <a:endParaRPr lang="zh-CN" altLang="en-US"/>
           </a:p>
@@ -4041,13 +4042,13 @@
   <p:clrMapOvr>
     <a:masterClrMapping/>
   </p:clrMapOvr>
-  <mc:AlternateContent xmlns:mc="http://schemas.openxmlformats.org/markup-compatibility/2006">
-    <mc:Choice xmlns:p15="http://schemas.microsoft.com/office/powerpoint/2012/main" Requires="p15">
-      <p:transition xmlns:p14="http://schemas.microsoft.com/office/powerpoint/2010/main" spd="slow" Requires="p14" p14:dur="1250">
+  <mc:AlternateContent xmlns:mc="http://schemas.openxmlformats.org/markup-compatibility/2006" xmlns:p15="http://schemas.microsoft.com/office/powerpoint/2012/main">
+    <mc:Choice Requires="p15">
+      <p:transition xmlns:p14="http://schemas.microsoft.com/office/powerpoint/2010/main" spd="slow" p14:dur="1250">
         <p15:prstTrans prst="pageCurlDouble"/>
       </p:transition>
     </mc:Choice>
-    <mc:Fallback>
+    <mc:Fallback xmlns="">
       <p:transition spd="slow">
         <p:fade/>
       </p:transition>
@@ -4092,7 +4093,6 @@
               <a:rPr lang="zh-CN" altLang="en-US"/>
               <a:t>单击此处编辑母版标题样式</a:t>
             </a:r>
-            <a:endParaRPr lang="zh-CN" altLang="en-US"/>
           </a:p>
         </p:txBody>
       </p:sp>
@@ -4121,7 +4121,6 @@
               <a:rPr lang="zh-CN" altLang="en-US"/>
               <a:t>单击此处编辑母版文本样式</a:t>
             </a:r>
-            <a:endParaRPr lang="zh-CN" altLang="en-US"/>
           </a:p>
           <a:p>
             <a:pPr lvl="1"/>
@@ -4129,7 +4128,6 @@
               <a:rPr lang="zh-CN" altLang="en-US"/>
               <a:t>二级</a:t>
             </a:r>
-            <a:endParaRPr lang="zh-CN" altLang="en-US"/>
           </a:p>
           <a:p>
             <a:pPr lvl="2"/>
@@ -4137,7 +4135,6 @@
               <a:rPr lang="zh-CN" altLang="en-US"/>
               <a:t>三级</a:t>
             </a:r>
-            <a:endParaRPr lang="zh-CN" altLang="en-US"/>
           </a:p>
           <a:p>
             <a:pPr lvl="3"/>
@@ -4145,7 +4142,6 @@
               <a:rPr lang="zh-CN" altLang="en-US"/>
               <a:t>四级</a:t>
             </a:r>
-            <a:endParaRPr lang="zh-CN" altLang="en-US"/>
           </a:p>
           <a:p>
             <a:pPr lvl="4"/>
@@ -4153,7 +4149,6 @@
               <a:rPr lang="zh-CN" altLang="en-US"/>
               <a:t>五级</a:t>
             </a:r>
-            <a:endParaRPr lang="zh-CN" altLang="en-US"/>
           </a:p>
         </p:txBody>
       </p:sp>
@@ -4182,7 +4177,6 @@
               <a:rPr lang="zh-CN" altLang="en-US"/>
               <a:t>单击此处编辑母版文本样式</a:t>
             </a:r>
-            <a:endParaRPr lang="zh-CN" altLang="en-US"/>
           </a:p>
           <a:p>
             <a:pPr lvl="1"/>
@@ -4190,7 +4184,6 @@
               <a:rPr lang="zh-CN" altLang="en-US"/>
               <a:t>二级</a:t>
             </a:r>
-            <a:endParaRPr lang="zh-CN" altLang="en-US"/>
           </a:p>
           <a:p>
             <a:pPr lvl="2"/>
@@ -4198,7 +4191,6 @@
               <a:rPr lang="zh-CN" altLang="en-US"/>
               <a:t>三级</a:t>
             </a:r>
-            <a:endParaRPr lang="zh-CN" altLang="en-US"/>
           </a:p>
           <a:p>
             <a:pPr lvl="3"/>
@@ -4206,7 +4198,6 @@
               <a:rPr lang="zh-CN" altLang="en-US"/>
               <a:t>四级</a:t>
             </a:r>
-            <a:endParaRPr lang="zh-CN" altLang="en-US"/>
           </a:p>
           <a:p>
             <a:pPr lvl="4"/>
@@ -4214,7 +4205,6 @@
               <a:rPr lang="zh-CN" altLang="en-US"/>
               <a:t>五级</a:t>
             </a:r>
-            <a:endParaRPr lang="zh-CN" altLang="en-US"/>
           </a:p>
         </p:txBody>
       </p:sp>
@@ -4235,6 +4225,7 @@
           <a:p>
             <a:fld id="{68DBBCA6-A449-4480-82EA-F3D557971EAF}" type="datetimeFigureOut">
               <a:rPr lang="zh-CN" altLang="en-US" smtClean="0"/>
+              <a:t>2023/4/25</a:t>
             </a:fld>
             <a:endParaRPr lang="zh-CN" altLang="en-US"/>
           </a:p>
@@ -4276,6 +4267,7 @@
           <a:p>
             <a:fld id="{B461F030-2286-4C30-8CEE-BE0B56EF53B9}" type="slidenum">
               <a:rPr lang="zh-CN" altLang="en-US" smtClean="0"/>
+              <a:t>‹#›</a:t>
             </a:fld>
             <a:endParaRPr lang="zh-CN" altLang="en-US"/>
           </a:p>
@@ -4286,13 +4278,13 @@
   <p:clrMapOvr>
     <a:masterClrMapping/>
   </p:clrMapOvr>
-  <mc:AlternateContent xmlns:mc="http://schemas.openxmlformats.org/markup-compatibility/2006">
-    <mc:Choice xmlns:p15="http://schemas.microsoft.com/office/powerpoint/2012/main" Requires="p15">
-      <p:transition xmlns:p14="http://schemas.microsoft.com/office/powerpoint/2010/main" spd="slow" Requires="p14" p14:dur="1250">
+  <mc:AlternateContent xmlns:mc="http://schemas.openxmlformats.org/markup-compatibility/2006" xmlns:p15="http://schemas.microsoft.com/office/powerpoint/2012/main">
+    <mc:Choice Requires="p15">
+      <p:transition xmlns:p14="http://schemas.microsoft.com/office/powerpoint/2010/main" spd="slow" p14:dur="1250">
         <p15:prstTrans prst="pageCurlDouble"/>
       </p:transition>
     </mc:Choice>
-    <mc:Fallback>
+    <mc:Fallback xmlns="">
       <p:transition spd="slow">
         <p:fade/>
       </p:transition>
@@ -4342,7 +4334,6 @@
               <a:rPr lang="zh-CN" altLang="en-US"/>
               <a:t>单击此处编辑母版标题样式</a:t>
             </a:r>
-            <a:endParaRPr lang="zh-CN" altLang="en-US"/>
           </a:p>
         </p:txBody>
       </p:sp>
@@ -4408,7 +4399,6 @@
               <a:rPr lang="zh-CN" altLang="en-US"/>
               <a:t>单击此处编辑母版文本样式</a:t>
             </a:r>
-            <a:endParaRPr lang="zh-CN" altLang="en-US"/>
           </a:p>
         </p:txBody>
       </p:sp>
@@ -4437,7 +4427,6 @@
               <a:rPr lang="zh-CN" altLang="en-US"/>
               <a:t>单击此处编辑母版文本样式</a:t>
             </a:r>
-            <a:endParaRPr lang="zh-CN" altLang="en-US"/>
           </a:p>
           <a:p>
             <a:pPr lvl="1"/>
@@ -4445,7 +4434,6 @@
               <a:rPr lang="zh-CN" altLang="en-US"/>
               <a:t>二级</a:t>
             </a:r>
-            <a:endParaRPr lang="zh-CN" altLang="en-US"/>
           </a:p>
           <a:p>
             <a:pPr lvl="2"/>
@@ -4453,7 +4441,6 @@
               <a:rPr lang="zh-CN" altLang="en-US"/>
               <a:t>三级</a:t>
             </a:r>
-            <a:endParaRPr lang="zh-CN" altLang="en-US"/>
           </a:p>
           <a:p>
             <a:pPr lvl="3"/>
@@ -4461,7 +4448,6 @@
               <a:rPr lang="zh-CN" altLang="en-US"/>
               <a:t>四级</a:t>
             </a:r>
-            <a:endParaRPr lang="zh-CN" altLang="en-US"/>
           </a:p>
           <a:p>
             <a:pPr lvl="4"/>
@@ -4469,7 +4455,6 @@
               <a:rPr lang="zh-CN" altLang="en-US"/>
               <a:t>五级</a:t>
             </a:r>
-            <a:endParaRPr lang="zh-CN" altLang="en-US"/>
           </a:p>
         </p:txBody>
       </p:sp>
@@ -4535,7 +4520,6 @@
               <a:rPr lang="zh-CN" altLang="en-US"/>
               <a:t>单击此处编辑母版文本样式</a:t>
             </a:r>
-            <a:endParaRPr lang="zh-CN" altLang="en-US"/>
           </a:p>
         </p:txBody>
       </p:sp>
@@ -4564,7 +4548,6 @@
               <a:rPr lang="zh-CN" altLang="en-US"/>
               <a:t>单击此处编辑母版文本样式</a:t>
             </a:r>
-            <a:endParaRPr lang="zh-CN" altLang="en-US"/>
           </a:p>
           <a:p>
             <a:pPr lvl="1"/>
@@ -4572,7 +4555,6 @@
               <a:rPr lang="zh-CN" altLang="en-US"/>
               <a:t>二级</a:t>
             </a:r>
-            <a:endParaRPr lang="zh-CN" altLang="en-US"/>
           </a:p>
           <a:p>
             <a:pPr lvl="2"/>
@@ -4580,7 +4562,6 @@
               <a:rPr lang="zh-CN" altLang="en-US"/>
               <a:t>三级</a:t>
             </a:r>
-            <a:endParaRPr lang="zh-CN" altLang="en-US"/>
           </a:p>
           <a:p>
             <a:pPr lvl="3"/>
@@ -4588,7 +4569,6 @@
               <a:rPr lang="zh-CN" altLang="en-US"/>
               <a:t>四级</a:t>
             </a:r>
-            <a:endParaRPr lang="zh-CN" altLang="en-US"/>
           </a:p>
           <a:p>
             <a:pPr lvl="4"/>
@@ -4596,7 +4576,6 @@
               <a:rPr lang="zh-CN" altLang="en-US"/>
               <a:t>五级</a:t>
             </a:r>
-            <a:endParaRPr lang="zh-CN" altLang="en-US"/>
           </a:p>
         </p:txBody>
       </p:sp>
@@ -4617,6 +4596,7 @@
           <a:p>
             <a:fld id="{68DBBCA6-A449-4480-82EA-F3D557971EAF}" type="datetimeFigureOut">
               <a:rPr lang="zh-CN" altLang="en-US" smtClean="0"/>
+              <a:t>2023/4/25</a:t>
             </a:fld>
             <a:endParaRPr lang="zh-CN" altLang="en-US"/>
           </a:p>
@@ -4658,6 +4638,7 @@
           <a:p>
             <a:fld id="{B461F030-2286-4C30-8CEE-BE0B56EF53B9}" type="slidenum">
               <a:rPr lang="zh-CN" altLang="en-US" smtClean="0"/>
+              <a:t>‹#›</a:t>
             </a:fld>
             <a:endParaRPr lang="zh-CN" altLang="en-US"/>
           </a:p>
@@ -4668,13 +4649,13 @@
   <p:clrMapOvr>
     <a:masterClrMapping/>
   </p:clrMapOvr>
-  <mc:AlternateContent xmlns:mc="http://schemas.openxmlformats.org/markup-compatibility/2006">
-    <mc:Choice xmlns:p15="http://schemas.microsoft.com/office/powerpoint/2012/main" Requires="p15">
-      <p:transition xmlns:p14="http://schemas.microsoft.com/office/powerpoint/2010/main" spd="slow" Requires="p14" p14:dur="1250">
+  <mc:AlternateContent xmlns:mc="http://schemas.openxmlformats.org/markup-compatibility/2006" xmlns:p15="http://schemas.microsoft.com/office/powerpoint/2012/main">
+    <mc:Choice Requires="p15">
+      <p:transition xmlns:p14="http://schemas.microsoft.com/office/powerpoint/2010/main" spd="slow" p14:dur="1250">
         <p15:prstTrans prst="pageCurlDouble"/>
       </p:transition>
     </mc:Choice>
-    <mc:Fallback>
+    <mc:Fallback xmlns="">
       <p:transition spd="slow">
         <p:fade/>
       </p:transition>
@@ -4719,7 +4700,6 @@
               <a:rPr lang="zh-CN" altLang="en-US"/>
               <a:t>单击此处编辑母版标题样式</a:t>
             </a:r>
-            <a:endParaRPr lang="zh-CN" altLang="en-US"/>
           </a:p>
         </p:txBody>
       </p:sp>
@@ -4740,6 +4720,7 @@
           <a:p>
             <a:fld id="{68DBBCA6-A449-4480-82EA-F3D557971EAF}" type="datetimeFigureOut">
               <a:rPr lang="zh-CN" altLang="en-US" smtClean="0"/>
+              <a:t>2023/4/25</a:t>
             </a:fld>
             <a:endParaRPr lang="zh-CN" altLang="en-US"/>
           </a:p>
@@ -4781,6 +4762,7 @@
           <a:p>
             <a:fld id="{B461F030-2286-4C30-8CEE-BE0B56EF53B9}" type="slidenum">
               <a:rPr lang="zh-CN" altLang="en-US" smtClean="0"/>
+              <a:t>‹#›</a:t>
             </a:fld>
             <a:endParaRPr lang="zh-CN" altLang="en-US"/>
           </a:p>
@@ -4791,13 +4773,13 @@
   <p:clrMapOvr>
     <a:masterClrMapping/>
   </p:clrMapOvr>
-  <mc:AlternateContent xmlns:mc="http://schemas.openxmlformats.org/markup-compatibility/2006">
-    <mc:Choice xmlns:p15="http://schemas.microsoft.com/office/powerpoint/2012/main" Requires="p15">
-      <p:transition xmlns:p14="http://schemas.microsoft.com/office/powerpoint/2010/main" spd="slow" Requires="p14" p14:dur="1250">
+  <mc:AlternateContent xmlns:mc="http://schemas.openxmlformats.org/markup-compatibility/2006" xmlns:p15="http://schemas.microsoft.com/office/powerpoint/2012/main">
+    <mc:Choice Requires="p15">
+      <p:transition xmlns:p14="http://schemas.microsoft.com/office/powerpoint/2010/main" spd="slow" p14:dur="1250">
         <p15:prstTrans prst="pageCurlDouble"/>
       </p:transition>
     </mc:Choice>
-    <mc:Fallback>
+    <mc:Fallback xmlns="">
       <p:transition spd="slow">
         <p:fade/>
       </p:transition>
@@ -4840,6 +4822,7 @@
           <a:p>
             <a:fld id="{68DBBCA6-A449-4480-82EA-F3D557971EAF}" type="datetimeFigureOut">
               <a:rPr lang="zh-CN" altLang="en-US" smtClean="0"/>
+              <a:t>2023/4/25</a:t>
             </a:fld>
             <a:endParaRPr lang="zh-CN" altLang="en-US"/>
           </a:p>
@@ -4881,6 +4864,7 @@
           <a:p>
             <a:fld id="{B461F030-2286-4C30-8CEE-BE0B56EF53B9}" type="slidenum">
               <a:rPr lang="zh-CN" altLang="en-US" smtClean="0"/>
+              <a:t>‹#›</a:t>
             </a:fld>
             <a:endParaRPr lang="zh-CN" altLang="en-US"/>
           </a:p>
@@ -4891,13 +4875,13 @@
   <p:clrMapOvr>
     <a:masterClrMapping/>
   </p:clrMapOvr>
-  <mc:AlternateContent xmlns:mc="http://schemas.openxmlformats.org/markup-compatibility/2006">
-    <mc:Choice xmlns:p15="http://schemas.microsoft.com/office/powerpoint/2012/main" Requires="p15">
-      <p:transition xmlns:p14="http://schemas.microsoft.com/office/powerpoint/2010/main" spd="slow" Requires="p14" p14:dur="1250">
+  <mc:AlternateContent xmlns:mc="http://schemas.openxmlformats.org/markup-compatibility/2006" xmlns:p15="http://schemas.microsoft.com/office/powerpoint/2012/main">
+    <mc:Choice Requires="p15">
+      <p:transition xmlns:p14="http://schemas.microsoft.com/office/powerpoint/2010/main" spd="slow" p14:dur="1250">
         <p15:prstTrans prst="pageCurlDouble"/>
       </p:transition>
     </mc:Choice>
-    <mc:Fallback>
+    <mc:Fallback xmlns="">
       <p:transition spd="slow">
         <p:fade/>
       </p:transition>
@@ -4951,7 +4935,6 @@
               <a:rPr lang="zh-CN" altLang="en-US"/>
               <a:t>单击此处编辑母版标题样式</a:t>
             </a:r>
-            <a:endParaRPr lang="zh-CN" altLang="en-US"/>
           </a:p>
         </p:txBody>
       </p:sp>
@@ -5008,7 +4991,6 @@
               <a:rPr lang="zh-CN" altLang="en-US"/>
               <a:t>单击此处编辑母版文本样式</a:t>
             </a:r>
-            <a:endParaRPr lang="zh-CN" altLang="en-US"/>
           </a:p>
           <a:p>
             <a:pPr lvl="1"/>
@@ -5016,7 +4998,6 @@
               <a:rPr lang="zh-CN" altLang="en-US"/>
               <a:t>二级</a:t>
             </a:r>
-            <a:endParaRPr lang="zh-CN" altLang="en-US"/>
           </a:p>
           <a:p>
             <a:pPr lvl="2"/>
@@ -5024,7 +5005,6 @@
               <a:rPr lang="zh-CN" altLang="en-US"/>
               <a:t>三级</a:t>
             </a:r>
-            <a:endParaRPr lang="zh-CN" altLang="en-US"/>
           </a:p>
           <a:p>
             <a:pPr lvl="3"/>
@@ -5032,7 +5012,6 @@
               <a:rPr lang="zh-CN" altLang="en-US"/>
               <a:t>四级</a:t>
             </a:r>
-            <a:endParaRPr lang="zh-CN" altLang="en-US"/>
           </a:p>
           <a:p>
             <a:pPr lvl="4"/>
@@ -5040,7 +5019,6 @@
               <a:rPr lang="zh-CN" altLang="en-US"/>
               <a:t>五级</a:t>
             </a:r>
-            <a:endParaRPr lang="zh-CN" altLang="en-US"/>
           </a:p>
         </p:txBody>
       </p:sp>
@@ -5106,7 +5084,6 @@
               <a:rPr lang="zh-CN" altLang="en-US"/>
               <a:t>单击此处编辑母版文本样式</a:t>
             </a:r>
-            <a:endParaRPr lang="zh-CN" altLang="en-US"/>
           </a:p>
         </p:txBody>
       </p:sp>
@@ -5127,6 +5104,7 @@
           <a:p>
             <a:fld id="{68DBBCA6-A449-4480-82EA-F3D557971EAF}" type="datetimeFigureOut">
               <a:rPr lang="zh-CN" altLang="en-US" smtClean="0"/>
+              <a:t>2023/4/25</a:t>
             </a:fld>
             <a:endParaRPr lang="zh-CN" altLang="en-US"/>
           </a:p>
@@ -5168,6 +5146,7 @@
           <a:p>
             <a:fld id="{B461F030-2286-4C30-8CEE-BE0B56EF53B9}" type="slidenum">
               <a:rPr lang="zh-CN" altLang="en-US" smtClean="0"/>
+              <a:t>‹#›</a:t>
             </a:fld>
             <a:endParaRPr lang="zh-CN" altLang="en-US"/>
           </a:p>
@@ -5178,13 +5157,13 @@
   <p:clrMapOvr>
     <a:masterClrMapping/>
   </p:clrMapOvr>
-  <mc:AlternateContent xmlns:mc="http://schemas.openxmlformats.org/markup-compatibility/2006">
-    <mc:Choice xmlns:p15="http://schemas.microsoft.com/office/powerpoint/2012/main" Requires="p15">
-      <p:transition xmlns:p14="http://schemas.microsoft.com/office/powerpoint/2010/main" spd="slow" Requires="p14" p14:dur="1250">
+  <mc:AlternateContent xmlns:mc="http://schemas.openxmlformats.org/markup-compatibility/2006" xmlns:p15="http://schemas.microsoft.com/office/powerpoint/2012/main">
+    <mc:Choice Requires="p15">
+      <p:transition xmlns:p14="http://schemas.microsoft.com/office/powerpoint/2010/main" spd="slow" p14:dur="1250">
         <p15:prstTrans prst="pageCurlDouble"/>
       </p:transition>
     </mc:Choice>
-    <mc:Fallback>
+    <mc:Fallback xmlns="">
       <p:transition spd="slow">
         <p:fade/>
       </p:transition>
@@ -5238,7 +5217,6 @@
               <a:rPr lang="zh-CN" altLang="en-US"/>
               <a:t>单击此处编辑母版标题样式</a:t>
             </a:r>
-            <a:endParaRPr lang="zh-CN" altLang="en-US"/>
           </a:p>
         </p:txBody>
       </p:sp>
@@ -5365,7 +5343,6 @@
               <a:rPr lang="zh-CN" altLang="en-US"/>
               <a:t>单击此处编辑母版文本样式</a:t>
             </a:r>
-            <a:endParaRPr lang="zh-CN" altLang="en-US"/>
           </a:p>
         </p:txBody>
       </p:sp>
@@ -5386,6 +5363,7 @@
           <a:p>
             <a:fld id="{68DBBCA6-A449-4480-82EA-F3D557971EAF}" type="datetimeFigureOut">
               <a:rPr lang="zh-CN" altLang="en-US" smtClean="0"/>
+              <a:t>2023/4/25</a:t>
             </a:fld>
             <a:endParaRPr lang="zh-CN" altLang="en-US"/>
           </a:p>
@@ -5427,6 +5405,7 @@
           <a:p>
             <a:fld id="{B461F030-2286-4C30-8CEE-BE0B56EF53B9}" type="slidenum">
               <a:rPr lang="zh-CN" altLang="en-US" smtClean="0"/>
+              <a:t>‹#›</a:t>
             </a:fld>
             <a:endParaRPr lang="zh-CN" altLang="en-US"/>
           </a:p>
@@ -5437,13 +5416,13 @@
   <p:clrMapOvr>
     <a:masterClrMapping/>
   </p:clrMapOvr>
-  <mc:AlternateContent xmlns:mc="http://schemas.openxmlformats.org/markup-compatibility/2006">
-    <mc:Choice xmlns:p15="http://schemas.microsoft.com/office/powerpoint/2012/main" Requires="p15">
-      <p:transition xmlns:p14="http://schemas.microsoft.com/office/powerpoint/2010/main" spd="slow" Requires="p14" p14:dur="1250">
+  <mc:AlternateContent xmlns:mc="http://schemas.openxmlformats.org/markup-compatibility/2006" xmlns:p15="http://schemas.microsoft.com/office/powerpoint/2012/main">
+    <mc:Choice Requires="p15">
+      <p:transition xmlns:p14="http://schemas.microsoft.com/office/powerpoint/2010/main" spd="slow" p14:dur="1250">
         <p15:prstTrans prst="pageCurlDouble"/>
       </p:transition>
     </mc:Choice>
-    <mc:Fallback>
+    <mc:Fallback xmlns="">
       <p:transition spd="slow">
         <p:fade/>
       </p:transition>
@@ -5503,7 +5482,6 @@
               <a:rPr lang="zh-CN" altLang="en-US"/>
               <a:t>单击此处编辑母版标题样式</a:t>
             </a:r>
-            <a:endParaRPr lang="zh-CN" altLang="en-US"/>
           </a:p>
         </p:txBody>
       </p:sp>
@@ -5537,7 +5515,6 @@
               <a:rPr lang="zh-CN" altLang="en-US"/>
               <a:t>单击此处编辑母版文本样式</a:t>
             </a:r>
-            <a:endParaRPr lang="zh-CN" altLang="en-US"/>
           </a:p>
           <a:p>
             <a:pPr lvl="1"/>
@@ -5545,7 +5522,6 @@
               <a:rPr lang="zh-CN" altLang="en-US"/>
               <a:t>二级</a:t>
             </a:r>
-            <a:endParaRPr lang="zh-CN" altLang="en-US"/>
           </a:p>
           <a:p>
             <a:pPr lvl="2"/>
@@ -5553,7 +5529,6 @@
               <a:rPr lang="zh-CN" altLang="en-US"/>
               <a:t>三级</a:t>
             </a:r>
-            <a:endParaRPr lang="zh-CN" altLang="en-US"/>
           </a:p>
           <a:p>
             <a:pPr lvl="3"/>
@@ -5561,7 +5536,6 @@
               <a:rPr lang="zh-CN" altLang="en-US"/>
               <a:t>四级</a:t>
             </a:r>
-            <a:endParaRPr lang="zh-CN" altLang="en-US"/>
           </a:p>
           <a:p>
             <a:pPr lvl="4"/>
@@ -5569,7 +5543,6 @@
               <a:rPr lang="zh-CN" altLang="en-US"/>
               <a:t>五级</a:t>
             </a:r>
-            <a:endParaRPr lang="zh-CN" altLang="en-US"/>
           </a:p>
         </p:txBody>
       </p:sp>
@@ -5608,6 +5581,7 @@
           <a:p>
             <a:fld id="{68DBBCA6-A449-4480-82EA-F3D557971EAF}" type="datetimeFigureOut">
               <a:rPr lang="zh-CN" altLang="en-US" smtClean="0"/>
+              <a:t>2023/4/25</a:t>
             </a:fld>
             <a:endParaRPr lang="zh-CN" altLang="en-US"/>
           </a:p>
@@ -5685,6 +5659,7 @@
           <a:p>
             <a:fld id="{B461F030-2286-4C30-8CEE-BE0B56EF53B9}" type="slidenum">
               <a:rPr lang="zh-CN" altLang="en-US" smtClean="0"/>
+              <a:t>‹#›</a:t>
             </a:fld>
             <a:endParaRPr lang="zh-CN" altLang="en-US"/>
           </a:p>
@@ -5706,13 +5681,13 @@
     <p:sldLayoutId id="2147483658" r:id="rId10"/>
     <p:sldLayoutId id="2147483659" r:id="rId11"/>
   </p:sldLayoutIdLst>
-  <mc:AlternateContent xmlns:mc="http://schemas.openxmlformats.org/markup-compatibility/2006">
-    <mc:Choice xmlns:p15="http://schemas.microsoft.com/office/powerpoint/2012/main" Requires="p15">
-      <p:transition xmlns:p14="http://schemas.microsoft.com/office/powerpoint/2010/main" spd="slow" Requires="p14" p14:dur="1250">
+  <mc:AlternateContent xmlns:mc="http://schemas.openxmlformats.org/markup-compatibility/2006" xmlns:p15="http://schemas.microsoft.com/office/powerpoint/2012/main">
+    <mc:Choice Requires="p15">
+      <p:transition xmlns:p14="http://schemas.microsoft.com/office/powerpoint/2010/main" spd="slow" p14:dur="1250">
         <p15:prstTrans prst="pageCurlDouble"/>
       </p:transition>
     </mc:Choice>
-    <mc:Fallback>
+    <mc:Fallback xmlns="">
       <p:transition spd="slow">
         <p:fade/>
       </p:transition>
@@ -6052,7 +6027,6 @@
               <a:rPr lang="zh-CN" altLang="en-US"/>
               <a:t>单击此处编辑母版标题样式</a:t>
             </a:r>
-            <a:endParaRPr lang="zh-CN" altLang="en-US"/>
           </a:p>
         </p:txBody>
       </p:sp>
@@ -6086,7 +6060,6 @@
               <a:rPr lang="zh-CN" altLang="en-US"/>
               <a:t>单击此处编辑母版文本样式</a:t>
             </a:r>
-            <a:endParaRPr lang="zh-CN" altLang="en-US"/>
           </a:p>
           <a:p>
             <a:pPr lvl="1"/>
@@ -6094,7 +6067,6 @@
               <a:rPr lang="zh-CN" altLang="en-US"/>
               <a:t>二级</a:t>
             </a:r>
-            <a:endParaRPr lang="zh-CN" altLang="en-US"/>
           </a:p>
           <a:p>
             <a:pPr lvl="2"/>
@@ -6102,7 +6074,6 @@
               <a:rPr lang="zh-CN" altLang="en-US"/>
               <a:t>三级</a:t>
             </a:r>
-            <a:endParaRPr lang="zh-CN" altLang="en-US"/>
           </a:p>
           <a:p>
             <a:pPr lvl="3"/>
@@ -6110,7 +6081,6 @@
               <a:rPr lang="zh-CN" altLang="en-US"/>
               <a:t>四级</a:t>
             </a:r>
-            <a:endParaRPr lang="zh-CN" altLang="en-US"/>
           </a:p>
           <a:p>
             <a:pPr lvl="4"/>
@@ -6118,7 +6088,6 @@
               <a:rPr lang="zh-CN" altLang="en-US"/>
               <a:t>五级</a:t>
             </a:r>
-            <a:endParaRPr lang="zh-CN" altLang="en-US"/>
           </a:p>
         </p:txBody>
       </p:sp>
@@ -6157,6 +6126,7 @@
           <a:p>
             <a:fld id="{68DBBCA6-A449-4480-82EA-F3D557971EAF}" type="datetimeFigureOut">
               <a:rPr lang="zh-CN" altLang="en-US" smtClean="0"/>
+              <a:t>2023/4/25</a:t>
             </a:fld>
             <a:endParaRPr lang="zh-CN" altLang="en-US"/>
           </a:p>
@@ -6234,6 +6204,7 @@
           <a:p>
             <a:fld id="{B461F030-2286-4C30-8CEE-BE0B56EF53B9}" type="slidenum">
               <a:rPr lang="zh-CN" altLang="en-US" smtClean="0"/>
+              <a:t>‹#›</a:t>
             </a:fld>
             <a:endParaRPr lang="zh-CN" altLang="en-US"/>
           </a:p>
@@ -6255,13 +6226,13 @@
     <p:sldLayoutId id="2147483670" r:id="rId10"/>
     <p:sldLayoutId id="2147483671" r:id="rId11"/>
   </p:sldLayoutIdLst>
-  <mc:AlternateContent xmlns:mc="http://schemas.openxmlformats.org/markup-compatibility/2006">
-    <mc:Choice xmlns:p15="http://schemas.microsoft.com/office/powerpoint/2012/main" Requires="p15">
-      <p:transition xmlns:p14="http://schemas.microsoft.com/office/powerpoint/2010/main" spd="slow" Requires="p14" p14:dur="1250">
+  <mc:AlternateContent xmlns:mc="http://schemas.openxmlformats.org/markup-compatibility/2006" xmlns:p15="http://schemas.microsoft.com/office/powerpoint/2012/main">
+    <mc:Choice Requires="p15">
+      <p:transition xmlns:p14="http://schemas.microsoft.com/office/powerpoint/2010/main" spd="slow" p14:dur="1250">
         <p15:prstTrans prst="pageCurlDouble"/>
       </p:transition>
     </mc:Choice>
-    <mc:Fallback>
+    <mc:Fallback xmlns="">
       <p:transition spd="slow">
         <p:fade/>
       </p:transition>
@@ -6576,7 +6547,7 @@
           <p:nvPr/>
         </p:nvPicPr>
         <p:blipFill>
-          <a:blip r:embed="rId1"/>
+          <a:blip r:embed="rId2"/>
           <a:stretch>
             <a:fillRect/>
           </a:stretch>
@@ -6622,7 +6593,6 @@
               <a:rPr lang="zh-CN" altLang="en-US" b="1"/>
               <a:t>永续地牢设计书</a:t>
             </a:r>
-            <a:endParaRPr lang="zh-CN" altLang="en-US" b="1"/>
           </a:p>
           <a:p>
             <a:pPr algn="ctr">
@@ -6634,7 +6604,6 @@
               <a:rPr lang="en-US" altLang="zh-CN" b="1"/>
               <a:t>Ouroboros</a:t>
             </a:r>
-            <a:endParaRPr lang="en-US" altLang="zh-CN" b="1"/>
           </a:p>
         </p:txBody>
       </p:sp>
@@ -6643,13 +6612,13 @@
   <p:clrMapOvr>
     <a:masterClrMapping/>
   </p:clrMapOvr>
-  <mc:AlternateContent xmlns:mc="http://schemas.openxmlformats.org/markup-compatibility/2006">
-    <mc:Choice xmlns:p15="http://schemas.microsoft.com/office/powerpoint/2012/main" Requires="p15">
-      <p:transition xmlns:p14="http://schemas.microsoft.com/office/powerpoint/2010/main" spd="slow" Requires="p14" p14:dur="1250">
+  <mc:AlternateContent xmlns:mc="http://schemas.openxmlformats.org/markup-compatibility/2006" xmlns:p15="http://schemas.microsoft.com/office/powerpoint/2012/main">
+    <mc:Choice Requires="p15">
+      <p:transition xmlns:p14="http://schemas.microsoft.com/office/powerpoint/2010/main" spd="slow" p14:dur="1250">
         <p15:prstTrans prst="pageCurlDouble"/>
       </p:transition>
     </mc:Choice>
-    <mc:Fallback>
+    <mc:Fallback xmlns="">
       <p:transition spd="slow">
         <p:fade/>
       </p:transition>
@@ -6858,17 +6827,6 @@
               </a:rPr>
               <a:t>。</a:t>
             </a:r>
-            <a:endParaRPr lang="en-US" sz="2000" dirty="0">
-              <a:solidFill>
-                <a:schemeClr val="tx1">
-                  <a:lumMod val="50000"/>
-                  <a:lumOff val="50000"/>
-                </a:schemeClr>
-              </a:solidFill>
-              <a:latin typeface="Open Sans" panose="020B0606030504020204" pitchFamily="34" charset="0"/>
-              <a:ea typeface="Open Sans" panose="020B0606030504020204" pitchFamily="34" charset="0"/>
-              <a:cs typeface="Open Sans" panose="020B0606030504020204" pitchFamily="34" charset="0"/>
-            </a:endParaRPr>
           </a:p>
           <a:p>
             <a:pPr eaLnBrk="1" fontAlgn="auto" hangingPunct="1">
@@ -7155,12 +7113,6 @@
               </a:rPr>
               <a:t>战斗场景设计</a:t>
             </a:r>
-            <a:endParaRPr lang="zh-CN" altLang="en-US" sz="4000" dirty="0">
-              <a:solidFill>
-                <a:schemeClr val="bg1"/>
-              </a:solidFill>
-              <a:latin typeface="Open Sans" panose="020B0606030504020204" pitchFamily="34" charset="0"/>
-            </a:endParaRPr>
           </a:p>
         </p:txBody>
       </p:sp>
@@ -7250,7 +7202,7 @@
           <p:nvPr/>
         </p:nvPicPr>
         <p:blipFill>
-          <a:blip r:embed="rId1">
+          <a:blip r:embed="rId3">
             <a:extLst>
               <a:ext uri="{28A0092B-C50C-407E-A947-70E740481C1C}">
                 <a14:useLocalDpi xmlns:a14="http://schemas.microsoft.com/office/drawing/2010/main" val="0"/>
@@ -7297,19 +7249,19 @@
       </p:pic>
     </p:spTree>
     <p:custDataLst>
-      <p:tags r:id="rId2"/>
+      <p:tags r:id="rId1"/>
     </p:custDataLst>
   </p:cSld>
   <p:clrMapOvr>
     <a:masterClrMapping/>
   </p:clrMapOvr>
-  <mc:AlternateContent xmlns:mc="http://schemas.openxmlformats.org/markup-compatibility/2006">
-    <mc:Choice xmlns:p15="http://schemas.microsoft.com/office/powerpoint/2012/main" Requires="p15">
-      <p:transition xmlns:p14="http://schemas.microsoft.com/office/powerpoint/2010/main" spd="slow" Requires="p14" p14:dur="1250">
+  <mc:AlternateContent xmlns:mc="http://schemas.openxmlformats.org/markup-compatibility/2006" xmlns:p15="http://schemas.microsoft.com/office/powerpoint/2012/main">
+    <mc:Choice Requires="p15">
+      <p:transition xmlns:p14="http://schemas.microsoft.com/office/powerpoint/2010/main" spd="slow" p14:dur="1250">
         <p15:prstTrans prst="pageCurlDouble"/>
       </p:transition>
     </mc:Choice>
-    <mc:Fallback>
+    <mc:Fallback xmlns="">
       <p:transition spd="slow">
         <p:fade/>
       </p:transition>
@@ -7518,17 +7470,6 @@
               </a:rPr>
               <a:t>。</a:t>
             </a:r>
-            <a:endParaRPr lang="en-US" sz="2000" dirty="0">
-              <a:solidFill>
-                <a:schemeClr val="tx1">
-                  <a:lumMod val="50000"/>
-                  <a:lumOff val="50000"/>
-                </a:schemeClr>
-              </a:solidFill>
-              <a:latin typeface="Open Sans" panose="020B0606030504020204" pitchFamily="34" charset="0"/>
-              <a:ea typeface="Open Sans" panose="020B0606030504020204" pitchFamily="34" charset="0"/>
-              <a:cs typeface="Open Sans" panose="020B0606030504020204" pitchFamily="34" charset="0"/>
-            </a:endParaRPr>
           </a:p>
           <a:p>
             <a:pPr eaLnBrk="1" fontAlgn="auto" hangingPunct="1">
@@ -7815,12 +7756,6 @@
               </a:rPr>
               <a:t>战利品场景设计</a:t>
             </a:r>
-            <a:endParaRPr lang="zh-CN" altLang="en-US" sz="4000" dirty="0">
-              <a:solidFill>
-                <a:schemeClr val="bg1"/>
-              </a:solidFill>
-              <a:latin typeface="Open Sans" panose="020B0606030504020204" pitchFamily="34" charset="0"/>
-            </a:endParaRPr>
           </a:p>
         </p:txBody>
       </p:sp>
@@ -7910,7 +7845,7 @@
           <p:nvPr/>
         </p:nvPicPr>
         <p:blipFill>
-          <a:blip r:embed="rId1">
+          <a:blip r:embed="rId3">
             <a:extLst>
               <a:ext uri="{28A0092B-C50C-407E-A947-70E740481C1C}">
                 <a14:useLocalDpi xmlns:a14="http://schemas.microsoft.com/office/drawing/2010/main" val="0"/>
@@ -7957,19 +7892,19 @@
       </p:pic>
     </p:spTree>
     <p:custDataLst>
-      <p:tags r:id="rId2"/>
+      <p:tags r:id="rId1"/>
     </p:custDataLst>
   </p:cSld>
   <p:clrMapOvr>
     <a:masterClrMapping/>
   </p:clrMapOvr>
-  <mc:AlternateContent xmlns:mc="http://schemas.openxmlformats.org/markup-compatibility/2006">
-    <mc:Choice xmlns:p15="http://schemas.microsoft.com/office/powerpoint/2012/main" Requires="p15">
-      <p:transition xmlns:p14="http://schemas.microsoft.com/office/powerpoint/2010/main" spd="slow" Requires="p14" p14:dur="1250">
+  <mc:AlternateContent xmlns:mc="http://schemas.openxmlformats.org/markup-compatibility/2006" xmlns:p15="http://schemas.microsoft.com/office/powerpoint/2012/main">
+    <mc:Choice Requires="p15">
+      <p:transition xmlns:p14="http://schemas.microsoft.com/office/powerpoint/2010/main" spd="slow" p14:dur="1250">
         <p15:prstTrans prst="pageCurlDouble"/>
       </p:transition>
     </mc:Choice>
-    <mc:Fallback>
+    <mc:Fallback xmlns="">
       <p:transition spd="slow">
         <p:fade/>
       </p:transition>
@@ -8422,12 +8357,6 @@
               </a:rPr>
               <a:t>角色创建场景设计</a:t>
             </a:r>
-            <a:endParaRPr lang="zh-CN" altLang="en-US" sz="4000" dirty="0">
-              <a:solidFill>
-                <a:schemeClr val="bg1"/>
-              </a:solidFill>
-              <a:latin typeface="Open Sans" panose="020B0606030504020204" pitchFamily="34" charset="0"/>
-            </a:endParaRPr>
           </a:p>
         </p:txBody>
       </p:sp>
@@ -8517,7 +8446,7 @@
           <p:nvPr/>
         </p:nvPicPr>
         <p:blipFill>
-          <a:blip r:embed="rId1">
+          <a:blip r:embed="rId3">
             <a:extLst>
               <a:ext uri="{28A0092B-C50C-407E-A947-70E740481C1C}">
                 <a14:useLocalDpi xmlns:a14="http://schemas.microsoft.com/office/drawing/2010/main" val="0"/>
@@ -8540,19 +8469,19 @@
       </p:pic>
     </p:spTree>
     <p:custDataLst>
-      <p:tags r:id="rId2"/>
+      <p:tags r:id="rId1"/>
     </p:custDataLst>
   </p:cSld>
   <p:clrMapOvr>
     <a:masterClrMapping/>
   </p:clrMapOvr>
-  <mc:AlternateContent xmlns:mc="http://schemas.openxmlformats.org/markup-compatibility/2006">
-    <mc:Choice xmlns:p15="http://schemas.microsoft.com/office/powerpoint/2012/main" Requires="p15">
-      <p:transition xmlns:p14="http://schemas.microsoft.com/office/powerpoint/2010/main" spd="slow" Requires="p14" p14:dur="1250">
+  <mc:AlternateContent xmlns:mc="http://schemas.openxmlformats.org/markup-compatibility/2006" xmlns:p15="http://schemas.microsoft.com/office/powerpoint/2012/main">
+    <mc:Choice Requires="p15">
+      <p:transition xmlns:p14="http://schemas.microsoft.com/office/powerpoint/2010/main" spd="slow" p14:dur="1250">
         <p15:prstTrans prst="pageCurlDouble"/>
       </p:transition>
     </mc:Choice>
-    <mc:Fallback>
+    <mc:Fallback xmlns="">
       <p:transition spd="slow">
         <p:fade/>
       </p:transition>
@@ -9005,12 +8934,6 @@
               </a:rPr>
               <a:t>图鉴场景设计</a:t>
             </a:r>
-            <a:endParaRPr lang="zh-CN" altLang="en-US" sz="4000" dirty="0">
-              <a:solidFill>
-                <a:schemeClr val="bg1"/>
-              </a:solidFill>
-              <a:latin typeface="Open Sans" panose="020B0606030504020204" pitchFamily="34" charset="0"/>
-            </a:endParaRPr>
           </a:p>
         </p:txBody>
       </p:sp>
@@ -9100,7 +9023,7 @@
           <p:nvPr/>
         </p:nvPicPr>
         <p:blipFill>
-          <a:blip r:embed="rId1">
+          <a:blip r:embed="rId3">
             <a:extLst>
               <a:ext uri="{28A0092B-C50C-407E-A947-70E740481C1C}">
                 <a14:useLocalDpi xmlns:a14="http://schemas.microsoft.com/office/drawing/2010/main" val="0"/>
@@ -9123,19 +9046,19 @@
       </p:pic>
     </p:spTree>
     <p:custDataLst>
-      <p:tags r:id="rId2"/>
+      <p:tags r:id="rId1"/>
     </p:custDataLst>
   </p:cSld>
   <p:clrMapOvr>
     <a:masterClrMapping/>
   </p:clrMapOvr>
-  <mc:AlternateContent xmlns:mc="http://schemas.openxmlformats.org/markup-compatibility/2006">
-    <mc:Choice xmlns:p15="http://schemas.microsoft.com/office/powerpoint/2012/main" Requires="p15">
-      <p:transition xmlns:p14="http://schemas.microsoft.com/office/powerpoint/2010/main" spd="slow" Requires="p14" p14:dur="1250">
+  <mc:AlternateContent xmlns:mc="http://schemas.openxmlformats.org/markup-compatibility/2006" xmlns:p15="http://schemas.microsoft.com/office/powerpoint/2012/main">
+    <mc:Choice Requires="p15">
+      <p:transition xmlns:p14="http://schemas.microsoft.com/office/powerpoint/2010/main" spd="slow" p14:dur="1250">
         <p15:prstTrans prst="pageCurlDouble"/>
       </p:transition>
     </mc:Choice>
-    <mc:Fallback>
+    <mc:Fallback xmlns="">
       <p:transition spd="slow">
         <p:fade/>
       </p:transition>
@@ -9565,12 +9488,6 @@
               </a:rPr>
               <a:t>战斗流程设计</a:t>
             </a:r>
-            <a:endParaRPr lang="zh-CN" altLang="en-US" sz="4000" dirty="0">
-              <a:solidFill>
-                <a:schemeClr val="bg1"/>
-              </a:solidFill>
-              <a:latin typeface="Open Sans" panose="020B0606030504020204" pitchFamily="34" charset="0"/>
-            </a:endParaRPr>
           </a:p>
         </p:txBody>
       </p:sp>
@@ -9825,7 +9742,7 @@
           <p:nvPr/>
         </p:nvPicPr>
         <p:blipFill>
-          <a:blip r:embed="rId1" cstate="print">
+          <a:blip r:embed="rId3" cstate="print">
             <a:extLst>
               <a:ext uri="{28A0092B-C50C-407E-A947-70E740481C1C}">
                 <a14:useLocalDpi xmlns:a14="http://schemas.microsoft.com/office/drawing/2010/main" val="0"/>
@@ -9879,7 +9796,7 @@
           <p:nvPr/>
         </p:nvPicPr>
         <p:blipFill>
-          <a:blip r:embed="rId2" cstate="print">
+          <a:blip r:embed="rId4" cstate="print">
             <a:extLst>
               <a:ext uri="{28A0092B-C50C-407E-A947-70E740481C1C}">
                 <a14:useLocalDpi xmlns:a14="http://schemas.microsoft.com/office/drawing/2010/main" val="0"/>
@@ -9926,19 +9843,19 @@
       </p:pic>
     </p:spTree>
     <p:custDataLst>
-      <p:tags r:id="rId3"/>
+      <p:tags r:id="rId1"/>
     </p:custDataLst>
   </p:cSld>
   <p:clrMapOvr>
     <a:masterClrMapping/>
   </p:clrMapOvr>
-  <mc:AlternateContent xmlns:mc="http://schemas.openxmlformats.org/markup-compatibility/2006">
-    <mc:Choice xmlns:p15="http://schemas.microsoft.com/office/powerpoint/2012/main" Requires="p15">
-      <p:transition xmlns:p14="http://schemas.microsoft.com/office/powerpoint/2010/main" spd="slow" Requires="p14" p14:dur="1250">
+  <mc:AlternateContent xmlns:mc="http://schemas.openxmlformats.org/markup-compatibility/2006" xmlns:p15="http://schemas.microsoft.com/office/powerpoint/2012/main">
+    <mc:Choice Requires="p15">
+      <p:transition xmlns:p14="http://schemas.microsoft.com/office/powerpoint/2010/main" spd="slow" p14:dur="1250">
         <p15:prstTrans prst="pageCurlDouble"/>
       </p:transition>
     </mc:Choice>
-    <mc:Fallback>
+    <mc:Fallback xmlns="">
       <p:transition spd="slow">
         <p:fade/>
       </p:transition>
@@ -10368,12 +10285,6 @@
               </a:rPr>
               <a:t>重生流程设计</a:t>
             </a:r>
-            <a:endParaRPr lang="zh-CN" altLang="en-US" sz="4000" dirty="0">
-              <a:solidFill>
-                <a:schemeClr val="bg1"/>
-              </a:solidFill>
-              <a:latin typeface="Open Sans" panose="020B0606030504020204" pitchFamily="34" charset="0"/>
-            </a:endParaRPr>
           </a:p>
         </p:txBody>
       </p:sp>
@@ -10386,7 +10297,7 @@
           <p:nvPr/>
         </p:nvPicPr>
         <p:blipFill>
-          <a:blip r:embed="rId1"/>
+          <a:blip r:embed="rId3"/>
           <a:stretch>
             <a:fillRect/>
           </a:stretch>
@@ -10592,7 +10503,7 @@
           <p:nvPr/>
         </p:nvPicPr>
         <p:blipFill>
-          <a:blip r:embed="rId2" cstate="print">
+          <a:blip r:embed="rId4" cstate="print">
             <a:extLst>
               <a:ext uri="{28A0092B-C50C-407E-A947-70E740481C1C}">
                 <a14:useLocalDpi xmlns:a14="http://schemas.microsoft.com/office/drawing/2010/main" val="0"/>
@@ -10639,19 +10550,19 @@
       </p:pic>
     </p:spTree>
     <p:custDataLst>
-      <p:tags r:id="rId3"/>
+      <p:tags r:id="rId1"/>
     </p:custDataLst>
   </p:cSld>
   <p:clrMapOvr>
     <a:masterClrMapping/>
   </p:clrMapOvr>
-  <mc:AlternateContent xmlns:mc="http://schemas.openxmlformats.org/markup-compatibility/2006">
-    <mc:Choice xmlns:p15="http://schemas.microsoft.com/office/powerpoint/2012/main" Requires="p15">
-      <p:transition xmlns:p14="http://schemas.microsoft.com/office/powerpoint/2010/main" spd="slow" Requires="p14" p14:dur="1250">
+  <mc:AlternateContent xmlns:mc="http://schemas.openxmlformats.org/markup-compatibility/2006" xmlns:p15="http://schemas.microsoft.com/office/powerpoint/2012/main">
+    <mc:Choice Requires="p15">
+      <p:transition xmlns:p14="http://schemas.microsoft.com/office/powerpoint/2010/main" spd="slow" p14:dur="1250">
         <p15:prstTrans prst="pageCurlDouble"/>
       </p:transition>
     </mc:Choice>
-    <mc:Fallback>
+    <mc:Fallback xmlns="">
       <p:transition spd="slow">
         <p:fade/>
       </p:transition>
@@ -10685,7 +10596,7 @@
         </p:nvSpPr>
         <p:spPr>
           <a:xfrm>
-            <a:off x="6162040" y="0"/>
+            <a:off x="6096000" y="0"/>
             <a:ext cx="6096000" cy="6858000"/>
           </a:xfrm>
           <a:prstGeom prst="rect">
@@ -11041,7 +10952,7 @@
                 <a:cs typeface="+mn-ea"/>
                 <a:sym typeface="+mn-lt"/>
               </a:rPr>
-              <a:t>怪物设定</a:t>
+              <a:t>武器设定</a:t>
             </a:r>
             <a:endParaRPr lang="en-US" altLang="zh-CN" sz="1700" dirty="0">
               <a:solidFill>
@@ -11105,124 +11016,690 @@
           </a:p>
         </p:txBody>
       </p:sp>
-      <p:sp>
-        <p:nvSpPr>
-          <p:cNvPr id="5" name="文本框 4"/>
-          <p:cNvSpPr txBox="1"/>
-          <p:nvPr/>
-        </p:nvSpPr>
-        <p:spPr>
-          <a:xfrm>
-            <a:off x="7305675" y="1499235"/>
-            <a:ext cx="4245610" cy="2127634"/>
-          </a:xfrm>
-          <a:prstGeom prst="rect">
-            <a:avLst/>
-          </a:prstGeom>
-          <a:noFill/>
-        </p:spPr>
-        <p:txBody>
-          <a:bodyPr wrap="square" rtlCol="0">
-            <a:spAutoFit/>
-          </a:bodyPr>
-          <a:lstStyle/>
-          <a:p>
-            <a:pPr>
-              <a:lnSpc>
-                <a:spcPct val="150000"/>
-              </a:lnSpc>
-            </a:pPr>
-            <a:r>
-              <a:rPr lang="zh-CN" altLang="en-US" dirty="0"/>
-              <a:t>怪物卡牌设定会更多来自于龙与地下城（</a:t>
-            </a:r>
-            <a:r>
-              <a:rPr lang="en-US" altLang="zh-CN" dirty="0"/>
-              <a:t>Dungeons &amp; Dragons </a:t>
-            </a:r>
-            <a:r>
-              <a:rPr lang="zh-CN" altLang="en-US" dirty="0"/>
-              <a:t>）中的稀有怪。</a:t>
-            </a:r>
-            <a:endParaRPr lang="en-US" altLang="zh-CN" dirty="0"/>
-          </a:p>
-          <a:p>
-            <a:pPr>
-              <a:lnSpc>
-                <a:spcPct val="150000"/>
-              </a:lnSpc>
-            </a:pPr>
-            <a:r>
-              <a:rPr lang="zh-CN" altLang="en-US" dirty="0"/>
-              <a:t>这些怪物能更多的给冒险者一种陌生感和未知感，让玩家感受到此地牢中的生物危险度是不同于其他游戏的。</a:t>
-            </a:r>
-            <a:endParaRPr lang="zh-CN" altLang="en-US" dirty="0"/>
-          </a:p>
-        </p:txBody>
-      </p:sp>
       <p:pic>
         <p:nvPicPr>
-          <p:cNvPr id="14" name="图片 13" descr="图片包含 户外, 恐龙, 动物, 发动机&#10;&#10;描述已自动生成"/>
+          <p:cNvPr id="6" name="图片 2" descr="4451681438996_.pic"/>
           <p:cNvPicPr>
             <a:picLocks noChangeAspect="1"/>
           </p:cNvPicPr>
           <p:nvPr/>
         </p:nvPicPr>
         <p:blipFill>
-          <a:blip r:embed="rId1" cstate="print">
-            <a:extLst>
-              <a:ext uri="{28A0092B-C50C-407E-A947-70E740481C1C}">
-                <a14:useLocalDpi xmlns:a14="http://schemas.microsoft.com/office/drawing/2010/main" val="0"/>
-              </a:ext>
-            </a:extLst>
-          </a:blip>
+          <a:blip r:embed="rId3"/>
           <a:stretch>
             <a:fillRect/>
           </a:stretch>
         </p:blipFill>
         <p:spPr>
           <a:xfrm>
-            <a:off x="1575214" y="3168876"/>
-            <a:ext cx="2777383" cy="3330538"/>
+            <a:off x="3385185" y="1109980"/>
+            <a:ext cx="1555750" cy="1477010"/>
           </a:xfrm>
           <a:prstGeom prst="rect">
             <a:avLst/>
           </a:prstGeom>
+          <a:noFill/>
+          <a:ln w="9525">
+            <a:noFill/>
+          </a:ln>
         </p:spPr>
       </p:pic>
       <p:pic>
         <p:nvPicPr>
-          <p:cNvPr id="16" name="图片 15"/>
+          <p:cNvPr id="8" name="图片 9" descr="4441681438995_.pic"/>
           <p:cNvPicPr>
             <a:picLocks noChangeAspect="1"/>
           </p:cNvPicPr>
           <p:nvPr/>
         </p:nvPicPr>
         <p:blipFill>
-          <a:blip r:embed="rId2" cstate="print">
-            <a:extLst>
-              <a:ext uri="{28A0092B-C50C-407E-A947-70E740481C1C}">
-                <a14:useLocalDpi xmlns:a14="http://schemas.microsoft.com/office/drawing/2010/main" val="0"/>
-              </a:ext>
-            </a:extLst>
-          </a:blip>
+          <a:blip r:embed="rId4"/>
           <a:stretch>
             <a:fillRect/>
           </a:stretch>
         </p:blipFill>
         <p:spPr>
           <a:xfrm>
-            <a:off x="252162" y="165848"/>
-            <a:ext cx="2690995" cy="2837180"/>
+            <a:off x="1069023" y="1108075"/>
+            <a:ext cx="1604645" cy="1480820"/>
           </a:xfrm>
           <a:prstGeom prst="rect">
             <a:avLst/>
           </a:prstGeom>
+          <a:noFill/>
+          <a:ln w="9525">
+            <a:noFill/>
+          </a:ln>
         </p:spPr>
       </p:pic>
       <p:pic>
         <p:nvPicPr>
-          <p:cNvPr id="18" name="图片 17" descr="图片包含 桌子, 水果&#10;&#10;描述已自动生成"/>
+          <p:cNvPr id="9" name="图片 8" descr="4431681438994_.pic"/>
+          <p:cNvPicPr>
+            <a:picLocks noChangeAspect="1"/>
+          </p:cNvPicPr>
+          <p:nvPr/>
+        </p:nvPicPr>
+        <p:blipFill>
+          <a:blip r:embed="rId5"/>
+          <a:stretch>
+            <a:fillRect/>
+          </a:stretch>
+        </p:blipFill>
+        <p:spPr>
+          <a:xfrm rot="-10800000" flipV="1">
+            <a:off x="1062673" y="3573463"/>
+            <a:ext cx="1610995" cy="1520825"/>
+          </a:xfrm>
+          <a:prstGeom prst="rect">
+            <a:avLst/>
+          </a:prstGeom>
+          <a:noFill/>
+          <a:ln w="9525">
+            <a:noFill/>
+          </a:ln>
+        </p:spPr>
+      </p:pic>
+      <p:pic>
+        <p:nvPicPr>
+          <p:cNvPr id="10" name="图片 7" descr="891681439245_.pic"/>
+          <p:cNvPicPr>
+            <a:picLocks noChangeAspect="1"/>
+          </p:cNvPicPr>
+          <p:nvPr/>
+        </p:nvPicPr>
+        <p:blipFill>
+          <a:blip r:embed="rId6"/>
+          <a:srcRect t="19492" r="854" b="5412"/>
+          <a:stretch>
+            <a:fillRect/>
+          </a:stretch>
+        </p:blipFill>
+        <p:spPr>
+          <a:xfrm>
+            <a:off x="3428365" y="3579813"/>
+            <a:ext cx="1498600" cy="1514475"/>
+          </a:xfrm>
+          <a:prstGeom prst="rect">
+            <a:avLst/>
+          </a:prstGeom>
+          <a:noFill/>
+          <a:ln w="9525">
+            <a:noFill/>
+          </a:ln>
+        </p:spPr>
+      </p:pic>
+      <p:sp>
+        <p:nvSpPr>
+          <p:cNvPr id="5" name="文本框 4"/>
+          <p:cNvSpPr txBox="1"/>
+          <p:nvPr/>
+        </p:nvSpPr>
+        <p:spPr>
+          <a:xfrm>
+            <a:off x="7305675" y="1499235"/>
+            <a:ext cx="4460240" cy="1857375"/>
+          </a:xfrm>
+          <a:prstGeom prst="rect">
+            <a:avLst/>
+          </a:prstGeom>
+          <a:noFill/>
+        </p:spPr>
+        <p:txBody>
+          <a:bodyPr wrap="square" rtlCol="0">
+            <a:noAutofit/>
+          </a:bodyPr>
+          <a:lstStyle/>
+          <a:p>
+            <a:pPr>
+              <a:lnSpc>
+                <a:spcPct val="150000"/>
+              </a:lnSpc>
+            </a:pPr>
+            <a:r>
+              <a:rPr lang="zh-CN" altLang="en-US" dirty="0"/>
+              <a:t>游戏卡牌分为武器卡牌和行动手牌，武器分为地风水火四种属性，每个武器最多可持有一种主属性和一种副属性。</a:t>
+            </a:r>
+            <a:endParaRPr lang="en-US" altLang="zh-CN" dirty="0"/>
+          </a:p>
+          <a:p>
+            <a:pPr>
+              <a:lnSpc>
+                <a:spcPct val="150000"/>
+              </a:lnSpc>
+            </a:pPr>
+            <a:r>
+              <a:rPr lang="zh-CN" altLang="en-US" dirty="0"/>
+              <a:t>行动手牌让特定的装备有不同的效果。</a:t>
+            </a:r>
+          </a:p>
+        </p:txBody>
+      </p:sp>
+    </p:spTree>
+    <p:custDataLst>
+      <p:tags r:id="rId1"/>
+    </p:custDataLst>
+  </p:cSld>
+  <p:clrMapOvr>
+    <a:masterClrMapping/>
+  </p:clrMapOvr>
+  <mc:AlternateContent xmlns:mc="http://schemas.openxmlformats.org/markup-compatibility/2006" xmlns:p15="http://schemas.microsoft.com/office/powerpoint/2012/main">
+    <mc:Choice Requires="p15">
+      <p:transition xmlns:p14="http://schemas.microsoft.com/office/powerpoint/2010/main" spd="slow" p14:dur="1250">
+        <p15:prstTrans prst="pageCurlDouble"/>
+      </p:transition>
+    </mc:Choice>
+    <mc:Fallback xmlns="">
+      <p:transition spd="slow">
+        <p:fade/>
+      </p:transition>
+    </mc:Fallback>
+  </mc:AlternateContent>
+</p:sld>
+</file>
+
+<file path=ppt/slides/slide17.xml><?xml version="1.0" encoding="utf-8"?>
+<p:sld xmlns:a="http://schemas.openxmlformats.org/drawingml/2006/main" xmlns:r="http://schemas.openxmlformats.org/officeDocument/2006/relationships" xmlns:p="http://schemas.openxmlformats.org/presentationml/2006/main">
+  <p:cSld>
+    <p:spTree>
+      <p:nvGrpSpPr>
+        <p:cNvPr id="1" name=""/>
+        <p:cNvGrpSpPr/>
+        <p:nvPr/>
+      </p:nvGrpSpPr>
+      <p:grpSpPr>
+        <a:xfrm>
+          <a:off x="0" y="0"/>
+          <a:ext cx="0" cy="0"/>
+          <a:chOff x="0" y="0"/>
+          <a:chExt cx="0" cy="0"/>
+        </a:xfrm>
+      </p:grpSpPr>
+      <p:sp>
+        <p:nvSpPr>
+          <p:cNvPr id="4" name="矩形 3"/>
+          <p:cNvSpPr/>
+          <p:nvPr/>
+        </p:nvSpPr>
+        <p:spPr>
+          <a:xfrm>
+            <a:off x="6162040" y="0"/>
+            <a:ext cx="6096000" cy="6858000"/>
+          </a:xfrm>
+          <a:prstGeom prst="rect">
+            <a:avLst/>
+          </a:prstGeom>
+          <a:solidFill>
+            <a:schemeClr val="bg1">
+              <a:lumMod val="95000"/>
+            </a:schemeClr>
+          </a:solidFill>
+          <a:ln>
+            <a:noFill/>
+          </a:ln>
+          <a:effectLst/>
+        </p:spPr>
+        <p:style>
+          <a:lnRef idx="2">
+            <a:schemeClr val="accent1">
+              <a:shade val="50000"/>
+            </a:schemeClr>
+          </a:lnRef>
+          <a:fillRef idx="1">
+            <a:schemeClr val="accent1"/>
+          </a:fillRef>
+          <a:effectRef idx="0">
+            <a:schemeClr val="accent1"/>
+          </a:effectRef>
+          <a:fontRef idx="minor">
+            <a:schemeClr val="lt1"/>
+          </a:fontRef>
+        </p:style>
+        <p:txBody>
+          <a:bodyPr rtlCol="0" anchor="ctr"/>
+          <a:lstStyle/>
+          <a:p>
+            <a:pPr marL="0" marR="0" lvl="0" indent="0" algn="ctr" defTabSz="914400" rtl="0" eaLnBrk="1" fontAlgn="auto" latinLnBrk="0" hangingPunct="1">
+              <a:lnSpc>
+                <a:spcPct val="100000"/>
+              </a:lnSpc>
+              <a:spcBef>
+                <a:spcPts val="0"/>
+              </a:spcBef>
+              <a:spcAft>
+                <a:spcPts val="0"/>
+              </a:spcAft>
+              <a:buClrTx/>
+              <a:buSzTx/>
+              <a:buFontTx/>
+              <a:buNone/>
+              <a:defRPr/>
+            </a:pPr>
+            <a:endParaRPr kumimoji="0" lang="zh-CN" altLang="en-US" sz="1800" b="0" i="0" u="none" strike="noStrike" kern="1200" cap="none" spc="0" normalizeH="0" baseline="0" noProof="0">
+              <a:ln>
+                <a:noFill/>
+              </a:ln>
+              <a:solidFill>
+                <a:prstClr val="white"/>
+              </a:solidFill>
+              <a:effectLst/>
+              <a:uLnTx/>
+              <a:uFillTx/>
+              <a:latin typeface="等线" panose="02010600030101010101" charset="-122"/>
+              <a:ea typeface="等线" panose="02010600030101010101" charset="-122"/>
+              <a:cs typeface="+mn-cs"/>
+            </a:endParaRPr>
+          </a:p>
+        </p:txBody>
+      </p:sp>
+      <p:sp>
+        <p:nvSpPr>
+          <p:cNvPr id="2" name="矩形 1"/>
+          <p:cNvSpPr/>
+          <p:nvPr/>
+        </p:nvSpPr>
+        <p:spPr>
+          <a:xfrm>
+            <a:off x="0" y="0"/>
+            <a:ext cx="6096000" cy="6858000"/>
+          </a:xfrm>
+          <a:prstGeom prst="rect">
+            <a:avLst/>
+          </a:prstGeom>
+          <a:solidFill>
+            <a:schemeClr val="bg1">
+              <a:lumMod val="95000"/>
+            </a:schemeClr>
+          </a:solidFill>
+          <a:ln>
+            <a:noFill/>
+          </a:ln>
+          <a:effectLst/>
+        </p:spPr>
+        <p:style>
+          <a:lnRef idx="2">
+            <a:schemeClr val="accent1">
+              <a:shade val="50000"/>
+            </a:schemeClr>
+          </a:lnRef>
+          <a:fillRef idx="1">
+            <a:schemeClr val="accent1"/>
+          </a:fillRef>
+          <a:effectRef idx="0">
+            <a:schemeClr val="accent1"/>
+          </a:effectRef>
+          <a:fontRef idx="minor">
+            <a:schemeClr val="lt1"/>
+          </a:fontRef>
+        </p:style>
+        <p:txBody>
+          <a:bodyPr rtlCol="0" anchor="ctr"/>
+          <a:lstStyle/>
+          <a:p>
+            <a:pPr marL="0" marR="0" lvl="0" indent="0" algn="ctr" defTabSz="914400" rtl="0" eaLnBrk="1" fontAlgn="auto" latinLnBrk="0" hangingPunct="1">
+              <a:lnSpc>
+                <a:spcPct val="100000"/>
+              </a:lnSpc>
+              <a:spcBef>
+                <a:spcPts val="0"/>
+              </a:spcBef>
+              <a:spcAft>
+                <a:spcPts val="0"/>
+              </a:spcAft>
+              <a:buClrTx/>
+              <a:buSzTx/>
+              <a:buFontTx/>
+              <a:buNone/>
+              <a:defRPr/>
+            </a:pPr>
+            <a:endParaRPr kumimoji="0" lang="zh-CN" altLang="en-US" sz="1800" b="0" i="0" u="none" strike="noStrike" kern="1200" cap="none" spc="0" normalizeH="0" baseline="0" noProof="0">
+              <a:ln>
+                <a:noFill/>
+              </a:ln>
+              <a:solidFill>
+                <a:prstClr val="white"/>
+              </a:solidFill>
+              <a:effectLst/>
+              <a:uLnTx/>
+              <a:uFillTx/>
+              <a:latin typeface="等线" panose="02010600030101010101" charset="-122"/>
+              <a:ea typeface="等线" panose="02010600030101010101" charset="-122"/>
+              <a:cs typeface="+mn-cs"/>
+            </a:endParaRPr>
+          </a:p>
+        </p:txBody>
+      </p:sp>
+      <p:sp>
+        <p:nvSpPr>
+          <p:cNvPr id="3" name="矩形 2"/>
+          <p:cNvSpPr/>
+          <p:nvPr/>
+        </p:nvSpPr>
+        <p:spPr>
+          <a:xfrm>
+            <a:off x="6096000" y="0"/>
+            <a:ext cx="444500" cy="6858000"/>
+          </a:xfrm>
+          <a:prstGeom prst="rect">
+            <a:avLst/>
+          </a:prstGeom>
+          <a:gradFill flip="none" rotWithShape="1">
+            <a:gsLst>
+              <a:gs pos="0">
+                <a:schemeClr val="bg1">
+                  <a:lumMod val="50000"/>
+                  <a:alpha val="50000"/>
+                </a:schemeClr>
+              </a:gs>
+              <a:gs pos="100000">
+                <a:schemeClr val="bg1">
+                  <a:lumMod val="50000"/>
+                  <a:alpha val="0"/>
+                </a:schemeClr>
+              </a:gs>
+            </a:gsLst>
+            <a:lin ang="0" scaled="1"/>
+            <a:tileRect/>
+          </a:gradFill>
+          <a:ln>
+            <a:noFill/>
+          </a:ln>
+        </p:spPr>
+        <p:style>
+          <a:lnRef idx="2">
+            <a:schemeClr val="accent1">
+              <a:shade val="50000"/>
+            </a:schemeClr>
+          </a:lnRef>
+          <a:fillRef idx="1">
+            <a:schemeClr val="accent1"/>
+          </a:fillRef>
+          <a:effectRef idx="0">
+            <a:schemeClr val="accent1"/>
+          </a:effectRef>
+          <a:fontRef idx="minor">
+            <a:schemeClr val="lt1"/>
+          </a:fontRef>
+        </p:style>
+        <p:txBody>
+          <a:bodyPr rtlCol="0" anchor="ctr"/>
+          <a:lstStyle/>
+          <a:p>
+            <a:pPr marL="0" marR="0" lvl="0" indent="0" algn="ctr" defTabSz="914400" rtl="0" eaLnBrk="1" fontAlgn="auto" latinLnBrk="0" hangingPunct="1">
+              <a:lnSpc>
+                <a:spcPct val="100000"/>
+              </a:lnSpc>
+              <a:spcBef>
+                <a:spcPts val="0"/>
+              </a:spcBef>
+              <a:spcAft>
+                <a:spcPts val="0"/>
+              </a:spcAft>
+              <a:buClrTx/>
+              <a:buSzTx/>
+              <a:buFontTx/>
+              <a:buNone/>
+              <a:defRPr/>
+            </a:pPr>
+            <a:endParaRPr kumimoji="0" lang="zh-CN" altLang="en-US" sz="1800" b="0" i="0" u="none" strike="noStrike" kern="1200" cap="none" spc="0" normalizeH="0" baseline="0" noProof="0">
+              <a:ln>
+                <a:noFill/>
+              </a:ln>
+              <a:solidFill>
+                <a:prstClr val="white"/>
+              </a:solidFill>
+              <a:effectLst/>
+              <a:uLnTx/>
+              <a:uFillTx/>
+              <a:latin typeface="等线" panose="02010600030101010101" charset="-122"/>
+              <a:ea typeface="等线" panose="02010600030101010101" charset="-122"/>
+              <a:cs typeface="+mn-cs"/>
+            </a:endParaRPr>
+          </a:p>
+        </p:txBody>
+      </p:sp>
+      <p:sp>
+        <p:nvSpPr>
+          <p:cNvPr id="12" name="矩形 11"/>
+          <p:cNvSpPr/>
+          <p:nvPr/>
+        </p:nvSpPr>
+        <p:spPr>
+          <a:xfrm flipH="1">
+            <a:off x="5651500" y="0"/>
+            <a:ext cx="444500" cy="6858000"/>
+          </a:xfrm>
+          <a:prstGeom prst="rect">
+            <a:avLst/>
+          </a:prstGeom>
+          <a:gradFill flip="none" rotWithShape="1">
+            <a:gsLst>
+              <a:gs pos="0">
+                <a:schemeClr val="bg1">
+                  <a:lumMod val="50000"/>
+                  <a:alpha val="50000"/>
+                </a:schemeClr>
+              </a:gs>
+              <a:gs pos="100000">
+                <a:schemeClr val="bg1">
+                  <a:lumMod val="50000"/>
+                  <a:alpha val="0"/>
+                </a:schemeClr>
+              </a:gs>
+            </a:gsLst>
+            <a:lin ang="0" scaled="1"/>
+            <a:tileRect/>
+          </a:gradFill>
+          <a:ln>
+            <a:noFill/>
+          </a:ln>
+        </p:spPr>
+        <p:style>
+          <a:lnRef idx="2">
+            <a:schemeClr val="accent1">
+              <a:shade val="50000"/>
+            </a:schemeClr>
+          </a:lnRef>
+          <a:fillRef idx="1">
+            <a:schemeClr val="accent1"/>
+          </a:fillRef>
+          <a:effectRef idx="0">
+            <a:schemeClr val="accent1"/>
+          </a:effectRef>
+          <a:fontRef idx="minor">
+            <a:schemeClr val="lt1"/>
+          </a:fontRef>
+        </p:style>
+        <p:txBody>
+          <a:bodyPr rtlCol="0" anchor="ctr"/>
+          <a:lstStyle/>
+          <a:p>
+            <a:pPr marL="0" marR="0" lvl="0" indent="0" algn="ctr" defTabSz="914400" rtl="0" eaLnBrk="1" fontAlgn="auto" latinLnBrk="0" hangingPunct="1">
+              <a:lnSpc>
+                <a:spcPct val="100000"/>
+              </a:lnSpc>
+              <a:spcBef>
+                <a:spcPts val="0"/>
+              </a:spcBef>
+              <a:spcAft>
+                <a:spcPts val="0"/>
+              </a:spcAft>
+              <a:buClrTx/>
+              <a:buSzTx/>
+              <a:buFontTx/>
+              <a:buNone/>
+              <a:defRPr/>
+            </a:pPr>
+            <a:endParaRPr kumimoji="0" lang="zh-CN" altLang="en-US" sz="1800" b="0" i="0" u="none" strike="noStrike" kern="1200" cap="none" spc="0" normalizeH="0" baseline="0" noProof="0">
+              <a:ln>
+                <a:noFill/>
+              </a:ln>
+              <a:solidFill>
+                <a:prstClr val="white"/>
+              </a:solidFill>
+              <a:effectLst/>
+              <a:uLnTx/>
+              <a:uFillTx/>
+              <a:latin typeface="等线" panose="02010600030101010101" charset="-122"/>
+              <a:ea typeface="等线" panose="02010600030101010101" charset="-122"/>
+              <a:cs typeface="+mn-cs"/>
+            </a:endParaRPr>
+          </a:p>
+        </p:txBody>
+      </p:sp>
+      <p:sp>
+        <p:nvSpPr>
+          <p:cNvPr id="7" name="矩形 6"/>
+          <p:cNvSpPr/>
+          <p:nvPr/>
+        </p:nvSpPr>
+        <p:spPr>
+          <a:xfrm>
+            <a:off x="8049895" y="755650"/>
+            <a:ext cx="1160145" cy="352425"/>
+          </a:xfrm>
+          <a:prstGeom prst="rect">
+            <a:avLst/>
+          </a:prstGeom>
+        </p:spPr>
+        <p:txBody>
+          <a:bodyPr wrap="square">
+            <a:spAutoFit/>
+          </a:bodyPr>
+          <a:lstStyle/>
+          <a:p>
+            <a:r>
+              <a:rPr lang="zh-CN" altLang="en-US" sz="1700" dirty="0">
+                <a:solidFill>
+                  <a:schemeClr val="tx1">
+                    <a:lumMod val="75000"/>
+                    <a:lumOff val="25000"/>
+                  </a:schemeClr>
+                </a:solidFill>
+                <a:cs typeface="+mn-ea"/>
+                <a:sym typeface="+mn-lt"/>
+              </a:rPr>
+              <a:t>怪物设定</a:t>
+            </a:r>
+            <a:endParaRPr lang="en-US" altLang="zh-CN" sz="1700" dirty="0">
+              <a:solidFill>
+                <a:schemeClr val="tx1">
+                  <a:lumMod val="75000"/>
+                  <a:lumOff val="25000"/>
+                </a:schemeClr>
+              </a:solidFill>
+              <a:cs typeface="+mn-ea"/>
+              <a:sym typeface="+mn-lt"/>
+            </a:endParaRPr>
+          </a:p>
+        </p:txBody>
+      </p:sp>
+      <p:sp>
+        <p:nvSpPr>
+          <p:cNvPr id="11" name="菱形 10"/>
+          <p:cNvSpPr/>
+          <p:nvPr/>
+        </p:nvSpPr>
+        <p:spPr>
+          <a:xfrm>
+            <a:off x="7131685" y="624205"/>
+            <a:ext cx="628015" cy="615315"/>
+          </a:xfrm>
+          <a:prstGeom prst="diamond">
+            <a:avLst/>
+          </a:prstGeom>
+          <a:solidFill>
+            <a:schemeClr val="bg1">
+              <a:lumMod val="85000"/>
+            </a:schemeClr>
+          </a:solidFill>
+          <a:ln>
+            <a:noFill/>
+          </a:ln>
+          <a:effectLst/>
+        </p:spPr>
+        <p:style>
+          <a:lnRef idx="2">
+            <a:schemeClr val="accent1">
+              <a:shade val="50000"/>
+            </a:schemeClr>
+          </a:lnRef>
+          <a:fillRef idx="1">
+            <a:schemeClr val="accent1"/>
+          </a:fillRef>
+          <a:effectRef idx="0">
+            <a:schemeClr val="accent1"/>
+          </a:effectRef>
+          <a:fontRef idx="minor">
+            <a:schemeClr val="lt1"/>
+          </a:fontRef>
+        </p:style>
+        <p:txBody>
+          <a:bodyPr rtlCol="0" anchor="ctr"/>
+          <a:lstStyle/>
+          <a:p>
+            <a:pPr algn="ctr"/>
+            <a:endParaRPr lang="zh-CN" altLang="en-US" dirty="0"/>
+          </a:p>
+        </p:txBody>
+      </p:sp>
+      <p:sp>
+        <p:nvSpPr>
+          <p:cNvPr id="5" name="文本框 4"/>
+          <p:cNvSpPr txBox="1"/>
+          <p:nvPr/>
+        </p:nvSpPr>
+        <p:spPr>
+          <a:xfrm>
+            <a:off x="7305675" y="1499235"/>
+            <a:ext cx="4245610" cy="2127634"/>
+          </a:xfrm>
+          <a:prstGeom prst="rect">
+            <a:avLst/>
+          </a:prstGeom>
+          <a:noFill/>
+        </p:spPr>
+        <p:txBody>
+          <a:bodyPr wrap="square" rtlCol="0">
+            <a:spAutoFit/>
+          </a:bodyPr>
+          <a:lstStyle/>
+          <a:p>
+            <a:pPr>
+              <a:lnSpc>
+                <a:spcPct val="150000"/>
+              </a:lnSpc>
+            </a:pPr>
+            <a:r>
+              <a:rPr lang="zh-CN" altLang="en-US" dirty="0"/>
+              <a:t>怪物卡牌设定会更多来自于龙与地下城（</a:t>
+            </a:r>
+            <a:r>
+              <a:rPr lang="en-US" altLang="zh-CN" dirty="0"/>
+              <a:t>Dungeons &amp; Dragons </a:t>
+            </a:r>
+            <a:r>
+              <a:rPr lang="zh-CN" altLang="en-US" dirty="0"/>
+              <a:t>）中的稀有怪。</a:t>
+            </a:r>
+            <a:endParaRPr lang="en-US" altLang="zh-CN" dirty="0"/>
+          </a:p>
+          <a:p>
+            <a:pPr>
+              <a:lnSpc>
+                <a:spcPct val="150000"/>
+              </a:lnSpc>
+            </a:pPr>
+            <a:r>
+              <a:rPr lang="zh-CN" altLang="en-US" dirty="0"/>
+              <a:t>这些怪物能更多的给冒险者一种陌生感和未知感，让玩家感受到此地牢中的生物危险度是不同于其他游戏的。</a:t>
+            </a:r>
+          </a:p>
+        </p:txBody>
+      </p:sp>
+      <p:pic>
+        <p:nvPicPr>
+          <p:cNvPr id="14" name="图片 13" descr="图片包含 户外, 恐龙, 动物, 发动机&#10;&#10;描述已自动生成"/>
           <p:cNvPicPr>
             <a:picLocks noChangeAspect="1"/>
           </p:cNvPicPr>
@@ -11242,25 +11719,1171 @@
         </p:blipFill>
         <p:spPr>
           <a:xfrm>
-            <a:off x="3237301" y="165848"/>
-            <a:ext cx="2269102" cy="2837180"/>
+            <a:off x="1575214" y="3168876"/>
+            <a:ext cx="2777383" cy="3330538"/>
           </a:xfrm>
           <a:prstGeom prst="rect">
             <a:avLst/>
           </a:prstGeom>
         </p:spPr>
       </p:pic>
+      <p:pic>
+        <p:nvPicPr>
+          <p:cNvPr id="16" name="图片 15"/>
+          <p:cNvPicPr>
+            <a:picLocks noChangeAspect="1"/>
+          </p:cNvPicPr>
+          <p:nvPr/>
+        </p:nvPicPr>
+        <p:blipFill>
+          <a:blip r:embed="rId4" cstate="print">
+            <a:extLst>
+              <a:ext uri="{28A0092B-C50C-407E-A947-70E740481C1C}">
+                <a14:useLocalDpi xmlns:a14="http://schemas.microsoft.com/office/drawing/2010/main" val="0"/>
+              </a:ext>
+            </a:extLst>
+          </a:blip>
+          <a:stretch>
+            <a:fillRect/>
+          </a:stretch>
+        </p:blipFill>
+        <p:spPr>
+          <a:xfrm>
+            <a:off x="252162" y="165848"/>
+            <a:ext cx="2690995" cy="2837180"/>
+          </a:xfrm>
+          <a:prstGeom prst="rect">
+            <a:avLst/>
+          </a:prstGeom>
+        </p:spPr>
+      </p:pic>
+      <p:pic>
+        <p:nvPicPr>
+          <p:cNvPr id="18" name="图片 17" descr="图片包含 桌子, 水果&#10;&#10;描述已自动生成"/>
+          <p:cNvPicPr>
+            <a:picLocks noChangeAspect="1"/>
+          </p:cNvPicPr>
+          <p:nvPr/>
+        </p:nvPicPr>
+        <p:blipFill>
+          <a:blip r:embed="rId5" cstate="print">
+            <a:extLst>
+              <a:ext uri="{28A0092B-C50C-407E-A947-70E740481C1C}">
+                <a14:useLocalDpi xmlns:a14="http://schemas.microsoft.com/office/drawing/2010/main" val="0"/>
+              </a:ext>
+            </a:extLst>
+          </a:blip>
+          <a:stretch>
+            <a:fillRect/>
+          </a:stretch>
+        </p:blipFill>
+        <p:spPr>
+          <a:xfrm>
+            <a:off x="3237301" y="165848"/>
+            <a:ext cx="2269102" cy="2837180"/>
+          </a:xfrm>
+          <a:prstGeom prst="rect">
+            <a:avLst/>
+          </a:prstGeom>
+        </p:spPr>
+      </p:pic>
     </p:spTree>
     <p:custDataLst>
-      <p:tags r:id="rId4"/>
+      <p:tags r:id="rId1"/>
     </p:custDataLst>
+  </p:cSld>
+  <p:clrMapOvr>
+    <a:masterClrMapping/>
+  </p:clrMapOvr>
+  <mc:AlternateContent xmlns:mc="http://schemas.openxmlformats.org/markup-compatibility/2006" xmlns:p15="http://schemas.microsoft.com/office/powerpoint/2012/main">
+    <mc:Choice Requires="p15">
+      <p:transition xmlns:p14="http://schemas.microsoft.com/office/powerpoint/2010/main" spd="slow" p14:dur="1250">
+        <p15:prstTrans prst="pageCurlDouble"/>
+      </p:transition>
+    </mc:Choice>
+    <mc:Fallback xmlns="">
+      <p:transition spd="slow">
+        <p:fade/>
+      </p:transition>
+    </mc:Fallback>
+  </mc:AlternateContent>
+</p:sld>
+</file>
+
+<file path=ppt/slides/slide18.xml><?xml version="1.0" encoding="utf-8"?>
+<p:sld xmlns:a="http://schemas.openxmlformats.org/drawingml/2006/main" xmlns:r="http://schemas.openxmlformats.org/officeDocument/2006/relationships" xmlns:p="http://schemas.openxmlformats.org/presentationml/2006/main">
+  <p:cSld>
+    <p:spTree>
+      <p:nvGrpSpPr>
+        <p:cNvPr id="1" name=""/>
+        <p:cNvGrpSpPr/>
+        <p:nvPr/>
+      </p:nvGrpSpPr>
+      <p:grpSpPr>
+        <a:xfrm>
+          <a:off x="0" y="0"/>
+          <a:ext cx="0" cy="0"/>
+          <a:chOff x="0" y="0"/>
+          <a:chExt cx="0" cy="0"/>
+        </a:xfrm>
+      </p:grpSpPr>
+      <p:sp>
+        <p:nvSpPr>
+          <p:cNvPr id="4" name="矩形 3"/>
+          <p:cNvSpPr/>
+          <p:nvPr/>
+        </p:nvSpPr>
+        <p:spPr>
+          <a:xfrm>
+            <a:off x="6096000" y="0"/>
+            <a:ext cx="6096000" cy="6858000"/>
+          </a:xfrm>
+          <a:prstGeom prst="rect">
+            <a:avLst/>
+          </a:prstGeom>
+          <a:solidFill>
+            <a:schemeClr val="bg1">
+              <a:lumMod val="95000"/>
+            </a:schemeClr>
+          </a:solidFill>
+          <a:ln>
+            <a:noFill/>
+          </a:ln>
+          <a:effectLst/>
+        </p:spPr>
+        <p:style>
+          <a:lnRef idx="2">
+            <a:schemeClr val="accent1">
+              <a:shade val="50000"/>
+            </a:schemeClr>
+          </a:lnRef>
+          <a:fillRef idx="1">
+            <a:schemeClr val="accent1"/>
+          </a:fillRef>
+          <a:effectRef idx="0">
+            <a:schemeClr val="accent1"/>
+          </a:effectRef>
+          <a:fontRef idx="minor">
+            <a:schemeClr val="lt1"/>
+          </a:fontRef>
+        </p:style>
+        <p:txBody>
+          <a:bodyPr rtlCol="0" anchor="ctr"/>
+          <a:lstStyle/>
+          <a:p>
+            <a:pPr marL="0" marR="0" lvl="0" indent="0" algn="ctr" defTabSz="914400" rtl="0" eaLnBrk="1" fontAlgn="auto" latinLnBrk="0" hangingPunct="1">
+              <a:lnSpc>
+                <a:spcPct val="100000"/>
+              </a:lnSpc>
+              <a:spcBef>
+                <a:spcPts val="0"/>
+              </a:spcBef>
+              <a:spcAft>
+                <a:spcPts val="0"/>
+              </a:spcAft>
+              <a:buClrTx/>
+              <a:buSzTx/>
+              <a:buFontTx/>
+              <a:buNone/>
+              <a:defRPr/>
+            </a:pPr>
+            <a:endParaRPr kumimoji="0" lang="zh-CN" altLang="en-US" sz="1800" b="0" i="0" u="none" strike="noStrike" kern="1200" cap="none" spc="0" normalizeH="0" baseline="0" noProof="0">
+              <a:ln>
+                <a:noFill/>
+              </a:ln>
+              <a:solidFill>
+                <a:prstClr val="white"/>
+              </a:solidFill>
+              <a:effectLst/>
+              <a:uLnTx/>
+              <a:uFillTx/>
+              <a:latin typeface="等线" panose="02010600030101010101" charset="-122"/>
+              <a:ea typeface="等线" panose="02010600030101010101" charset="-122"/>
+              <a:cs typeface="+mn-cs"/>
+            </a:endParaRPr>
+          </a:p>
+        </p:txBody>
+      </p:sp>
+      <p:sp>
+        <p:nvSpPr>
+          <p:cNvPr id="2" name="矩形 1"/>
+          <p:cNvSpPr/>
+          <p:nvPr/>
+        </p:nvSpPr>
+        <p:spPr>
+          <a:xfrm>
+            <a:off x="0" y="0"/>
+            <a:ext cx="6096000" cy="6858000"/>
+          </a:xfrm>
+          <a:prstGeom prst="rect">
+            <a:avLst/>
+          </a:prstGeom>
+          <a:solidFill>
+            <a:schemeClr val="bg1">
+              <a:lumMod val="95000"/>
+            </a:schemeClr>
+          </a:solidFill>
+          <a:ln>
+            <a:noFill/>
+          </a:ln>
+          <a:effectLst/>
+        </p:spPr>
+        <p:style>
+          <a:lnRef idx="2">
+            <a:schemeClr val="accent1">
+              <a:shade val="50000"/>
+            </a:schemeClr>
+          </a:lnRef>
+          <a:fillRef idx="1">
+            <a:schemeClr val="accent1"/>
+          </a:fillRef>
+          <a:effectRef idx="0">
+            <a:schemeClr val="accent1"/>
+          </a:effectRef>
+          <a:fontRef idx="minor">
+            <a:schemeClr val="lt1"/>
+          </a:fontRef>
+        </p:style>
+        <p:txBody>
+          <a:bodyPr rtlCol="0" anchor="ctr"/>
+          <a:lstStyle/>
+          <a:p>
+            <a:pPr marL="0" marR="0" lvl="0" indent="0" algn="ctr" defTabSz="914400" rtl="0" eaLnBrk="1" fontAlgn="auto" latinLnBrk="0" hangingPunct="1">
+              <a:lnSpc>
+                <a:spcPct val="100000"/>
+              </a:lnSpc>
+              <a:spcBef>
+                <a:spcPts val="0"/>
+              </a:spcBef>
+              <a:spcAft>
+                <a:spcPts val="0"/>
+              </a:spcAft>
+              <a:buClrTx/>
+              <a:buSzTx/>
+              <a:buFontTx/>
+              <a:buNone/>
+              <a:defRPr/>
+            </a:pPr>
+            <a:endParaRPr kumimoji="0" lang="zh-CN" altLang="en-US" sz="1800" b="0" i="0" u="none" strike="noStrike" kern="1200" cap="none" spc="0" normalizeH="0" baseline="0" noProof="0">
+              <a:ln>
+                <a:noFill/>
+              </a:ln>
+              <a:solidFill>
+                <a:prstClr val="white"/>
+              </a:solidFill>
+              <a:effectLst/>
+              <a:uLnTx/>
+              <a:uFillTx/>
+              <a:latin typeface="等线" panose="02010600030101010101" charset="-122"/>
+              <a:ea typeface="等线" panose="02010600030101010101" charset="-122"/>
+              <a:cs typeface="+mn-cs"/>
+            </a:endParaRPr>
+          </a:p>
+        </p:txBody>
+      </p:sp>
+      <p:sp>
+        <p:nvSpPr>
+          <p:cNvPr id="3" name="矩形 2"/>
+          <p:cNvSpPr/>
+          <p:nvPr/>
+        </p:nvSpPr>
+        <p:spPr>
+          <a:xfrm>
+            <a:off x="6096000" y="0"/>
+            <a:ext cx="444500" cy="6858000"/>
+          </a:xfrm>
+          <a:prstGeom prst="rect">
+            <a:avLst/>
+          </a:prstGeom>
+          <a:gradFill flip="none" rotWithShape="1">
+            <a:gsLst>
+              <a:gs pos="0">
+                <a:schemeClr val="bg1">
+                  <a:lumMod val="50000"/>
+                  <a:alpha val="50000"/>
+                </a:schemeClr>
+              </a:gs>
+              <a:gs pos="100000">
+                <a:schemeClr val="bg1">
+                  <a:lumMod val="50000"/>
+                  <a:alpha val="0"/>
+                </a:schemeClr>
+              </a:gs>
+            </a:gsLst>
+            <a:lin ang="0" scaled="1"/>
+            <a:tileRect/>
+          </a:gradFill>
+          <a:ln>
+            <a:noFill/>
+          </a:ln>
+        </p:spPr>
+        <p:style>
+          <a:lnRef idx="2">
+            <a:schemeClr val="accent1">
+              <a:shade val="50000"/>
+            </a:schemeClr>
+          </a:lnRef>
+          <a:fillRef idx="1">
+            <a:schemeClr val="accent1"/>
+          </a:fillRef>
+          <a:effectRef idx="0">
+            <a:schemeClr val="accent1"/>
+          </a:effectRef>
+          <a:fontRef idx="minor">
+            <a:schemeClr val="lt1"/>
+          </a:fontRef>
+        </p:style>
+        <p:txBody>
+          <a:bodyPr rtlCol="0" anchor="ctr"/>
+          <a:lstStyle/>
+          <a:p>
+            <a:pPr marL="0" marR="0" lvl="0" indent="0" algn="ctr" defTabSz="914400" rtl="0" eaLnBrk="1" fontAlgn="auto" latinLnBrk="0" hangingPunct="1">
+              <a:lnSpc>
+                <a:spcPct val="100000"/>
+              </a:lnSpc>
+              <a:spcBef>
+                <a:spcPts val="0"/>
+              </a:spcBef>
+              <a:spcAft>
+                <a:spcPts val="0"/>
+              </a:spcAft>
+              <a:buClrTx/>
+              <a:buSzTx/>
+              <a:buFontTx/>
+              <a:buNone/>
+              <a:defRPr/>
+            </a:pPr>
+            <a:endParaRPr kumimoji="0" lang="zh-CN" altLang="en-US" sz="1800" b="0" i="0" u="none" strike="noStrike" kern="1200" cap="none" spc="0" normalizeH="0" baseline="0" noProof="0">
+              <a:ln>
+                <a:noFill/>
+              </a:ln>
+              <a:solidFill>
+                <a:prstClr val="white"/>
+              </a:solidFill>
+              <a:effectLst/>
+              <a:uLnTx/>
+              <a:uFillTx/>
+              <a:latin typeface="等线" panose="02010600030101010101" charset="-122"/>
+              <a:ea typeface="等线" panose="02010600030101010101" charset="-122"/>
+              <a:cs typeface="+mn-cs"/>
+            </a:endParaRPr>
+          </a:p>
+        </p:txBody>
+      </p:sp>
+      <p:sp>
+        <p:nvSpPr>
+          <p:cNvPr id="12" name="矩形 11"/>
+          <p:cNvSpPr/>
+          <p:nvPr/>
+        </p:nvSpPr>
+        <p:spPr>
+          <a:xfrm flipH="1">
+            <a:off x="5651500" y="0"/>
+            <a:ext cx="444500" cy="6858000"/>
+          </a:xfrm>
+          <a:prstGeom prst="rect">
+            <a:avLst/>
+          </a:prstGeom>
+          <a:gradFill flip="none" rotWithShape="1">
+            <a:gsLst>
+              <a:gs pos="0">
+                <a:schemeClr val="bg1">
+                  <a:lumMod val="50000"/>
+                  <a:alpha val="50000"/>
+                </a:schemeClr>
+              </a:gs>
+              <a:gs pos="100000">
+                <a:schemeClr val="bg1">
+                  <a:lumMod val="50000"/>
+                  <a:alpha val="0"/>
+                </a:schemeClr>
+              </a:gs>
+            </a:gsLst>
+            <a:lin ang="0" scaled="1"/>
+            <a:tileRect/>
+          </a:gradFill>
+          <a:ln>
+            <a:noFill/>
+          </a:ln>
+        </p:spPr>
+        <p:style>
+          <a:lnRef idx="2">
+            <a:schemeClr val="accent1">
+              <a:shade val="50000"/>
+            </a:schemeClr>
+          </a:lnRef>
+          <a:fillRef idx="1">
+            <a:schemeClr val="accent1"/>
+          </a:fillRef>
+          <a:effectRef idx="0">
+            <a:schemeClr val="accent1"/>
+          </a:effectRef>
+          <a:fontRef idx="minor">
+            <a:schemeClr val="lt1"/>
+          </a:fontRef>
+        </p:style>
+        <p:txBody>
+          <a:bodyPr rtlCol="0" anchor="ctr"/>
+          <a:lstStyle/>
+          <a:p>
+            <a:pPr marL="0" marR="0" lvl="0" indent="0" algn="ctr" defTabSz="914400" rtl="0" eaLnBrk="1" fontAlgn="auto" latinLnBrk="0" hangingPunct="1">
+              <a:lnSpc>
+                <a:spcPct val="100000"/>
+              </a:lnSpc>
+              <a:spcBef>
+                <a:spcPts val="0"/>
+              </a:spcBef>
+              <a:spcAft>
+                <a:spcPts val="0"/>
+              </a:spcAft>
+              <a:buClrTx/>
+              <a:buSzTx/>
+              <a:buFontTx/>
+              <a:buNone/>
+              <a:defRPr/>
+            </a:pPr>
+            <a:endParaRPr kumimoji="0" lang="zh-CN" altLang="en-US" sz="1800" b="0" i="0" u="none" strike="noStrike" kern="1200" cap="none" spc="0" normalizeH="0" baseline="0" noProof="0">
+              <a:ln>
+                <a:noFill/>
+              </a:ln>
+              <a:solidFill>
+                <a:prstClr val="white"/>
+              </a:solidFill>
+              <a:effectLst/>
+              <a:uLnTx/>
+              <a:uFillTx/>
+              <a:latin typeface="等线" panose="02010600030101010101" charset="-122"/>
+              <a:ea typeface="等线" panose="02010600030101010101" charset="-122"/>
+              <a:cs typeface="+mn-cs"/>
+            </a:endParaRPr>
+          </a:p>
+        </p:txBody>
+      </p:sp>
+      <p:sp>
+        <p:nvSpPr>
+          <p:cNvPr id="7" name="矩形 6"/>
+          <p:cNvSpPr/>
+          <p:nvPr/>
+        </p:nvSpPr>
+        <p:spPr>
+          <a:xfrm>
+            <a:off x="8049895" y="755650"/>
+            <a:ext cx="1160145" cy="352425"/>
+          </a:xfrm>
+          <a:prstGeom prst="rect">
+            <a:avLst/>
+          </a:prstGeom>
+        </p:spPr>
+        <p:txBody>
+          <a:bodyPr wrap="square">
+            <a:spAutoFit/>
+          </a:bodyPr>
+          <a:lstStyle/>
+          <a:p>
+            <a:r>
+              <a:rPr lang="zh-CN" altLang="en-US" sz="1700" dirty="0">
+                <a:solidFill>
+                  <a:schemeClr val="tx1">
+                    <a:lumMod val="75000"/>
+                    <a:lumOff val="25000"/>
+                  </a:schemeClr>
+                </a:solidFill>
+                <a:cs typeface="+mn-ea"/>
+                <a:sym typeface="+mn-lt"/>
+              </a:rPr>
+              <a:t>数值设计</a:t>
+            </a:r>
+            <a:endParaRPr lang="en-US" altLang="zh-CN" sz="1700" dirty="0">
+              <a:solidFill>
+                <a:schemeClr val="tx1">
+                  <a:lumMod val="75000"/>
+                  <a:lumOff val="25000"/>
+                </a:schemeClr>
+              </a:solidFill>
+              <a:cs typeface="+mn-ea"/>
+              <a:sym typeface="+mn-lt"/>
+            </a:endParaRPr>
+          </a:p>
+        </p:txBody>
+      </p:sp>
+      <p:sp>
+        <p:nvSpPr>
+          <p:cNvPr id="11" name="菱形 10"/>
+          <p:cNvSpPr/>
+          <p:nvPr/>
+        </p:nvSpPr>
+        <p:spPr>
+          <a:xfrm>
+            <a:off x="7131685" y="624205"/>
+            <a:ext cx="628015" cy="615315"/>
+          </a:xfrm>
+          <a:prstGeom prst="diamond">
+            <a:avLst/>
+          </a:prstGeom>
+          <a:solidFill>
+            <a:schemeClr val="bg1">
+              <a:lumMod val="85000"/>
+            </a:schemeClr>
+          </a:solidFill>
+          <a:ln>
+            <a:noFill/>
+          </a:ln>
+          <a:effectLst/>
+        </p:spPr>
+        <p:style>
+          <a:lnRef idx="2">
+            <a:schemeClr val="accent1">
+              <a:shade val="50000"/>
+            </a:schemeClr>
+          </a:lnRef>
+          <a:fillRef idx="1">
+            <a:schemeClr val="accent1"/>
+          </a:fillRef>
+          <a:effectRef idx="0">
+            <a:schemeClr val="accent1"/>
+          </a:effectRef>
+          <a:fontRef idx="minor">
+            <a:schemeClr val="lt1"/>
+          </a:fontRef>
+        </p:style>
+        <p:txBody>
+          <a:bodyPr rtlCol="0" anchor="ctr"/>
+          <a:lstStyle/>
+          <a:p>
+            <a:pPr algn="ctr"/>
+            <a:endParaRPr lang="zh-CN" altLang="en-US" dirty="0"/>
+          </a:p>
+        </p:txBody>
+      </p:sp>
+      <p:sp>
+        <p:nvSpPr>
+          <p:cNvPr id="5" name="文本框 4"/>
+          <p:cNvSpPr txBox="1"/>
+          <p:nvPr/>
+        </p:nvSpPr>
+        <p:spPr>
+          <a:xfrm>
+            <a:off x="7131685" y="1464646"/>
+            <a:ext cx="4460240" cy="4891330"/>
+          </a:xfrm>
+          <a:prstGeom prst="rect">
+            <a:avLst/>
+          </a:prstGeom>
+          <a:noFill/>
+        </p:spPr>
+        <p:txBody>
+          <a:bodyPr wrap="square" rtlCol="0">
+            <a:noAutofit/>
+          </a:bodyPr>
+          <a:lstStyle/>
+          <a:p>
+            <a:pPr algn="just"/>
+            <a:r>
+              <a:rPr lang="zh-CN" altLang="en-US" kern="100" dirty="0">
+                <a:latin typeface="等线" panose="02010600030101010101" pitchFamily="2" charset="-122"/>
+                <a:ea typeface="等线" panose="02010600030101010101" pitchFamily="2" charset="-122"/>
+                <a:cs typeface="Times New Roman" panose="02020603050405020304" pitchFamily="18" charset="0"/>
+              </a:rPr>
+              <a:t>我们会使用以下几点来平衡装备数值：</a:t>
+            </a:r>
+            <a:endParaRPr lang="en-US" altLang="zh-CN" sz="1800" kern="100" dirty="0">
+              <a:effectLst/>
+              <a:latin typeface="等线" panose="02010600030101010101" pitchFamily="2" charset="-122"/>
+              <a:ea typeface="等线" panose="02010600030101010101" pitchFamily="2" charset="-122"/>
+              <a:cs typeface="Times New Roman" panose="02020603050405020304" pitchFamily="18" charset="0"/>
+            </a:endParaRPr>
+          </a:p>
+          <a:p>
+            <a:pPr algn="just"/>
+            <a:endParaRPr lang="en-US" altLang="zh-CN" b="1" kern="100" dirty="0">
+              <a:latin typeface="等线" panose="02010600030101010101" pitchFamily="2" charset="-122"/>
+              <a:ea typeface="等线" panose="02010600030101010101" pitchFamily="2" charset="-122"/>
+              <a:cs typeface="Times New Roman" panose="02020603050405020304" pitchFamily="18" charset="0"/>
+            </a:endParaRPr>
+          </a:p>
+          <a:p>
+            <a:pPr algn="just"/>
+            <a:r>
+              <a:rPr lang="zh-CN" altLang="zh-CN" sz="1800" b="1" kern="100" dirty="0">
+                <a:effectLst/>
+                <a:latin typeface="等线" panose="02010600030101010101" pitchFamily="2" charset="-122"/>
+                <a:ea typeface="等线" panose="02010600030101010101" pitchFamily="2" charset="-122"/>
+                <a:cs typeface="Times New Roman" panose="02020603050405020304" pitchFamily="18" charset="0"/>
+              </a:rPr>
+              <a:t>可用牌数</a:t>
+            </a:r>
+            <a:r>
+              <a:rPr lang="en-US" altLang="zh-CN" sz="1800" kern="100" dirty="0">
+                <a:effectLst/>
+                <a:latin typeface="等线" panose="02010600030101010101" pitchFamily="2" charset="-122"/>
+                <a:ea typeface="等线" panose="02010600030101010101" pitchFamily="2" charset="-122"/>
+                <a:cs typeface="Times New Roman" panose="02020603050405020304" pitchFamily="18" charset="0"/>
+              </a:rPr>
+              <a:t>(</a:t>
+            </a:r>
+            <a:r>
+              <a:rPr lang="en-US" altLang="zh-CN" sz="1800" i="1" kern="100" dirty="0">
+                <a:effectLst/>
+                <a:latin typeface="等线" panose="02010600030101010101" pitchFamily="2" charset="-122"/>
+                <a:ea typeface="等线" panose="02010600030101010101" pitchFamily="2" charset="-122"/>
+                <a:cs typeface="Times New Roman" panose="02020603050405020304" pitchFamily="18" charset="0"/>
+              </a:rPr>
+              <a:t>Able-cards</a:t>
+            </a:r>
+            <a:r>
+              <a:rPr lang="en-US" altLang="zh-CN" sz="1800" kern="100" dirty="0">
+                <a:effectLst/>
+                <a:latin typeface="等线" panose="02010600030101010101" pitchFamily="2" charset="-122"/>
+                <a:ea typeface="等线" panose="02010600030101010101" pitchFamily="2" charset="-122"/>
+                <a:cs typeface="Times New Roman" panose="02020603050405020304" pitchFamily="18" charset="0"/>
+              </a:rPr>
+              <a:t>,</a:t>
+            </a:r>
+            <a:r>
+              <a:rPr lang="zh-CN" altLang="zh-CN" sz="1800" kern="100" dirty="0">
+                <a:effectLst/>
+                <a:latin typeface="等线" panose="02010600030101010101" pitchFamily="2" charset="-122"/>
+                <a:ea typeface="等线" panose="02010600030101010101" pitchFamily="2" charset="-122"/>
+                <a:cs typeface="Times New Roman" panose="02020603050405020304" pitchFamily="18" charset="0"/>
+              </a:rPr>
+              <a:t>下写为</a:t>
+            </a:r>
+            <a:r>
+              <a:rPr lang="en-US" altLang="zh-CN" sz="1800" b="1" kern="100" dirty="0">
+                <a:effectLst/>
+                <a:latin typeface="等线" panose="02010600030101010101" pitchFamily="2" charset="-122"/>
+                <a:ea typeface="等线" panose="02010600030101010101" pitchFamily="2" charset="-122"/>
+                <a:cs typeface="Times New Roman" panose="02020603050405020304" pitchFamily="18" charset="0"/>
+              </a:rPr>
+              <a:t>AC</a:t>
+            </a:r>
+            <a:r>
+              <a:rPr lang="en-US" altLang="zh-CN" sz="1800" kern="100" dirty="0">
+                <a:effectLst/>
+                <a:latin typeface="等线" panose="02010600030101010101" pitchFamily="2" charset="-122"/>
+                <a:ea typeface="等线" panose="02010600030101010101" pitchFamily="2" charset="-122"/>
+                <a:cs typeface="Times New Roman" panose="02020603050405020304" pitchFamily="18" charset="0"/>
+              </a:rPr>
+              <a:t>)</a:t>
+            </a:r>
+            <a:r>
+              <a:rPr lang="zh-CN" altLang="zh-CN" sz="1800" kern="100" dirty="0">
+                <a:effectLst/>
+                <a:latin typeface="等线" panose="02010600030101010101" pitchFamily="2" charset="-122"/>
+                <a:ea typeface="等线" panose="02010600030101010101" pitchFamily="2" charset="-122"/>
+                <a:cs typeface="Times New Roman" panose="02020603050405020304" pitchFamily="18" charset="0"/>
+              </a:rPr>
+              <a:t>指此装备可使用的行动卡牌数量。</a:t>
+            </a:r>
+            <a:endParaRPr lang="en-US" altLang="zh-CN" sz="1800" kern="100" dirty="0">
+              <a:effectLst/>
+              <a:latin typeface="等线" panose="02010600030101010101" pitchFamily="2" charset="-122"/>
+              <a:ea typeface="等线" panose="02010600030101010101" pitchFamily="2" charset="-122"/>
+              <a:cs typeface="Times New Roman" panose="02020603050405020304" pitchFamily="18" charset="0"/>
+            </a:endParaRPr>
+          </a:p>
+          <a:p>
+            <a:pPr algn="just"/>
+            <a:endParaRPr lang="zh-CN" altLang="zh-CN" sz="1800" kern="100" dirty="0">
+              <a:effectLst/>
+              <a:latin typeface="等线" panose="02010600030101010101" pitchFamily="2" charset="-122"/>
+              <a:ea typeface="等线" panose="02010600030101010101" pitchFamily="2" charset="-122"/>
+              <a:cs typeface="Times New Roman" panose="02020603050405020304" pitchFamily="18" charset="0"/>
+            </a:endParaRPr>
+          </a:p>
+          <a:p>
+            <a:pPr algn="just"/>
+            <a:r>
+              <a:rPr lang="zh-CN" altLang="zh-CN" sz="1800" b="1" kern="100" dirty="0">
+                <a:effectLst/>
+                <a:latin typeface="等线" panose="02010600030101010101" pitchFamily="2" charset="-122"/>
+                <a:ea typeface="等线" panose="02010600030101010101" pitchFamily="2" charset="-122"/>
+                <a:cs typeface="Times New Roman" panose="02020603050405020304" pitchFamily="18" charset="0"/>
+              </a:rPr>
+              <a:t>理想伤害</a:t>
+            </a:r>
+            <a:r>
+              <a:rPr lang="en-US" altLang="zh-CN" sz="1800" kern="100" dirty="0">
+                <a:effectLst/>
+                <a:latin typeface="等线" panose="02010600030101010101" pitchFamily="2" charset="-122"/>
+                <a:ea typeface="等线" panose="02010600030101010101" pitchFamily="2" charset="-122"/>
+                <a:cs typeface="Times New Roman" panose="02020603050405020304" pitchFamily="18" charset="0"/>
+              </a:rPr>
+              <a:t>(</a:t>
+            </a:r>
+            <a:r>
+              <a:rPr lang="en-US" altLang="zh-CN" sz="1800" i="1" kern="100" dirty="0">
+                <a:effectLst/>
+                <a:latin typeface="等线" panose="02010600030101010101" pitchFamily="2" charset="-122"/>
+                <a:ea typeface="等线" panose="02010600030101010101" pitchFamily="2" charset="-122"/>
+                <a:cs typeface="Times New Roman" panose="02020603050405020304" pitchFamily="18" charset="0"/>
+              </a:rPr>
+              <a:t>Total damage</a:t>
+            </a:r>
+            <a:r>
+              <a:rPr lang="en-US" altLang="zh-CN" sz="1800" kern="100" dirty="0">
+                <a:effectLst/>
+                <a:latin typeface="等线" panose="02010600030101010101" pitchFamily="2" charset="-122"/>
+                <a:ea typeface="等线" panose="02010600030101010101" pitchFamily="2" charset="-122"/>
+                <a:cs typeface="Times New Roman" panose="02020603050405020304" pitchFamily="18" charset="0"/>
+              </a:rPr>
+              <a:t>,</a:t>
+            </a:r>
+            <a:r>
+              <a:rPr lang="zh-CN" altLang="zh-CN" sz="1800" kern="100" dirty="0">
+                <a:effectLst/>
+                <a:latin typeface="等线" panose="02010600030101010101" pitchFamily="2" charset="-122"/>
+                <a:ea typeface="等线" panose="02010600030101010101" pitchFamily="2" charset="-122"/>
+                <a:cs typeface="Times New Roman" panose="02020603050405020304" pitchFamily="18" charset="0"/>
+              </a:rPr>
+              <a:t>下写为</a:t>
+            </a:r>
+            <a:r>
+              <a:rPr lang="en-US" altLang="zh-CN" sz="1800" b="1" kern="100" dirty="0">
+                <a:effectLst/>
+                <a:latin typeface="等线" panose="02010600030101010101" pitchFamily="2" charset="-122"/>
+                <a:ea typeface="等线" panose="02010600030101010101" pitchFamily="2" charset="-122"/>
+                <a:cs typeface="Times New Roman" panose="02020603050405020304" pitchFamily="18" charset="0"/>
+              </a:rPr>
+              <a:t>TD</a:t>
+            </a:r>
+            <a:r>
+              <a:rPr lang="en-US" altLang="zh-CN" sz="1800" kern="100" dirty="0">
+                <a:effectLst/>
+                <a:latin typeface="等线" panose="02010600030101010101" pitchFamily="2" charset="-122"/>
+                <a:ea typeface="等线" panose="02010600030101010101" pitchFamily="2" charset="-122"/>
+                <a:cs typeface="Times New Roman" panose="02020603050405020304" pitchFamily="18" charset="0"/>
+              </a:rPr>
+              <a:t>)</a:t>
+            </a:r>
+            <a:r>
+              <a:rPr lang="zh-CN" altLang="zh-CN" sz="1800" kern="100" dirty="0">
+                <a:effectLst/>
+                <a:latin typeface="等线" panose="02010600030101010101" pitchFamily="2" charset="-122"/>
+                <a:ea typeface="等线" panose="02010600030101010101" pitchFamily="2" charset="-122"/>
+                <a:cs typeface="Times New Roman" panose="02020603050405020304" pitchFamily="18" charset="0"/>
+              </a:rPr>
+              <a:t>指在抽到所有该装备可抽到的牌后可以打出的总伤害（</a:t>
+            </a:r>
+            <a:r>
+              <a:rPr lang="en-US" altLang="zh-CN" sz="1800" i="1" kern="100" dirty="0">
+                <a:effectLst/>
+                <a:latin typeface="等线" panose="02010600030101010101" pitchFamily="2" charset="-122"/>
+                <a:ea typeface="等线" panose="02010600030101010101" pitchFamily="2" charset="-122"/>
+                <a:cs typeface="Times New Roman" panose="02020603050405020304" pitchFamily="18" charset="0"/>
+              </a:rPr>
+              <a:t>+</a:t>
+            </a:r>
+            <a:r>
+              <a:rPr lang="zh-CN" altLang="zh-CN" sz="1800" i="1" kern="100" dirty="0">
+                <a:effectLst/>
+                <a:latin typeface="等线" panose="02010600030101010101" pitchFamily="2" charset="-122"/>
+                <a:ea typeface="等线" panose="02010600030101010101" pitchFamily="2" charset="-122"/>
+                <a:cs typeface="Times New Roman" panose="02020603050405020304" pitchFamily="18" charset="0"/>
+              </a:rPr>
+              <a:t>可阻挡伤害</a:t>
+            </a:r>
+            <a:r>
+              <a:rPr lang="zh-CN" altLang="zh-CN" sz="1800" kern="100" dirty="0">
+                <a:effectLst/>
+                <a:latin typeface="等线" panose="02010600030101010101" pitchFamily="2" charset="-122"/>
+                <a:ea typeface="等线" panose="02010600030101010101" pitchFamily="2" charset="-122"/>
+                <a:cs typeface="Times New Roman" panose="02020603050405020304" pitchFamily="18" charset="0"/>
+              </a:rPr>
+              <a:t>）。</a:t>
+            </a:r>
+            <a:endParaRPr lang="en-US" altLang="zh-CN" sz="1800" kern="100" dirty="0">
+              <a:effectLst/>
+              <a:latin typeface="等线" panose="02010600030101010101" pitchFamily="2" charset="-122"/>
+              <a:ea typeface="等线" panose="02010600030101010101" pitchFamily="2" charset="-122"/>
+              <a:cs typeface="Times New Roman" panose="02020603050405020304" pitchFamily="18" charset="0"/>
+            </a:endParaRPr>
+          </a:p>
+          <a:p>
+            <a:pPr algn="just"/>
+            <a:endParaRPr lang="zh-CN" altLang="zh-CN" sz="1800" kern="100" dirty="0">
+              <a:effectLst/>
+              <a:latin typeface="等线" panose="02010600030101010101" pitchFamily="2" charset="-122"/>
+              <a:ea typeface="等线" panose="02010600030101010101" pitchFamily="2" charset="-122"/>
+              <a:cs typeface="Times New Roman" panose="02020603050405020304" pitchFamily="18" charset="0"/>
+            </a:endParaRPr>
+          </a:p>
+          <a:p>
+            <a:pPr algn="just"/>
+            <a:r>
+              <a:rPr lang="zh-CN" altLang="zh-CN" sz="1800" b="1" kern="100" dirty="0">
+                <a:effectLst/>
+                <a:latin typeface="等线" panose="02010600030101010101" pitchFamily="2" charset="-122"/>
+                <a:ea typeface="等线" panose="02010600030101010101" pitchFamily="2" charset="-122"/>
+                <a:cs typeface="Times New Roman" panose="02020603050405020304" pitchFamily="18" charset="0"/>
+              </a:rPr>
+              <a:t>每牌伤害</a:t>
+            </a:r>
+            <a:r>
+              <a:rPr lang="en-US" altLang="zh-CN" sz="1800" kern="100" dirty="0">
+                <a:effectLst/>
+                <a:latin typeface="等线" panose="02010600030101010101" pitchFamily="2" charset="-122"/>
+                <a:ea typeface="等线" panose="02010600030101010101" pitchFamily="2" charset="-122"/>
+                <a:cs typeface="Times New Roman" panose="02020603050405020304" pitchFamily="18" charset="0"/>
+              </a:rPr>
+              <a:t>(</a:t>
+            </a:r>
+            <a:r>
+              <a:rPr lang="en-US" altLang="zh-CN" sz="1800" i="1" kern="100" dirty="0">
+                <a:effectLst/>
+                <a:latin typeface="等线" panose="02010600030101010101" pitchFamily="2" charset="-122"/>
+                <a:ea typeface="等线" panose="02010600030101010101" pitchFamily="2" charset="-122"/>
+                <a:cs typeface="Times New Roman" panose="02020603050405020304" pitchFamily="18" charset="0"/>
+              </a:rPr>
+              <a:t>Damage per card</a:t>
+            </a:r>
+            <a:r>
+              <a:rPr lang="en-US" altLang="zh-CN" sz="1800" kern="100" dirty="0">
+                <a:effectLst/>
+                <a:latin typeface="等线" panose="02010600030101010101" pitchFamily="2" charset="-122"/>
+                <a:ea typeface="等线" panose="02010600030101010101" pitchFamily="2" charset="-122"/>
+                <a:cs typeface="Times New Roman" panose="02020603050405020304" pitchFamily="18" charset="0"/>
+              </a:rPr>
+              <a:t>,</a:t>
+            </a:r>
+            <a:r>
+              <a:rPr lang="zh-CN" altLang="zh-CN" sz="1800" kern="100" dirty="0">
+                <a:effectLst/>
+                <a:latin typeface="等线" panose="02010600030101010101" pitchFamily="2" charset="-122"/>
+                <a:ea typeface="等线" panose="02010600030101010101" pitchFamily="2" charset="-122"/>
+                <a:cs typeface="Times New Roman" panose="02020603050405020304" pitchFamily="18" charset="0"/>
+              </a:rPr>
+              <a:t>下写为</a:t>
+            </a:r>
+            <a:r>
+              <a:rPr lang="en-US" altLang="zh-CN" sz="1800" b="1" kern="100" dirty="0">
+                <a:effectLst/>
+                <a:latin typeface="等线" panose="02010600030101010101" pitchFamily="2" charset="-122"/>
+                <a:ea typeface="等线" panose="02010600030101010101" pitchFamily="2" charset="-122"/>
+                <a:cs typeface="Times New Roman" panose="02020603050405020304" pitchFamily="18" charset="0"/>
+              </a:rPr>
+              <a:t>DPC</a:t>
+            </a:r>
+            <a:r>
+              <a:rPr lang="en-US" altLang="zh-CN" sz="1800" kern="100" dirty="0">
+                <a:effectLst/>
+                <a:latin typeface="等线" panose="02010600030101010101" pitchFamily="2" charset="-122"/>
+                <a:ea typeface="等线" panose="02010600030101010101" pitchFamily="2" charset="-122"/>
+                <a:cs typeface="Times New Roman" panose="02020603050405020304" pitchFamily="18" charset="0"/>
+              </a:rPr>
+              <a:t>)</a:t>
+            </a:r>
+            <a:r>
+              <a:rPr lang="zh-CN" altLang="zh-CN" sz="1800" kern="100" dirty="0">
+                <a:effectLst/>
+                <a:latin typeface="等线" panose="02010600030101010101" pitchFamily="2" charset="-122"/>
+                <a:ea typeface="等线" panose="02010600030101010101" pitchFamily="2" charset="-122"/>
+                <a:cs typeface="Times New Roman" panose="02020603050405020304" pitchFamily="18" charset="0"/>
+              </a:rPr>
+              <a:t>指每张牌的平均伤害</a:t>
+            </a:r>
+            <a:r>
+              <a:rPr lang="en-US" altLang="zh-CN" sz="1800" kern="100" dirty="0">
+                <a:effectLst/>
+                <a:latin typeface="等线" panose="02010600030101010101" pitchFamily="2" charset="-122"/>
+                <a:ea typeface="等线" panose="02010600030101010101" pitchFamily="2" charset="-122"/>
+                <a:cs typeface="Times New Roman" panose="02020603050405020304" pitchFamily="18" charset="0"/>
+              </a:rPr>
+              <a:t>(</a:t>
+            </a:r>
+            <a:r>
+              <a:rPr lang="en-US" altLang="zh-CN" sz="1800" i="1" kern="100" dirty="0">
+                <a:effectLst/>
+                <a:latin typeface="等线" panose="02010600030101010101" pitchFamily="2" charset="-122"/>
+                <a:ea typeface="等线" panose="02010600030101010101" pitchFamily="2" charset="-122"/>
+                <a:cs typeface="Times New Roman" panose="02020603050405020304" pitchFamily="18" charset="0"/>
+              </a:rPr>
+              <a:t>+</a:t>
+            </a:r>
+            <a:r>
+              <a:rPr lang="zh-CN" altLang="zh-CN" sz="1800" i="1" kern="100" dirty="0">
+                <a:effectLst/>
+                <a:latin typeface="等线" panose="02010600030101010101" pitchFamily="2" charset="-122"/>
+                <a:ea typeface="等线" panose="02010600030101010101" pitchFamily="2" charset="-122"/>
+                <a:cs typeface="Times New Roman" panose="02020603050405020304" pitchFamily="18" charset="0"/>
+              </a:rPr>
+              <a:t>可阻挡伤害</a:t>
+            </a:r>
+            <a:r>
+              <a:rPr lang="en-US" altLang="zh-CN" sz="1800" kern="100" dirty="0">
+                <a:effectLst/>
+                <a:latin typeface="等线" panose="02010600030101010101" pitchFamily="2" charset="-122"/>
+                <a:ea typeface="等线" panose="02010600030101010101" pitchFamily="2" charset="-122"/>
+                <a:cs typeface="Times New Roman" panose="02020603050405020304" pitchFamily="18" charset="0"/>
+              </a:rPr>
+              <a:t>)</a:t>
+            </a:r>
+            <a:r>
+              <a:rPr lang="zh-CN" altLang="zh-CN" sz="1800" kern="100" dirty="0">
+                <a:effectLst/>
+                <a:latin typeface="等线" panose="02010600030101010101" pitchFamily="2" charset="-122"/>
+                <a:ea typeface="等线" panose="02010600030101010101" pitchFamily="2" charset="-122"/>
+                <a:cs typeface="Times New Roman" panose="02020603050405020304" pitchFamily="18" charset="0"/>
+              </a:rPr>
+              <a:t>。</a:t>
+            </a:r>
+            <a:endParaRPr lang="en-US" altLang="zh-CN" sz="1800" kern="100" dirty="0">
+              <a:effectLst/>
+              <a:latin typeface="等线" panose="02010600030101010101" pitchFamily="2" charset="-122"/>
+              <a:ea typeface="等线" panose="02010600030101010101" pitchFamily="2" charset="-122"/>
+              <a:cs typeface="Times New Roman" panose="02020603050405020304" pitchFamily="18" charset="0"/>
+            </a:endParaRPr>
+          </a:p>
+          <a:p>
+            <a:pPr algn="just"/>
+            <a:endParaRPr lang="zh-CN" altLang="zh-CN" sz="1800" kern="100" dirty="0">
+              <a:effectLst/>
+              <a:latin typeface="等线" panose="02010600030101010101" pitchFamily="2" charset="-122"/>
+              <a:ea typeface="等线" panose="02010600030101010101" pitchFamily="2" charset="-122"/>
+              <a:cs typeface="Times New Roman" panose="02020603050405020304" pitchFamily="18" charset="0"/>
+            </a:endParaRPr>
+          </a:p>
+          <a:p>
+            <a:pPr algn="just"/>
+            <a:r>
+              <a:rPr lang="zh-CN" altLang="zh-CN" sz="1800" b="1" kern="100" dirty="0">
+                <a:effectLst/>
+                <a:latin typeface="等线" panose="02010600030101010101" pitchFamily="2" charset="-122"/>
+                <a:ea typeface="等线" panose="02010600030101010101" pitchFamily="2" charset="-122"/>
+                <a:cs typeface="Times New Roman" panose="02020603050405020304" pitchFamily="18" charset="0"/>
+              </a:rPr>
+              <a:t>最大每秒伤害</a:t>
+            </a:r>
+            <a:r>
+              <a:rPr lang="en-US" altLang="zh-CN" sz="1800" kern="100" dirty="0">
+                <a:effectLst/>
+                <a:latin typeface="等线" panose="02010600030101010101" pitchFamily="2" charset="-122"/>
+                <a:ea typeface="等线" panose="02010600030101010101" pitchFamily="2" charset="-122"/>
+                <a:cs typeface="Times New Roman" panose="02020603050405020304" pitchFamily="18" charset="0"/>
+              </a:rPr>
+              <a:t>(</a:t>
+            </a:r>
+            <a:r>
+              <a:rPr lang="en-US" altLang="zh-CN" sz="1800" i="1" kern="100" dirty="0">
+                <a:effectLst/>
+                <a:latin typeface="等线" panose="02010600030101010101" pitchFamily="2" charset="-122"/>
+                <a:ea typeface="等线" panose="02010600030101010101" pitchFamily="2" charset="-122"/>
+                <a:cs typeface="Times New Roman" panose="02020603050405020304" pitchFamily="18" charset="0"/>
+              </a:rPr>
+              <a:t>Max damage per card</a:t>
+            </a:r>
+            <a:r>
+              <a:rPr lang="en-US" altLang="zh-CN" sz="1800" kern="100" dirty="0">
+                <a:effectLst/>
+                <a:latin typeface="等线" panose="02010600030101010101" pitchFamily="2" charset="-122"/>
+                <a:ea typeface="等线" panose="02010600030101010101" pitchFamily="2" charset="-122"/>
+                <a:cs typeface="Times New Roman" panose="02020603050405020304" pitchFamily="18" charset="0"/>
+              </a:rPr>
+              <a:t>,</a:t>
+            </a:r>
+            <a:r>
+              <a:rPr lang="zh-CN" altLang="zh-CN" sz="1800" kern="100" dirty="0">
+                <a:effectLst/>
+                <a:latin typeface="等线" panose="02010600030101010101" pitchFamily="2" charset="-122"/>
+                <a:ea typeface="等线" panose="02010600030101010101" pitchFamily="2" charset="-122"/>
+                <a:cs typeface="Times New Roman" panose="02020603050405020304" pitchFamily="18" charset="0"/>
+              </a:rPr>
+              <a:t>下写为</a:t>
+            </a:r>
+            <a:r>
+              <a:rPr lang="en-US" altLang="zh-CN" sz="1800" b="1" kern="100" dirty="0">
+                <a:effectLst/>
+                <a:latin typeface="等线" panose="02010600030101010101" pitchFamily="2" charset="-122"/>
+                <a:ea typeface="等线" panose="02010600030101010101" pitchFamily="2" charset="-122"/>
+                <a:cs typeface="Times New Roman" panose="02020603050405020304" pitchFamily="18" charset="0"/>
+              </a:rPr>
+              <a:t>MDPC</a:t>
+            </a:r>
+            <a:r>
+              <a:rPr lang="en-US" altLang="zh-CN" sz="1800" kern="100" dirty="0">
+                <a:effectLst/>
+                <a:latin typeface="等线" panose="02010600030101010101" pitchFamily="2" charset="-122"/>
+                <a:ea typeface="等线" panose="02010600030101010101" pitchFamily="2" charset="-122"/>
+                <a:cs typeface="Times New Roman" panose="02020603050405020304" pitchFamily="18" charset="0"/>
+              </a:rPr>
+              <a:t>)</a:t>
+            </a:r>
+            <a:r>
+              <a:rPr lang="zh-CN" altLang="zh-CN" sz="1800" kern="100" dirty="0">
+                <a:effectLst/>
+                <a:latin typeface="等线" panose="02010600030101010101" pitchFamily="2" charset="-122"/>
+                <a:ea typeface="等线" panose="02010600030101010101" pitchFamily="2" charset="-122"/>
+                <a:cs typeface="Times New Roman" panose="02020603050405020304" pitchFamily="18" charset="0"/>
+              </a:rPr>
+              <a:t>可打出的最大伤害</a:t>
+            </a:r>
+            <a:r>
+              <a:rPr lang="en-US" altLang="zh-CN" sz="1800" kern="100" dirty="0">
+                <a:effectLst/>
+                <a:latin typeface="等线" panose="02010600030101010101" pitchFamily="2" charset="-122"/>
+                <a:ea typeface="等线" panose="02010600030101010101" pitchFamily="2" charset="-122"/>
+                <a:cs typeface="Times New Roman" panose="02020603050405020304" pitchFamily="18" charset="0"/>
+              </a:rPr>
+              <a:t>(</a:t>
+            </a:r>
+            <a:r>
+              <a:rPr lang="en-US" altLang="zh-CN" sz="1800" i="1" kern="100" dirty="0">
+                <a:effectLst/>
+                <a:latin typeface="等线" panose="02010600030101010101" pitchFamily="2" charset="-122"/>
+                <a:ea typeface="等线" panose="02010600030101010101" pitchFamily="2" charset="-122"/>
+                <a:cs typeface="Times New Roman" panose="02020603050405020304" pitchFamily="18" charset="0"/>
+              </a:rPr>
+              <a:t>+</a:t>
+            </a:r>
+            <a:r>
+              <a:rPr lang="zh-CN" altLang="zh-CN" sz="1800" i="1" kern="100" dirty="0">
+                <a:effectLst/>
+                <a:latin typeface="等线" panose="02010600030101010101" pitchFamily="2" charset="-122"/>
+                <a:ea typeface="等线" panose="02010600030101010101" pitchFamily="2" charset="-122"/>
+                <a:cs typeface="Times New Roman" panose="02020603050405020304" pitchFamily="18" charset="0"/>
+              </a:rPr>
+              <a:t>可阻挡伤害</a:t>
+            </a:r>
+            <a:r>
+              <a:rPr lang="en-US" altLang="zh-CN" sz="1800" kern="100" dirty="0">
+                <a:effectLst/>
+                <a:latin typeface="等线" panose="02010600030101010101" pitchFamily="2" charset="-122"/>
+                <a:ea typeface="等线" panose="02010600030101010101" pitchFamily="2" charset="-122"/>
+                <a:cs typeface="Times New Roman" panose="02020603050405020304" pitchFamily="18" charset="0"/>
+              </a:rPr>
+              <a:t>)</a:t>
+            </a:r>
+            <a:r>
+              <a:rPr lang="zh-CN" altLang="zh-CN" sz="1800" kern="100" dirty="0">
+                <a:effectLst/>
+                <a:latin typeface="等线" panose="02010600030101010101" pitchFamily="2" charset="-122"/>
+                <a:ea typeface="等线" panose="02010600030101010101" pitchFamily="2" charset="-122"/>
+                <a:cs typeface="Times New Roman" panose="02020603050405020304" pitchFamily="18" charset="0"/>
+              </a:rPr>
+              <a:t>。</a:t>
+            </a:r>
+            <a:endParaRPr lang="en-US" altLang="zh-CN" sz="1800" kern="100" dirty="0">
+              <a:effectLst/>
+              <a:latin typeface="等线" panose="02010600030101010101" pitchFamily="2" charset="-122"/>
+              <a:ea typeface="等线" panose="02010600030101010101" pitchFamily="2" charset="-122"/>
+              <a:cs typeface="Times New Roman" panose="02020603050405020304" pitchFamily="18" charset="0"/>
+            </a:endParaRPr>
+          </a:p>
+          <a:p>
+            <a:pPr algn="just"/>
+            <a:endParaRPr lang="en-US" altLang="zh-CN" kern="100" dirty="0">
+              <a:latin typeface="等线" panose="02010600030101010101" pitchFamily="2" charset="-122"/>
+              <a:ea typeface="等线" panose="02010600030101010101" pitchFamily="2" charset="-122"/>
+              <a:cs typeface="Times New Roman" panose="02020603050405020304" pitchFamily="18" charset="0"/>
+            </a:endParaRPr>
+          </a:p>
+          <a:p>
+            <a:pPr algn="just"/>
+            <a:r>
+              <a:rPr lang="zh-CN" altLang="en-US" sz="1800" kern="100" dirty="0">
+                <a:effectLst/>
+                <a:latin typeface="等线" panose="02010600030101010101" pitchFamily="2" charset="-122"/>
+                <a:ea typeface="等线" panose="02010600030101010101" pitchFamily="2" charset="-122"/>
+                <a:cs typeface="Times New Roman" panose="02020603050405020304" pitchFamily="18" charset="0"/>
+              </a:rPr>
+              <a:t>每相近的稀有度的装备之间的数值差距不会很大，但他们的实现和展示效果不同，以达到更多可玩性和玩家直接配合的实现。</a:t>
+            </a:r>
+            <a:endParaRPr lang="zh-CN" altLang="zh-CN" sz="1800" kern="100" dirty="0">
+              <a:effectLst/>
+              <a:latin typeface="等线" panose="02010600030101010101" pitchFamily="2" charset="-122"/>
+              <a:ea typeface="等线" panose="02010600030101010101" pitchFamily="2" charset="-122"/>
+              <a:cs typeface="Times New Roman" panose="02020603050405020304" pitchFamily="18" charset="0"/>
+            </a:endParaRPr>
+          </a:p>
+        </p:txBody>
+      </p:sp>
+      <p:pic>
+        <p:nvPicPr>
+          <p:cNvPr id="13" name="图片 7" descr="891681439245_.pic">
+            <a:extLst>
+              <a:ext uri="{FF2B5EF4-FFF2-40B4-BE49-F238E27FC236}">
+                <a16:creationId xmlns:a16="http://schemas.microsoft.com/office/drawing/2014/main" id="{F523E350-3ADA-CC8F-C9C7-DADFDC043952}"/>
+              </a:ext>
+            </a:extLst>
+          </p:cNvPr>
+          <p:cNvPicPr>
+            <a:picLocks noChangeAspect="1"/>
+          </p:cNvPicPr>
+          <p:nvPr/>
+        </p:nvPicPr>
+        <p:blipFill>
+          <a:blip r:embed="rId3"/>
+          <a:srcRect t="19492" r="854" b="5412"/>
+          <a:stretch>
+            <a:fillRect/>
+          </a:stretch>
+        </p:blipFill>
+        <p:spPr>
+          <a:xfrm>
+            <a:off x="282706" y="2671762"/>
+            <a:ext cx="1498600" cy="1514475"/>
+          </a:xfrm>
+          <a:prstGeom prst="rect">
+            <a:avLst/>
+          </a:prstGeom>
+          <a:noFill/>
+          <a:ln w="9525">
+            <a:noFill/>
+          </a:ln>
+        </p:spPr>
+      </p:pic>
+      <p:pic>
+        <p:nvPicPr>
+          <p:cNvPr id="15" name="图片 14" descr="电脑萤幕画面&#10;&#10;中度可信度描述已自动生成">
+            <a:extLst>
+              <a:ext uri="{FF2B5EF4-FFF2-40B4-BE49-F238E27FC236}">
+                <a16:creationId xmlns:a16="http://schemas.microsoft.com/office/drawing/2014/main" id="{62EE2776-C058-37AB-C29E-7AB7B2B08C24}"/>
+              </a:ext>
+            </a:extLst>
+          </p:cNvPr>
+          <p:cNvPicPr>
+            <a:picLocks noChangeAspect="1"/>
+          </p:cNvPicPr>
+          <p:nvPr/>
+        </p:nvPicPr>
+        <p:blipFill>
+          <a:blip r:embed="rId4">
+            <a:extLst>
+              <a:ext uri="{28A0092B-C50C-407E-A947-70E740481C1C}">
+                <a14:useLocalDpi xmlns:a14="http://schemas.microsoft.com/office/drawing/2010/main" val="0"/>
+              </a:ext>
+            </a:extLst>
+          </a:blip>
+          <a:stretch>
+            <a:fillRect/>
+          </a:stretch>
+        </p:blipFill>
+        <p:spPr>
+          <a:xfrm>
+            <a:off x="1516894" y="624205"/>
+            <a:ext cx="4046724" cy="5395632"/>
+          </a:xfrm>
+          <a:prstGeom prst="rect">
+            <a:avLst/>
+          </a:prstGeom>
+        </p:spPr>
+      </p:pic>
+    </p:spTree>
+    <p:custDataLst>
+      <p:tags r:id="rId1"/>
+    </p:custDataLst>
+    <p:extLst>
+      <p:ext uri="{BB962C8B-B14F-4D97-AF65-F5344CB8AC3E}">
+        <p14:creationId xmlns:p14="http://schemas.microsoft.com/office/powerpoint/2010/main" val="3488721014"/>
+      </p:ext>
+    </p:extLst>
   </p:cSld>
   <p:clrMapOvr>
     <a:masterClrMapping/>
   </p:clrMapOvr>
   <mc:AlternateContent xmlns:mc="http://schemas.openxmlformats.org/markup-compatibility/2006">
     <mc:Choice xmlns:p15="http://schemas.microsoft.com/office/powerpoint/2012/main" Requires="p15">
-      <p:transition xmlns:p14="http://schemas.microsoft.com/office/powerpoint/2010/main" spd="slow" Requires="p14" p14:dur="1250">
+      <p:transition xmlns:p14="http://schemas.microsoft.com/office/powerpoint/2010/main" spd="slow" p14:dur="1250">
         <p15:prstTrans prst="pageCurlDouble"/>
       </p:transition>
     </mc:Choice>
@@ -11299,7 +12922,7 @@
           <p:nvPr/>
         </p:nvPicPr>
         <p:blipFill>
-          <a:blip r:embed="rId1"/>
+          <a:blip r:embed="rId2"/>
           <a:stretch>
             <a:fillRect/>
           </a:stretch>
@@ -11345,7 +12968,6 @@
               <a:rPr lang="zh-CN" altLang="en-US" b="1"/>
               <a:t>永续地牢设计书</a:t>
             </a:r>
-            <a:endParaRPr lang="zh-CN" altLang="en-US" b="1"/>
           </a:p>
           <a:p>
             <a:pPr algn="ctr">
@@ -11357,7 +12979,6 @@
               <a:rPr lang="en-US" altLang="zh-CN" b="1"/>
               <a:t>Ouroboros</a:t>
             </a:r>
-            <a:endParaRPr lang="en-US" altLang="zh-CN" b="1"/>
           </a:p>
         </p:txBody>
       </p:sp>
@@ -11366,13 +12987,13 @@
   <p:clrMapOvr>
     <a:masterClrMapping/>
   </p:clrMapOvr>
-  <mc:AlternateContent xmlns:mc="http://schemas.openxmlformats.org/markup-compatibility/2006">
-    <mc:Choice xmlns:p15="http://schemas.microsoft.com/office/powerpoint/2012/main" Requires="p15">
-      <p:transition xmlns:p14="http://schemas.microsoft.com/office/powerpoint/2010/main" spd="slow" Requires="p14" p14:dur="1250">
+  <mc:AlternateContent xmlns:mc="http://schemas.openxmlformats.org/markup-compatibility/2006" xmlns:p15="http://schemas.microsoft.com/office/powerpoint/2012/main">
+    <mc:Choice Requires="p15">
+      <p:transition xmlns:p14="http://schemas.microsoft.com/office/powerpoint/2010/main" spd="slow" p14:dur="1250">
         <p15:prstTrans prst="pageCurlDouble"/>
       </p:transition>
     </mc:Choice>
-    <mc:Fallback>
+    <mc:Fallback xmlns="">
       <p:transition spd="slow">
         <p:fade/>
       </p:transition>
@@ -11831,17 +13452,6 @@
               </a:rPr>
               <a:t>Unity 2021 稳定支持版本 (LTS) </a:t>
             </a:r>
-            <a:endParaRPr lang="en-US" sz="1400" dirty="0">
-              <a:solidFill>
-                <a:schemeClr val="tx1">
-                  <a:lumMod val="50000"/>
-                  <a:lumOff val="50000"/>
-                </a:schemeClr>
-              </a:solidFill>
-              <a:latin typeface="Open Sans" panose="020B0606030504020204" pitchFamily="34" charset="0"/>
-              <a:ea typeface="Open Sans" panose="020B0606030504020204" pitchFamily="34" charset="0"/>
-              <a:cs typeface="Open Sans" panose="020B0606030504020204" pitchFamily="34" charset="0"/>
-            </a:endParaRPr>
           </a:p>
         </p:txBody>
       </p:sp>
@@ -11888,15 +13498,6 @@
               </a:rPr>
               <a:t>编程平台</a:t>
             </a:r>
-            <a:endParaRPr lang="zh-CN" altLang="en-US" sz="3200" dirty="0">
-              <a:solidFill>
-                <a:schemeClr val="tx1">
-                  <a:lumMod val="65000"/>
-                  <a:lumOff val="35000"/>
-                </a:schemeClr>
-              </a:solidFill>
-              <a:latin typeface="GeosansLight" panose="02000603020000020003" pitchFamily="2" charset="0"/>
-            </a:endParaRPr>
           </a:p>
         </p:txBody>
       </p:sp>
@@ -11909,7 +13510,7 @@
           <p:nvPr/>
         </p:nvPicPr>
         <p:blipFill>
-          <a:blip r:embed="rId1"/>
+          <a:blip r:embed="rId3"/>
           <a:srcRect l="11398" r="15131" b="5747"/>
           <a:stretch>
             <a:fillRect/>
@@ -11960,7 +13561,6 @@
               <a:rPr lang="zh-CN" altLang="en-US"/>
               <a:t>在Unity中创建新项目，并确保选择2D项目类型。</a:t>
             </a:r>
-            <a:endParaRPr lang="zh-CN" altLang="en-US"/>
           </a:p>
           <a:p>
             <a:pPr>
@@ -11984,7 +13584,6 @@
               <a:rPr lang="zh-CN" altLang="en-US"/>
               <a:t>在Unity Asset Store中搜索并下载适合您需求的2D卡牌游戏资源包，例如卡牌、背景、字体等。</a:t>
             </a:r>
-            <a:endParaRPr lang="zh-CN" altLang="en-US"/>
           </a:p>
           <a:p>
             <a:pPr>
@@ -12008,25 +13607,24 @@
               <a:rPr lang="zh-CN" altLang="en-US"/>
               <a:t>创建用户界面，例如显示卡牌手牌和场上卡牌等。可以使用Unity的UI工具来创建用户界面。</a:t>
             </a:r>
-            <a:endParaRPr lang="zh-CN" altLang="en-US"/>
           </a:p>
         </p:txBody>
       </p:sp>
     </p:spTree>
     <p:custDataLst>
-      <p:tags r:id="rId2"/>
+      <p:tags r:id="rId1"/>
     </p:custDataLst>
   </p:cSld>
   <p:clrMapOvr>
     <a:masterClrMapping/>
   </p:clrMapOvr>
-  <mc:AlternateContent xmlns:mc="http://schemas.openxmlformats.org/markup-compatibility/2006">
-    <mc:Choice xmlns:p15="http://schemas.microsoft.com/office/powerpoint/2012/main" Requires="p15">
-      <p:transition xmlns:p14="http://schemas.microsoft.com/office/powerpoint/2010/main" spd="slow" Requires="p14" p14:dur="1250">
+  <mc:AlternateContent xmlns:mc="http://schemas.openxmlformats.org/markup-compatibility/2006" xmlns:p15="http://schemas.microsoft.com/office/powerpoint/2012/main">
+    <mc:Choice Requires="p15">
+      <p:transition xmlns:p14="http://schemas.microsoft.com/office/powerpoint/2010/main" spd="slow" p14:dur="1250">
         <p15:prstTrans prst="pageCurlDouble"/>
       </p:transition>
     </mc:Choice>
-    <mc:Fallback>
+    <mc:Fallback xmlns="">
       <p:transition spd="slow">
         <p:fade/>
       </p:transition>
@@ -12419,7 +14017,6 @@
               <a:rPr lang="zh-CN" altLang="en-US"/>
               <a:t>创建卡牌游戏所需的2D精灵，例如卡牌背面和正面。将这些精灵导入到Unity项目中。</a:t>
             </a:r>
-            <a:endParaRPr lang="zh-CN" altLang="en-US"/>
           </a:p>
           <a:p>
             <a:pPr>
@@ -12443,7 +14040,6 @@
               <a:rPr lang="zh-CN" altLang="en-US"/>
               <a:t>创建游戏场景，并将卡牌精灵放置在合适的位置。可以使用Unity的2D布局工具来快速设计场景。</a:t>
             </a:r>
-            <a:endParaRPr lang="zh-CN" altLang="en-US"/>
           </a:p>
           <a:p>
             <a:pPr>
@@ -12467,7 +14063,6 @@
               <a:rPr lang="zh-CN" altLang="en-US"/>
               <a:t>创建游戏逻辑，例如抽牌、打牌和计分等。可以使用Unity的C#脚本来实现这些逻辑。</a:t>
             </a:r>
-            <a:endParaRPr lang="zh-CN" altLang="en-US"/>
           </a:p>
         </p:txBody>
       </p:sp>
@@ -12477,7 +14072,7 @@
           <p:cNvSpPr txBox="1"/>
           <p:nvPr>
             <p:custDataLst>
-              <p:tags r:id="rId1"/>
+              <p:tags r:id="rId2"/>
             </p:custDataLst>
           </p:nvPr>
         </p:nvSpPr>
@@ -12495,6 +14090,7 @@
           <a:bodyPr wrap="square" rtlCol="0">
             <a:noAutofit/>
           </a:bodyPr>
+          <a:lstStyle/>
           <a:p>
             <a:pPr algn="just">
               <a:lnSpc>
@@ -12505,7 +14101,6 @@
               <a:rPr lang="zh-CN" altLang="en-US"/>
               <a:t>UI界面模块：用于实现游戏界面，包括主界面、卡牌选择界面、战斗界面等等。</a:t>
             </a:r>
-            <a:endParaRPr lang="zh-CN" altLang="en-US"/>
           </a:p>
           <a:p>
             <a:pPr algn="just">
@@ -12525,7 +14120,6 @@
               <a:rPr lang="zh-CN" altLang="en-US"/>
               <a:t>卡牌数据模块：用于存储和管理卡牌的属性和数据，包括卡牌的名称、描述、稀有度、攻击力、血量等</a:t>
             </a:r>
-            <a:endParaRPr lang="zh-CN" altLang="en-US"/>
           </a:p>
           <a:p>
             <a:pPr algn="just">
@@ -12537,7 +14131,6 @@
               <a:rPr lang="zh-CN" altLang="en-US"/>
               <a:t>卡牌操作模块：用于实现玩家与卡牌之间的互动，包括卡牌的抽取、出牌、弃牌、回收等等。</a:t>
             </a:r>
-            <a:endParaRPr lang="zh-CN" altLang="en-US"/>
           </a:p>
           <a:p>
             <a:pPr algn="just">
@@ -12557,7 +14150,6 @@
               <a:rPr lang="zh-CN" altLang="en-US"/>
               <a:t>游戏逻辑模块：用于实现游戏的规则和逻辑，包括回合制、回合流程、胜负判定等等。</a:t>
             </a:r>
-            <a:endParaRPr lang="zh-CN" altLang="en-US"/>
           </a:p>
           <a:p>
             <a:pPr algn="just">
@@ -12577,25 +14169,24 @@
               <a:rPr lang="zh-CN" altLang="en-US"/>
               <a:t>数据统计模块：用于记录和统计游戏数据，包括玩家的胜率、游戏时长、卡牌使用情况等等。</a:t>
             </a:r>
-            <a:endParaRPr lang="zh-CN" altLang="en-US"/>
           </a:p>
         </p:txBody>
       </p:sp>
     </p:spTree>
     <p:custDataLst>
-      <p:tags r:id="rId2"/>
+      <p:tags r:id="rId1"/>
     </p:custDataLst>
   </p:cSld>
   <p:clrMapOvr>
     <a:masterClrMapping/>
   </p:clrMapOvr>
-  <mc:AlternateContent xmlns:mc="http://schemas.openxmlformats.org/markup-compatibility/2006">
-    <mc:Choice xmlns:p15="http://schemas.microsoft.com/office/powerpoint/2012/main" Requires="p15">
-      <p:transition xmlns:p14="http://schemas.microsoft.com/office/powerpoint/2010/main" spd="slow" Requires="p14" p14:dur="1250">
+  <mc:AlternateContent xmlns:mc="http://schemas.openxmlformats.org/markup-compatibility/2006" xmlns:p15="http://schemas.microsoft.com/office/powerpoint/2012/main">
+    <mc:Choice Requires="p15">
+      <p:transition xmlns:p14="http://schemas.microsoft.com/office/powerpoint/2010/main" spd="slow" p14:dur="1250">
         <p15:prstTrans prst="pageCurlDouble"/>
       </p:transition>
     </mc:Choice>
-    <mc:Fallback>
+    <mc:Fallback xmlns="">
       <p:transition spd="slow">
         <p:fade/>
       </p:transition>
@@ -12984,7 +14575,6 @@
               <a:rPr lang="zh-CN" altLang="en-US"/>
               <a:t>使用C#中的ADO.NET（ActiveX Data Objects .NET）技术实现。</a:t>
             </a:r>
-            <a:endParaRPr lang="zh-CN" altLang="en-US"/>
           </a:p>
           <a:p>
             <a:pPr algn="just">
@@ -13004,7 +14594,6 @@
               <a:rPr lang="zh-CN" altLang="en-US"/>
               <a:t>首先，导入ADO.NET命名空间：在你的C#代码文件中，在顶部使用“using System.Data;”导入ADO.NET命名空间。</a:t>
             </a:r>
-            <a:endParaRPr lang="zh-CN" altLang="en-US"/>
           </a:p>
           <a:p>
             <a:pPr algn="just">
@@ -13024,7 +14613,6 @@
               <a:rPr lang="zh-CN" altLang="en-US"/>
               <a:t>然后，创建数据库连接：使用SqlConnection类创建一个数据库连接对象。你需要提供数据库服务器的名称或IP地址、数据库名称以及登录凭据等必要的信息。例如：</a:t>
             </a:r>
-            <a:endParaRPr lang="zh-CN" altLang="en-US"/>
           </a:p>
           <a:p>
             <a:pPr algn="l">
@@ -13036,7 +14624,6 @@
               <a:rPr lang="zh-CN" altLang="en-US" sz="1200"/>
               <a:t>string connectionString = "Server=myServerAddress;Database=myDataBase;User Id=myUsername;Password=myPassword;";</a:t>
             </a:r>
-            <a:endParaRPr lang="zh-CN" altLang="en-US" sz="1200"/>
           </a:p>
           <a:p>
             <a:pPr algn="l">
@@ -13048,7 +14635,6 @@
               <a:rPr lang="zh-CN" altLang="en-US" sz="1200"/>
               <a:t>SqlConnection connection = new SqlConnection(connectionString);</a:t>
             </a:r>
-            <a:endParaRPr lang="zh-CN" altLang="en-US" sz="1200"/>
           </a:p>
         </p:txBody>
       </p:sp>
@@ -13072,6 +14658,7 @@
           <a:bodyPr vert="eaVert" wrap="square" rtlCol="0">
             <a:noAutofit/>
           </a:bodyPr>
+          <a:lstStyle/>
           <a:p>
             <a:r>
               <a:rPr lang="zh-CN" altLang="en-US" sz="4400" b="1">
@@ -13099,13 +14686,13 @@
   <p:clrMapOvr>
     <a:masterClrMapping/>
   </p:clrMapOvr>
-  <mc:AlternateContent xmlns:mc="http://schemas.openxmlformats.org/markup-compatibility/2006">
-    <mc:Choice xmlns:p15="http://schemas.microsoft.com/office/powerpoint/2012/main" Requires="p15">
-      <p:transition xmlns:p14="http://schemas.microsoft.com/office/powerpoint/2010/main" spd="slow" Requires="p14" p14:dur="1250">
+  <mc:AlternateContent xmlns:mc="http://schemas.openxmlformats.org/markup-compatibility/2006" xmlns:p15="http://schemas.microsoft.com/office/powerpoint/2012/main">
+    <mc:Choice Requires="p15">
+      <p:transition xmlns:p14="http://schemas.microsoft.com/office/powerpoint/2010/main" spd="slow" p14:dur="1250">
         <p15:prstTrans prst="pageCurlDouble"/>
       </p:transition>
     </mc:Choice>
-    <mc:Fallback>
+    <mc:Fallback xmlns="">
       <p:transition spd="slow">
         <p:fade/>
       </p:transition>
@@ -13502,7 +15089,6 @@
               <a:rPr lang="zh-CN" altLang="en-US" sz="1200"/>
               <a:t>打开数据库连接：使用SqlConnection对象的Open()方法打开数据库连接</a:t>
             </a:r>
-            <a:endParaRPr lang="zh-CN" altLang="en-US" sz="1200"/>
           </a:p>
           <a:p>
             <a:pPr algn="just">
@@ -13522,7 +15108,6 @@
               <a:rPr lang="zh-CN" altLang="en-US" sz="1200"/>
               <a:t>string sql = "SELECT * FROM users";</a:t>
             </a:r>
-            <a:endParaRPr lang="zh-CN" altLang="en-US" sz="1200"/>
           </a:p>
           <a:p>
             <a:pPr algn="just">
@@ -13534,7 +15119,6 @@
               <a:rPr lang="zh-CN" altLang="en-US" sz="1200"/>
               <a:t>SqlCommand command = new SqlCommand(sql, connection);</a:t>
             </a:r>
-            <a:endParaRPr lang="zh-CN" altLang="en-US" sz="1200"/>
           </a:p>
           <a:p>
             <a:pPr algn="just">
@@ -13546,7 +15130,6 @@
               <a:rPr lang="zh-CN" altLang="en-US" sz="1200"/>
               <a:t>SqlDataReader reader = command.ExecuteReader();</a:t>
             </a:r>
-            <a:endParaRPr lang="zh-CN" altLang="en-US" sz="1200"/>
           </a:p>
           <a:p>
             <a:pPr algn="just">
@@ -13558,7 +15141,6 @@
               <a:rPr lang="en-US" altLang="zh-CN" sz="1200"/>
               <a:t>//执行SQL查询：使用SqlCommand对象创建SQL查询语句并执行它。例如，以下代码将从名为“users”的表中选择所有数据行</a:t>
             </a:r>
-            <a:endParaRPr lang="en-US" altLang="zh-CN" sz="1200"/>
           </a:p>
           <a:p>
             <a:pPr algn="just">
@@ -13578,7 +15160,6 @@
               <a:rPr lang="zh-CN" altLang="en-US" sz="1200"/>
               <a:t>while (reader.Read())</a:t>
             </a:r>
-            <a:endParaRPr lang="zh-CN" altLang="en-US" sz="1200"/>
           </a:p>
           <a:p>
             <a:pPr algn="just">
@@ -13590,7 +15171,6 @@
               <a:rPr lang="zh-CN" altLang="en-US" sz="1200"/>
               <a:t>{</a:t>
             </a:r>
-            <a:endParaRPr lang="zh-CN" altLang="en-US" sz="1200"/>
           </a:p>
           <a:p>
             <a:pPr algn="just">
@@ -13602,7 +15182,6 @@
               <a:rPr lang="zh-CN" altLang="en-US" sz="1200"/>
               <a:t>    string name = reader["name"].ToString();</a:t>
             </a:r>
-            <a:endParaRPr lang="zh-CN" altLang="en-US" sz="1200"/>
           </a:p>
           <a:p>
             <a:pPr algn="just">
@@ -13614,7 +15193,6 @@
               <a:rPr lang="zh-CN" altLang="en-US" sz="1200"/>
               <a:t>    Debug.Log(name);</a:t>
             </a:r>
-            <a:endParaRPr lang="zh-CN" altLang="en-US" sz="1200"/>
           </a:p>
           <a:p>
             <a:pPr algn="just">
@@ -13626,7 +15204,6 @@
               <a:rPr lang="zh-CN" altLang="en-US" sz="1200"/>
               <a:t>}</a:t>
             </a:r>
-            <a:endParaRPr lang="zh-CN" altLang="en-US" sz="1200"/>
           </a:p>
           <a:p>
             <a:pPr algn="just">
@@ -13638,7 +15215,6 @@
               <a:rPr lang="en-US" altLang="zh-CN" sz="1200"/>
               <a:t>//处理查询结果：使用SqlDataReader对象来处理查询结果。例如，以下代码将循环遍历查询结果并输出每个用户的姓名</a:t>
             </a:r>
-            <a:endParaRPr lang="en-US" altLang="zh-CN" sz="1200"/>
           </a:p>
           <a:p>
             <a:pPr algn="just">
@@ -13658,7 +15234,6 @@
               <a:rPr lang="zh-CN" altLang="en-US" sz="1200"/>
               <a:t>connection.Close();</a:t>
             </a:r>
-            <a:endParaRPr lang="zh-CN" altLang="en-US" sz="1200"/>
           </a:p>
         </p:txBody>
       </p:sp>
@@ -13682,6 +15257,7 @@
           <a:bodyPr vert="eaVert" wrap="square" rtlCol="0">
             <a:noAutofit/>
           </a:bodyPr>
+          <a:lstStyle/>
           <a:p>
             <a:r>
               <a:rPr lang="zh-CN" altLang="en-US" sz="4400" b="1">
@@ -13709,13 +15285,13 @@
   <p:clrMapOvr>
     <a:masterClrMapping/>
   </p:clrMapOvr>
-  <mc:AlternateContent xmlns:mc="http://schemas.openxmlformats.org/markup-compatibility/2006">
-    <mc:Choice xmlns:p15="http://schemas.microsoft.com/office/powerpoint/2012/main" Requires="p15">
-      <p:transition xmlns:p14="http://schemas.microsoft.com/office/powerpoint/2010/main" spd="slow" Requires="p14" p14:dur="1250">
+  <mc:AlternateContent xmlns:mc="http://schemas.openxmlformats.org/markup-compatibility/2006" xmlns:p15="http://schemas.microsoft.com/office/powerpoint/2012/main">
+    <mc:Choice Requires="p15">
+      <p:transition xmlns:p14="http://schemas.microsoft.com/office/powerpoint/2010/main" spd="slow" p14:dur="1250">
         <p15:prstTrans prst="pageCurlDouble"/>
       </p:transition>
     </mc:Choice>
-    <mc:Fallback>
+    <mc:Fallback xmlns="">
       <p:transition spd="slow">
         <p:fade/>
       </p:transition>
@@ -14101,14 +15677,13 @@
               </a:lnSpc>
             </a:pPr>
             <a:r>
-              <a:rPr lang="en-US" altLang="zh-CN" sz="5400" b="1"/>
+              <a:rPr lang="en-US" altLang="zh-CN" sz="5400" b="1" dirty="0"/>
               <a:t>UI</a:t>
             </a:r>
             <a:r>
-              <a:rPr lang="zh-CN" altLang="en-US" sz="5400" b="1"/>
+              <a:rPr lang="zh-CN" altLang="en-US" sz="5400" b="1" dirty="0"/>
               <a:t>设计</a:t>
             </a:r>
-            <a:endParaRPr lang="zh-CN" altLang="en-US" sz="5400" b="1"/>
           </a:p>
         </p:txBody>
       </p:sp>
@@ -14132,6 +15707,7 @@
           <a:bodyPr vert="eaVert" wrap="square" rtlCol="0">
             <a:noAutofit/>
           </a:bodyPr>
+          <a:lstStyle/>
           <a:p>
             <a:endParaRPr lang="zh-CN" altLang="en-US" sz="4400" b="1">
               <a:latin typeface="Calibri" panose="020F0502020204030204" pitchFamily="34" charset="0"/>
@@ -14148,7 +15724,7 @@
           <p:nvPr/>
         </p:nvPicPr>
         <p:blipFill>
-          <a:blip r:embed="rId1"/>
+          <a:blip r:embed="rId4"/>
           <a:stretch>
             <a:fillRect/>
           </a:stretch>
@@ -14165,19 +15741,19 @@
       </p:pic>
     </p:spTree>
     <p:custDataLst>
-      <p:tags r:id="rId2"/>
+      <p:tags r:id="rId1"/>
     </p:custDataLst>
   </p:cSld>
   <p:clrMapOvr>
     <a:masterClrMapping/>
   </p:clrMapOvr>
-  <mc:AlternateContent xmlns:mc="http://schemas.openxmlformats.org/markup-compatibility/2006">
-    <mc:Choice xmlns:p15="http://schemas.microsoft.com/office/powerpoint/2012/main" Requires="p15">
-      <p:transition xmlns:p14="http://schemas.microsoft.com/office/powerpoint/2010/main" spd="slow" Requires="p14" p14:dur="1250">
+  <mc:AlternateContent xmlns:mc="http://schemas.openxmlformats.org/markup-compatibility/2006" xmlns:p15="http://schemas.microsoft.com/office/powerpoint/2012/main">
+    <mc:Choice Requires="p15">
+      <p:transition xmlns:p14="http://schemas.microsoft.com/office/powerpoint/2010/main" spd="slow" p14:dur="1250">
         <p15:prstTrans prst="pageCurlDouble"/>
       </p:transition>
     </mc:Choice>
-    <mc:Fallback>
+    <mc:Fallback xmlns="">
       <p:transition spd="slow">
         <p:fade/>
       </p:transition>
@@ -14537,53 +16113,6 @@
       </p:sp>
       <p:sp>
         <p:nvSpPr>
-          <p:cNvPr id="7" name="矩形 6"/>
-          <p:cNvSpPr/>
-          <p:nvPr/>
-        </p:nvSpPr>
-        <p:spPr>
-          <a:xfrm>
-            <a:off x="8049895" y="755650"/>
-            <a:ext cx="1160145" cy="352425"/>
-          </a:xfrm>
-          <a:prstGeom prst="rect">
-            <a:avLst/>
-          </a:prstGeom>
-        </p:spPr>
-        <p:txBody>
-          <a:bodyPr wrap="square">
-            <a:spAutoFit/>
-          </a:bodyPr>
-          <a:lstStyle/>
-          <a:p>
-            <a:r>
-              <a:rPr lang="zh-CN" altLang="en-US" sz="1700" dirty="0">
-                <a:solidFill>
-                  <a:schemeClr val="tx1">
-                    <a:lumMod val="75000"/>
-                    <a:lumOff val="25000"/>
-                  </a:schemeClr>
-                </a:solidFill>
-                <a:cs typeface="+mn-ea"/>
-                <a:sym typeface="+mn-lt"/>
-              </a:rPr>
-              <a:t>武器设定</a:t>
-            </a:r>
-            <a:endParaRPr lang="en-US" altLang="zh-CN" sz="1700" dirty="0">
-              <a:solidFill>
-                <a:schemeClr val="tx1">
-                  <a:lumMod val="75000"/>
-                  <a:lumOff val="25000"/>
-                </a:schemeClr>
-              </a:solidFill>
-              <a:cs typeface="+mn-ea"/>
-              <a:sym typeface="+mn-lt"/>
-            </a:endParaRPr>
-          </a:p>
-        </p:txBody>
-      </p:sp>
-      <p:sp>
-        <p:nvSpPr>
           <p:cNvPr id="11" name="菱形 10"/>
           <p:cNvSpPr/>
           <p:nvPr/>
@@ -14640,15 +16169,15 @@
           <p:nvPr/>
         </p:nvPicPr>
         <p:blipFill>
-          <a:blip r:embed="rId1"/>
+          <a:blip r:embed="rId3"/>
           <a:stretch>
             <a:fillRect/>
           </a:stretch>
         </p:blipFill>
         <p:spPr>
           <a:xfrm>
-            <a:off x="3385185" y="1109980"/>
-            <a:ext cx="1555750" cy="1477010"/>
+            <a:off x="3024383" y="2448916"/>
+            <a:ext cx="2130983" cy="2023129"/>
           </a:xfrm>
           <a:prstGeom prst="rect">
             <a:avLst/>
@@ -14668,15 +16197,15 @@
           <p:nvPr/>
         </p:nvPicPr>
         <p:blipFill>
-          <a:blip r:embed="rId2"/>
+          <a:blip r:embed="rId4"/>
           <a:stretch>
             <a:fillRect/>
           </a:stretch>
         </p:blipFill>
         <p:spPr>
           <a:xfrm>
-            <a:off x="1069023" y="1108075"/>
-            <a:ext cx="1604645" cy="1480820"/>
+            <a:off x="518991" y="2448916"/>
+            <a:ext cx="2192301" cy="2023129"/>
           </a:xfrm>
           <a:prstGeom prst="rect">
             <a:avLst/>
@@ -14696,15 +16225,15 @@
           <p:nvPr/>
         </p:nvPicPr>
         <p:blipFill>
-          <a:blip r:embed="rId3"/>
+          <a:blip r:embed="rId5"/>
           <a:stretch>
             <a:fillRect/>
           </a:stretch>
         </p:blipFill>
         <p:spPr>
           <a:xfrm rot="-10800000" flipV="1">
-            <a:off x="1062673" y="3573463"/>
-            <a:ext cx="1610995" cy="1520825"/>
+            <a:off x="9480708" y="2445105"/>
+            <a:ext cx="2147117" cy="2026939"/>
           </a:xfrm>
           <a:prstGeom prst="rect">
             <a:avLst/>
@@ -14724,7 +16253,7 @@
           <p:nvPr/>
         </p:nvPicPr>
         <p:blipFill>
-          <a:blip r:embed="rId4"/>
+          <a:blip r:embed="rId6"/>
           <a:srcRect t="19492" r="854" b="5412"/>
           <a:stretch>
             <a:fillRect/>
@@ -14732,8 +16261,8 @@
         </p:blipFill>
         <p:spPr>
           <a:xfrm>
-            <a:off x="3428365" y="3579813"/>
-            <a:ext cx="1498600" cy="1514475"/>
+            <a:off x="7169466" y="2441295"/>
+            <a:ext cx="1998151" cy="2019318"/>
           </a:xfrm>
           <a:prstGeom prst="rect">
             <a:avLst/>
@@ -14744,64 +16273,22 @@
           </a:ln>
         </p:spPr>
       </p:pic>
-      <p:sp>
-        <p:nvSpPr>
-          <p:cNvPr id="5" name="文本框 4"/>
-          <p:cNvSpPr txBox="1"/>
-          <p:nvPr/>
-        </p:nvSpPr>
-        <p:spPr>
-          <a:xfrm>
-            <a:off x="7305675" y="1499235"/>
-            <a:ext cx="4460240" cy="1857375"/>
-          </a:xfrm>
-          <a:prstGeom prst="rect">
-            <a:avLst/>
-          </a:prstGeom>
-          <a:noFill/>
-        </p:spPr>
-        <p:txBody>
-          <a:bodyPr wrap="square" rtlCol="0">
-            <a:noAutofit/>
-          </a:bodyPr>
-          <a:lstStyle/>
-          <a:p>
-            <a:pPr>
-              <a:lnSpc>
-                <a:spcPct val="150000"/>
-              </a:lnSpc>
-            </a:pPr>
-            <a:r>
-              <a:rPr lang="zh-CN" altLang="en-US" dirty="0"/>
-              <a:t>游戏卡牌分为武器卡牌和行动手牌，武器分为地风水火四种属性，每个武器最多可持有一种主属性和一种副属性。</a:t>
-            </a:r>
-            <a:endParaRPr lang="en-US" altLang="zh-CN" dirty="0"/>
-          </a:p>
-          <a:p>
-            <a:pPr>
-              <a:lnSpc>
-                <a:spcPct val="150000"/>
-              </a:lnSpc>
-            </a:pPr>
-            <a:r>
-              <a:rPr lang="zh-CN" altLang="en-US" dirty="0"/>
-              <a:t>行动手牌让特定的装备有不同的效果。</a:t>
-            </a:r>
-            <a:endParaRPr lang="zh-CN" altLang="en-US" dirty="0"/>
-          </a:p>
-        </p:txBody>
-      </p:sp>
     </p:spTree>
     <p:custDataLst>
-      <p:tags r:id="rId5"/>
+      <p:tags r:id="rId1"/>
     </p:custDataLst>
+    <p:extLst>
+      <p:ext uri="{BB962C8B-B14F-4D97-AF65-F5344CB8AC3E}">
+        <p14:creationId xmlns:p14="http://schemas.microsoft.com/office/powerpoint/2010/main" val="3469440637"/>
+      </p:ext>
+    </p:extLst>
   </p:cSld>
   <p:clrMapOvr>
     <a:masterClrMapping/>
   </p:clrMapOvr>
   <mc:AlternateContent xmlns:mc="http://schemas.openxmlformats.org/markup-compatibility/2006">
     <mc:Choice xmlns:p15="http://schemas.microsoft.com/office/powerpoint/2012/main" Requires="p15">
-      <p:transition xmlns:p14="http://schemas.microsoft.com/office/powerpoint/2010/main" spd="slow" Requires="p14" p14:dur="1250">
+      <p:transition xmlns:p14="http://schemas.microsoft.com/office/powerpoint/2010/main" spd="slow" p14:dur="1250">
         <p15:prstTrans prst="pageCurlDouble"/>
       </p:transition>
     </mc:Choice>
@@ -15014,17 +16501,6 @@
               </a:rPr>
               <a:t>。</a:t>
             </a:r>
-            <a:endParaRPr lang="en-US" sz="2000" dirty="0">
-              <a:solidFill>
-                <a:schemeClr val="tx1">
-                  <a:lumMod val="50000"/>
-                  <a:lumOff val="50000"/>
-                </a:schemeClr>
-              </a:solidFill>
-              <a:latin typeface="Open Sans" panose="020B0606030504020204" pitchFamily="34" charset="0"/>
-              <a:ea typeface="Open Sans" panose="020B0606030504020204" pitchFamily="34" charset="0"/>
-              <a:cs typeface="Open Sans" panose="020B0606030504020204" pitchFamily="34" charset="0"/>
-            </a:endParaRPr>
           </a:p>
           <a:p>
             <a:pPr eaLnBrk="1" fontAlgn="auto" hangingPunct="1">
@@ -15389,12 +16865,6 @@
               </a:rPr>
               <a:t>城镇（主页面）场景设计</a:t>
             </a:r>
-            <a:endParaRPr lang="zh-CN" altLang="en-US" sz="4000" dirty="0">
-              <a:solidFill>
-                <a:schemeClr val="bg1"/>
-              </a:solidFill>
-              <a:latin typeface="Open Sans" panose="020B0606030504020204" pitchFamily="34" charset="0"/>
-            </a:endParaRPr>
           </a:p>
         </p:txBody>
       </p:sp>
@@ -15484,7 +16954,7 @@
           <p:nvPr/>
         </p:nvPicPr>
         <p:blipFill>
-          <a:blip r:embed="rId1">
+          <a:blip r:embed="rId3">
             <a:extLst>
               <a:ext uri="{28A0092B-C50C-407E-A947-70E740481C1C}">
                 <a14:useLocalDpi xmlns:a14="http://schemas.microsoft.com/office/drawing/2010/main" val="0"/>
@@ -15531,19 +17001,19 @@
       </p:pic>
     </p:spTree>
     <p:custDataLst>
-      <p:tags r:id="rId2"/>
+      <p:tags r:id="rId1"/>
     </p:custDataLst>
   </p:cSld>
   <p:clrMapOvr>
     <a:masterClrMapping/>
   </p:clrMapOvr>
-  <mc:AlternateContent xmlns:mc="http://schemas.openxmlformats.org/markup-compatibility/2006">
-    <mc:Choice xmlns:p15="http://schemas.microsoft.com/office/powerpoint/2012/main" Requires="p15">
-      <p:transition xmlns:p14="http://schemas.microsoft.com/office/powerpoint/2010/main" spd="slow" Requires="p14" p14:dur="1250">
+  <mc:AlternateContent xmlns:mc="http://schemas.openxmlformats.org/markup-compatibility/2006" xmlns:p15="http://schemas.microsoft.com/office/powerpoint/2012/main">
+    <mc:Choice Requires="p15">
+      <p:transition xmlns:p14="http://schemas.microsoft.com/office/powerpoint/2010/main" spd="slow" p14:dur="1250">
         <p15:prstTrans prst="pageCurlDouble"/>
       </p:transition>
     </mc:Choice>
-    <mc:Fallback>
+    <mc:Fallback xmlns="">
       <p:transition spd="slow">
         <p:fade/>
       </p:transition>
@@ -15553,106 +17023,120 @@
 </file>
 
 <file path=ppt/tags/tag1.xml><?xml version="1.0" encoding="utf-8"?>
-<p:tagLst xmlns:p="http://schemas.openxmlformats.org/presentationml/2006/main">
-  <p:tag name="ISLIDE.PICTURE" val="#674369;#726056;#659108;"/>
+<p:tagLst xmlns:a="http://schemas.openxmlformats.org/drawingml/2006/main" xmlns:r="http://schemas.openxmlformats.org/officeDocument/2006/relationships" xmlns:p="http://schemas.openxmlformats.org/presentationml/2006/main">
+  <p:tag name="KSO_WPP_MARK_KEY" val="0dbbe4e8-f874-4b04-8d5d-f5dd34260e2b"/>
+  <p:tag name="COMMONDATA" val="eyJoZGlkIjoiMmRjYjAxNWVhMTU3MWM2ZWMzODc5MWM5OGVlYzBkODkifQ=="/>
 </p:tagLst>
 </file>
 
 <file path=ppt/tags/tag10.xml><?xml version="1.0" encoding="utf-8"?>
-<p:tagLst xmlns:p="http://schemas.openxmlformats.org/presentationml/2006/main">
+<p:tagLst xmlns:a="http://schemas.openxmlformats.org/drawingml/2006/main" xmlns:r="http://schemas.openxmlformats.org/officeDocument/2006/relationships" xmlns:p="http://schemas.openxmlformats.org/presentationml/2006/main">
   <p:tag name="ISLIDE.ICON" val="#172836;#172863;#172886;#172790;#172814;"/>
   <p:tag name="ISLIDE.PICTURE" val="#716981;#226011;#658884;#745761;"/>
 </p:tagLst>
 </file>
 
 <file path=ppt/tags/tag11.xml><?xml version="1.0" encoding="utf-8"?>
-<p:tagLst xmlns:p="http://schemas.openxmlformats.org/presentationml/2006/main">
+<p:tagLst xmlns:a="http://schemas.openxmlformats.org/drawingml/2006/main" xmlns:r="http://schemas.openxmlformats.org/officeDocument/2006/relationships" xmlns:p="http://schemas.openxmlformats.org/presentationml/2006/main">
   <p:tag name="ISLIDE.ICON" val="#172836;#172863;#172886;#172790;#172814;"/>
   <p:tag name="ISLIDE.PICTURE" val="#716981;#226011;#658884;#745761;"/>
 </p:tagLst>
 </file>
 
 <file path=ppt/tags/tag12.xml><?xml version="1.0" encoding="utf-8"?>
-<p:tagLst xmlns:p="http://schemas.openxmlformats.org/presentationml/2006/main">
+<p:tagLst xmlns:a="http://schemas.openxmlformats.org/drawingml/2006/main" xmlns:r="http://schemas.openxmlformats.org/officeDocument/2006/relationships" xmlns:p="http://schemas.openxmlformats.org/presentationml/2006/main">
   <p:tag name="ISLIDE.ICON" val="#172836;#172863;#172886;#172790;#172814;"/>
   <p:tag name="ISLIDE.PICTURE" val="#716981;#226011;#658884;#745761;"/>
 </p:tagLst>
 </file>
 
 <file path=ppt/tags/tag13.xml><?xml version="1.0" encoding="utf-8"?>
-<p:tagLst xmlns:p="http://schemas.openxmlformats.org/presentationml/2006/main">
+<p:tagLst xmlns:a="http://schemas.openxmlformats.org/drawingml/2006/main" xmlns:r="http://schemas.openxmlformats.org/officeDocument/2006/relationships" xmlns:p="http://schemas.openxmlformats.org/presentationml/2006/main">
   <p:tag name="ISLIDE.ICON" val="#172836;#172863;#172886;#172790;#172814;"/>
   <p:tag name="ISLIDE.PICTURE" val="#716981;#226011;#658884;#745761;"/>
 </p:tagLst>
 </file>
 
 <file path=ppt/tags/tag14.xml><?xml version="1.0" encoding="utf-8"?>
-<p:tagLst xmlns:p="http://schemas.openxmlformats.org/presentationml/2006/main">
+<p:tagLst xmlns:a="http://schemas.openxmlformats.org/drawingml/2006/main" xmlns:r="http://schemas.openxmlformats.org/officeDocument/2006/relationships" xmlns:p="http://schemas.openxmlformats.org/presentationml/2006/main">
   <p:tag name="ISLIDE.ICON" val="#172836;#172863;#172886;#172790;#172814;"/>
   <p:tag name="ISLIDE.PICTURE" val="#716981;#226011;#658884;#745761;"/>
 </p:tagLst>
 </file>
 
 <file path=ppt/tags/tag15.xml><?xml version="1.0" encoding="utf-8"?>
-<p:tagLst xmlns:p="http://schemas.openxmlformats.org/presentationml/2006/main">
+<p:tagLst xmlns:a="http://schemas.openxmlformats.org/drawingml/2006/main" xmlns:r="http://schemas.openxmlformats.org/officeDocument/2006/relationships" xmlns:p="http://schemas.openxmlformats.org/presentationml/2006/main">
+  <p:tag name="ISLIDE.ICON" val="#172836;#172863;#172886;#172790;#172814;"/>
+  <p:tag name="ISLIDE.PICTURE" val="#716981;#226011;#658884;#745761;"/>
+</p:tagLst>
+</file>
+
+<file path=ppt/tags/tag16.xml><?xml version="1.0" encoding="utf-8"?>
+<p:tagLst xmlns:a="http://schemas.openxmlformats.org/drawingml/2006/main" xmlns:r="http://schemas.openxmlformats.org/officeDocument/2006/relationships" xmlns:p="http://schemas.openxmlformats.org/presentationml/2006/main">
   <p:tag name="ISLIDE.ICON" val="#172836;#172863;#172886;#172790;#172814;"/>
   <p:tag name="ISLIDE.PICTURE" val="#716981;#226011;#658884;#745761;#704321;"/>
 </p:tagLst>
 </file>
 
-<file path=ppt/tags/tag16.xml><?xml version="1.0" encoding="utf-8"?>
-<p:tagLst xmlns:p="http://schemas.openxmlformats.org/presentationml/2006/main">
-  <p:tag name="KSO_WPP_MARK_KEY" val="0dbbe4e8-f874-4b04-8d5d-f5dd34260e2b"/>
-  <p:tag name="COMMONDATA" val="eyJoZGlkIjoiMmRjYjAxNWVhMTU3MWM2ZWMzODc5MWM5OGVlYzBkODkifQ=="/>
+<file path=ppt/tags/tag17.xml><?xml version="1.0" encoding="utf-8"?>
+<p:tagLst xmlns:a="http://schemas.openxmlformats.org/drawingml/2006/main" xmlns:r="http://schemas.openxmlformats.org/officeDocument/2006/relationships" xmlns:p="http://schemas.openxmlformats.org/presentationml/2006/main">
+  <p:tag name="ISLIDE.ICON" val="#172836;#172863;#172886;#172790;#172814;"/>
+  <p:tag name="ISLIDE.PICTURE" val="#716981;#226011;#658884;#745761;#704321;"/>
+</p:tagLst>
+</file>
+
+<file path=ppt/tags/tag18.xml><?xml version="1.0" encoding="utf-8"?>
+<p:tagLst xmlns:a="http://schemas.openxmlformats.org/drawingml/2006/main" xmlns:r="http://schemas.openxmlformats.org/officeDocument/2006/relationships" xmlns:p="http://schemas.openxmlformats.org/presentationml/2006/main">
+  <p:tag name="ISLIDE.ICON" val="#172836;#172863;#172886;#172790;#172814;"/>
+  <p:tag name="ISLIDE.PICTURE" val="#716981;#226011;#658884;#745761;#704321;"/>
 </p:tagLst>
 </file>
 
 <file path=ppt/tags/tag2.xml><?xml version="1.0" encoding="utf-8"?>
-<p:tagLst xmlns:p="http://schemas.openxmlformats.org/presentationml/2006/main">
-  <p:tag name="KSO_WM_BEAUTIFY_FLAG" val=""/>
+<p:tagLst xmlns:a="http://schemas.openxmlformats.org/drawingml/2006/main" xmlns:r="http://schemas.openxmlformats.org/officeDocument/2006/relationships" xmlns:p="http://schemas.openxmlformats.org/presentationml/2006/main">
+  <p:tag name="ISLIDE.PICTURE" val="#674369;#726056;#659108;"/>
 </p:tagLst>
 </file>
 
 <file path=ppt/tags/tag3.xml><?xml version="1.0" encoding="utf-8"?>
-<p:tagLst xmlns:p="http://schemas.openxmlformats.org/presentationml/2006/main">
+<p:tagLst xmlns:a="http://schemas.openxmlformats.org/drawingml/2006/main" xmlns:r="http://schemas.openxmlformats.org/officeDocument/2006/relationships" xmlns:p="http://schemas.openxmlformats.org/presentationml/2006/main">
   <p:tag name="ISLIDE.PICTURE" val="#674369;#726056;#659108;"/>
 </p:tagLst>
 </file>
 
 <file path=ppt/tags/tag4.xml><?xml version="1.0" encoding="utf-8"?>
-<p:tagLst xmlns:p="http://schemas.openxmlformats.org/presentationml/2006/main">
-  <p:tag name="ISLIDE.PICTURE" val="#674369;#726056;#659108;"/>
+<p:tagLst xmlns:a="http://schemas.openxmlformats.org/drawingml/2006/main" xmlns:r="http://schemas.openxmlformats.org/officeDocument/2006/relationships" xmlns:p="http://schemas.openxmlformats.org/presentationml/2006/main">
+  <p:tag name="KSO_WM_BEAUTIFY_FLAG" val=""/>
 </p:tagLst>
 </file>
 
 <file path=ppt/tags/tag5.xml><?xml version="1.0" encoding="utf-8"?>
-<p:tagLst xmlns:p="http://schemas.openxmlformats.org/presentationml/2006/main">
+<p:tagLst xmlns:a="http://schemas.openxmlformats.org/drawingml/2006/main" xmlns:r="http://schemas.openxmlformats.org/officeDocument/2006/relationships" xmlns:p="http://schemas.openxmlformats.org/presentationml/2006/main">
   <p:tag name="ISLIDE.PICTURE" val="#674369;#726056;#659108;"/>
 </p:tagLst>
 </file>
 
 <file path=ppt/tags/tag6.xml><?xml version="1.0" encoding="utf-8"?>
-<p:tagLst xmlns:p="http://schemas.openxmlformats.org/presentationml/2006/main">
+<p:tagLst xmlns:a="http://schemas.openxmlformats.org/drawingml/2006/main" xmlns:r="http://schemas.openxmlformats.org/officeDocument/2006/relationships" xmlns:p="http://schemas.openxmlformats.org/presentationml/2006/main">
   <p:tag name="ISLIDE.PICTURE" val="#674369;#726056;#659108;"/>
 </p:tagLst>
 </file>
 
 <file path=ppt/tags/tag7.xml><?xml version="1.0" encoding="utf-8"?>
-<p:tagLst xmlns:p="http://schemas.openxmlformats.org/presentationml/2006/main">
+<p:tagLst xmlns:a="http://schemas.openxmlformats.org/drawingml/2006/main" xmlns:r="http://schemas.openxmlformats.org/officeDocument/2006/relationships" xmlns:p="http://schemas.openxmlformats.org/presentationml/2006/main">
+  <p:tag name="ISLIDE.PICTURE" val="#674369;#726056;#659108;"/>
+</p:tagLst>
+</file>
+
+<file path=ppt/tags/tag8.xml><?xml version="1.0" encoding="utf-8"?>
+<p:tagLst xmlns:a="http://schemas.openxmlformats.org/drawingml/2006/main" xmlns:r="http://schemas.openxmlformats.org/officeDocument/2006/relationships" xmlns:p="http://schemas.openxmlformats.org/presentationml/2006/main">
   <p:tag name="ISLIDE.ICON" val="#172836;#172863;#172886;#172790;#172814;"/>
   <p:tag name="ISLIDE.PICTURE" val="#716981;#226011;#658884;#745761;#704321;"/>
 </p:tagLst>
 </file>
 
-<file path=ppt/tags/tag8.xml><?xml version="1.0" encoding="utf-8"?>
-<p:tagLst xmlns:p="http://schemas.openxmlformats.org/presentationml/2006/main">
-  <p:tag name="ISLIDE.ICON" val="#172836;#172863;#172886;#172790;#172814;"/>
-  <p:tag name="ISLIDE.PICTURE" val="#716981;#226011;#658884;#745761;"/>
-</p:tagLst>
-</file>
-
 <file path=ppt/tags/tag9.xml><?xml version="1.0" encoding="utf-8"?>
-<p:tagLst xmlns:p="http://schemas.openxmlformats.org/presentationml/2006/main">
+<p:tagLst xmlns:a="http://schemas.openxmlformats.org/drawingml/2006/main" xmlns:r="http://schemas.openxmlformats.org/officeDocument/2006/relationships" xmlns:p="http://schemas.openxmlformats.org/presentationml/2006/main">
   <p:tag name="ISLIDE.ICON" val="#172836;#172863;#172886;#172790;#172814;"/>
   <p:tag name="ISLIDE.PICTURE" val="#716981;#226011;#658884;#745761;"/>
 </p:tagLst>
@@ -15909,6 +17393,8 @@
       </a:bgFillStyleLst>
     </a:fmtScheme>
   </a:themeElements>
+  <a:objectDefaults/>
+  <a:extraClrSchemeLst/>
   <a:extLst>
     <a:ext uri="{05A4C25C-085E-4340-85A3-A5531E510DB2}">
       <thm15:themeFamily xmlns:thm15="http://schemas.microsoft.com/office/thememl/2012/main" name="Office Theme" id="{62F939B6-93AF-4DB8-9C6B-D6C7DFDC589F}" vid="{4A3C46E8-61CC-4603-A589-7422A47A8E4A}"/>
@@ -16168,6 +17654,8 @@
       </a:bgFillStyleLst>
     </a:fmtScheme>
   </a:themeElements>
+  <a:objectDefaults/>
+  <a:extraClrSchemeLst/>
   <a:extLst>
     <a:ext uri="{05A4C25C-085E-4340-85A3-A5531E510DB2}">
       <thm15:themeFamily xmlns:thm15="http://schemas.microsoft.com/office/thememl/2012/main" name="Office Theme" id="{62F939B6-93AF-4DB8-9C6B-D6C7DFDC589F}" vid="{4A3C46E8-61CC-4603-A589-7422A47A8E4A}"/>
@@ -16427,6 +17915,8 @@
       </a:bgFillStyleLst>
     </a:fmtScheme>
   </a:themeElements>
+  <a:objectDefaults/>
+  <a:extraClrSchemeLst/>
   <a:extLst>
     <a:ext uri="{05A4C25C-085E-4340-85A3-A5531E510DB2}">
       <thm15:themeFamily xmlns:thm15="http://schemas.microsoft.com/office/thememl/2012/main" name="Office Theme" id="{62F939B6-93AF-4DB8-9C6B-D6C7DFDC589F}" vid="{4A3C46E8-61CC-4603-A589-7422A47A8E4A}"/>
